--- a/Digestión anaerobía.Original.pptx
+++ b/Digestión anaerobía.Original.pptx
@@ -3119,7 +3119,7 @@
             <a:pPr rtl="0"/>
             <a:fld id="{F6F5BC08-78CA-498D-9F1D-99DBC5E7279A}" type="datetime1">
               <a:rPr lang="es-ES" smtClean="0"/>
-              <a:t>25/09/2024</a:t>
+              <a:t>30/09/2024</a:t>
             </a:fld>
             <a:endParaRPr lang="es-ES"/>
           </a:p>
@@ -3301,7 +3301,7 @@
             <a:pPr rtl="0"/>
             <a:fld id="{197AB024-BC3A-499C-969B-6DE1CE8485FA}" type="datetime1">
               <a:rPr lang="es-ES" noProof="0" smtClean="0"/>
-              <a:t>25/09/2024</a:t>
+              <a:t>30/09/2024</a:t>
             </a:fld>
             <a:endParaRPr lang="es-ES" noProof="0"/>
           </a:p>
@@ -9320,7 +9320,7 @@
               <a:rPr lang="es-419" dirty="0">
                 <a:effectLst/>
               </a:rPr>
-              <a:t>Para dar respuesta al problema de investigación se formuló el siguiente </a:t>
+              <a:t>Para dar respuesta al problema de investigación se formula el siguiente </a:t>
             </a:r>
             <a:r>
               <a:rPr lang="es-419" b="1" dirty="0">
@@ -9535,7 +9535,19 @@
               <a:rPr lang="es-419" dirty="0">
                 <a:effectLst/>
               </a:rPr>
-              <a:t> que guiarán el estudio de acuerdo a las necesidades planteadas son</a:t>
+              <a:t> que </a:t>
+            </a:r>
+            <a:r>
+              <a:rPr lang="es-419" dirty="0" err="1">
+                <a:effectLst/>
+              </a:rPr>
+              <a:t>guian</a:t>
+            </a:r>
+            <a:r>
+              <a:rPr lang="es-419" dirty="0">
+                <a:effectLst/>
+              </a:rPr>
+              <a:t> el estudio de acuerdo a las necesidades planteadas son</a:t>
             </a:r>
           </a:p>
           <a:p>
@@ -10346,7 +10358,7 @@
             <a:pPr rtl="0"/>
             <a:fld id="{5D55F8E0-15EE-4F5D-9B89-1204F0ACC521}" type="datetime1">
               <a:rPr lang="es-ES" noProof="0" smtClean="0"/>
-              <a:t>25/09/2024</a:t>
+              <a:t>30/09/2024</a:t>
             </a:fld>
             <a:endParaRPr lang="es-ES" noProof="0"/>
           </a:p>
@@ -10548,7 +10560,7 @@
             <a:pPr rtl="0"/>
             <a:fld id="{ADC1DAC4-6DB0-4047-AD64-D936B5B7EC85}" type="datetime1">
               <a:rPr lang="es-ES" noProof="0" smtClean="0"/>
-              <a:t>25/09/2024</a:t>
+              <a:t>30/09/2024</a:t>
             </a:fld>
             <a:endParaRPr lang="es-ES" noProof="0"/>
           </a:p>
@@ -10827,7 +10839,7 @@
             <a:pPr rtl="0"/>
             <a:fld id="{D318F348-85C5-41D5-934E-0A075066DE5B}" type="datetime1">
               <a:rPr lang="es-ES" noProof="0" smtClean="0"/>
-              <a:t>25/09/2024</a:t>
+              <a:t>30/09/2024</a:t>
             </a:fld>
             <a:endParaRPr lang="es-ES" noProof="0"/>
           </a:p>
@@ -11096,7 +11108,7 @@
             <a:pPr rtl="0"/>
             <a:fld id="{892EE1A9-D10A-4053-A6F4-3ACC0F92D709}" type="datetime1">
               <a:rPr lang="es-ES" noProof="0" smtClean="0"/>
-              <a:t>25/09/2024</a:t>
+              <a:t>30/09/2024</a:t>
             </a:fld>
             <a:endParaRPr lang="es-ES" noProof="0"/>
           </a:p>
@@ -11512,7 +11524,7 @@
             <a:pPr rtl="0"/>
             <a:fld id="{334B8034-4C7C-409B-9B30-A6875114DCE3}" type="datetime1">
               <a:rPr lang="es-ES" noProof="0" smtClean="0"/>
-              <a:t>25/09/2024</a:t>
+              <a:t>30/09/2024</a:t>
             </a:fld>
             <a:endParaRPr lang="es-ES" noProof="0"/>
           </a:p>
@@ -11657,7 +11669,7 @@
             <a:pPr rtl="0"/>
             <a:fld id="{064B1BBF-FF81-4427-BE2C-77E6F2EEB7CA}" type="datetime1">
               <a:rPr lang="es-ES" noProof="0" smtClean="0"/>
-              <a:t>25/09/2024</a:t>
+              <a:t>30/09/2024</a:t>
             </a:fld>
             <a:endParaRPr lang="es-ES" noProof="0"/>
           </a:p>
@@ -11773,7 +11785,7 @@
             <a:pPr rtl="0"/>
             <a:fld id="{5573EE7A-CF46-4097-BEB8-1D85537352EF}" type="datetime1">
               <a:rPr lang="es-ES" noProof="0" smtClean="0"/>
-              <a:t>25/09/2024</a:t>
+              <a:t>30/09/2024</a:t>
             </a:fld>
             <a:endParaRPr lang="es-ES" noProof="0"/>
           </a:p>
@@ -12088,7 +12100,7 @@
             <a:pPr rtl="0"/>
             <a:fld id="{9CB778B0-176B-4A13-AC17-74E4CFCDC958}" type="datetime1">
               <a:rPr lang="es-ES" noProof="0" smtClean="0"/>
-              <a:t>25/09/2024</a:t>
+              <a:t>30/09/2024</a:t>
             </a:fld>
             <a:endParaRPr lang="es-ES" noProof="0"/>
           </a:p>
@@ -12384,7 +12396,7 @@
             <a:pPr rtl="0"/>
             <a:fld id="{81950155-364E-4450-A2CE-9737BC8ACD1E}" type="datetime1">
               <a:rPr lang="es-ES" noProof="0" smtClean="0"/>
-              <a:t>25/09/2024</a:t>
+              <a:t>30/09/2024</a:t>
             </a:fld>
             <a:endParaRPr lang="es-ES" noProof="0"/>
           </a:p>
@@ -12629,7 +12641,7 @@
             <a:pPr rtl="0"/>
             <a:fld id="{57E25641-FCAC-4BCF-A80D-8CA0AC705B42}" type="datetime1">
               <a:rPr lang="es-ES" noProof="0" smtClean="0"/>
-              <a:t>25/09/2024</a:t>
+              <a:t>30/09/2024</a:t>
             </a:fld>
             <a:endParaRPr lang="es-ES" noProof="0"/>
           </a:p>
@@ -14360,7 +14372,7 @@
                 <a:latin typeface="Arial"/>
                 <a:sym typeface="Quicksand"/>
               </a:rPr>
-              <a:t>Sistema de gestión de experimentos durante el proceso de digestión anaerobia en el laboratorio de biogás de La Unidad de Desarrollo e Innovación del Centro de Estudios de Energía y Procesos Industriales (UDI-CEEPI) en la Universidad de Sancti Spíritus José Martí Pérez (UNISS).</a:t>
+              <a:t>Sistema de gestión de experimentos durante el proceso de digestión anaerobia en el laboratorio de biogás de UDI-CEEPI en la Universidad de Sancti Spíritus José Martí Pérez</a:t>
             </a:r>
           </a:p>
         </p:txBody>
@@ -21639,25 +21651,11 @@
               <a:buChar char="v"/>
             </a:pPr>
             <a:r>
-              <a:rPr lang="es-ES" sz="3600" u="sng">
-                <a:latin typeface="Arial" panose="020B0604020202020204" pitchFamily="34" charset="0"/>
-                <a:cs typeface="Arial" panose="020B0604020202020204" pitchFamily="34" charset="0"/>
-              </a:rPr>
-              <a:t>Pérdida</a:t>
-            </a:r>
-            <a:r>
-              <a:rPr lang="es-ES" sz="3600">
-                <a:latin typeface="Arial" panose="020B0604020202020204" pitchFamily="34" charset="0"/>
-                <a:cs typeface="Arial" panose="020B0604020202020204" pitchFamily="34" charset="0"/>
-              </a:rPr>
-              <a:t> </a:t>
-            </a:r>
-            <a:r>
               <a:rPr lang="es-ES" sz="3600" dirty="0">
                 <a:latin typeface="Arial" panose="020B0604020202020204" pitchFamily="34" charset="0"/>
                 <a:cs typeface="Arial" panose="020B0604020202020204" pitchFamily="34" charset="0"/>
               </a:rPr>
-              <a:t>de información.</a:t>
+              <a:t>Pérdida de información.</a:t>
             </a:r>
           </a:p>
           <a:p>
@@ -24165,7 +24163,7 @@
                 <a:latin typeface="Arial"/>
                 <a:sym typeface="Quicksand"/>
               </a:rPr>
-              <a:t>Sistema de gestión de experimentos durante el proceso de digestión anaerobia en el laboratorio de biogás de La Unidad de Desarrollo e Innovación del Centro de Estudios de Energía y Procesos Industriales (UDI-CEEPI) en la Universidad de Sancti Spíritus José Martí Pérez (UNISS).</a:t>
+              <a:t>Sistema de gestión de experimentos durante el proceso de digestión anaerobia en el laboratorio de biogás de UDI-CEEPI en la Universidad de Sancti Spíritus José Martí Pérez</a:t>
             </a:r>
           </a:p>
         </p:txBody>

--- a/Digestión anaerobía.Original.pptx
+++ b/Digestión anaerobía.Original.pptx
@@ -3119,7 +3119,7 @@
             <a:pPr rtl="0"/>
             <a:fld id="{F6F5BC08-78CA-498D-9F1D-99DBC5E7279A}" type="datetime1">
               <a:rPr lang="es-ES" smtClean="0"/>
-              <a:t>30/09/2024</a:t>
+              <a:t>01/10/2024</a:t>
             </a:fld>
             <a:endParaRPr lang="es-ES"/>
           </a:p>
@@ -3301,7 +3301,7 @@
             <a:pPr rtl="0"/>
             <a:fld id="{197AB024-BC3A-499C-969B-6DE1CE8485FA}" type="datetime1">
               <a:rPr lang="es-ES" noProof="0" smtClean="0"/>
-              <a:t>30/09/2024</a:t>
+              <a:t>01/10/2024</a:t>
             </a:fld>
             <a:endParaRPr lang="es-ES" noProof="0"/>
           </a:p>
@@ -8250,50 +8250,6 @@
           <a:lstStyle/>
           <a:p>
             <a:pPr rtl="0"/>
-            <a:r>
-              <a:rPr lang="es-419" dirty="0"/>
-              <a:t>Tras un análisis exhaustivo de los fundamentos teóricos y metodológicos, se determinó que la metodología RUP (Proceso Unificado de </a:t>
-            </a:r>
-            <a:r>
-              <a:rPr lang="es-419" dirty="0" err="1"/>
-              <a:t>Rational</a:t>
-            </a:r>
-            <a:r>
-              <a:rPr lang="es-419" dirty="0"/>
-              <a:t>) es la más adecuada para la implementación del sistema propuesto. Esta metodología no solo facilita una estructura sólida para el desarrollo, sino que también asegura una gestión eficiente a lo largo del ciclo de vida del proyecto. Asimismo, se seleccionó Express.js para el desarrollo del </a:t>
-            </a:r>
-            <a:r>
-              <a:rPr lang="es-419" dirty="0" err="1"/>
-              <a:t>backend</a:t>
-            </a:r>
-            <a:r>
-              <a:rPr lang="es-419" dirty="0"/>
-              <a:t>, mientras que para el </a:t>
-            </a:r>
-            <a:r>
-              <a:rPr lang="es-419" dirty="0" err="1"/>
-              <a:t>frontend</a:t>
-            </a:r>
-            <a:r>
-              <a:rPr lang="es-419" dirty="0"/>
-              <a:t> se optó por </a:t>
-            </a:r>
-            <a:r>
-              <a:rPr lang="es-419" dirty="0" err="1"/>
-              <a:t>Nuxt</a:t>
-            </a:r>
-            <a:r>
-              <a:rPr lang="es-419" dirty="0"/>
-              <a:t> 3 junto con </a:t>
-            </a:r>
-            <a:r>
-              <a:rPr lang="es-419" dirty="0" err="1"/>
-              <a:t>Tailwind</a:t>
-            </a:r>
-            <a:r>
-              <a:rPr lang="es-419" dirty="0"/>
-              <a:t> CSS.</a:t>
-            </a:r>
             <a:endParaRPr lang="es-ES" dirty="0"/>
           </a:p>
         </p:txBody>
@@ -9888,15 +9844,7 @@
             </a:pPr>
             <a:r>
               <a:rPr lang="es-419" b="1" dirty="0"/>
-              <a:t>Framework </a:t>
-            </a:r>
-            <a:r>
-              <a:rPr lang="es-419" b="1" dirty="0" err="1"/>
-              <a:t>backend</a:t>
-            </a:r>
-            <a:r>
-              <a:rPr lang="es-419" b="1" dirty="0"/>
-              <a:t> ligero y de alto rendimiento:</a:t>
+              <a:t>Framework backend ligero y de alto rendimiento:</a:t>
             </a:r>
             <a:endParaRPr lang="es-419" dirty="0"/>
           </a:p>
@@ -9996,12 +9944,8 @@
           </a:p>
           <a:p>
             <a:r>
-              <a:rPr lang="es-419" b="1" dirty="0" err="1"/>
-              <a:t>Tailwind</a:t>
-            </a:r>
-            <a:r>
               <a:rPr lang="es-419" b="1" dirty="0"/>
-              <a:t> CSS:</a:t>
+              <a:t>Tailwind CSS:</a:t>
             </a:r>
             <a:endParaRPr lang="es-419" dirty="0"/>
           </a:p>
@@ -10064,15 +10008,7 @@
             </a:r>
             <a:r>
               <a:rPr lang="es-419" dirty="0"/>
-              <a:t> proporciona un </a:t>
-            </a:r>
-            <a:r>
-              <a:rPr lang="es-419" dirty="0" err="1"/>
-              <a:t>backend</a:t>
-            </a:r>
-            <a:r>
-              <a:rPr lang="es-419" dirty="0"/>
-              <a:t> robusto y flexible.</a:t>
+              <a:t> proporciona un backend robusto y flexible.</a:t>
             </a:r>
           </a:p>
           <a:p>
@@ -10095,12 +10031,8 @@
               <a:buChar char="•"/>
             </a:pPr>
             <a:r>
-              <a:rPr lang="es-419" b="1" dirty="0" err="1"/>
-              <a:t>Tailwind</a:t>
-            </a:r>
-            <a:r>
               <a:rPr lang="es-419" b="1" dirty="0"/>
-              <a:t> CSS</a:t>
+              <a:t>Tailwind CSS</a:t>
             </a:r>
             <a:r>
               <a:rPr lang="es-419" dirty="0"/>
@@ -10358,7 +10290,7 @@
             <a:pPr rtl="0"/>
             <a:fld id="{5D55F8E0-15EE-4F5D-9B89-1204F0ACC521}" type="datetime1">
               <a:rPr lang="es-ES" noProof="0" smtClean="0"/>
-              <a:t>30/09/2024</a:t>
+              <a:t>01/10/2024</a:t>
             </a:fld>
             <a:endParaRPr lang="es-ES" noProof="0"/>
           </a:p>
@@ -10560,7 +10492,7 @@
             <a:pPr rtl="0"/>
             <a:fld id="{ADC1DAC4-6DB0-4047-AD64-D936B5B7EC85}" type="datetime1">
               <a:rPr lang="es-ES" noProof="0" smtClean="0"/>
-              <a:t>30/09/2024</a:t>
+              <a:t>01/10/2024</a:t>
             </a:fld>
             <a:endParaRPr lang="es-ES" noProof="0"/>
           </a:p>
@@ -10839,7 +10771,7 @@
             <a:pPr rtl="0"/>
             <a:fld id="{D318F348-85C5-41D5-934E-0A075066DE5B}" type="datetime1">
               <a:rPr lang="es-ES" noProof="0" smtClean="0"/>
-              <a:t>30/09/2024</a:t>
+              <a:t>01/10/2024</a:t>
             </a:fld>
             <a:endParaRPr lang="es-ES" noProof="0"/>
           </a:p>
@@ -11108,7 +11040,7 @@
             <a:pPr rtl="0"/>
             <a:fld id="{892EE1A9-D10A-4053-A6F4-3ACC0F92D709}" type="datetime1">
               <a:rPr lang="es-ES" noProof="0" smtClean="0"/>
-              <a:t>30/09/2024</a:t>
+              <a:t>01/10/2024</a:t>
             </a:fld>
             <a:endParaRPr lang="es-ES" noProof="0"/>
           </a:p>
@@ -11524,7 +11456,7 @@
             <a:pPr rtl="0"/>
             <a:fld id="{334B8034-4C7C-409B-9B30-A6875114DCE3}" type="datetime1">
               <a:rPr lang="es-ES" noProof="0" smtClean="0"/>
-              <a:t>30/09/2024</a:t>
+              <a:t>01/10/2024</a:t>
             </a:fld>
             <a:endParaRPr lang="es-ES" noProof="0"/>
           </a:p>
@@ -11669,7 +11601,7 @@
             <a:pPr rtl="0"/>
             <a:fld id="{064B1BBF-FF81-4427-BE2C-77E6F2EEB7CA}" type="datetime1">
               <a:rPr lang="es-ES" noProof="0" smtClean="0"/>
-              <a:t>30/09/2024</a:t>
+              <a:t>01/10/2024</a:t>
             </a:fld>
             <a:endParaRPr lang="es-ES" noProof="0"/>
           </a:p>
@@ -11785,7 +11717,7 @@
             <a:pPr rtl="0"/>
             <a:fld id="{5573EE7A-CF46-4097-BEB8-1D85537352EF}" type="datetime1">
               <a:rPr lang="es-ES" noProof="0" smtClean="0"/>
-              <a:t>30/09/2024</a:t>
+              <a:t>01/10/2024</a:t>
             </a:fld>
             <a:endParaRPr lang="es-ES" noProof="0"/>
           </a:p>
@@ -12100,7 +12032,7 @@
             <a:pPr rtl="0"/>
             <a:fld id="{9CB778B0-176B-4A13-AC17-74E4CFCDC958}" type="datetime1">
               <a:rPr lang="es-ES" noProof="0" smtClean="0"/>
-              <a:t>30/09/2024</a:t>
+              <a:t>01/10/2024</a:t>
             </a:fld>
             <a:endParaRPr lang="es-ES" noProof="0"/>
           </a:p>
@@ -12396,7 +12328,7 @@
             <a:pPr rtl="0"/>
             <a:fld id="{81950155-364E-4450-A2CE-9737BC8ACD1E}" type="datetime1">
               <a:rPr lang="es-ES" noProof="0" smtClean="0"/>
-              <a:t>30/09/2024</a:t>
+              <a:t>01/10/2024</a:t>
             </a:fld>
             <a:endParaRPr lang="es-ES" noProof="0"/>
           </a:p>
@@ -12641,7 +12573,7 @@
             <a:pPr rtl="0"/>
             <a:fld id="{57E25641-FCAC-4BCF-A80D-8CA0AC705B42}" type="datetime1">
               <a:rPr lang="es-ES" noProof="0" smtClean="0"/>
-              <a:t>30/09/2024</a:t>
+              <a:t>01/10/2024</a:t>
             </a:fld>
             <a:endParaRPr lang="es-ES" noProof="0"/>
           </a:p>
@@ -22547,8 +22479,8 @@
         </p:nvSpPr>
         <p:spPr>
           <a:xfrm>
-            <a:off x="565079" y="982176"/>
-            <a:ext cx="11478126" cy="4893647"/>
+            <a:off x="421106" y="1905506"/>
+            <a:ext cx="11413957" cy="3046988"/>
           </a:xfrm>
           <a:prstGeom prst="rect">
             <a:avLst/>
@@ -22567,91 +22499,7 @@
                 <a:latin typeface="Arial" panose="020B0604020202020204" pitchFamily="34" charset="0"/>
                 <a:cs typeface="Arial" panose="020B0604020202020204" pitchFamily="34" charset="0"/>
               </a:rPr>
-              <a:t>Tras un análisis exhaustivo de los fundamentos teóricos y metodológicos, se determinó que la metodología RUP (Proceso Unificado de </a:t>
-            </a:r>
-            <a:r>
-              <a:rPr lang="es-419" sz="2400" dirty="0" err="1">
-                <a:latin typeface="Arial" panose="020B0604020202020204" pitchFamily="34" charset="0"/>
-                <a:cs typeface="Arial" panose="020B0604020202020204" pitchFamily="34" charset="0"/>
-              </a:rPr>
-              <a:t>Rational</a:t>
-            </a:r>
-            <a:r>
-              <a:rPr lang="es-419" sz="2400" dirty="0">
-                <a:latin typeface="Arial" panose="020B0604020202020204" pitchFamily="34" charset="0"/>
-                <a:cs typeface="Arial" panose="020B0604020202020204" pitchFamily="34" charset="0"/>
-              </a:rPr>
-              <a:t>) es la más adecuada para la implementación del sistema propuesto. Esta metodología no solo facilita una estructura sólida para el desarrollo, sino que también asegura una gestión eficiente a lo largo del ciclo de vida del proyecto. Asimismo, se seleccionó Express.js para el desarrollo del </a:t>
-            </a:r>
-            <a:r>
-              <a:rPr lang="es-419" sz="2400" dirty="0" err="1">
-                <a:latin typeface="Arial" panose="020B0604020202020204" pitchFamily="34" charset="0"/>
-                <a:cs typeface="Arial" panose="020B0604020202020204" pitchFamily="34" charset="0"/>
-              </a:rPr>
-              <a:t>backend</a:t>
-            </a:r>
-            <a:r>
-              <a:rPr lang="es-419" sz="2400" dirty="0">
-                <a:latin typeface="Arial" panose="020B0604020202020204" pitchFamily="34" charset="0"/>
-                <a:cs typeface="Arial" panose="020B0604020202020204" pitchFamily="34" charset="0"/>
-              </a:rPr>
-              <a:t>, mientras que para el </a:t>
-            </a:r>
-            <a:r>
-              <a:rPr lang="es-419" sz="2400" dirty="0" err="1">
-                <a:latin typeface="Arial" panose="020B0604020202020204" pitchFamily="34" charset="0"/>
-                <a:cs typeface="Arial" panose="020B0604020202020204" pitchFamily="34" charset="0"/>
-              </a:rPr>
-              <a:t>frontend</a:t>
-            </a:r>
-            <a:r>
-              <a:rPr lang="es-419" sz="2400" dirty="0">
-                <a:latin typeface="Arial" panose="020B0604020202020204" pitchFamily="34" charset="0"/>
-                <a:cs typeface="Arial" panose="020B0604020202020204" pitchFamily="34" charset="0"/>
-              </a:rPr>
-              <a:t> se optó por </a:t>
-            </a:r>
-            <a:r>
-              <a:rPr lang="es-419" sz="2400" dirty="0" err="1">
-                <a:latin typeface="Arial" panose="020B0604020202020204" pitchFamily="34" charset="0"/>
-                <a:cs typeface="Arial" panose="020B0604020202020204" pitchFamily="34" charset="0"/>
-              </a:rPr>
-              <a:t>Nuxt</a:t>
-            </a:r>
-            <a:r>
-              <a:rPr lang="es-419" sz="2400" dirty="0">
-                <a:latin typeface="Arial" panose="020B0604020202020204" pitchFamily="34" charset="0"/>
-                <a:cs typeface="Arial" panose="020B0604020202020204" pitchFamily="34" charset="0"/>
-              </a:rPr>
-              <a:t> 3 junto con </a:t>
-            </a:r>
-            <a:r>
-              <a:rPr lang="es-419" sz="2400" dirty="0" err="1">
-                <a:latin typeface="Arial" panose="020B0604020202020204" pitchFamily="34" charset="0"/>
-                <a:cs typeface="Arial" panose="020B0604020202020204" pitchFamily="34" charset="0"/>
-              </a:rPr>
-              <a:t>Tailwind</a:t>
-            </a:r>
-            <a:r>
-              <a:rPr lang="es-419" sz="2400" dirty="0">
-                <a:latin typeface="Arial" panose="020B0604020202020204" pitchFamily="34" charset="0"/>
-                <a:cs typeface="Arial" panose="020B0604020202020204" pitchFamily="34" charset="0"/>
-              </a:rPr>
-              <a:t> CSS. Estos </a:t>
-            </a:r>
-            <a:r>
-              <a:rPr lang="es-419" sz="2400" dirty="0" err="1">
-                <a:latin typeface="Arial" panose="020B0604020202020204" pitchFamily="34" charset="0"/>
-                <a:cs typeface="Arial" panose="020B0604020202020204" pitchFamily="34" charset="0"/>
-              </a:rPr>
-              <a:t>frameworks</a:t>
-            </a:r>
-            <a:r>
-              <a:rPr lang="es-419" sz="2400" dirty="0">
-                <a:latin typeface="Arial" panose="020B0604020202020204" pitchFamily="34" charset="0"/>
-                <a:cs typeface="Arial" panose="020B0604020202020204" pitchFamily="34" charset="0"/>
-              </a:rPr>
-              <a:t> fueron elegidos por su flexibilidad y capacidad para integrar de manera eficaz diferentes tecnologías. En cuanto a la gestión de bases de datos, PostgreSQL se destacó como la mejor opción, gracias a su rendimiento robusto y escalabilidad, lo que lo hace ideal para las necesidades del sistema. La elección de estas herramientas, todas de código abierto, garantiza además una alta interoperabilidad y adaptación en diversos entornos de desarrollo y plataformas.</a:t>
+              <a:t>La metodología RUP se considera la más adecuada para documentar el sistema propuesto, ya que proporciona una estructura sólida y una gestión eficiente del ciclo de vida del proyecto. Se eligieron Express.js para el backend y Nuxt 3 junto con Tailwind CSS para el frontend debido a su flexibilidad. PostgreSQL fue seleccionado como la mejor opción para la gestión de bases de datos por su rendimiento y escalabilidad. Todas las herramientas elegidas son de código abierto, lo que garantiza alta interoperabilidad y adaptación en diferentes entornos de desarrollo.</a:t>
             </a:r>
           </a:p>
         </p:txBody>
@@ -22711,8 +22559,8 @@
         </p:nvSpPr>
         <p:spPr>
           <a:xfrm>
-            <a:off x="517358" y="582067"/>
-            <a:ext cx="11385884" cy="5693866"/>
+            <a:off x="541421" y="1443841"/>
+            <a:ext cx="11385884" cy="3970318"/>
           </a:xfrm>
           <a:prstGeom prst="rect">
             <a:avLst/>
@@ -22731,8 +22579,16 @@
                 <a:latin typeface="Arial" panose="020B0604020202020204" pitchFamily="34" charset="0"/>
                 <a:cs typeface="Arial" panose="020B0604020202020204" pitchFamily="34" charset="0"/>
               </a:rPr>
-              <a:t>La implementación de la metodología RUP en el diseño del sistema de gestión de experimentos de digestión anaerobia permitió estructurar de manera eficiente todas las fases del proyecto, desde la identificación de los requisitos hasta la creación de la arquitectura del sistema. El enfoque orientado a objetos, combinado con herramientas de código abierto, resultó en un diseño que no solo cumple con los requerimientos iniciales, sino que también es flexible y adaptable a futuras necesidades. Este diseño asegura que la plataforma no solo gestione de manera efectiva los datos de los experimentos, sino que también se mantenga escalable y sostenible en el tiempo, facilitando futuras actualizaciones y la integración de nuevas funcionalidades según las necesidades del Centro de Estudios de Energía y Procesos Industriales.</a:t>
+              <a:t>El uso de la metodología RUP en el sistema de gestión de experimentos de digestión anaerobia permitió estructurar eficientemente todas las fases del proyecto, desde la identificación de requisitos hasta la creación de la arquitectura. El enfoque orientado a objetos y el uso de herramientas de código abierto resultaron en un diseño flexible y adaptable que cumple con los requerimientos iniciales. Este diseño garantiza una gestión efectiva de los datos de los experimentos, así como escalabilidad y sostenibilidad, facilitando futuras actualizaciones e integraciones de nuevas funcionalidades</a:t>
             </a:r>
+            <a:r>
+              <a:rPr lang="es-419" sz="2800" dirty="0"/>
+              <a:t>.</a:t>
+            </a:r>
+            <a:endParaRPr lang="es-419" sz="2800" dirty="0">
+              <a:latin typeface="Arial" panose="020B0604020202020204" pitchFamily="34" charset="0"/>
+              <a:cs typeface="Arial" panose="020B0604020202020204" pitchFamily="34" charset="0"/>
+            </a:endParaRPr>
           </a:p>
         </p:txBody>
       </p:sp>
@@ -22791,8 +22647,8 @@
         </p:nvSpPr>
         <p:spPr>
           <a:xfrm>
-            <a:off x="433136" y="721895"/>
-            <a:ext cx="11273589" cy="4832092"/>
+            <a:off x="459205" y="1564105"/>
+            <a:ext cx="11273589" cy="3539430"/>
           </a:xfrm>
           <a:prstGeom prst="rect">
             <a:avLst/>
@@ -22811,7 +22667,7 @@
                 <a:latin typeface="Arial" panose="020B0604020202020204" pitchFamily="34" charset="0"/>
                 <a:cs typeface="Arial" panose="020B0604020202020204" pitchFamily="34" charset="0"/>
               </a:rPr>
-              <a:t>La implementación del sistema incluyó una rigurosa fase de pruebas, en la que se aplicaron pruebas de aceptación para validar que todas las funcionalidades desarrolladas cumplieran con los requisitos establecidos. Estas pruebas fueron cruciales para asegurar que el sistema gestionara los experimentos de digestión anaerobia de manera efectiva, proporcionando a los usuarios una experiencia intuitiva y eficiente. Las pruebas confirmaron que la solución tecnológica no solo es operativa, sino que también cumple con las expectativas del cliente, garantizando una interacción fluida con los datos y asegurando la confiabilidad y estabilidad del sistema en un entorno de uso real.</a:t>
+              <a:t>La implementación del sistema incluyó una rigurosa fase de pruebas de aceptación para validar que todas las funcionalidades cumplían con los requisitos establecidos. Estas pruebas fueron fundamentales para asegurar que el sistema gestionara los experimentos de digestión anaerobia de manera efectiva, ofreciendo una experiencia intuitiva y eficiente. Los resultados confirmaron que la solución tecnológica es operativa y cumple con las expectativas del cliente, garantizando confiabilidad y estabilidad en un entorno de uso real.</a:t>
             </a:r>
             <a:endParaRPr lang="es-US" sz="2800" dirty="0">
               <a:latin typeface="Arial" panose="020B0604020202020204" pitchFamily="34" charset="0"/>

--- a/Digestión anaerobía.Original.pptx
+++ b/Digestión anaerobía.Original.pptx
@@ -3119,7 +3119,7 @@
             <a:pPr rtl="0"/>
             <a:fld id="{F6F5BC08-78CA-498D-9F1D-99DBC5E7279A}" type="datetime1">
               <a:rPr lang="es-ES" smtClean="0"/>
-              <a:t>01/10/2024</a:t>
+              <a:t>05/10/2024</a:t>
             </a:fld>
             <a:endParaRPr lang="es-ES"/>
           </a:p>
@@ -3301,7 +3301,7 @@
             <a:pPr rtl="0"/>
             <a:fld id="{197AB024-BC3A-499C-969B-6DE1CE8485FA}" type="datetime1">
               <a:rPr lang="es-ES" noProof="0" smtClean="0"/>
-              <a:t>01/10/2024</a:t>
+              <a:t>05/10/2024</a:t>
             </a:fld>
             <a:endParaRPr lang="es-ES" noProof="0"/>
           </a:p>
@@ -10290,7 +10290,7 @@
             <a:pPr rtl="0"/>
             <a:fld id="{5D55F8E0-15EE-4F5D-9B89-1204F0ACC521}" type="datetime1">
               <a:rPr lang="es-ES" noProof="0" smtClean="0"/>
-              <a:t>01/10/2024</a:t>
+              <a:t>05/10/2024</a:t>
             </a:fld>
             <a:endParaRPr lang="es-ES" noProof="0"/>
           </a:p>
@@ -10492,7 +10492,7 @@
             <a:pPr rtl="0"/>
             <a:fld id="{ADC1DAC4-6DB0-4047-AD64-D936B5B7EC85}" type="datetime1">
               <a:rPr lang="es-ES" noProof="0" smtClean="0"/>
-              <a:t>01/10/2024</a:t>
+              <a:t>05/10/2024</a:t>
             </a:fld>
             <a:endParaRPr lang="es-ES" noProof="0"/>
           </a:p>
@@ -10771,7 +10771,7 @@
             <a:pPr rtl="0"/>
             <a:fld id="{D318F348-85C5-41D5-934E-0A075066DE5B}" type="datetime1">
               <a:rPr lang="es-ES" noProof="0" smtClean="0"/>
-              <a:t>01/10/2024</a:t>
+              <a:t>05/10/2024</a:t>
             </a:fld>
             <a:endParaRPr lang="es-ES" noProof="0"/>
           </a:p>
@@ -11040,7 +11040,7 @@
             <a:pPr rtl="0"/>
             <a:fld id="{892EE1A9-D10A-4053-A6F4-3ACC0F92D709}" type="datetime1">
               <a:rPr lang="es-ES" noProof="0" smtClean="0"/>
-              <a:t>01/10/2024</a:t>
+              <a:t>05/10/2024</a:t>
             </a:fld>
             <a:endParaRPr lang="es-ES" noProof="0"/>
           </a:p>
@@ -11456,7 +11456,7 @@
             <a:pPr rtl="0"/>
             <a:fld id="{334B8034-4C7C-409B-9B30-A6875114DCE3}" type="datetime1">
               <a:rPr lang="es-ES" noProof="0" smtClean="0"/>
-              <a:t>01/10/2024</a:t>
+              <a:t>05/10/2024</a:t>
             </a:fld>
             <a:endParaRPr lang="es-ES" noProof="0"/>
           </a:p>
@@ -11601,7 +11601,7 @@
             <a:pPr rtl="0"/>
             <a:fld id="{064B1BBF-FF81-4427-BE2C-77E6F2EEB7CA}" type="datetime1">
               <a:rPr lang="es-ES" noProof="0" smtClean="0"/>
-              <a:t>01/10/2024</a:t>
+              <a:t>05/10/2024</a:t>
             </a:fld>
             <a:endParaRPr lang="es-ES" noProof="0"/>
           </a:p>
@@ -11717,7 +11717,7 @@
             <a:pPr rtl="0"/>
             <a:fld id="{5573EE7A-CF46-4097-BEB8-1D85537352EF}" type="datetime1">
               <a:rPr lang="es-ES" noProof="0" smtClean="0"/>
-              <a:t>01/10/2024</a:t>
+              <a:t>05/10/2024</a:t>
             </a:fld>
             <a:endParaRPr lang="es-ES" noProof="0"/>
           </a:p>
@@ -12032,7 +12032,7 @@
             <a:pPr rtl="0"/>
             <a:fld id="{9CB778B0-176B-4A13-AC17-74E4CFCDC958}" type="datetime1">
               <a:rPr lang="es-ES" noProof="0" smtClean="0"/>
-              <a:t>01/10/2024</a:t>
+              <a:t>05/10/2024</a:t>
             </a:fld>
             <a:endParaRPr lang="es-ES" noProof="0"/>
           </a:p>
@@ -12328,7 +12328,7 @@
             <a:pPr rtl="0"/>
             <a:fld id="{81950155-364E-4450-A2CE-9737BC8ACD1E}" type="datetime1">
               <a:rPr lang="es-ES" noProof="0" smtClean="0"/>
-              <a:t>01/10/2024</a:t>
+              <a:t>05/10/2024</a:t>
             </a:fld>
             <a:endParaRPr lang="es-ES" noProof="0"/>
           </a:p>
@@ -12573,7 +12573,7 @@
             <a:pPr rtl="0"/>
             <a:fld id="{57E25641-FCAC-4BCF-A80D-8CA0AC705B42}" type="datetime1">
               <a:rPr lang="es-ES" noProof="0" smtClean="0"/>
-              <a:t>01/10/2024</a:t>
+              <a:t>05/10/2024</a:t>
             </a:fld>
             <a:endParaRPr lang="es-ES" noProof="0"/>
           </a:p>
@@ -15281,7 +15281,7 @@
                   <a:schemeClr val="tx1"/>
                 </a:solidFill>
               </a:rPr>
-              <a:t>Por cuestiones de organización las actividades que realiza el investigador se ubica por paquetes</a:t>
+              <a:t>Por cuestiones de organización las funcionalidades que realiza el investigador se representan por separado </a:t>
             </a:r>
             <a:endParaRPr lang="es-US" dirty="0">
               <a:solidFill>
@@ -19565,10 +19565,10 @@
       </p:pic>
       <p:pic>
         <p:nvPicPr>
-          <p:cNvPr id="3" name="Imagen 2">
+          <p:cNvPr id="8" name="Imagen 7">
             <a:extLst>
               <a:ext uri="{FF2B5EF4-FFF2-40B4-BE49-F238E27FC236}">
-                <a16:creationId xmlns:a16="http://schemas.microsoft.com/office/drawing/2014/main" id="{E0A4C8DE-D0C5-5809-B7A5-BCE6062F179F}"/>
+                <a16:creationId xmlns:a16="http://schemas.microsoft.com/office/drawing/2014/main" id="{2453C287-F67B-B2B3-22CF-19D2EDC33897}"/>
               </a:ext>
             </a:extLst>
           </p:cNvPr>
@@ -19585,8 +19585,8 @@
         </p:blipFill>
         <p:spPr>
           <a:xfrm>
-            <a:off x="0" y="1"/>
-            <a:ext cx="12192000" cy="6761746"/>
+            <a:off x="-144379" y="0"/>
+            <a:ext cx="12336379" cy="7399421"/>
           </a:xfrm>
           <a:prstGeom prst="rect">
             <a:avLst/>
@@ -19905,10 +19905,10 @@
       </p:sp>
       <p:pic>
         <p:nvPicPr>
-          <p:cNvPr id="5" name="Marcador de contenido 4">
+          <p:cNvPr id="7" name="Marcador de contenido 6">
             <a:extLst>
               <a:ext uri="{FF2B5EF4-FFF2-40B4-BE49-F238E27FC236}">
-                <a16:creationId xmlns:a16="http://schemas.microsoft.com/office/drawing/2014/main" id="{746FE635-38DB-8283-143E-13A78FA97262}"/>
+                <a16:creationId xmlns:a16="http://schemas.microsoft.com/office/drawing/2014/main" id="{97B45D5F-E511-9DC0-D396-B992B691CD24}"/>
               </a:ext>
             </a:extLst>
           </p:cNvPr>
@@ -19919,15 +19919,16 @@
             <p:ph idx="1"/>
           </p:nvPr>
         </p:nvPicPr>
-        <p:blipFill rotWithShape="1">
+        <p:blipFill>
           <a:blip r:embed="rId2"/>
-          <a:srcRect t="12759" r="983" b="5022"/>
-          <a:stretch/>
+          <a:stretch>
+            <a:fillRect/>
+          </a:stretch>
         </p:blipFill>
         <p:spPr>
           <a:xfrm>
-            <a:off x="0" y="0"/>
-            <a:ext cx="12192000" cy="6857999"/>
+            <a:off x="-60074" y="0"/>
+            <a:ext cx="12252074" cy="6858000"/>
           </a:xfrm>
         </p:spPr>
       </p:pic>
@@ -19988,10 +19989,10 @@
       </p:sp>
       <p:pic>
         <p:nvPicPr>
-          <p:cNvPr id="5" name="Marcador de contenido 4">
+          <p:cNvPr id="7" name="Marcador de contenido 6">
             <a:extLst>
               <a:ext uri="{FF2B5EF4-FFF2-40B4-BE49-F238E27FC236}">
-                <a16:creationId xmlns:a16="http://schemas.microsoft.com/office/drawing/2014/main" id="{4F283FB4-F8E7-7E2F-2ADF-8A1DF36A757F}"/>
+                <a16:creationId xmlns:a16="http://schemas.microsoft.com/office/drawing/2014/main" id="{23522BFF-4D73-829A-0FEA-919CE933A4F1}"/>
               </a:ext>
             </a:extLst>
           </p:cNvPr>
@@ -20002,15 +20003,16 @@
             <p:ph idx="1"/>
           </p:nvPr>
         </p:nvPicPr>
-        <p:blipFill rotWithShape="1">
+        <p:blipFill>
           <a:blip r:embed="rId2"/>
-          <a:srcRect t="12239" r="800" b="5916"/>
-          <a:stretch/>
+          <a:stretch>
+            <a:fillRect/>
+          </a:stretch>
         </p:blipFill>
         <p:spPr>
           <a:xfrm>
-            <a:off x="0" y="-108284"/>
-            <a:ext cx="12192000" cy="6966284"/>
+            <a:off x="-96252" y="0"/>
+            <a:ext cx="12288252" cy="6858000"/>
           </a:xfrm>
         </p:spPr>
       </p:pic>
@@ -20071,10 +20073,10 @@
       </p:sp>
       <p:pic>
         <p:nvPicPr>
-          <p:cNvPr id="5" name="Marcador de contenido 4">
+          <p:cNvPr id="7" name="Marcador de contenido 6">
             <a:extLst>
               <a:ext uri="{FF2B5EF4-FFF2-40B4-BE49-F238E27FC236}">
-                <a16:creationId xmlns:a16="http://schemas.microsoft.com/office/drawing/2014/main" id="{D7EEAF58-E41C-60D1-B8CB-EF17A8360911}"/>
+                <a16:creationId xmlns:a16="http://schemas.microsoft.com/office/drawing/2014/main" id="{BC532D11-5FBB-83CB-9C77-BA3FFB7057A1}"/>
               </a:ext>
             </a:extLst>
           </p:cNvPr>
@@ -20085,10 +20087,11 @@
             <p:ph idx="1"/>
           </p:nvPr>
         </p:nvPicPr>
-        <p:blipFill rotWithShape="1">
+        <p:blipFill>
           <a:blip r:embed="rId2"/>
-          <a:srcRect t="13069" r="955" b="4533"/>
-          <a:stretch/>
+          <a:stretch>
+            <a:fillRect/>
+          </a:stretch>
         </p:blipFill>
         <p:spPr>
           <a:xfrm>
@@ -20869,10 +20872,10 @@
       </p:pic>
       <p:pic>
         <p:nvPicPr>
-          <p:cNvPr id="9" name="Imagen 8">
+          <p:cNvPr id="3" name="Imagen 2">
             <a:extLst>
               <a:ext uri="{FF2B5EF4-FFF2-40B4-BE49-F238E27FC236}">
-                <a16:creationId xmlns:a16="http://schemas.microsoft.com/office/drawing/2014/main" id="{28FF8E45-BDE0-95FC-D85B-404245B23A50}"/>
+                <a16:creationId xmlns:a16="http://schemas.microsoft.com/office/drawing/2014/main" id="{41D97226-C864-8174-5AA6-F564E54D3C9A}"/>
               </a:ext>
             </a:extLst>
           </p:cNvPr>
@@ -20889,8 +20892,8 @@
         </p:blipFill>
         <p:spPr>
           <a:xfrm>
-            <a:off x="2169768" y="901198"/>
-            <a:ext cx="7593494" cy="4731025"/>
+            <a:off x="2568378" y="1251601"/>
+            <a:ext cx="7194884" cy="4354798"/>
           </a:xfrm>
           <a:prstGeom prst="rect">
             <a:avLst/>
@@ -21118,10 +21121,10 @@
       </p:pic>
       <p:pic>
         <p:nvPicPr>
-          <p:cNvPr id="3" name="Imagen 2">
+          <p:cNvPr id="8" name="Imagen 7">
             <a:extLst>
               <a:ext uri="{FF2B5EF4-FFF2-40B4-BE49-F238E27FC236}">
-                <a16:creationId xmlns:a16="http://schemas.microsoft.com/office/drawing/2014/main" id="{51F2E346-E822-5ED2-3D3A-6672D1029E41}"/>
+                <a16:creationId xmlns:a16="http://schemas.microsoft.com/office/drawing/2014/main" id="{14ED7610-75C3-D25D-48B8-BE895876E5A1}"/>
               </a:ext>
             </a:extLst>
           </p:cNvPr>
@@ -21856,10 +21859,10 @@
       </p:pic>
       <p:pic>
         <p:nvPicPr>
-          <p:cNvPr id="9" name="Imagen 8">
+          <p:cNvPr id="3" name="Imagen 2">
             <a:extLst>
               <a:ext uri="{FF2B5EF4-FFF2-40B4-BE49-F238E27FC236}">
-                <a16:creationId xmlns:a16="http://schemas.microsoft.com/office/drawing/2014/main" id="{2AF75EE0-D061-E651-A871-137F348BFC6F}"/>
+                <a16:creationId xmlns:a16="http://schemas.microsoft.com/office/drawing/2014/main" id="{5C43ACB4-3F54-3E62-00DD-B4435711BCE2}"/>
               </a:ext>
             </a:extLst>
           </p:cNvPr>
@@ -21876,8 +21879,8 @@
         </p:blipFill>
         <p:spPr>
           <a:xfrm>
-            <a:off x="1780754" y="983848"/>
-            <a:ext cx="8461522" cy="4444848"/>
+            <a:off x="2629944" y="1172001"/>
+            <a:ext cx="6932111" cy="4373626"/>
           </a:xfrm>
           <a:prstGeom prst="rect">
             <a:avLst/>
@@ -22105,10 +22108,10 @@
       </p:pic>
       <p:pic>
         <p:nvPicPr>
-          <p:cNvPr id="3" name="Imagen 2">
+          <p:cNvPr id="8" name="Imagen 7">
             <a:extLst>
               <a:ext uri="{FF2B5EF4-FFF2-40B4-BE49-F238E27FC236}">
-                <a16:creationId xmlns:a16="http://schemas.microsoft.com/office/drawing/2014/main" id="{A36A498B-05BD-4C41-631B-ECB4FB83D507}"/>
+                <a16:creationId xmlns:a16="http://schemas.microsoft.com/office/drawing/2014/main" id="{68F1E4DE-B9A9-49ED-85B8-5868AE280E75}"/>
               </a:ext>
             </a:extLst>
           </p:cNvPr>
@@ -22125,8 +22128,8 @@
         </p:blipFill>
         <p:spPr>
           <a:xfrm>
-            <a:off x="0" y="0"/>
-            <a:ext cx="12192000" cy="6858000"/>
+            <a:off x="-96253" y="0"/>
+            <a:ext cx="12288253" cy="6857999"/>
           </a:xfrm>
           <a:prstGeom prst="rect">
             <a:avLst/>

--- a/Digestión anaerobía.Original.pptx
+++ b/Digestión anaerobía.Original.pptx
@@ -3119,7 +3119,7 @@
             <a:pPr rtl="0"/>
             <a:fld id="{F6F5BC08-78CA-498D-9F1D-99DBC5E7279A}" type="datetime1">
               <a:rPr lang="es-ES" smtClean="0"/>
-              <a:t>05/10/2024</a:t>
+              <a:t>09/10/2024</a:t>
             </a:fld>
             <a:endParaRPr lang="es-ES"/>
           </a:p>
@@ -3301,7 +3301,7 @@
             <a:pPr rtl="0"/>
             <a:fld id="{197AB024-BC3A-499C-969B-6DE1CE8485FA}" type="datetime1">
               <a:rPr lang="es-ES" noProof="0" smtClean="0"/>
-              <a:t>05/10/2024</a:t>
+              <a:t>09/10/2024</a:t>
             </a:fld>
             <a:endParaRPr lang="es-ES" noProof="0"/>
           </a:p>
@@ -10290,7 +10290,7 @@
             <a:pPr rtl="0"/>
             <a:fld id="{5D55F8E0-15EE-4F5D-9B89-1204F0ACC521}" type="datetime1">
               <a:rPr lang="es-ES" noProof="0" smtClean="0"/>
-              <a:t>05/10/2024</a:t>
+              <a:t>09/10/2024</a:t>
             </a:fld>
             <a:endParaRPr lang="es-ES" noProof="0"/>
           </a:p>
@@ -10492,7 +10492,7 @@
             <a:pPr rtl="0"/>
             <a:fld id="{ADC1DAC4-6DB0-4047-AD64-D936B5B7EC85}" type="datetime1">
               <a:rPr lang="es-ES" noProof="0" smtClean="0"/>
-              <a:t>05/10/2024</a:t>
+              <a:t>09/10/2024</a:t>
             </a:fld>
             <a:endParaRPr lang="es-ES" noProof="0"/>
           </a:p>
@@ -10771,7 +10771,7 @@
             <a:pPr rtl="0"/>
             <a:fld id="{D318F348-85C5-41D5-934E-0A075066DE5B}" type="datetime1">
               <a:rPr lang="es-ES" noProof="0" smtClean="0"/>
-              <a:t>05/10/2024</a:t>
+              <a:t>09/10/2024</a:t>
             </a:fld>
             <a:endParaRPr lang="es-ES" noProof="0"/>
           </a:p>
@@ -11040,7 +11040,7 @@
             <a:pPr rtl="0"/>
             <a:fld id="{892EE1A9-D10A-4053-A6F4-3ACC0F92D709}" type="datetime1">
               <a:rPr lang="es-ES" noProof="0" smtClean="0"/>
-              <a:t>05/10/2024</a:t>
+              <a:t>09/10/2024</a:t>
             </a:fld>
             <a:endParaRPr lang="es-ES" noProof="0"/>
           </a:p>
@@ -11456,7 +11456,7 @@
             <a:pPr rtl="0"/>
             <a:fld id="{334B8034-4C7C-409B-9B30-A6875114DCE3}" type="datetime1">
               <a:rPr lang="es-ES" noProof="0" smtClean="0"/>
-              <a:t>05/10/2024</a:t>
+              <a:t>09/10/2024</a:t>
             </a:fld>
             <a:endParaRPr lang="es-ES" noProof="0"/>
           </a:p>
@@ -11601,7 +11601,7 @@
             <a:pPr rtl="0"/>
             <a:fld id="{064B1BBF-FF81-4427-BE2C-77E6F2EEB7CA}" type="datetime1">
               <a:rPr lang="es-ES" noProof="0" smtClean="0"/>
-              <a:t>05/10/2024</a:t>
+              <a:t>09/10/2024</a:t>
             </a:fld>
             <a:endParaRPr lang="es-ES" noProof="0"/>
           </a:p>
@@ -11717,7 +11717,7 @@
             <a:pPr rtl="0"/>
             <a:fld id="{5573EE7A-CF46-4097-BEB8-1D85537352EF}" type="datetime1">
               <a:rPr lang="es-ES" noProof="0" smtClean="0"/>
-              <a:t>05/10/2024</a:t>
+              <a:t>09/10/2024</a:t>
             </a:fld>
             <a:endParaRPr lang="es-ES" noProof="0"/>
           </a:p>
@@ -12032,7 +12032,7 @@
             <a:pPr rtl="0"/>
             <a:fld id="{9CB778B0-176B-4A13-AC17-74E4CFCDC958}" type="datetime1">
               <a:rPr lang="es-ES" noProof="0" smtClean="0"/>
-              <a:t>05/10/2024</a:t>
+              <a:t>09/10/2024</a:t>
             </a:fld>
             <a:endParaRPr lang="es-ES" noProof="0"/>
           </a:p>
@@ -12328,7 +12328,7 @@
             <a:pPr rtl="0"/>
             <a:fld id="{81950155-364E-4450-A2CE-9737BC8ACD1E}" type="datetime1">
               <a:rPr lang="es-ES" noProof="0" smtClean="0"/>
-              <a:t>05/10/2024</a:t>
+              <a:t>09/10/2024</a:t>
             </a:fld>
             <a:endParaRPr lang="es-ES" noProof="0"/>
           </a:p>
@@ -12573,7 +12573,7 @@
             <a:pPr rtl="0"/>
             <a:fld id="{57E25641-FCAC-4BCF-A80D-8CA0AC705B42}" type="datetime1">
               <a:rPr lang="es-ES" noProof="0" smtClean="0"/>
-              <a:t>05/10/2024</a:t>
+              <a:t>09/10/2024</a:t>
             </a:fld>
             <a:endParaRPr lang="es-ES" noProof="0"/>
           </a:p>
@@ -15405,10 +15405,10 @@
       </p:grpSpPr>
       <p:pic>
         <p:nvPicPr>
-          <p:cNvPr id="3" name="Imagen 2">
+          <p:cNvPr id="4" name="Imagen 3">
             <a:extLst>
               <a:ext uri="{FF2B5EF4-FFF2-40B4-BE49-F238E27FC236}">
-                <a16:creationId xmlns:a16="http://schemas.microsoft.com/office/drawing/2014/main" id="{523F5F5E-5FF6-5FA1-3E51-0E764E46A93B}"/>
+                <a16:creationId xmlns:a16="http://schemas.microsoft.com/office/drawing/2014/main" id="{55A172B6-8B1D-7D81-D08B-6D8C628622EF}"/>
               </a:ext>
             </a:extLst>
           </p:cNvPr>
@@ -15426,7 +15426,7 @@
         <p:spPr>
           <a:xfrm>
             <a:off x="0" y="0"/>
-            <a:ext cx="12192000" cy="6857999"/>
+            <a:ext cx="12192000" cy="6858000"/>
           </a:xfrm>
           <a:prstGeom prst="rect">
             <a:avLst/>
@@ -17883,10 +17883,10 @@
       </p:grpSpPr>
       <p:pic>
         <p:nvPicPr>
-          <p:cNvPr id="3" name="Imagen 2">
+          <p:cNvPr id="6" name="Imagen 5">
             <a:extLst>
               <a:ext uri="{FF2B5EF4-FFF2-40B4-BE49-F238E27FC236}">
-                <a16:creationId xmlns:a16="http://schemas.microsoft.com/office/drawing/2014/main" id="{B7A6DA62-090C-EB05-CC96-0EFDAE390E4C}"/>
+                <a16:creationId xmlns:a16="http://schemas.microsoft.com/office/drawing/2014/main" id="{21E976E7-082F-5E49-24B7-162CA19CA639}"/>
               </a:ext>
             </a:extLst>
           </p:cNvPr>

--- a/Digestión anaerobía.Original.pptx
+++ b/Digestión anaerobía.Original.pptx
@@ -5,10 +5,10 @@
     <p:sldMasterId id="2147483648" r:id="rId1"/>
   </p:sldMasterIdLst>
   <p:notesMasterIdLst>
-    <p:notesMasterId r:id="rId48"/>
+    <p:notesMasterId r:id="rId50"/>
   </p:notesMasterIdLst>
   <p:handoutMasterIdLst>
-    <p:handoutMasterId r:id="rId49"/>
+    <p:handoutMasterId r:id="rId51"/>
   </p:handoutMasterIdLst>
   <p:sldIdLst>
     <p:sldId id="256" r:id="rId2"/>
@@ -41,22 +41,24 @@
     <p:sldId id="304" r:id="rId29"/>
     <p:sldId id="308" r:id="rId30"/>
     <p:sldId id="314" r:id="rId31"/>
-    <p:sldId id="315" r:id="rId32"/>
-    <p:sldId id="318" r:id="rId33"/>
-    <p:sldId id="319" r:id="rId34"/>
-    <p:sldId id="320" r:id="rId35"/>
-    <p:sldId id="321" r:id="rId36"/>
-    <p:sldId id="310" r:id="rId37"/>
-    <p:sldId id="326" r:id="rId38"/>
-    <p:sldId id="327" r:id="rId39"/>
-    <p:sldId id="317" r:id="rId40"/>
-    <p:sldId id="328" r:id="rId41"/>
-    <p:sldId id="316" r:id="rId42"/>
-    <p:sldId id="311" r:id="rId43"/>
-    <p:sldId id="324" r:id="rId44"/>
-    <p:sldId id="322" r:id="rId45"/>
-    <p:sldId id="323" r:id="rId46"/>
-    <p:sldId id="309" r:id="rId47"/>
+    <p:sldId id="318" r:id="rId32"/>
+    <p:sldId id="319" r:id="rId33"/>
+    <p:sldId id="334" r:id="rId34"/>
+    <p:sldId id="310" r:id="rId35"/>
+    <p:sldId id="326" r:id="rId36"/>
+    <p:sldId id="327" r:id="rId37"/>
+    <p:sldId id="317" r:id="rId38"/>
+    <p:sldId id="328" r:id="rId39"/>
+    <p:sldId id="316" r:id="rId40"/>
+    <p:sldId id="330" r:id="rId41"/>
+    <p:sldId id="333" r:id="rId42"/>
+    <p:sldId id="331" r:id="rId43"/>
+    <p:sldId id="311" r:id="rId44"/>
+    <p:sldId id="324" r:id="rId45"/>
+    <p:sldId id="322" r:id="rId46"/>
+    <p:sldId id="323" r:id="rId47"/>
+    <p:sldId id="335" r:id="rId48"/>
+    <p:sldId id="309" r:id="rId49"/>
   </p:sldIdLst>
   <p:sldSz cx="12192000" cy="6858000"/>
   <p:notesSz cx="6858000" cy="9144000"/>
@@ -1047,7 +1049,7 @@
       <dgm:spPr/>
     </dgm:pt>
     <dgm:pt modelId="{051732FD-8469-464B-87B4-313FB0201B21}" type="pres">
-      <dgm:prSet presAssocID="{69C05B2E-9E3D-4B67-8620-7BFB0FE6D56C}" presName="Image" presStyleLbl="alignNode1" presStyleIdx="0" presStyleCnt="3" custLinFactNeighborX="-14040" custLinFactNeighborY="12185"/>
+      <dgm:prSet presAssocID="{69C05B2E-9E3D-4B67-8620-7BFB0FE6D56C}" presName="Image" presStyleLbl="alignNode1" presStyleIdx="0" presStyleCnt="3" custLinFactNeighborX="-11665" custLinFactNeighborY="9026"/>
       <dgm:spPr>
         <a:blipFill>
           <a:blip xmlns:r="http://schemas.openxmlformats.org/officeDocument/2006/relationships" r:embed="rId1">
@@ -1081,7 +1083,7 @@
       <dgm:spPr/>
     </dgm:pt>
     <dgm:pt modelId="{F8CD3EDA-14FD-4538-A705-B1D91A96E9E6}" type="pres">
-      <dgm:prSet presAssocID="{46AD043C-17A6-4ACB-98BF-E34DAAE0AB8C}" presName="Image" presStyleLbl="alignNode1" presStyleIdx="1" presStyleCnt="3"/>
+      <dgm:prSet presAssocID="{46AD043C-17A6-4ACB-98BF-E34DAAE0AB8C}" presName="Image" presStyleLbl="alignNode1" presStyleIdx="1" presStyleCnt="3" custLinFactNeighborX="-475" custLinFactNeighborY="6175"/>
       <dgm:spPr>
         <a:blipFill>
           <a:blip xmlns:r="http://schemas.openxmlformats.org/officeDocument/2006/relationships" r:embed="rId2">
@@ -1188,7 +1190,7 @@
       </dsp:nvSpPr>
       <dsp:spPr>
         <a:xfrm>
-          <a:off x="661913" y="2881705"/>
+          <a:off x="722065" y="2881705"/>
           <a:ext cx="2532727" cy="2532727"/>
         </a:xfrm>
         <a:prstGeom prst="rect">
@@ -1303,7 +1305,7 @@
       </dsp:nvSpPr>
       <dsp:spPr>
         <a:xfrm>
-          <a:off x="4057090" y="2881705"/>
+          <a:off x="4045059" y="2881705"/>
           <a:ext cx="2532727" cy="2532727"/>
         </a:xfrm>
         <a:prstGeom prst="rect">
@@ -3119,7 +3121,7 @@
             <a:pPr rtl="0"/>
             <a:fld id="{F6F5BC08-78CA-498D-9F1D-99DBC5E7279A}" type="datetime1">
               <a:rPr lang="es-ES" smtClean="0"/>
-              <a:t>09/10/2024</a:t>
+              <a:t>13/10/2024</a:t>
             </a:fld>
             <a:endParaRPr lang="es-ES"/>
           </a:p>
@@ -3301,7 +3303,7 @@
             <a:pPr rtl="0"/>
             <a:fld id="{197AB024-BC3A-499C-969B-6DE1CE8485FA}" type="datetime1">
               <a:rPr lang="es-ES" noProof="0" smtClean="0"/>
-              <a:t>09/10/2024</a:t>
+              <a:t>13/10/2024</a:t>
             </a:fld>
             <a:endParaRPr lang="es-ES" noProof="0"/>
           </a:p>
@@ -3706,7 +3708,18 @@
           <a:lstStyle/>
           <a:p>
             <a:pPr rtl="0"/>
-            <a:endParaRPr lang="es-ES" dirty="0"/>
+            <a:r>
+              <a:rPr lang="es-ES" dirty="0"/>
+              <a:t>Modelado del negocio que  es la primera fase de </a:t>
+            </a:r>
+            <a:r>
+              <a:rPr lang="es-ES" dirty="0" err="1"/>
+              <a:t>rup</a:t>
+            </a:r>
+            <a:r>
+              <a:rPr lang="es-ES" dirty="0"/>
+              <a:t> </a:t>
+            </a:r>
           </a:p>
         </p:txBody>
       </p:sp>
@@ -6463,6 +6476,26 @@
           <a:lstStyle/>
           <a:p>
             <a:pPr rtl="0"/>
+            <a:r>
+              <a:rPr lang="es-ES" dirty="0" err="1"/>
+              <a:t>Qyitar</a:t>
+            </a:r>
+            <a:r>
+              <a:rPr lang="es-ES" dirty="0"/>
+              <a:t> http y añadir </a:t>
+            </a:r>
+            <a:r>
+              <a:rPr lang="es-ES" u="sng" dirty="0" err="1"/>
+              <a:t>node</a:t>
+            </a:r>
+            <a:r>
+              <a:rPr lang="es-ES" dirty="0"/>
+              <a:t> en </a:t>
+            </a:r>
+            <a:r>
+              <a:rPr lang="es-ES" dirty="0" err="1"/>
+              <a:t>frontend</a:t>
+            </a:r>
             <a:endParaRPr lang="es-ES" dirty="0"/>
           </a:p>
         </p:txBody>
@@ -7071,7 +7104,26 @@
           <a:lstStyle/>
           <a:p>
             <a:pPr rtl="0"/>
-            <a:endParaRPr lang="es-ES" dirty="0"/>
+            <a:r>
+              <a:rPr lang="es-ES" dirty="0"/>
+              <a:t>Finalmente para comprobar el correcto funcionamiento del software se han realizado algunas pruebas que </a:t>
+            </a:r>
+            <a:r>
+              <a:rPr lang="es-ES" dirty="0" err="1"/>
+              <a:t>asi</a:t>
+            </a:r>
+            <a:r>
+              <a:rPr lang="es-ES" dirty="0"/>
+              <a:t> lo demuestran , en este caso y hasta al momento se han realizado pruebas de </a:t>
+            </a:r>
+            <a:r>
+              <a:rPr lang="es-ES" dirty="0" err="1"/>
+              <a:t>aceptacion</a:t>
+            </a:r>
+            <a:r>
+              <a:rPr lang="es-ES" dirty="0"/>
+              <a:t> que consiste en verificar el correcto funcionamiento de las validación de los campos </a:t>
+            </a:r>
           </a:p>
         </p:txBody>
       </p:sp>
@@ -7139,7 +7191,7 @@
                 <a:tabLst/>
                 <a:defRPr/>
               </a:pPr>
-              <a:t>31</a:t>
+              <a:t>34</a:t>
             </a:fld>
             <a:endParaRPr kumimoji="0" lang="es-ES" sz="1200" b="0" i="0" u="none" strike="noStrike" kern="1200" cap="none" spc="0" normalizeH="0" baseline="0" noProof="0">
               <a:ln>
@@ -7161,7 +7213,7 @@
     </p:spTree>
     <p:extLst>
       <p:ext uri="{BB962C8B-B14F-4D97-AF65-F5344CB8AC3E}">
-        <p14:creationId xmlns:p14="http://schemas.microsoft.com/office/powerpoint/2010/main" val="2385152307"/>
+        <p14:creationId xmlns:p14="http://schemas.microsoft.com/office/powerpoint/2010/main" val="2549157280"/>
       </p:ext>
     </p:extLst>
   </p:cSld>
@@ -7216,26 +7268,152 @@
           <a:lstStyle/>
           <a:p>
             <a:pPr rtl="0"/>
-            <a:r>
-              <a:rPr lang="es-ES" dirty="0"/>
-              <a:t>Finalmente para comprobar el correcto funcionamiento del software se han realizado algunas pruebas que </a:t>
-            </a:r>
-            <a:r>
-              <a:rPr lang="es-ES" dirty="0" err="1"/>
-              <a:t>asi</a:t>
-            </a:r>
-            <a:r>
-              <a:rPr lang="es-ES" dirty="0"/>
-              <a:t> lo demuestran , en este caso y hasta al momento se han realizado pruebas de </a:t>
-            </a:r>
-            <a:r>
-              <a:rPr lang="es-ES" dirty="0" err="1"/>
-              <a:t>aceptacion</a:t>
-            </a:r>
-            <a:r>
-              <a:rPr lang="es-ES" dirty="0"/>
-              <a:t> que consiste en verificar el correcto funcionamiento de las validación de los campos </a:t>
-            </a:r>
+            <a:endParaRPr lang="es-ES" dirty="0"/>
+          </a:p>
+        </p:txBody>
+      </p:sp>
+      <p:sp>
+        <p:nvSpPr>
+          <p:cNvPr id="4" name="Marcador de número de diapositiva 3"/>
+          <p:cNvSpPr>
+            <a:spLocks noGrp="1"/>
+          </p:cNvSpPr>
+          <p:nvPr>
+            <p:ph type="sldNum" sz="quarter" idx="5"/>
+          </p:nvPr>
+        </p:nvSpPr>
+        <p:spPr/>
+        <p:txBody>
+          <a:bodyPr rtlCol="0"/>
+          <a:lstStyle/>
+          <a:p>
+            <a:pPr marL="0" marR="0" lvl="0" indent="0" algn="r" defTabSz="914400" rtl="0" eaLnBrk="1" fontAlgn="auto" latinLnBrk="0" hangingPunct="1">
+              <a:lnSpc>
+                <a:spcPct val="100000"/>
+              </a:lnSpc>
+              <a:spcBef>
+                <a:spcPts val="0"/>
+              </a:spcBef>
+              <a:spcAft>
+                <a:spcPts val="0"/>
+              </a:spcAft>
+              <a:buClrTx/>
+              <a:buSzTx/>
+              <a:buFontTx/>
+              <a:buNone/>
+              <a:tabLst/>
+              <a:defRPr/>
+            </a:pPr>
+            <a:fld id="{C853816F-A1CF-4485-B308-1B9F14B36EAD}" type="slidenum">
+              <a:rPr kumimoji="0" lang="es-ES" sz="1200" b="0" i="0" u="none" strike="noStrike" kern="1200" cap="none" spc="0" normalizeH="0" baseline="0" noProof="0" smtClean="0">
+                <a:ln>
+                  <a:noFill/>
+                </a:ln>
+                <a:solidFill>
+                  <a:prstClr val="black"/>
+                </a:solidFill>
+                <a:effectLst/>
+                <a:uLnTx/>
+                <a:uFillTx/>
+                <a:latin typeface="Calibri" panose="020F0502020204030204"/>
+                <a:ea typeface="+mn-ea"/>
+                <a:cs typeface="+mn-cs"/>
+              </a:rPr>
+              <a:pPr marL="0" marR="0" lvl="0" indent="0" algn="r" defTabSz="914400" rtl="0" eaLnBrk="1" fontAlgn="auto" latinLnBrk="0" hangingPunct="1">
+                <a:lnSpc>
+                  <a:spcPct val="100000"/>
+                </a:lnSpc>
+                <a:spcBef>
+                  <a:spcPts val="0"/>
+                </a:spcBef>
+                <a:spcAft>
+                  <a:spcPts val="0"/>
+                </a:spcAft>
+                <a:buClrTx/>
+                <a:buSzTx/>
+                <a:buFontTx/>
+                <a:buNone/>
+                <a:tabLst/>
+                <a:defRPr/>
+              </a:pPr>
+              <a:t>35</a:t>
+            </a:fld>
+            <a:endParaRPr kumimoji="0" lang="es-ES" sz="1200" b="0" i="0" u="none" strike="noStrike" kern="1200" cap="none" spc="0" normalizeH="0" baseline="0" noProof="0">
+              <a:ln>
+                <a:noFill/>
+              </a:ln>
+              <a:solidFill>
+                <a:prstClr val="black"/>
+              </a:solidFill>
+              <a:effectLst/>
+              <a:uLnTx/>
+              <a:uFillTx/>
+              <a:latin typeface="Calibri" panose="020F0502020204030204"/>
+              <a:ea typeface="+mn-ea"/>
+              <a:cs typeface="+mn-cs"/>
+            </a:endParaRPr>
+          </a:p>
+        </p:txBody>
+      </p:sp>
+    </p:spTree>
+    <p:extLst>
+      <p:ext uri="{BB962C8B-B14F-4D97-AF65-F5344CB8AC3E}">
+        <p14:creationId xmlns:p14="http://schemas.microsoft.com/office/powerpoint/2010/main" val="287012446"/>
+      </p:ext>
+    </p:extLst>
+  </p:cSld>
+  <p:clrMapOvr>
+    <a:masterClrMapping/>
+  </p:clrMapOvr>
+</p:notes>
+</file>
+
+<file path=ppt/notesSlides/notesSlide33.xml><?xml version="1.0" encoding="utf-8"?>
+<p:notes xmlns:a="http://schemas.openxmlformats.org/drawingml/2006/main" xmlns:r="http://schemas.openxmlformats.org/officeDocument/2006/relationships" xmlns:p="http://schemas.openxmlformats.org/presentationml/2006/main">
+  <p:cSld>
+    <p:spTree>
+      <p:nvGrpSpPr>
+        <p:cNvPr id="1" name=""/>
+        <p:cNvGrpSpPr/>
+        <p:nvPr/>
+      </p:nvGrpSpPr>
+      <p:grpSpPr>
+        <a:xfrm>
+          <a:off x="0" y="0"/>
+          <a:ext cx="0" cy="0"/>
+          <a:chOff x="0" y="0"/>
+          <a:chExt cx="0" cy="0"/>
+        </a:xfrm>
+      </p:grpSpPr>
+      <p:sp>
+        <p:nvSpPr>
+          <p:cNvPr id="2" name="Marcador de imagen de diapositiva 1"/>
+          <p:cNvSpPr>
+            <a:spLocks noGrp="1" noRot="1" noChangeAspect="1"/>
+          </p:cNvSpPr>
+          <p:nvPr>
+            <p:ph type="sldImg"/>
+          </p:nvPr>
+        </p:nvSpPr>
+        <p:spPr/>
+      </p:sp>
+      <p:sp>
+        <p:nvSpPr>
+          <p:cNvPr id="3" name="Marcador de notas 2"/>
+          <p:cNvSpPr>
+            <a:spLocks noGrp="1"/>
+          </p:cNvSpPr>
+          <p:nvPr>
+            <p:ph type="body" idx="1"/>
+          </p:nvPr>
+        </p:nvSpPr>
+        <p:spPr/>
+        <p:txBody>
+          <a:bodyPr rtlCol="0"/>
+          <a:lstStyle/>
+          <a:p>
+            <a:pPr rtl="0"/>
+            <a:endParaRPr lang="es-ES" dirty="0"/>
           </a:p>
         </p:txBody>
       </p:sp>
@@ -7325,7 +7503,7 @@
     </p:spTree>
     <p:extLst>
       <p:ext uri="{BB962C8B-B14F-4D97-AF65-F5344CB8AC3E}">
-        <p14:creationId xmlns:p14="http://schemas.microsoft.com/office/powerpoint/2010/main" val="2549157280"/>
+        <p14:creationId xmlns:p14="http://schemas.microsoft.com/office/powerpoint/2010/main" val="501352265"/>
       </p:ext>
     </p:extLst>
   </p:cSld>
@@ -7335,7 +7513,7 @@
 </p:notes>
 </file>
 
-<file path=ppt/notesSlides/notesSlide33.xml><?xml version="1.0" encoding="utf-8"?>
+<file path=ppt/notesSlides/notesSlide34.xml><?xml version="1.0" encoding="utf-8"?>
 <p:notes xmlns:a="http://schemas.openxmlformats.org/drawingml/2006/main" xmlns:r="http://schemas.openxmlformats.org/officeDocument/2006/relationships" xmlns:p="http://schemas.openxmlformats.org/presentationml/2006/main">
   <p:cSld>
     <p:spTree>
@@ -7470,7 +7648,7 @@
     </p:spTree>
     <p:extLst>
       <p:ext uri="{BB962C8B-B14F-4D97-AF65-F5344CB8AC3E}">
-        <p14:creationId xmlns:p14="http://schemas.microsoft.com/office/powerpoint/2010/main" val="287012446"/>
+        <p14:creationId xmlns:p14="http://schemas.microsoft.com/office/powerpoint/2010/main" val="1243085385"/>
       </p:ext>
     </p:extLst>
   </p:cSld>
@@ -7480,7 +7658,7 @@
 </p:notes>
 </file>
 
-<file path=ppt/notesSlides/notesSlide34.xml><?xml version="1.0" encoding="utf-8"?>
+<file path=ppt/notesSlides/notesSlide35.xml><?xml version="1.0" encoding="utf-8"?>
 <p:notes xmlns:a="http://schemas.openxmlformats.org/drawingml/2006/main" xmlns:r="http://schemas.openxmlformats.org/officeDocument/2006/relationships" xmlns:p="http://schemas.openxmlformats.org/presentationml/2006/main">
   <p:cSld>
     <p:spTree>
@@ -7615,7 +7793,7 @@
     </p:spTree>
     <p:extLst>
       <p:ext uri="{BB962C8B-B14F-4D97-AF65-F5344CB8AC3E}">
-        <p14:creationId xmlns:p14="http://schemas.microsoft.com/office/powerpoint/2010/main" val="501352265"/>
+        <p14:creationId xmlns:p14="http://schemas.microsoft.com/office/powerpoint/2010/main" val="2063225071"/>
       </p:ext>
     </p:extLst>
   </p:cSld>
@@ -7625,7 +7803,7 @@
 </p:notes>
 </file>
 
-<file path=ppt/notesSlides/notesSlide35.xml><?xml version="1.0" encoding="utf-8"?>
+<file path=ppt/notesSlides/notesSlide36.xml><?xml version="1.0" encoding="utf-8"?>
 <p:notes xmlns:a="http://schemas.openxmlformats.org/drawingml/2006/main" xmlns:r="http://schemas.openxmlformats.org/officeDocument/2006/relationships" xmlns:p="http://schemas.openxmlformats.org/presentationml/2006/main">
   <p:cSld>
     <p:spTree>
@@ -7760,7 +7938,7 @@
     </p:spTree>
     <p:extLst>
       <p:ext uri="{BB962C8B-B14F-4D97-AF65-F5344CB8AC3E}">
-        <p14:creationId xmlns:p14="http://schemas.microsoft.com/office/powerpoint/2010/main" val="1243085385"/>
+        <p14:creationId xmlns:p14="http://schemas.microsoft.com/office/powerpoint/2010/main" val="296456066"/>
       </p:ext>
     </p:extLst>
   </p:cSld>
@@ -7770,7 +7948,7 @@
 </p:notes>
 </file>
 
-<file path=ppt/notesSlides/notesSlide36.xml><?xml version="1.0" encoding="utf-8"?>
+<file path=ppt/notesSlides/notesSlide37.xml><?xml version="1.0" encoding="utf-8"?>
 <p:notes xmlns:a="http://schemas.openxmlformats.org/drawingml/2006/main" xmlns:r="http://schemas.openxmlformats.org/officeDocument/2006/relationships" xmlns:p="http://schemas.openxmlformats.org/presentationml/2006/main">
   <p:cSld>
     <p:spTree>
@@ -7815,6 +7993,10 @@
           <a:lstStyle/>
           <a:p>
             <a:pPr rtl="0"/>
+            <a:r>
+              <a:rPr lang="es-ES" dirty="0" err="1"/>
+              <a:t>laitjaus</a:t>
+            </a:r>
             <a:endParaRPr lang="es-ES" dirty="0"/>
           </a:p>
         </p:txBody>
@@ -7905,7 +8087,7 @@
     </p:spTree>
     <p:extLst>
       <p:ext uri="{BB962C8B-B14F-4D97-AF65-F5344CB8AC3E}">
-        <p14:creationId xmlns:p14="http://schemas.microsoft.com/office/powerpoint/2010/main" val="2063225071"/>
+        <p14:creationId xmlns:p14="http://schemas.microsoft.com/office/powerpoint/2010/main" val="444616487"/>
       </p:ext>
     </p:extLst>
   </p:cSld>
@@ -7915,7 +8097,7 @@
 </p:notes>
 </file>
 
-<file path=ppt/notesSlides/notesSlide37.xml><?xml version="1.0" encoding="utf-8"?>
+<file path=ppt/notesSlides/notesSlide38.xml><?xml version="1.0" encoding="utf-8"?>
 <p:notes xmlns:a="http://schemas.openxmlformats.org/drawingml/2006/main" xmlns:r="http://schemas.openxmlformats.org/officeDocument/2006/relationships" xmlns:p="http://schemas.openxmlformats.org/presentationml/2006/main">
   <p:cSld>
     <p:spTree>
@@ -7960,7 +8142,26 @@
           <a:lstStyle/>
           <a:p>
             <a:pPr rtl="0"/>
-            <a:endParaRPr lang="es-ES" dirty="0"/>
+            <a:r>
+              <a:rPr lang="es-ES" dirty="0"/>
+              <a:t>Finalmente para comprobar el correcto funcionamiento del software se han realizado algunas pruebas que </a:t>
+            </a:r>
+            <a:r>
+              <a:rPr lang="es-ES" dirty="0" err="1"/>
+              <a:t>asi</a:t>
+            </a:r>
+            <a:r>
+              <a:rPr lang="es-ES" dirty="0"/>
+              <a:t> lo demuestran , en este caso y hasta al momento se han realizado pruebas de </a:t>
+            </a:r>
+            <a:r>
+              <a:rPr lang="es-ES" dirty="0" err="1"/>
+              <a:t>aceptacion</a:t>
+            </a:r>
+            <a:r>
+              <a:rPr lang="es-ES" dirty="0"/>
+              <a:t> que consiste en verificar el correcto funcionamiento de las validación de los campos </a:t>
+            </a:r>
           </a:p>
         </p:txBody>
       </p:sp>
@@ -8050,7 +8251,7 @@
     </p:spTree>
     <p:extLst>
       <p:ext uri="{BB962C8B-B14F-4D97-AF65-F5344CB8AC3E}">
-        <p14:creationId xmlns:p14="http://schemas.microsoft.com/office/powerpoint/2010/main" val="296456066"/>
+        <p14:creationId xmlns:p14="http://schemas.microsoft.com/office/powerpoint/2010/main" val="950456828"/>
       </p:ext>
     </p:extLst>
   </p:cSld>
@@ -8060,7 +8261,7 @@
 </p:notes>
 </file>
 
-<file path=ppt/notesSlides/notesSlide38.xml><?xml version="1.0" encoding="utf-8"?>
+<file path=ppt/notesSlides/notesSlide39.xml><?xml version="1.0" encoding="utf-8"?>
 <p:notes xmlns:a="http://schemas.openxmlformats.org/drawingml/2006/main" xmlns:r="http://schemas.openxmlformats.org/officeDocument/2006/relationships" xmlns:p="http://schemas.openxmlformats.org/presentationml/2006/main">
   <p:cSld>
     <p:spTree>
@@ -8195,152 +8396,7 @@
     </p:spTree>
     <p:extLst>
       <p:ext uri="{BB962C8B-B14F-4D97-AF65-F5344CB8AC3E}">
-        <p14:creationId xmlns:p14="http://schemas.microsoft.com/office/powerpoint/2010/main" val="3718115664"/>
-      </p:ext>
-    </p:extLst>
-  </p:cSld>
-  <p:clrMapOvr>
-    <a:masterClrMapping/>
-  </p:clrMapOvr>
-</p:notes>
-</file>
-
-<file path=ppt/notesSlides/notesSlide39.xml><?xml version="1.0" encoding="utf-8"?>
-<p:notes xmlns:a="http://schemas.openxmlformats.org/drawingml/2006/main" xmlns:r="http://schemas.openxmlformats.org/officeDocument/2006/relationships" xmlns:p="http://schemas.openxmlformats.org/presentationml/2006/main">
-  <p:cSld>
-    <p:spTree>
-      <p:nvGrpSpPr>
-        <p:cNvPr id="1" name=""/>
-        <p:cNvGrpSpPr/>
-        <p:nvPr/>
-      </p:nvGrpSpPr>
-      <p:grpSpPr>
-        <a:xfrm>
-          <a:off x="0" y="0"/>
-          <a:ext cx="0" cy="0"/>
-          <a:chOff x="0" y="0"/>
-          <a:chExt cx="0" cy="0"/>
-        </a:xfrm>
-      </p:grpSpPr>
-      <p:sp>
-        <p:nvSpPr>
-          <p:cNvPr id="2" name="Marcador de imagen de diapositiva 1"/>
-          <p:cNvSpPr>
-            <a:spLocks noGrp="1" noRot="1" noChangeAspect="1"/>
-          </p:cNvSpPr>
-          <p:nvPr>
-            <p:ph type="sldImg"/>
-          </p:nvPr>
-        </p:nvSpPr>
-        <p:spPr/>
-      </p:sp>
-      <p:sp>
-        <p:nvSpPr>
-          <p:cNvPr id="3" name="Marcador de notas 2"/>
-          <p:cNvSpPr>
-            <a:spLocks noGrp="1"/>
-          </p:cNvSpPr>
-          <p:nvPr>
-            <p:ph type="body" idx="1"/>
-          </p:nvPr>
-        </p:nvSpPr>
-        <p:spPr/>
-        <p:txBody>
-          <a:bodyPr rtlCol="0"/>
-          <a:lstStyle/>
-          <a:p>
-            <a:pPr rtl="0"/>
-            <a:endParaRPr lang="es-ES" dirty="0"/>
-          </a:p>
-        </p:txBody>
-      </p:sp>
-      <p:sp>
-        <p:nvSpPr>
-          <p:cNvPr id="4" name="Marcador de número de diapositiva 3"/>
-          <p:cNvSpPr>
-            <a:spLocks noGrp="1"/>
-          </p:cNvSpPr>
-          <p:nvPr>
-            <p:ph type="sldNum" sz="quarter" idx="5"/>
-          </p:nvPr>
-        </p:nvSpPr>
-        <p:spPr/>
-        <p:txBody>
-          <a:bodyPr rtlCol="0"/>
-          <a:lstStyle/>
-          <a:p>
-            <a:pPr marL="0" marR="0" lvl="0" indent="0" algn="r" defTabSz="914400" rtl="0" eaLnBrk="1" fontAlgn="auto" latinLnBrk="0" hangingPunct="1">
-              <a:lnSpc>
-                <a:spcPct val="100000"/>
-              </a:lnSpc>
-              <a:spcBef>
-                <a:spcPts val="0"/>
-              </a:spcBef>
-              <a:spcAft>
-                <a:spcPts val="0"/>
-              </a:spcAft>
-              <a:buClrTx/>
-              <a:buSzTx/>
-              <a:buFontTx/>
-              <a:buNone/>
-              <a:tabLst/>
-              <a:defRPr/>
-            </a:pPr>
-            <a:fld id="{C853816F-A1CF-4485-B308-1B9F14B36EAD}" type="slidenum">
-              <a:rPr kumimoji="0" lang="es-ES" sz="1200" b="0" i="0" u="none" strike="noStrike" kern="1200" cap="none" spc="0" normalizeH="0" baseline="0" noProof="0" smtClean="0">
-                <a:ln>
-                  <a:noFill/>
-                </a:ln>
-                <a:solidFill>
-                  <a:prstClr val="black"/>
-                </a:solidFill>
-                <a:effectLst/>
-                <a:uLnTx/>
-                <a:uFillTx/>
-                <a:latin typeface="Calibri" panose="020F0502020204030204"/>
-                <a:ea typeface="+mn-ea"/>
-                <a:cs typeface="+mn-cs"/>
-              </a:rPr>
-              <a:pPr marL="0" marR="0" lvl="0" indent="0" algn="r" defTabSz="914400" rtl="0" eaLnBrk="1" fontAlgn="auto" latinLnBrk="0" hangingPunct="1">
-                <a:lnSpc>
-                  <a:spcPct val="100000"/>
-                </a:lnSpc>
-                <a:spcBef>
-                  <a:spcPts val="0"/>
-                </a:spcBef>
-                <a:spcAft>
-                  <a:spcPts val="0"/>
-                </a:spcAft>
-                <a:buClrTx/>
-                <a:buSzTx/>
-                <a:buFontTx/>
-                <a:buNone/>
-                <a:tabLst/>
-                <a:defRPr/>
-              </a:pPr>
-              <a:t>43</a:t>
-            </a:fld>
-            <a:endParaRPr kumimoji="0" lang="es-ES" sz="1200" b="0" i="0" u="none" strike="noStrike" kern="1200" cap="none" spc="0" normalizeH="0" baseline="0" noProof="0">
-              <a:ln>
-                <a:noFill/>
-              </a:ln>
-              <a:solidFill>
-                <a:prstClr val="black"/>
-              </a:solidFill>
-              <a:effectLst/>
-              <a:uLnTx/>
-              <a:uFillTx/>
-              <a:latin typeface="Calibri" panose="020F0502020204030204"/>
-              <a:ea typeface="+mn-ea"/>
-              <a:cs typeface="+mn-cs"/>
-            </a:endParaRPr>
-          </a:p>
-        </p:txBody>
-      </p:sp>
-    </p:spTree>
-    <p:extLst>
-      <p:ext uri="{BB962C8B-B14F-4D97-AF65-F5344CB8AC3E}">
-        <p14:creationId xmlns:p14="http://schemas.microsoft.com/office/powerpoint/2010/main" val="1969375827"/>
+        <p14:creationId xmlns:p14="http://schemas.microsoft.com/office/powerpoint/2010/main" val="846775016"/>
       </p:ext>
     </p:extLst>
   </p:cSld>
@@ -8736,6 +8792,151 @@
                 <a:tabLst/>
                 <a:defRPr/>
               </a:pPr>
+              <a:t>43</a:t>
+            </a:fld>
+            <a:endParaRPr kumimoji="0" lang="es-ES" sz="1200" b="0" i="0" u="none" strike="noStrike" kern="1200" cap="none" spc="0" normalizeH="0" baseline="0" noProof="0">
+              <a:ln>
+                <a:noFill/>
+              </a:ln>
+              <a:solidFill>
+                <a:prstClr val="black"/>
+              </a:solidFill>
+              <a:effectLst/>
+              <a:uLnTx/>
+              <a:uFillTx/>
+              <a:latin typeface="Calibri" panose="020F0502020204030204"/>
+              <a:ea typeface="+mn-ea"/>
+              <a:cs typeface="+mn-cs"/>
+            </a:endParaRPr>
+          </a:p>
+        </p:txBody>
+      </p:sp>
+    </p:spTree>
+    <p:extLst>
+      <p:ext uri="{BB962C8B-B14F-4D97-AF65-F5344CB8AC3E}">
+        <p14:creationId xmlns:p14="http://schemas.microsoft.com/office/powerpoint/2010/main" val="3718115664"/>
+      </p:ext>
+    </p:extLst>
+  </p:cSld>
+  <p:clrMapOvr>
+    <a:masterClrMapping/>
+  </p:clrMapOvr>
+</p:notes>
+</file>
+
+<file path=ppt/notesSlides/notesSlide41.xml><?xml version="1.0" encoding="utf-8"?>
+<p:notes xmlns:a="http://schemas.openxmlformats.org/drawingml/2006/main" xmlns:r="http://schemas.openxmlformats.org/officeDocument/2006/relationships" xmlns:p="http://schemas.openxmlformats.org/presentationml/2006/main">
+  <p:cSld>
+    <p:spTree>
+      <p:nvGrpSpPr>
+        <p:cNvPr id="1" name=""/>
+        <p:cNvGrpSpPr/>
+        <p:nvPr/>
+      </p:nvGrpSpPr>
+      <p:grpSpPr>
+        <a:xfrm>
+          <a:off x="0" y="0"/>
+          <a:ext cx="0" cy="0"/>
+          <a:chOff x="0" y="0"/>
+          <a:chExt cx="0" cy="0"/>
+        </a:xfrm>
+      </p:grpSpPr>
+      <p:sp>
+        <p:nvSpPr>
+          <p:cNvPr id="2" name="Marcador de imagen de diapositiva 1"/>
+          <p:cNvSpPr>
+            <a:spLocks noGrp="1" noRot="1" noChangeAspect="1"/>
+          </p:cNvSpPr>
+          <p:nvPr>
+            <p:ph type="sldImg"/>
+          </p:nvPr>
+        </p:nvSpPr>
+        <p:spPr/>
+      </p:sp>
+      <p:sp>
+        <p:nvSpPr>
+          <p:cNvPr id="3" name="Marcador de notas 2"/>
+          <p:cNvSpPr>
+            <a:spLocks noGrp="1"/>
+          </p:cNvSpPr>
+          <p:nvPr>
+            <p:ph type="body" idx="1"/>
+          </p:nvPr>
+        </p:nvSpPr>
+        <p:spPr/>
+        <p:txBody>
+          <a:bodyPr rtlCol="0"/>
+          <a:lstStyle/>
+          <a:p>
+            <a:pPr rtl="0"/>
+            <a:endParaRPr lang="es-ES" dirty="0"/>
+          </a:p>
+        </p:txBody>
+      </p:sp>
+      <p:sp>
+        <p:nvSpPr>
+          <p:cNvPr id="4" name="Marcador de número de diapositiva 3"/>
+          <p:cNvSpPr>
+            <a:spLocks noGrp="1"/>
+          </p:cNvSpPr>
+          <p:nvPr>
+            <p:ph type="sldNum" sz="quarter" idx="5"/>
+          </p:nvPr>
+        </p:nvSpPr>
+        <p:spPr/>
+        <p:txBody>
+          <a:bodyPr rtlCol="0"/>
+          <a:lstStyle/>
+          <a:p>
+            <a:pPr marL="0" marR="0" lvl="0" indent="0" algn="r" defTabSz="914400" rtl="0" eaLnBrk="1" fontAlgn="auto" latinLnBrk="0" hangingPunct="1">
+              <a:lnSpc>
+                <a:spcPct val="100000"/>
+              </a:lnSpc>
+              <a:spcBef>
+                <a:spcPts val="0"/>
+              </a:spcBef>
+              <a:spcAft>
+                <a:spcPts val="0"/>
+              </a:spcAft>
+              <a:buClrTx/>
+              <a:buSzTx/>
+              <a:buFontTx/>
+              <a:buNone/>
+              <a:tabLst/>
+              <a:defRPr/>
+            </a:pPr>
+            <a:fld id="{C853816F-A1CF-4485-B308-1B9F14B36EAD}" type="slidenum">
+              <a:rPr kumimoji="0" lang="es-ES" sz="1200" b="0" i="0" u="none" strike="noStrike" kern="1200" cap="none" spc="0" normalizeH="0" baseline="0" noProof="0" smtClean="0">
+                <a:ln>
+                  <a:noFill/>
+                </a:ln>
+                <a:solidFill>
+                  <a:prstClr val="black"/>
+                </a:solidFill>
+                <a:effectLst/>
+                <a:uLnTx/>
+                <a:uFillTx/>
+                <a:latin typeface="Calibri" panose="020F0502020204030204"/>
+                <a:ea typeface="+mn-ea"/>
+                <a:cs typeface="+mn-cs"/>
+              </a:rPr>
+              <a:pPr marL="0" marR="0" lvl="0" indent="0" algn="r" defTabSz="914400" rtl="0" eaLnBrk="1" fontAlgn="auto" latinLnBrk="0" hangingPunct="1">
+                <a:lnSpc>
+                  <a:spcPct val="100000"/>
+                </a:lnSpc>
+                <a:spcBef>
+                  <a:spcPts val="0"/>
+                </a:spcBef>
+                <a:spcAft>
+                  <a:spcPts val="0"/>
+                </a:spcAft>
+                <a:buClrTx/>
+                <a:buSzTx/>
+                <a:buFontTx/>
+                <a:buNone/>
+                <a:tabLst/>
+                <a:defRPr/>
+              </a:pPr>
               <a:t>44</a:t>
             </a:fld>
             <a:endParaRPr kumimoji="0" lang="es-ES" sz="1200" b="0" i="0" u="none" strike="noStrike" kern="1200" cap="none" spc="0" normalizeH="0" baseline="0" noProof="0">
@@ -8758,7 +8959,7 @@
     </p:spTree>
     <p:extLst>
       <p:ext uri="{BB962C8B-B14F-4D97-AF65-F5344CB8AC3E}">
-        <p14:creationId xmlns:p14="http://schemas.microsoft.com/office/powerpoint/2010/main" val="4054405350"/>
+        <p14:creationId xmlns:p14="http://schemas.microsoft.com/office/powerpoint/2010/main" val="1969375827"/>
       </p:ext>
     </p:extLst>
   </p:cSld>
@@ -8768,7 +8969,7 @@
 </p:notes>
 </file>
 
-<file path=ppt/notesSlides/notesSlide41.xml><?xml version="1.0" encoding="utf-8"?>
+<file path=ppt/notesSlides/notesSlide42.xml><?xml version="1.0" encoding="utf-8"?>
 <p:notes xmlns:a="http://schemas.openxmlformats.org/drawingml/2006/main" xmlns:r="http://schemas.openxmlformats.org/officeDocument/2006/relationships" xmlns:p="http://schemas.openxmlformats.org/presentationml/2006/main">
   <p:cSld>
     <p:spTree>
@@ -8903,7 +9104,7 @@
     </p:spTree>
     <p:extLst>
       <p:ext uri="{BB962C8B-B14F-4D97-AF65-F5344CB8AC3E}">
-        <p14:creationId xmlns:p14="http://schemas.microsoft.com/office/powerpoint/2010/main" val="2985536762"/>
+        <p14:creationId xmlns:p14="http://schemas.microsoft.com/office/powerpoint/2010/main" val="4054405350"/>
       </p:ext>
     </p:extLst>
   </p:cSld>
@@ -8913,7 +9114,7 @@
 </p:notes>
 </file>
 
-<file path=ppt/notesSlides/notesSlide42.xml><?xml version="1.0" encoding="utf-8"?>
+<file path=ppt/notesSlides/notesSlide43.xml><?xml version="1.0" encoding="utf-8"?>
 <p:notes xmlns:a="http://schemas.openxmlformats.org/drawingml/2006/main" xmlns:r="http://schemas.openxmlformats.org/officeDocument/2006/relationships" xmlns:p="http://schemas.openxmlformats.org/presentationml/2006/main">
   <p:cSld>
     <p:spTree>
@@ -8958,10 +9159,7 @@
           <a:lstStyle/>
           <a:p>
             <a:pPr rtl="0"/>
-            <a:r>
-              <a:rPr lang="es-ES" dirty="0"/>
-              <a:t>La Unidad de Desarrollo e Innovación del Centro de Estudios de Energía y Procesos Industriales (UDI-CEEPI) de la Universidad de Sancti Spíritus (UNISS) “José Martí Pérez”</a:t>
-            </a:r>
+            <a:endParaRPr lang="es-ES" dirty="0"/>
           </a:p>
         </p:txBody>
       </p:sp>
@@ -8980,10 +9178,303 @@
           <a:bodyPr rtlCol="0"/>
           <a:lstStyle/>
           <a:p>
+            <a:pPr marL="0" marR="0" lvl="0" indent="0" algn="r" defTabSz="914400" rtl="0" eaLnBrk="1" fontAlgn="auto" latinLnBrk="0" hangingPunct="1">
+              <a:lnSpc>
+                <a:spcPct val="100000"/>
+              </a:lnSpc>
+              <a:spcBef>
+                <a:spcPts val="0"/>
+              </a:spcBef>
+              <a:spcAft>
+                <a:spcPts val="0"/>
+              </a:spcAft>
+              <a:buClrTx/>
+              <a:buSzTx/>
+              <a:buFontTx/>
+              <a:buNone/>
+              <a:tabLst/>
+              <a:defRPr/>
+            </a:pPr>
+            <a:fld id="{C853816F-A1CF-4485-B308-1B9F14B36EAD}" type="slidenum">
+              <a:rPr kumimoji="0" lang="es-ES" sz="1200" b="0" i="0" u="none" strike="noStrike" kern="1200" cap="none" spc="0" normalizeH="0" baseline="0" noProof="0" smtClean="0">
+                <a:ln>
+                  <a:noFill/>
+                </a:ln>
+                <a:solidFill>
+                  <a:prstClr val="black"/>
+                </a:solidFill>
+                <a:effectLst/>
+                <a:uLnTx/>
+                <a:uFillTx/>
+                <a:latin typeface="Calibri" panose="020F0502020204030204"/>
+                <a:ea typeface="+mn-ea"/>
+                <a:cs typeface="+mn-cs"/>
+              </a:rPr>
+              <a:pPr marL="0" marR="0" lvl="0" indent="0" algn="r" defTabSz="914400" rtl="0" eaLnBrk="1" fontAlgn="auto" latinLnBrk="0" hangingPunct="1">
+                <a:lnSpc>
+                  <a:spcPct val="100000"/>
+                </a:lnSpc>
+                <a:spcBef>
+                  <a:spcPts val="0"/>
+                </a:spcBef>
+                <a:spcAft>
+                  <a:spcPts val="0"/>
+                </a:spcAft>
+                <a:buClrTx/>
+                <a:buSzTx/>
+                <a:buFontTx/>
+                <a:buNone/>
+                <a:tabLst/>
+                <a:defRPr/>
+              </a:pPr>
+              <a:t>46</a:t>
+            </a:fld>
+            <a:endParaRPr kumimoji="0" lang="es-ES" sz="1200" b="0" i="0" u="none" strike="noStrike" kern="1200" cap="none" spc="0" normalizeH="0" baseline="0" noProof="0">
+              <a:ln>
+                <a:noFill/>
+              </a:ln>
+              <a:solidFill>
+                <a:prstClr val="black"/>
+              </a:solidFill>
+              <a:effectLst/>
+              <a:uLnTx/>
+              <a:uFillTx/>
+              <a:latin typeface="Calibri" panose="020F0502020204030204"/>
+              <a:ea typeface="+mn-ea"/>
+              <a:cs typeface="+mn-cs"/>
+            </a:endParaRPr>
+          </a:p>
+        </p:txBody>
+      </p:sp>
+    </p:spTree>
+    <p:extLst>
+      <p:ext uri="{BB962C8B-B14F-4D97-AF65-F5344CB8AC3E}">
+        <p14:creationId xmlns:p14="http://schemas.microsoft.com/office/powerpoint/2010/main" val="2985536762"/>
+      </p:ext>
+    </p:extLst>
+  </p:cSld>
+  <p:clrMapOvr>
+    <a:masterClrMapping/>
+  </p:clrMapOvr>
+</p:notes>
+</file>
+
+<file path=ppt/notesSlides/notesSlide44.xml><?xml version="1.0" encoding="utf-8"?>
+<p:notes xmlns:a="http://schemas.openxmlformats.org/drawingml/2006/main" xmlns:r="http://schemas.openxmlformats.org/officeDocument/2006/relationships" xmlns:p="http://schemas.openxmlformats.org/presentationml/2006/main">
+  <p:cSld>
+    <p:spTree>
+      <p:nvGrpSpPr>
+        <p:cNvPr id="1" name=""/>
+        <p:cNvGrpSpPr/>
+        <p:nvPr/>
+      </p:nvGrpSpPr>
+      <p:grpSpPr>
+        <a:xfrm>
+          <a:off x="0" y="0"/>
+          <a:ext cx="0" cy="0"/>
+          <a:chOff x="0" y="0"/>
+          <a:chExt cx="0" cy="0"/>
+        </a:xfrm>
+      </p:grpSpPr>
+      <p:sp>
+        <p:nvSpPr>
+          <p:cNvPr id="2" name="Marcador de imagen de diapositiva 1"/>
+          <p:cNvSpPr>
+            <a:spLocks noGrp="1" noRot="1" noChangeAspect="1"/>
+          </p:cNvSpPr>
+          <p:nvPr>
+            <p:ph type="sldImg"/>
+          </p:nvPr>
+        </p:nvSpPr>
+        <p:spPr/>
+      </p:sp>
+      <p:sp>
+        <p:nvSpPr>
+          <p:cNvPr id="3" name="Marcador de notas 2"/>
+          <p:cNvSpPr>
+            <a:spLocks noGrp="1"/>
+          </p:cNvSpPr>
+          <p:nvPr>
+            <p:ph type="body" idx="1"/>
+          </p:nvPr>
+        </p:nvSpPr>
+        <p:spPr/>
+        <p:txBody>
+          <a:bodyPr rtlCol="0"/>
+          <a:lstStyle/>
+          <a:p>
+            <a:pPr rtl="0"/>
+            <a:endParaRPr lang="es-ES" dirty="0"/>
+          </a:p>
+        </p:txBody>
+      </p:sp>
+      <p:sp>
+        <p:nvSpPr>
+          <p:cNvPr id="4" name="Marcador de número de diapositiva 3"/>
+          <p:cNvSpPr>
+            <a:spLocks noGrp="1"/>
+          </p:cNvSpPr>
+          <p:nvPr>
+            <p:ph type="sldNum" sz="quarter" idx="5"/>
+          </p:nvPr>
+        </p:nvSpPr>
+        <p:spPr/>
+        <p:txBody>
+          <a:bodyPr rtlCol="0"/>
+          <a:lstStyle/>
+          <a:p>
+            <a:pPr marL="0" marR="0" lvl="0" indent="0" algn="r" defTabSz="914400" rtl="0" eaLnBrk="1" fontAlgn="auto" latinLnBrk="0" hangingPunct="1">
+              <a:lnSpc>
+                <a:spcPct val="100000"/>
+              </a:lnSpc>
+              <a:spcBef>
+                <a:spcPts val="0"/>
+              </a:spcBef>
+              <a:spcAft>
+                <a:spcPts val="0"/>
+              </a:spcAft>
+              <a:buClrTx/>
+              <a:buSzTx/>
+              <a:buFontTx/>
+              <a:buNone/>
+              <a:tabLst/>
+              <a:defRPr/>
+            </a:pPr>
+            <a:fld id="{C853816F-A1CF-4485-B308-1B9F14B36EAD}" type="slidenum">
+              <a:rPr kumimoji="0" lang="es-ES" sz="1200" b="0" i="0" u="none" strike="noStrike" kern="1200" cap="none" spc="0" normalizeH="0" baseline="0" noProof="0" smtClean="0">
+                <a:ln>
+                  <a:noFill/>
+                </a:ln>
+                <a:solidFill>
+                  <a:prstClr val="black"/>
+                </a:solidFill>
+                <a:effectLst/>
+                <a:uLnTx/>
+                <a:uFillTx/>
+                <a:latin typeface="Calibri" panose="020F0502020204030204"/>
+                <a:ea typeface="+mn-ea"/>
+                <a:cs typeface="+mn-cs"/>
+              </a:rPr>
+              <a:pPr marL="0" marR="0" lvl="0" indent="0" algn="r" defTabSz="914400" rtl="0" eaLnBrk="1" fontAlgn="auto" latinLnBrk="0" hangingPunct="1">
+                <a:lnSpc>
+                  <a:spcPct val="100000"/>
+                </a:lnSpc>
+                <a:spcBef>
+                  <a:spcPts val="0"/>
+                </a:spcBef>
+                <a:spcAft>
+                  <a:spcPts val="0"/>
+                </a:spcAft>
+                <a:buClrTx/>
+                <a:buSzTx/>
+                <a:buFontTx/>
+                <a:buNone/>
+                <a:tabLst/>
+                <a:defRPr/>
+              </a:pPr>
+              <a:t>47</a:t>
+            </a:fld>
+            <a:endParaRPr kumimoji="0" lang="es-ES" sz="1200" b="0" i="0" u="none" strike="noStrike" kern="1200" cap="none" spc="0" normalizeH="0" baseline="0" noProof="0">
+              <a:ln>
+                <a:noFill/>
+              </a:ln>
+              <a:solidFill>
+                <a:prstClr val="black"/>
+              </a:solidFill>
+              <a:effectLst/>
+              <a:uLnTx/>
+              <a:uFillTx/>
+              <a:latin typeface="Calibri" panose="020F0502020204030204"/>
+              <a:ea typeface="+mn-ea"/>
+              <a:cs typeface="+mn-cs"/>
+            </a:endParaRPr>
+          </a:p>
+        </p:txBody>
+      </p:sp>
+    </p:spTree>
+    <p:extLst>
+      <p:ext uri="{BB962C8B-B14F-4D97-AF65-F5344CB8AC3E}">
+        <p14:creationId xmlns:p14="http://schemas.microsoft.com/office/powerpoint/2010/main" val="95383977"/>
+      </p:ext>
+    </p:extLst>
+  </p:cSld>
+  <p:clrMapOvr>
+    <a:masterClrMapping/>
+  </p:clrMapOvr>
+</p:notes>
+</file>
+
+<file path=ppt/notesSlides/notesSlide45.xml><?xml version="1.0" encoding="utf-8"?>
+<p:notes xmlns:a="http://schemas.openxmlformats.org/drawingml/2006/main" xmlns:r="http://schemas.openxmlformats.org/officeDocument/2006/relationships" xmlns:p="http://schemas.openxmlformats.org/presentationml/2006/main">
+  <p:cSld>
+    <p:spTree>
+      <p:nvGrpSpPr>
+        <p:cNvPr id="1" name=""/>
+        <p:cNvGrpSpPr/>
+        <p:nvPr/>
+      </p:nvGrpSpPr>
+      <p:grpSpPr>
+        <a:xfrm>
+          <a:off x="0" y="0"/>
+          <a:ext cx="0" cy="0"/>
+          <a:chOff x="0" y="0"/>
+          <a:chExt cx="0" cy="0"/>
+        </a:xfrm>
+      </p:grpSpPr>
+      <p:sp>
+        <p:nvSpPr>
+          <p:cNvPr id="2" name="Marcador de imagen de diapositiva 1"/>
+          <p:cNvSpPr>
+            <a:spLocks noGrp="1" noRot="1" noChangeAspect="1"/>
+          </p:cNvSpPr>
+          <p:nvPr>
+            <p:ph type="sldImg"/>
+          </p:nvPr>
+        </p:nvSpPr>
+        <p:spPr/>
+      </p:sp>
+      <p:sp>
+        <p:nvSpPr>
+          <p:cNvPr id="3" name="Marcador de notas 2"/>
+          <p:cNvSpPr>
+            <a:spLocks noGrp="1"/>
+          </p:cNvSpPr>
+          <p:nvPr>
+            <p:ph type="body" idx="1"/>
+          </p:nvPr>
+        </p:nvSpPr>
+        <p:spPr/>
+        <p:txBody>
+          <a:bodyPr rtlCol="0"/>
+          <a:lstStyle/>
+          <a:p>
+            <a:pPr rtl="0"/>
+            <a:r>
+              <a:rPr lang="es-ES" dirty="0"/>
+              <a:t>La Unidad de Desarrollo e Innovación del Centro de Estudios de Energía y Procesos Industriales (UDI-CEEPI) de la Universidad de Sancti Spíritus (UNISS) “José Martí Pérez”</a:t>
+            </a:r>
+          </a:p>
+        </p:txBody>
+      </p:sp>
+      <p:sp>
+        <p:nvSpPr>
+          <p:cNvPr id="4" name="Marcador de número de diapositiva 3"/>
+          <p:cNvSpPr>
+            <a:spLocks noGrp="1"/>
+          </p:cNvSpPr>
+          <p:nvPr>
+            <p:ph type="sldNum" sz="quarter" idx="5"/>
+          </p:nvPr>
+        </p:nvSpPr>
+        <p:spPr/>
+        <p:txBody>
+          <a:bodyPr rtlCol="0"/>
+          <a:lstStyle/>
+          <a:p>
             <a:pPr rtl="0"/>
             <a:fld id="{C853816F-A1CF-4485-B308-1B9F14B36EAD}" type="slidenum">
               <a:rPr lang="es-ES" smtClean="0"/>
-              <a:t>46</a:t>
+              <a:t>48</a:t>
             </a:fld>
             <a:endParaRPr lang="es-ES"/>
           </a:p>
@@ -10290,7 +10781,7 @@
             <a:pPr rtl="0"/>
             <a:fld id="{5D55F8E0-15EE-4F5D-9B89-1204F0ACC521}" type="datetime1">
               <a:rPr lang="es-ES" noProof="0" smtClean="0"/>
-              <a:t>09/10/2024</a:t>
+              <a:t>13/10/2024</a:t>
             </a:fld>
             <a:endParaRPr lang="es-ES" noProof="0"/>
           </a:p>
@@ -10492,7 +10983,7 @@
             <a:pPr rtl="0"/>
             <a:fld id="{ADC1DAC4-6DB0-4047-AD64-D936B5B7EC85}" type="datetime1">
               <a:rPr lang="es-ES" noProof="0" smtClean="0"/>
-              <a:t>09/10/2024</a:t>
+              <a:t>13/10/2024</a:t>
             </a:fld>
             <a:endParaRPr lang="es-ES" noProof="0"/>
           </a:p>
@@ -10771,7 +11262,7 @@
             <a:pPr rtl="0"/>
             <a:fld id="{D318F348-85C5-41D5-934E-0A075066DE5B}" type="datetime1">
               <a:rPr lang="es-ES" noProof="0" smtClean="0"/>
-              <a:t>09/10/2024</a:t>
+              <a:t>13/10/2024</a:t>
             </a:fld>
             <a:endParaRPr lang="es-ES" noProof="0"/>
           </a:p>
@@ -11040,7 +11531,7 @@
             <a:pPr rtl="0"/>
             <a:fld id="{892EE1A9-D10A-4053-A6F4-3ACC0F92D709}" type="datetime1">
               <a:rPr lang="es-ES" noProof="0" smtClean="0"/>
-              <a:t>09/10/2024</a:t>
+              <a:t>13/10/2024</a:t>
             </a:fld>
             <a:endParaRPr lang="es-ES" noProof="0"/>
           </a:p>
@@ -11456,7 +11947,7 @@
             <a:pPr rtl="0"/>
             <a:fld id="{334B8034-4C7C-409B-9B30-A6875114DCE3}" type="datetime1">
               <a:rPr lang="es-ES" noProof="0" smtClean="0"/>
-              <a:t>09/10/2024</a:t>
+              <a:t>13/10/2024</a:t>
             </a:fld>
             <a:endParaRPr lang="es-ES" noProof="0"/>
           </a:p>
@@ -11601,7 +12092,7 @@
             <a:pPr rtl="0"/>
             <a:fld id="{064B1BBF-FF81-4427-BE2C-77E6F2EEB7CA}" type="datetime1">
               <a:rPr lang="es-ES" noProof="0" smtClean="0"/>
-              <a:t>09/10/2024</a:t>
+              <a:t>13/10/2024</a:t>
             </a:fld>
             <a:endParaRPr lang="es-ES" noProof="0"/>
           </a:p>
@@ -11717,7 +12208,7 @@
             <a:pPr rtl="0"/>
             <a:fld id="{5573EE7A-CF46-4097-BEB8-1D85537352EF}" type="datetime1">
               <a:rPr lang="es-ES" noProof="0" smtClean="0"/>
-              <a:t>09/10/2024</a:t>
+              <a:t>13/10/2024</a:t>
             </a:fld>
             <a:endParaRPr lang="es-ES" noProof="0"/>
           </a:p>
@@ -12032,7 +12523,7 @@
             <a:pPr rtl="0"/>
             <a:fld id="{9CB778B0-176B-4A13-AC17-74E4CFCDC958}" type="datetime1">
               <a:rPr lang="es-ES" noProof="0" smtClean="0"/>
-              <a:t>09/10/2024</a:t>
+              <a:t>13/10/2024</a:t>
             </a:fld>
             <a:endParaRPr lang="es-ES" noProof="0"/>
           </a:p>
@@ -12328,7 +12819,7 @@
             <a:pPr rtl="0"/>
             <a:fld id="{81950155-364E-4450-A2CE-9737BC8ACD1E}" type="datetime1">
               <a:rPr lang="es-ES" noProof="0" smtClean="0"/>
-              <a:t>09/10/2024</a:t>
+              <a:t>13/10/2024</a:t>
             </a:fld>
             <a:endParaRPr lang="es-ES" noProof="0"/>
           </a:p>
@@ -12573,7 +13064,7 @@
             <a:pPr rtl="0"/>
             <a:fld id="{57E25641-FCAC-4BCF-A80D-8CA0AC705B42}" type="datetime1">
               <a:rPr lang="es-ES" noProof="0" smtClean="0"/>
-              <a:t>09/10/2024</a:t>
+              <a:t>13/10/2024</a:t>
             </a:fld>
             <a:endParaRPr lang="es-ES" noProof="0"/>
           </a:p>
@@ -19609,6 +20100,254 @@
 <file path=ppt/slides/slide31.xml><?xml version="1.0" encoding="utf-8"?>
 <p:sld xmlns:a="http://schemas.openxmlformats.org/drawingml/2006/main" xmlns:r="http://schemas.openxmlformats.org/officeDocument/2006/relationships" xmlns:p="http://schemas.openxmlformats.org/presentationml/2006/main">
   <p:cSld>
+    <p:spTree>
+      <p:nvGrpSpPr>
+        <p:cNvPr id="1" name=""/>
+        <p:cNvGrpSpPr/>
+        <p:nvPr/>
+      </p:nvGrpSpPr>
+      <p:grpSpPr>
+        <a:xfrm>
+          <a:off x="0" y="0"/>
+          <a:ext cx="0" cy="0"/>
+          <a:chOff x="0" y="0"/>
+          <a:chExt cx="0" cy="0"/>
+        </a:xfrm>
+      </p:grpSpPr>
+      <p:sp>
+        <p:nvSpPr>
+          <p:cNvPr id="2" name="Título 1">
+            <a:extLst>
+              <a:ext uri="{FF2B5EF4-FFF2-40B4-BE49-F238E27FC236}">
+                <a16:creationId xmlns:a16="http://schemas.microsoft.com/office/drawing/2014/main" id="{243AF026-FD55-88BD-7A30-F4A00B633CCD}"/>
+              </a:ext>
+            </a:extLst>
+          </p:cNvPr>
+          <p:cNvSpPr>
+            <a:spLocks noGrp="1"/>
+          </p:cNvSpPr>
+          <p:nvPr>
+            <p:ph type="title"/>
+          </p:nvPr>
+        </p:nvSpPr>
+        <p:spPr/>
+        <p:txBody>
+          <a:bodyPr/>
+          <a:lstStyle/>
+          <a:p>
+            <a:endParaRPr lang="es-US" dirty="0"/>
+          </a:p>
+        </p:txBody>
+      </p:sp>
+      <p:pic>
+        <p:nvPicPr>
+          <p:cNvPr id="7" name="Marcador de contenido 6">
+            <a:extLst>
+              <a:ext uri="{FF2B5EF4-FFF2-40B4-BE49-F238E27FC236}">
+                <a16:creationId xmlns:a16="http://schemas.microsoft.com/office/drawing/2014/main" id="{97B45D5F-E511-9DC0-D396-B992B691CD24}"/>
+              </a:ext>
+            </a:extLst>
+          </p:cNvPr>
+          <p:cNvPicPr>
+            <a:picLocks noGrp="1" noChangeAspect="1"/>
+          </p:cNvPicPr>
+          <p:nvPr>
+            <p:ph idx="1"/>
+          </p:nvPr>
+        </p:nvPicPr>
+        <p:blipFill>
+          <a:blip r:embed="rId2"/>
+          <a:stretch>
+            <a:fillRect/>
+          </a:stretch>
+        </p:blipFill>
+        <p:spPr>
+          <a:xfrm>
+            <a:off x="-60074" y="0"/>
+            <a:ext cx="12252074" cy="6858000"/>
+          </a:xfrm>
+        </p:spPr>
+      </p:pic>
+    </p:spTree>
+    <p:extLst>
+      <p:ext uri="{BB962C8B-B14F-4D97-AF65-F5344CB8AC3E}">
+        <p14:creationId xmlns:p14="http://schemas.microsoft.com/office/powerpoint/2010/main" val="1322348174"/>
+      </p:ext>
+    </p:extLst>
+  </p:cSld>
+  <p:clrMapOvr>
+    <a:masterClrMapping/>
+  </p:clrMapOvr>
+</p:sld>
+</file>
+
+<file path=ppt/slides/slide32.xml><?xml version="1.0" encoding="utf-8"?>
+<p:sld xmlns:a="http://schemas.openxmlformats.org/drawingml/2006/main" xmlns:r="http://schemas.openxmlformats.org/officeDocument/2006/relationships" xmlns:p="http://schemas.openxmlformats.org/presentationml/2006/main">
+  <p:cSld>
+    <p:spTree>
+      <p:nvGrpSpPr>
+        <p:cNvPr id="1" name=""/>
+        <p:cNvGrpSpPr/>
+        <p:nvPr/>
+      </p:nvGrpSpPr>
+      <p:grpSpPr>
+        <a:xfrm>
+          <a:off x="0" y="0"/>
+          <a:ext cx="0" cy="0"/>
+          <a:chOff x="0" y="0"/>
+          <a:chExt cx="0" cy="0"/>
+        </a:xfrm>
+      </p:grpSpPr>
+      <p:sp>
+        <p:nvSpPr>
+          <p:cNvPr id="2" name="Título 1">
+            <a:extLst>
+              <a:ext uri="{FF2B5EF4-FFF2-40B4-BE49-F238E27FC236}">
+                <a16:creationId xmlns:a16="http://schemas.microsoft.com/office/drawing/2014/main" id="{CD2D82EB-919A-6CBF-BE5C-551BB25D459A}"/>
+              </a:ext>
+            </a:extLst>
+          </p:cNvPr>
+          <p:cNvSpPr>
+            <a:spLocks noGrp="1"/>
+          </p:cNvSpPr>
+          <p:nvPr>
+            <p:ph type="title"/>
+          </p:nvPr>
+        </p:nvSpPr>
+        <p:spPr/>
+        <p:txBody>
+          <a:bodyPr/>
+          <a:lstStyle/>
+          <a:p>
+            <a:endParaRPr lang="es-US"/>
+          </a:p>
+        </p:txBody>
+      </p:sp>
+      <p:pic>
+        <p:nvPicPr>
+          <p:cNvPr id="7" name="Marcador de contenido 6">
+            <a:extLst>
+              <a:ext uri="{FF2B5EF4-FFF2-40B4-BE49-F238E27FC236}">
+                <a16:creationId xmlns:a16="http://schemas.microsoft.com/office/drawing/2014/main" id="{23522BFF-4D73-829A-0FEA-919CE933A4F1}"/>
+              </a:ext>
+            </a:extLst>
+          </p:cNvPr>
+          <p:cNvPicPr>
+            <a:picLocks noGrp="1" noChangeAspect="1"/>
+          </p:cNvPicPr>
+          <p:nvPr>
+            <p:ph idx="1"/>
+          </p:nvPr>
+        </p:nvPicPr>
+        <p:blipFill>
+          <a:blip r:embed="rId2"/>
+          <a:stretch>
+            <a:fillRect/>
+          </a:stretch>
+        </p:blipFill>
+        <p:spPr>
+          <a:xfrm>
+            <a:off x="-96252" y="0"/>
+            <a:ext cx="12288252" cy="6858000"/>
+          </a:xfrm>
+        </p:spPr>
+      </p:pic>
+    </p:spTree>
+    <p:extLst>
+      <p:ext uri="{BB962C8B-B14F-4D97-AF65-F5344CB8AC3E}">
+        <p14:creationId xmlns:p14="http://schemas.microsoft.com/office/powerpoint/2010/main" val="3781056899"/>
+      </p:ext>
+    </p:extLst>
+  </p:cSld>
+  <p:clrMapOvr>
+    <a:masterClrMapping/>
+  </p:clrMapOvr>
+</p:sld>
+</file>
+
+<file path=ppt/slides/slide33.xml><?xml version="1.0" encoding="utf-8"?>
+<p:sld xmlns:a="http://schemas.openxmlformats.org/drawingml/2006/main" xmlns:r="http://schemas.openxmlformats.org/officeDocument/2006/relationships" xmlns:p="http://schemas.openxmlformats.org/presentationml/2006/main">
+  <p:cSld>
+    <p:spTree>
+      <p:nvGrpSpPr>
+        <p:cNvPr id="1" name=""/>
+        <p:cNvGrpSpPr/>
+        <p:nvPr/>
+      </p:nvGrpSpPr>
+      <p:grpSpPr>
+        <a:xfrm>
+          <a:off x="0" y="0"/>
+          <a:ext cx="0" cy="0"/>
+          <a:chOff x="0" y="0"/>
+          <a:chExt cx="0" cy="0"/>
+        </a:xfrm>
+      </p:grpSpPr>
+      <p:sp>
+        <p:nvSpPr>
+          <p:cNvPr id="2" name="Título 1">
+            <a:extLst>
+              <a:ext uri="{FF2B5EF4-FFF2-40B4-BE49-F238E27FC236}">
+                <a16:creationId xmlns:a16="http://schemas.microsoft.com/office/drawing/2014/main" id="{EF928C35-6F16-2611-E444-C3DB6E0F79F3}"/>
+              </a:ext>
+            </a:extLst>
+          </p:cNvPr>
+          <p:cNvSpPr>
+            <a:spLocks noGrp="1"/>
+          </p:cNvSpPr>
+          <p:nvPr>
+            <p:ph type="title"/>
+          </p:nvPr>
+        </p:nvSpPr>
+        <p:spPr/>
+        <p:txBody>
+          <a:bodyPr/>
+          <a:lstStyle/>
+          <a:p>
+            <a:endParaRPr lang="es-US"/>
+          </a:p>
+        </p:txBody>
+      </p:sp>
+      <p:sp>
+        <p:nvSpPr>
+          <p:cNvPr id="3" name="Marcador de contenido 2">
+            <a:extLst>
+              <a:ext uri="{FF2B5EF4-FFF2-40B4-BE49-F238E27FC236}">
+                <a16:creationId xmlns:a16="http://schemas.microsoft.com/office/drawing/2014/main" id="{C1DD58F2-A80F-723D-AD3E-4058294FBDE8}"/>
+              </a:ext>
+            </a:extLst>
+          </p:cNvPr>
+          <p:cNvSpPr>
+            <a:spLocks noGrp="1"/>
+          </p:cNvSpPr>
+          <p:nvPr>
+            <p:ph idx="1"/>
+          </p:nvPr>
+        </p:nvSpPr>
+        <p:spPr/>
+        <p:txBody>
+          <a:bodyPr/>
+          <a:lstStyle/>
+          <a:p>
+            <a:endParaRPr lang="es-US"/>
+          </a:p>
+        </p:txBody>
+      </p:sp>
+    </p:spTree>
+    <p:extLst>
+      <p:ext uri="{BB962C8B-B14F-4D97-AF65-F5344CB8AC3E}">
+        <p14:creationId xmlns:p14="http://schemas.microsoft.com/office/powerpoint/2010/main" val="824090341"/>
+      </p:ext>
+    </p:extLst>
+  </p:cSld>
+  <p:clrMapOvr>
+    <a:masterClrMapping/>
+  </p:clrMapOvr>
+</p:sld>
+</file>
+
+<file path=ppt/slides/slide34.xml><?xml version="1.0" encoding="utf-8"?>
+<p:sld xmlns:a="http://schemas.openxmlformats.org/drawingml/2006/main" xmlns:r="http://schemas.openxmlformats.org/officeDocument/2006/relationships" xmlns:p="http://schemas.openxmlformats.org/presentationml/2006/main">
+  <p:cSld>
     <p:bg>
       <p:bgPr>
         <a:solidFill>
@@ -19694,7 +20433,7 @@
         </p:nvSpPr>
         <p:spPr>
           <a:xfrm>
-            <a:off x="3951514" y="2844225"/>
+            <a:off x="4748249" y="2774039"/>
             <a:ext cx="5015013" cy="584775"/>
           </a:xfrm>
           <a:prstGeom prst="rect">
@@ -19726,21 +20465,14 @@
               <a:defRPr/>
             </a:pPr>
             <a:r>
-              <a:rPr kumimoji="0" lang="es-ES" sz="3200" b="0" i="0" u="none" strike="noStrike" kern="1200" cap="none" spc="0" normalizeH="0" baseline="0" noProof="0" dirty="0">
-                <a:ln>
-                  <a:noFill/>
-                </a:ln>
+              <a:rPr lang="es-ES" sz="3200" dirty="0">
                 <a:solidFill>
                   <a:prstClr val="black"/>
                 </a:solidFill>
-                <a:effectLst/>
-                <a:uLnTx/>
-                <a:uFillTx/>
                 <a:latin typeface="Arial" panose="020B0604020202020204" pitchFamily="34" charset="0"/>
-                <a:ea typeface="+mn-ea"/>
                 <a:cs typeface="Arial" panose="020B0604020202020204" pitchFamily="34" charset="0"/>
               </a:rPr>
-              <a:t>Principales vistas </a:t>
+              <a:t>Pruebas </a:t>
             </a:r>
             <a:endParaRPr kumimoji="0" lang="es-US" sz="3200" b="0" i="0" u="none" strike="noStrike" kern="1200" cap="none" spc="0" normalizeH="0" baseline="0" noProof="0" dirty="0">
               <a:ln>
@@ -19819,39 +20551,10 @@
           </a:prstGeom>
         </p:spPr>
       </p:pic>
-      <p:pic>
-        <p:nvPicPr>
-          <p:cNvPr id="3" name="Imagen 2">
-            <a:extLst>
-              <a:ext uri="{FF2B5EF4-FFF2-40B4-BE49-F238E27FC236}">
-                <a16:creationId xmlns:a16="http://schemas.microsoft.com/office/drawing/2014/main" id="{8AE3E371-263E-6DBB-295F-2ADA3642C9EA}"/>
-              </a:ext>
-            </a:extLst>
-          </p:cNvPr>
-          <p:cNvPicPr>
-            <a:picLocks noChangeAspect="1"/>
-          </p:cNvPicPr>
-          <p:nvPr/>
-        </p:nvPicPr>
-        <p:blipFill rotWithShape="1">
-          <a:blip r:embed="rId5"/>
-          <a:srcRect t="13333" r="848" b="5326"/>
-          <a:stretch/>
-        </p:blipFill>
-        <p:spPr>
-          <a:xfrm>
-            <a:off x="0" y="0"/>
-            <a:ext cx="12192000" cy="6858000"/>
-          </a:xfrm>
-          <a:prstGeom prst="rect">
-            <a:avLst/>
-          </a:prstGeom>
-        </p:spPr>
-      </p:pic>
     </p:spTree>
     <p:extLst>
       <p:ext uri="{BB962C8B-B14F-4D97-AF65-F5344CB8AC3E}">
-        <p14:creationId xmlns:p14="http://schemas.microsoft.com/office/powerpoint/2010/main" val="2645940950"/>
+        <p14:creationId xmlns:p14="http://schemas.microsoft.com/office/powerpoint/2010/main" val="3788382860"/>
       </p:ext>
     </p:extLst>
   </p:cSld>
@@ -19861,9 +20564,20 @@
 </p:sld>
 </file>
 
-<file path=ppt/slides/slide32.xml><?xml version="1.0" encoding="utf-8"?>
+<file path=ppt/slides/slide35.xml><?xml version="1.0" encoding="utf-8"?>
 <p:sld xmlns:a="http://schemas.openxmlformats.org/drawingml/2006/main" xmlns:r="http://schemas.openxmlformats.org/officeDocument/2006/relationships" xmlns:p="http://schemas.openxmlformats.org/presentationml/2006/main">
   <p:cSld>
+    <p:bg>
+      <p:bgPr>
+        <a:solidFill>
+          <a:schemeClr val="accent5">
+            <a:lumMod val="20000"/>
+            <a:lumOff val="80000"/>
+          </a:schemeClr>
+        </a:solidFill>
+        <a:effectLst/>
+      </p:bgPr>
+    </p:bg>
     <p:spTree>
       <p:nvGrpSpPr>
         <p:cNvPr id="1" name=""/>
@@ -19878,217 +20592,200 @@
           <a:chExt cx="0" cy="0"/>
         </a:xfrm>
       </p:grpSpPr>
+      <p:cxnSp>
+        <p:nvCxnSpPr>
+          <p:cNvPr id="5" name="Conector recto 4">
+            <a:extLst>
+              <a:ext uri="{FF2B5EF4-FFF2-40B4-BE49-F238E27FC236}">
+                <a16:creationId xmlns:a16="http://schemas.microsoft.com/office/drawing/2014/main" id="{AA65E432-C1E6-4C36-BF8E-2DA25E65DC32}"/>
+              </a:ext>
+              <a:ext uri="{C183D7F6-B498-43B3-948B-1728B52AA6E4}">
+                <adec:decorative xmlns:adec="http://schemas.microsoft.com/office/drawing/2017/decorative" val="1"/>
+              </a:ext>
+            </a:extLst>
+          </p:cNvPr>
+          <p:cNvCxnSpPr>
+            <a:cxnSpLocks/>
+          </p:cNvCxnSpPr>
+          <p:nvPr/>
+        </p:nvCxnSpPr>
+        <p:spPr>
+          <a:xfrm>
+            <a:off x="3012013" y="3499186"/>
+            <a:ext cx="5087007" cy="0"/>
+          </a:xfrm>
+          <a:prstGeom prst="line">
+            <a:avLst/>
+          </a:prstGeom>
+          <a:ln w="19050">
+            <a:solidFill>
+              <a:schemeClr val="tx1"/>
+            </a:solidFill>
+          </a:ln>
+        </p:spPr>
+        <p:style>
+          <a:lnRef idx="1">
+            <a:schemeClr val="accent1"/>
+          </a:lnRef>
+          <a:fillRef idx="0">
+            <a:schemeClr val="accent1"/>
+          </a:fillRef>
+          <a:effectRef idx="0">
+            <a:schemeClr val="accent1"/>
+          </a:effectRef>
+          <a:fontRef idx="minor">
+            <a:schemeClr val="tx1"/>
+          </a:fontRef>
+        </p:style>
+      </p:cxnSp>
       <p:sp>
         <p:nvSpPr>
-          <p:cNvPr id="2" name="Título 1">
+          <p:cNvPr id="4" name="CuadroTexto 3">
             <a:extLst>
               <a:ext uri="{FF2B5EF4-FFF2-40B4-BE49-F238E27FC236}">
-                <a16:creationId xmlns:a16="http://schemas.microsoft.com/office/drawing/2014/main" id="{243AF026-FD55-88BD-7A30-F4A00B633CCD}"/>
+                <a16:creationId xmlns:a16="http://schemas.microsoft.com/office/drawing/2014/main" id="{CBB7AFBA-CD8C-AD2F-8088-4B18F9BC9446}"/>
               </a:ext>
             </a:extLst>
           </p:cNvPr>
-          <p:cNvSpPr>
-            <a:spLocks noGrp="1"/>
-          </p:cNvSpPr>
-          <p:nvPr>
-            <p:ph type="title"/>
-          </p:nvPr>
+          <p:cNvSpPr txBox="1"/>
+          <p:nvPr/>
         </p:nvSpPr>
-        <p:spPr/>
+        <p:spPr>
+          <a:xfrm>
+            <a:off x="4748249" y="2774039"/>
+            <a:ext cx="5015013" cy="584775"/>
+          </a:xfrm>
+          <a:prstGeom prst="rect">
+            <a:avLst/>
+          </a:prstGeom>
+          <a:noFill/>
+        </p:spPr>
         <p:txBody>
-          <a:bodyPr/>
+          <a:bodyPr wrap="square" rtlCol="0">
+            <a:spAutoFit/>
+          </a:bodyPr>
           <a:lstStyle/>
           <a:p>
-            <a:endParaRPr lang="es-US" dirty="0"/>
+            <a:pPr marL="0" marR="0" lvl="0" indent="0" algn="l" defTabSz="914400" rtl="0" eaLnBrk="1" fontAlgn="auto" latinLnBrk="0" hangingPunct="1">
+              <a:lnSpc>
+                <a:spcPct val="100000"/>
+              </a:lnSpc>
+              <a:spcBef>
+                <a:spcPts val="0"/>
+              </a:spcBef>
+              <a:spcAft>
+                <a:spcPts val="0"/>
+              </a:spcAft>
+              <a:buClrTx/>
+              <a:buSzTx/>
+              <a:buFontTx/>
+              <a:buNone/>
+              <a:tabLst/>
+              <a:defRPr/>
+            </a:pPr>
+            <a:r>
+              <a:rPr lang="es-ES" sz="3200" dirty="0">
+                <a:solidFill>
+                  <a:prstClr val="black"/>
+                </a:solidFill>
+                <a:latin typeface="Arial" panose="020B0604020202020204" pitchFamily="34" charset="0"/>
+                <a:cs typeface="Arial" panose="020B0604020202020204" pitchFamily="34" charset="0"/>
+              </a:rPr>
+              <a:t>Pruebas </a:t>
+            </a:r>
+            <a:endParaRPr kumimoji="0" lang="es-US" sz="3200" b="0" i="0" u="none" strike="noStrike" kern="1200" cap="none" spc="0" normalizeH="0" baseline="0" noProof="0" dirty="0">
+              <a:ln>
+                <a:noFill/>
+              </a:ln>
+              <a:solidFill>
+                <a:prstClr val="black"/>
+              </a:solidFill>
+              <a:effectLst/>
+              <a:uLnTx/>
+              <a:uFillTx/>
+              <a:latin typeface="Arial" panose="020B0604020202020204" pitchFamily="34" charset="0"/>
+              <a:ea typeface="+mn-ea"/>
+              <a:cs typeface="Arial" panose="020B0604020202020204" pitchFamily="34" charset="0"/>
+            </a:endParaRPr>
           </a:p>
         </p:txBody>
       </p:sp>
       <p:pic>
         <p:nvPicPr>
-          <p:cNvPr id="7" name="Marcador de contenido 6">
+          <p:cNvPr id="6" name="Imagen 5">
             <a:extLst>
               <a:ext uri="{FF2B5EF4-FFF2-40B4-BE49-F238E27FC236}">
-                <a16:creationId xmlns:a16="http://schemas.microsoft.com/office/drawing/2014/main" id="{97B45D5F-E511-9DC0-D396-B992B691CD24}"/>
+                <a16:creationId xmlns:a16="http://schemas.microsoft.com/office/drawing/2014/main" id="{3125A663-751E-96B9-3616-BA8AD048C51E}"/>
               </a:ext>
             </a:extLst>
           </p:cNvPr>
           <p:cNvPicPr>
-            <a:picLocks noGrp="1" noChangeAspect="1"/>
+            <a:picLocks noChangeAspect="1"/>
           </p:cNvPicPr>
-          <p:nvPr>
-            <p:ph idx="1"/>
-          </p:nvPr>
+          <p:nvPr/>
         </p:nvPicPr>
         <p:blipFill>
-          <a:blip r:embed="rId2"/>
+          <a:blip r:embed="rId3"/>
           <a:stretch>
             <a:fillRect/>
           </a:stretch>
         </p:blipFill>
         <p:spPr>
           <a:xfrm>
-            <a:off x="-60074" y="0"/>
-            <a:ext cx="12252074" cy="6858000"/>
+            <a:off x="10454489" y="-86900"/>
+            <a:ext cx="1737511" cy="1737511"/>
           </a:xfrm>
+          <a:prstGeom prst="rect">
+            <a:avLst/>
+          </a:prstGeom>
         </p:spPr>
       </p:pic>
-    </p:spTree>
-    <p:extLst>
-      <p:ext uri="{BB962C8B-B14F-4D97-AF65-F5344CB8AC3E}">
-        <p14:creationId xmlns:p14="http://schemas.microsoft.com/office/powerpoint/2010/main" val="1322348174"/>
-      </p:ext>
-    </p:extLst>
-  </p:cSld>
-  <p:clrMapOvr>
-    <a:masterClrMapping/>
-  </p:clrMapOvr>
-</p:sld>
-</file>
-
-<file path=ppt/slides/slide33.xml><?xml version="1.0" encoding="utf-8"?>
-<p:sld xmlns:a="http://schemas.openxmlformats.org/drawingml/2006/main" xmlns:r="http://schemas.openxmlformats.org/officeDocument/2006/relationships" xmlns:p="http://schemas.openxmlformats.org/presentationml/2006/main">
-  <p:cSld>
-    <p:spTree>
-      <p:nvGrpSpPr>
-        <p:cNvPr id="1" name=""/>
-        <p:cNvGrpSpPr/>
-        <p:nvPr/>
-      </p:nvGrpSpPr>
-      <p:grpSpPr>
-        <a:xfrm>
-          <a:off x="0" y="0"/>
-          <a:ext cx="0" cy="0"/>
-          <a:chOff x="0" y="0"/>
-          <a:chExt cx="0" cy="0"/>
-        </a:xfrm>
-      </p:grpSpPr>
-      <p:sp>
-        <p:nvSpPr>
-          <p:cNvPr id="2" name="Título 1">
-            <a:extLst>
-              <a:ext uri="{FF2B5EF4-FFF2-40B4-BE49-F238E27FC236}">
-                <a16:creationId xmlns:a16="http://schemas.microsoft.com/office/drawing/2014/main" id="{CD2D82EB-919A-6CBF-BE5C-551BB25D459A}"/>
-              </a:ext>
-            </a:extLst>
-          </p:cNvPr>
-          <p:cNvSpPr>
-            <a:spLocks noGrp="1"/>
-          </p:cNvSpPr>
-          <p:nvPr>
-            <p:ph type="title"/>
-          </p:nvPr>
-        </p:nvSpPr>
-        <p:spPr/>
-        <p:txBody>
-          <a:bodyPr/>
-          <a:lstStyle/>
-          <a:p>
-            <a:endParaRPr lang="es-US"/>
-          </a:p>
-        </p:txBody>
-      </p:sp>
       <p:pic>
         <p:nvPicPr>
-          <p:cNvPr id="7" name="Marcador de contenido 6">
+          <p:cNvPr id="7" name="Imagen 6">
             <a:extLst>
               <a:ext uri="{FF2B5EF4-FFF2-40B4-BE49-F238E27FC236}">
-                <a16:creationId xmlns:a16="http://schemas.microsoft.com/office/drawing/2014/main" id="{23522BFF-4D73-829A-0FEA-919CE933A4F1}"/>
+                <a16:creationId xmlns:a16="http://schemas.microsoft.com/office/drawing/2014/main" id="{4B3C8370-4371-4919-522D-4C35786DF1E6}"/>
               </a:ext>
             </a:extLst>
           </p:cNvPr>
           <p:cNvPicPr>
-            <a:picLocks noGrp="1" noChangeAspect="1"/>
+            <a:picLocks noChangeAspect="1"/>
           </p:cNvPicPr>
-          <p:nvPr>
-            <p:ph idx="1"/>
-          </p:nvPr>
+          <p:nvPr/>
         </p:nvPicPr>
         <p:blipFill>
-          <a:blip r:embed="rId2"/>
+          <a:blip r:embed="rId4"/>
           <a:stretch>
             <a:fillRect/>
           </a:stretch>
         </p:blipFill>
         <p:spPr>
           <a:xfrm>
-            <a:off x="-96252" y="0"/>
-            <a:ext cx="12288252" cy="6858000"/>
+            <a:off x="0" y="4169983"/>
+            <a:ext cx="2322777" cy="2322777"/>
           </a:xfrm>
+          <a:prstGeom prst="rect">
+            <a:avLst/>
+          </a:prstGeom>
         </p:spPr>
       </p:pic>
-    </p:spTree>
-    <p:extLst>
-      <p:ext uri="{BB962C8B-B14F-4D97-AF65-F5344CB8AC3E}">
-        <p14:creationId xmlns:p14="http://schemas.microsoft.com/office/powerpoint/2010/main" val="3781056899"/>
-      </p:ext>
-    </p:extLst>
-  </p:cSld>
-  <p:clrMapOvr>
-    <a:masterClrMapping/>
-  </p:clrMapOvr>
-</p:sld>
-</file>
-
-<file path=ppt/slides/slide34.xml><?xml version="1.0" encoding="utf-8"?>
-<p:sld xmlns:a="http://schemas.openxmlformats.org/drawingml/2006/main" xmlns:r="http://schemas.openxmlformats.org/officeDocument/2006/relationships" xmlns:p="http://schemas.openxmlformats.org/presentationml/2006/main">
-  <p:cSld>
-    <p:spTree>
-      <p:nvGrpSpPr>
-        <p:cNvPr id="1" name=""/>
-        <p:cNvGrpSpPr/>
-        <p:nvPr/>
-      </p:nvGrpSpPr>
-      <p:grpSpPr>
-        <a:xfrm>
-          <a:off x="0" y="0"/>
-          <a:ext cx="0" cy="0"/>
-          <a:chOff x="0" y="0"/>
-          <a:chExt cx="0" cy="0"/>
-        </a:xfrm>
-      </p:grpSpPr>
-      <p:sp>
-        <p:nvSpPr>
-          <p:cNvPr id="2" name="Título 1">
-            <a:extLst>
-              <a:ext uri="{FF2B5EF4-FFF2-40B4-BE49-F238E27FC236}">
-                <a16:creationId xmlns:a16="http://schemas.microsoft.com/office/drawing/2014/main" id="{961CC01A-A8AD-6E89-FC98-FC9255BAB7B4}"/>
-              </a:ext>
-            </a:extLst>
-          </p:cNvPr>
-          <p:cNvSpPr>
-            <a:spLocks noGrp="1"/>
-          </p:cNvSpPr>
-          <p:nvPr>
-            <p:ph type="title"/>
-          </p:nvPr>
-        </p:nvSpPr>
-        <p:spPr/>
-        <p:txBody>
-          <a:bodyPr/>
-          <a:lstStyle/>
-          <a:p>
-            <a:endParaRPr lang="es-US"/>
-          </a:p>
-        </p:txBody>
-      </p:sp>
       <p:pic>
         <p:nvPicPr>
-          <p:cNvPr id="7" name="Marcador de contenido 6">
+          <p:cNvPr id="3" name="Imagen 2">
             <a:extLst>
               <a:ext uri="{FF2B5EF4-FFF2-40B4-BE49-F238E27FC236}">
-                <a16:creationId xmlns:a16="http://schemas.microsoft.com/office/drawing/2014/main" id="{BC532D11-5FBB-83CB-9C77-BA3FFB7057A1}"/>
+                <a16:creationId xmlns:a16="http://schemas.microsoft.com/office/drawing/2014/main" id="{CF9A4E4F-1778-59FB-4E31-D1ABA5745650}"/>
               </a:ext>
             </a:extLst>
           </p:cNvPr>
           <p:cNvPicPr>
-            <a:picLocks noGrp="1" noChangeAspect="1"/>
+            <a:picLocks noChangeAspect="1"/>
           </p:cNvPicPr>
-          <p:nvPr>
-            <p:ph idx="1"/>
-          </p:nvPr>
+          <p:nvPr/>
         </p:nvPicPr>
         <p:blipFill>
-          <a:blip r:embed="rId2"/>
+          <a:blip r:embed="rId5"/>
           <a:stretch>
             <a:fillRect/>
           </a:stretch>
@@ -20096,97 +20793,17 @@
         <p:spPr>
           <a:xfrm>
             <a:off x="0" y="0"/>
-            <a:ext cx="12192000" cy="6858000"/>
+            <a:ext cx="12191999" cy="6858000"/>
           </a:xfrm>
+          <a:prstGeom prst="rect">
+            <a:avLst/>
+          </a:prstGeom>
         </p:spPr>
       </p:pic>
     </p:spTree>
     <p:extLst>
       <p:ext uri="{BB962C8B-B14F-4D97-AF65-F5344CB8AC3E}">
-        <p14:creationId xmlns:p14="http://schemas.microsoft.com/office/powerpoint/2010/main" val="4209992582"/>
-      </p:ext>
-    </p:extLst>
-  </p:cSld>
-  <p:clrMapOvr>
-    <a:masterClrMapping/>
-  </p:clrMapOvr>
-</p:sld>
-</file>
-
-<file path=ppt/slides/slide35.xml><?xml version="1.0" encoding="utf-8"?>
-<p:sld xmlns:a="http://schemas.openxmlformats.org/drawingml/2006/main" xmlns:r="http://schemas.openxmlformats.org/officeDocument/2006/relationships" xmlns:p="http://schemas.openxmlformats.org/presentationml/2006/main">
-  <p:cSld>
-    <p:spTree>
-      <p:nvGrpSpPr>
-        <p:cNvPr id="1" name=""/>
-        <p:cNvGrpSpPr/>
-        <p:nvPr/>
-      </p:nvGrpSpPr>
-      <p:grpSpPr>
-        <a:xfrm>
-          <a:off x="0" y="0"/>
-          <a:ext cx="0" cy="0"/>
-          <a:chOff x="0" y="0"/>
-          <a:chExt cx="0" cy="0"/>
-        </a:xfrm>
-      </p:grpSpPr>
-      <p:sp>
-        <p:nvSpPr>
-          <p:cNvPr id="2" name="Título 1">
-            <a:extLst>
-              <a:ext uri="{FF2B5EF4-FFF2-40B4-BE49-F238E27FC236}">
-                <a16:creationId xmlns:a16="http://schemas.microsoft.com/office/drawing/2014/main" id="{2F71322D-38EA-1C85-3F10-3DE2F8FFE966}"/>
-              </a:ext>
-            </a:extLst>
-          </p:cNvPr>
-          <p:cNvSpPr>
-            <a:spLocks noGrp="1"/>
-          </p:cNvSpPr>
-          <p:nvPr>
-            <p:ph type="title"/>
-          </p:nvPr>
-        </p:nvSpPr>
-        <p:spPr/>
-        <p:txBody>
-          <a:bodyPr/>
-          <a:lstStyle/>
-          <a:p>
-            <a:endParaRPr lang="es-US"/>
-          </a:p>
-        </p:txBody>
-      </p:sp>
-      <p:pic>
-        <p:nvPicPr>
-          <p:cNvPr id="5" name="Marcador de contenido 4">
-            <a:extLst>
-              <a:ext uri="{FF2B5EF4-FFF2-40B4-BE49-F238E27FC236}">
-                <a16:creationId xmlns:a16="http://schemas.microsoft.com/office/drawing/2014/main" id="{311B49DB-BD8B-ECE7-CB1F-32E1DDE45BEE}"/>
-              </a:ext>
-            </a:extLst>
-          </p:cNvPr>
-          <p:cNvPicPr>
-            <a:picLocks noGrp="1" noChangeAspect="1"/>
-          </p:cNvPicPr>
-          <p:nvPr>
-            <p:ph idx="1"/>
-          </p:nvPr>
-        </p:nvPicPr>
-        <p:blipFill rotWithShape="1">
-          <a:blip r:embed="rId2"/>
-          <a:srcRect t="13345" r="955" b="5916"/>
-          <a:stretch/>
-        </p:blipFill>
-        <p:spPr>
-          <a:xfrm>
-            <a:off x="0" y="0"/>
-            <a:ext cx="12192000" cy="6858000"/>
-          </a:xfrm>
-        </p:spPr>
-      </p:pic>
-    </p:spTree>
-    <p:extLst>
-      <p:ext uri="{BB962C8B-B14F-4D97-AF65-F5344CB8AC3E}">
-        <p14:creationId xmlns:p14="http://schemas.microsoft.com/office/powerpoint/2010/main" val="466897086"/>
+        <p14:creationId xmlns:p14="http://schemas.microsoft.com/office/powerpoint/2010/main" val="3525111319"/>
       </p:ext>
     </p:extLst>
   </p:cSld>
@@ -20364,7 +20981,7 @@
         </p:blipFill>
         <p:spPr>
           <a:xfrm>
-            <a:off x="9389341" y="468685"/>
+            <a:off x="10316432" y="32443"/>
             <a:ext cx="1737511" cy="1737511"/>
           </a:xfrm>
           <a:prstGeom prst="rect">
@@ -20402,10 +21019,40 @@
           </a:prstGeom>
         </p:spPr>
       </p:pic>
+      <p:pic>
+        <p:nvPicPr>
+          <p:cNvPr id="3" name="Imagen 2">
+            <a:extLst>
+              <a:ext uri="{FF2B5EF4-FFF2-40B4-BE49-F238E27FC236}">
+                <a16:creationId xmlns:a16="http://schemas.microsoft.com/office/drawing/2014/main" id="{41D97226-C864-8174-5AA6-F564E54D3C9A}"/>
+              </a:ext>
+            </a:extLst>
+          </p:cNvPr>
+          <p:cNvPicPr>
+            <a:picLocks noChangeAspect="1"/>
+          </p:cNvPicPr>
+          <p:nvPr/>
+        </p:nvPicPr>
+        <p:blipFill>
+          <a:blip r:embed="rId5"/>
+          <a:stretch>
+            <a:fillRect/>
+          </a:stretch>
+        </p:blipFill>
+        <p:spPr>
+          <a:xfrm>
+            <a:off x="2568378" y="1251601"/>
+            <a:ext cx="7194884" cy="4354798"/>
+          </a:xfrm>
+          <a:prstGeom prst="rect">
+            <a:avLst/>
+          </a:prstGeom>
+        </p:spPr>
+      </p:pic>
     </p:spTree>
     <p:extLst>
       <p:ext uri="{BB962C8B-B14F-4D97-AF65-F5344CB8AC3E}">
-        <p14:creationId xmlns:p14="http://schemas.microsoft.com/office/powerpoint/2010/main" val="3788382860"/>
+        <p14:creationId xmlns:p14="http://schemas.microsoft.com/office/powerpoint/2010/main" val="2462315635"/>
       </p:ext>
     </p:extLst>
   </p:cSld>
@@ -20583,7 +21230,7 @@
         </p:blipFill>
         <p:spPr>
           <a:xfrm>
-            <a:off x="10454489" y="-86900"/>
+            <a:off x="9389341" y="468685"/>
             <a:ext cx="1737511" cy="1737511"/>
           </a:xfrm>
           <a:prstGeom prst="rect">
@@ -20623,10 +21270,10 @@
       </p:pic>
       <p:pic>
         <p:nvPicPr>
-          <p:cNvPr id="3" name="Imagen 2">
+          <p:cNvPr id="8" name="Imagen 7">
             <a:extLst>
               <a:ext uri="{FF2B5EF4-FFF2-40B4-BE49-F238E27FC236}">
-                <a16:creationId xmlns:a16="http://schemas.microsoft.com/office/drawing/2014/main" id="{CF9A4E4F-1778-59FB-4E31-D1ABA5745650}"/>
+                <a16:creationId xmlns:a16="http://schemas.microsoft.com/office/drawing/2014/main" id="{14ED7610-75C3-D25D-48B8-BE895876E5A1}"/>
               </a:ext>
             </a:extLst>
           </p:cNvPr>
@@ -20644,7 +21291,7 @@
         <p:spPr>
           <a:xfrm>
             <a:off x="0" y="0"/>
-            <a:ext cx="12191999" cy="6858000"/>
+            <a:ext cx="12192000" cy="6858000"/>
           </a:xfrm>
           <a:prstGeom prst="rect">
             <a:avLst/>
@@ -20654,7 +21301,7 @@
     </p:spTree>
     <p:extLst>
       <p:ext uri="{BB962C8B-B14F-4D97-AF65-F5344CB8AC3E}">
-        <p14:creationId xmlns:p14="http://schemas.microsoft.com/office/powerpoint/2010/main" val="3525111319"/>
+        <p14:creationId xmlns:p14="http://schemas.microsoft.com/office/powerpoint/2010/main" val="2563976696"/>
       </p:ext>
     </p:extLst>
   </p:cSld>
@@ -20832,7 +21479,7 @@
         </p:blipFill>
         <p:spPr>
           <a:xfrm>
-            <a:off x="10316432" y="32443"/>
+            <a:off x="10242276" y="0"/>
             <a:ext cx="1737511" cy="1737511"/>
           </a:xfrm>
           <a:prstGeom prst="rect">
@@ -20875,7 +21522,7 @@
           <p:cNvPr id="3" name="Imagen 2">
             <a:extLst>
               <a:ext uri="{FF2B5EF4-FFF2-40B4-BE49-F238E27FC236}">
-                <a16:creationId xmlns:a16="http://schemas.microsoft.com/office/drawing/2014/main" id="{41D97226-C864-8174-5AA6-F564E54D3C9A}"/>
+                <a16:creationId xmlns:a16="http://schemas.microsoft.com/office/drawing/2014/main" id="{5C43ACB4-3F54-3E62-00DD-B4435711BCE2}"/>
               </a:ext>
             </a:extLst>
           </p:cNvPr>
@@ -20892,8 +21539,8 @@
         </p:blipFill>
         <p:spPr>
           <a:xfrm>
-            <a:off x="2568378" y="1251601"/>
-            <a:ext cx="7194884" cy="4354798"/>
+            <a:off x="2629944" y="1172001"/>
+            <a:ext cx="6932111" cy="4373626"/>
           </a:xfrm>
           <a:prstGeom prst="rect">
             <a:avLst/>
@@ -20903,7 +21550,7 @@
     </p:spTree>
     <p:extLst>
       <p:ext uri="{BB962C8B-B14F-4D97-AF65-F5344CB8AC3E}">
-        <p14:creationId xmlns:p14="http://schemas.microsoft.com/office/powerpoint/2010/main" val="2462315635"/>
+        <p14:creationId xmlns:p14="http://schemas.microsoft.com/office/powerpoint/2010/main" val="1745337667"/>
       </p:ext>
     </p:extLst>
   </p:cSld>
@@ -21124,7 +21771,7 @@
           <p:cNvPr id="8" name="Imagen 7">
             <a:extLst>
               <a:ext uri="{FF2B5EF4-FFF2-40B4-BE49-F238E27FC236}">
-                <a16:creationId xmlns:a16="http://schemas.microsoft.com/office/drawing/2014/main" id="{14ED7610-75C3-D25D-48B8-BE895876E5A1}"/>
+                <a16:creationId xmlns:a16="http://schemas.microsoft.com/office/drawing/2014/main" id="{68F1E4DE-B9A9-49ED-85B8-5868AE280E75}"/>
               </a:ext>
             </a:extLst>
           </p:cNvPr>
@@ -21141,8 +21788,8 @@
         </p:blipFill>
         <p:spPr>
           <a:xfrm>
-            <a:off x="0" y="0"/>
-            <a:ext cx="12192000" cy="6858000"/>
+            <a:off x="-96253" y="0"/>
+            <a:ext cx="12288253" cy="6857999"/>
           </a:xfrm>
           <a:prstGeom prst="rect">
             <a:avLst/>
@@ -21152,7 +21799,7 @@
     </p:spTree>
     <p:extLst>
       <p:ext uri="{BB962C8B-B14F-4D97-AF65-F5344CB8AC3E}">
-        <p14:creationId xmlns:p14="http://schemas.microsoft.com/office/powerpoint/2010/main" val="2563976696"/>
+        <p14:creationId xmlns:p14="http://schemas.microsoft.com/office/powerpoint/2010/main" val="451992960"/>
       </p:ext>
     </p:extLst>
   </p:cSld>
@@ -21739,8 +22386,8 @@
         </p:nvSpPr>
         <p:spPr>
           <a:xfrm>
-            <a:off x="4748249" y="2774039"/>
-            <a:ext cx="5015013" cy="584775"/>
+            <a:off x="925611" y="2786071"/>
+            <a:ext cx="10340778" cy="1077218"/>
           </a:xfrm>
           <a:prstGeom prst="rect">
             <a:avLst/>
@@ -21752,6 +22399,26 @@
             <a:spAutoFit/>
           </a:bodyPr>
           <a:lstStyle/>
+          <a:p>
+            <a:pPr>
+              <a:defRPr/>
+            </a:pPr>
+            <a:r>
+              <a:rPr lang="es-419" sz="3200" b="1" dirty="0">
+                <a:effectLst/>
+              </a:rPr>
+              <a:t>Pruebas realizadas al sistema con la herramienta </a:t>
+            </a:r>
+            <a:r>
+              <a:rPr lang="es-419" sz="3200" b="1" dirty="0" err="1">
+                <a:effectLst/>
+              </a:rPr>
+              <a:t>LightHouse</a:t>
+            </a:r>
+            <a:endParaRPr lang="es-419" sz="3200" b="1" dirty="0">
+              <a:effectLst/>
+            </a:endParaRPr>
+          </a:p>
           <a:p>
             <a:pPr marL="0" marR="0" lvl="0" indent="0" algn="l" defTabSz="914400" rtl="0" eaLnBrk="1" fontAlgn="auto" latinLnBrk="0" hangingPunct="1">
               <a:lnSpc>
@@ -21778,7 +22445,7 @@
                 <a:latin typeface="Arial" panose="020B0604020202020204" pitchFamily="34" charset="0"/>
                 <a:cs typeface="Arial" panose="020B0604020202020204" pitchFamily="34" charset="0"/>
               </a:rPr>
-              <a:t>Pruebas </a:t>
+              <a:t> </a:t>
             </a:r>
             <a:endParaRPr kumimoji="0" lang="es-US" sz="3200" b="0" i="0" u="none" strike="noStrike" kern="1200" cap="none" spc="0" normalizeH="0" baseline="0" noProof="0" dirty="0">
               <a:ln>
@@ -21819,7 +22486,7 @@
         </p:blipFill>
         <p:spPr>
           <a:xfrm>
-            <a:off x="10242276" y="0"/>
+            <a:off x="9389341" y="468685"/>
             <a:ext cx="1737511" cy="1737511"/>
           </a:xfrm>
           <a:prstGeom prst="rect">
@@ -21857,40 +22524,10 @@
           </a:prstGeom>
         </p:spPr>
       </p:pic>
-      <p:pic>
-        <p:nvPicPr>
-          <p:cNvPr id="3" name="Imagen 2">
-            <a:extLst>
-              <a:ext uri="{FF2B5EF4-FFF2-40B4-BE49-F238E27FC236}">
-                <a16:creationId xmlns:a16="http://schemas.microsoft.com/office/drawing/2014/main" id="{5C43ACB4-3F54-3E62-00DD-B4435711BCE2}"/>
-              </a:ext>
-            </a:extLst>
-          </p:cNvPr>
-          <p:cNvPicPr>
-            <a:picLocks noChangeAspect="1"/>
-          </p:cNvPicPr>
-          <p:nvPr/>
-        </p:nvPicPr>
-        <p:blipFill>
-          <a:blip r:embed="rId5"/>
-          <a:stretch>
-            <a:fillRect/>
-          </a:stretch>
-        </p:blipFill>
-        <p:spPr>
-          <a:xfrm>
-            <a:off x="2629944" y="1172001"/>
-            <a:ext cx="6932111" cy="4373626"/>
-          </a:xfrm>
-          <a:prstGeom prst="rect">
-            <a:avLst/>
-          </a:prstGeom>
-        </p:spPr>
-      </p:pic>
     </p:spTree>
     <p:extLst>
       <p:ext uri="{BB962C8B-B14F-4D97-AF65-F5344CB8AC3E}">
-        <p14:creationId xmlns:p14="http://schemas.microsoft.com/office/powerpoint/2010/main" val="1745337667"/>
+        <p14:creationId xmlns:p14="http://schemas.microsoft.com/office/powerpoint/2010/main" val="664098086"/>
       </p:ext>
     </p:extLst>
   </p:cSld>
@@ -21988,8 +22625,8 @@
         </p:nvSpPr>
         <p:spPr>
           <a:xfrm>
-            <a:off x="4748249" y="2774039"/>
-            <a:ext cx="5015013" cy="584775"/>
+            <a:off x="1780263" y="2397948"/>
+            <a:ext cx="8631473" cy="2062103"/>
           </a:xfrm>
           <a:prstGeom prst="rect">
             <a:avLst/>
@@ -22001,6 +22638,25 @@
             <a:spAutoFit/>
           </a:bodyPr>
           <a:lstStyle/>
+          <a:p>
+            <a:pPr>
+              <a:defRPr/>
+            </a:pPr>
+            <a:r>
+              <a:rPr lang="es-419" sz="3200" b="1" dirty="0">
+                <a:effectLst/>
+              </a:rPr>
+              <a:t>Pruebas a la interfaz definida para el caso de uso "Añadir Experimentos"</a:t>
+            </a:r>
+          </a:p>
+          <a:p>
+            <a:pPr>
+              <a:defRPr/>
+            </a:pPr>
+            <a:endParaRPr lang="es-419" sz="3200" b="1" dirty="0">
+              <a:effectLst/>
+            </a:endParaRPr>
+          </a:p>
           <a:p>
             <a:pPr marL="0" marR="0" lvl="0" indent="0" algn="l" defTabSz="914400" rtl="0" eaLnBrk="1" fontAlgn="auto" latinLnBrk="0" hangingPunct="1">
               <a:lnSpc>
@@ -22027,7 +22683,7 @@
                 <a:latin typeface="Arial" panose="020B0604020202020204" pitchFamily="34" charset="0"/>
                 <a:cs typeface="Arial" panose="020B0604020202020204" pitchFamily="34" charset="0"/>
               </a:rPr>
-              <a:t>Pruebas </a:t>
+              <a:t> </a:t>
             </a:r>
             <a:endParaRPr kumimoji="0" lang="es-US" sz="3200" b="0" i="0" u="none" strike="noStrike" kern="1200" cap="none" spc="0" normalizeH="0" baseline="0" noProof="0" dirty="0">
               <a:ln>
@@ -22106,40 +22762,10 @@
           </a:prstGeom>
         </p:spPr>
       </p:pic>
-      <p:pic>
-        <p:nvPicPr>
-          <p:cNvPr id="8" name="Imagen 7">
-            <a:extLst>
-              <a:ext uri="{FF2B5EF4-FFF2-40B4-BE49-F238E27FC236}">
-                <a16:creationId xmlns:a16="http://schemas.microsoft.com/office/drawing/2014/main" id="{68F1E4DE-B9A9-49ED-85B8-5868AE280E75}"/>
-              </a:ext>
-            </a:extLst>
-          </p:cNvPr>
-          <p:cNvPicPr>
-            <a:picLocks noChangeAspect="1"/>
-          </p:cNvPicPr>
-          <p:nvPr/>
-        </p:nvPicPr>
-        <p:blipFill>
-          <a:blip r:embed="rId5"/>
-          <a:stretch>
-            <a:fillRect/>
-          </a:stretch>
-        </p:blipFill>
-        <p:spPr>
-          <a:xfrm>
-            <a:off x="-96253" y="0"/>
-            <a:ext cx="12288253" cy="6857999"/>
-          </a:xfrm>
-          <a:prstGeom prst="rect">
-            <a:avLst/>
-          </a:prstGeom>
-        </p:spPr>
-      </p:pic>
     </p:spTree>
     <p:extLst>
       <p:ext uri="{BB962C8B-B14F-4D97-AF65-F5344CB8AC3E}">
-        <p14:creationId xmlns:p14="http://schemas.microsoft.com/office/powerpoint/2010/main" val="451992960"/>
+        <p14:creationId xmlns:p14="http://schemas.microsoft.com/office/powerpoint/2010/main" val="2604010157"/>
       </p:ext>
     </p:extLst>
   </p:cSld>
@@ -22150,6 +22776,77 @@
 </file>
 
 <file path=ppt/slides/slide42.xml><?xml version="1.0" encoding="utf-8"?>
+<p:sld xmlns:a="http://schemas.openxmlformats.org/drawingml/2006/main" xmlns:r="http://schemas.openxmlformats.org/officeDocument/2006/relationships" xmlns:p="http://schemas.openxmlformats.org/presentationml/2006/main">
+  <p:cSld>
+    <p:bg>
+      <p:bgPr>
+        <a:solidFill>
+          <a:schemeClr val="accent5">
+            <a:lumMod val="20000"/>
+            <a:lumOff val="80000"/>
+          </a:schemeClr>
+        </a:solidFill>
+        <a:effectLst/>
+      </p:bgPr>
+    </p:bg>
+    <p:spTree>
+      <p:nvGrpSpPr>
+        <p:cNvPr id="1" name=""/>
+        <p:cNvGrpSpPr/>
+        <p:nvPr/>
+      </p:nvGrpSpPr>
+      <p:grpSpPr>
+        <a:xfrm>
+          <a:off x="0" y="0"/>
+          <a:ext cx="0" cy="0"/>
+          <a:chOff x="0" y="0"/>
+          <a:chExt cx="0" cy="0"/>
+        </a:xfrm>
+      </p:grpSpPr>
+      <p:pic>
+        <p:nvPicPr>
+          <p:cNvPr id="3" name="Imagen 2">
+            <a:extLst>
+              <a:ext uri="{FF2B5EF4-FFF2-40B4-BE49-F238E27FC236}">
+                <a16:creationId xmlns:a16="http://schemas.microsoft.com/office/drawing/2014/main" id="{5DED4005-CA98-01C9-04F0-2A417E2AD72F}"/>
+              </a:ext>
+            </a:extLst>
+          </p:cNvPr>
+          <p:cNvPicPr>
+            <a:picLocks noChangeAspect="1"/>
+          </p:cNvPicPr>
+          <p:nvPr/>
+        </p:nvPicPr>
+        <p:blipFill>
+          <a:blip r:embed="rId3"/>
+          <a:stretch>
+            <a:fillRect/>
+          </a:stretch>
+        </p:blipFill>
+        <p:spPr>
+          <a:xfrm>
+            <a:off x="2514600" y="1"/>
+            <a:ext cx="6797842" cy="6857999"/>
+          </a:xfrm>
+          <a:prstGeom prst="rect">
+            <a:avLst/>
+          </a:prstGeom>
+        </p:spPr>
+      </p:pic>
+    </p:spTree>
+    <p:extLst>
+      <p:ext uri="{BB962C8B-B14F-4D97-AF65-F5344CB8AC3E}">
+        <p14:creationId xmlns:p14="http://schemas.microsoft.com/office/powerpoint/2010/main" val="1425297561"/>
+      </p:ext>
+    </p:extLst>
+  </p:cSld>
+  <p:clrMapOvr>
+    <a:masterClrMapping/>
+  </p:clrMapOvr>
+</p:sld>
+</file>
+
+<file path=ppt/slides/slide43.xml><?xml version="1.0" encoding="utf-8"?>
 <p:sld xmlns:a="http://schemas.openxmlformats.org/drawingml/2006/main" xmlns:r="http://schemas.openxmlformats.org/officeDocument/2006/relationships" xmlns:p="http://schemas.openxmlformats.org/presentationml/2006/main">
   <p:cSld>
     <p:bg>
@@ -22359,158 +23056,6 @@
     <p:extLst>
       <p:ext uri="{BB962C8B-B14F-4D97-AF65-F5344CB8AC3E}">
         <p14:creationId xmlns:p14="http://schemas.microsoft.com/office/powerpoint/2010/main" val="293266878"/>
-      </p:ext>
-    </p:extLst>
-  </p:cSld>
-  <p:clrMapOvr>
-    <a:masterClrMapping/>
-  </p:clrMapOvr>
-</p:sld>
-</file>
-
-<file path=ppt/slides/slide43.xml><?xml version="1.0" encoding="utf-8"?>
-<p:sld xmlns:a="http://schemas.openxmlformats.org/drawingml/2006/main" xmlns:r="http://schemas.openxmlformats.org/officeDocument/2006/relationships" xmlns:p="http://schemas.openxmlformats.org/presentationml/2006/main">
-  <p:cSld>
-    <p:bg>
-      <p:bgPr>
-        <a:solidFill>
-          <a:schemeClr val="accent5">
-            <a:lumMod val="20000"/>
-            <a:lumOff val="80000"/>
-          </a:schemeClr>
-        </a:solidFill>
-        <a:effectLst/>
-      </p:bgPr>
-    </p:bg>
-    <p:spTree>
-      <p:nvGrpSpPr>
-        <p:cNvPr id="1" name=""/>
-        <p:cNvGrpSpPr/>
-        <p:nvPr/>
-      </p:nvGrpSpPr>
-      <p:grpSpPr>
-        <a:xfrm>
-          <a:off x="0" y="0"/>
-          <a:ext cx="0" cy="0"/>
-          <a:chOff x="0" y="0"/>
-          <a:chExt cx="0" cy="0"/>
-        </a:xfrm>
-      </p:grpSpPr>
-      <p:sp>
-        <p:nvSpPr>
-          <p:cNvPr id="4" name="CuadroTexto 3">
-            <a:extLst>
-              <a:ext uri="{FF2B5EF4-FFF2-40B4-BE49-F238E27FC236}">
-                <a16:creationId xmlns:a16="http://schemas.microsoft.com/office/drawing/2014/main" id="{CBB7AFBA-CD8C-AD2F-8088-4B18F9BC9446}"/>
-              </a:ext>
-            </a:extLst>
-          </p:cNvPr>
-          <p:cNvSpPr txBox="1"/>
-          <p:nvPr/>
-        </p:nvSpPr>
-        <p:spPr>
-          <a:xfrm>
-            <a:off x="421106" y="2844225"/>
-            <a:ext cx="11129210" cy="584775"/>
-          </a:xfrm>
-          <a:prstGeom prst="rect">
-            <a:avLst/>
-          </a:prstGeom>
-          <a:noFill/>
-        </p:spPr>
-        <p:txBody>
-          <a:bodyPr wrap="square" rtlCol="0">
-            <a:spAutoFit/>
-          </a:bodyPr>
-          <a:lstStyle/>
-          <a:p>
-            <a:pPr marL="0" marR="0" lvl="0" indent="0" algn="l" defTabSz="914400" rtl="0" eaLnBrk="1" fontAlgn="auto" latinLnBrk="0" hangingPunct="1">
-              <a:lnSpc>
-                <a:spcPct val="100000"/>
-              </a:lnSpc>
-              <a:spcBef>
-                <a:spcPts val="0"/>
-              </a:spcBef>
-              <a:spcAft>
-                <a:spcPts val="0"/>
-              </a:spcAft>
-              <a:buClrTx/>
-              <a:buSzTx/>
-              <a:buFontTx/>
-              <a:buNone/>
-              <a:tabLst/>
-              <a:defRPr/>
-            </a:pPr>
-            <a:r>
-              <a:rPr lang="es-ES" sz="3200" dirty="0">
-                <a:solidFill>
-                  <a:prstClr val="black"/>
-                </a:solidFill>
-                <a:latin typeface="Arial" panose="020B0604020202020204" pitchFamily="34" charset="0"/>
-                <a:cs typeface="Arial" panose="020B0604020202020204" pitchFamily="34" charset="0"/>
-              </a:rPr>
-              <a:t> </a:t>
-            </a:r>
-            <a:endParaRPr kumimoji="0" lang="es-US" sz="3200" b="0" i="0" u="none" strike="noStrike" kern="1200" cap="none" spc="0" normalizeH="0" baseline="0" noProof="0" dirty="0">
-              <a:ln>
-                <a:noFill/>
-              </a:ln>
-              <a:solidFill>
-                <a:prstClr val="black"/>
-              </a:solidFill>
-              <a:effectLst/>
-              <a:uLnTx/>
-              <a:uFillTx/>
-              <a:latin typeface="Arial" panose="020B0604020202020204" pitchFamily="34" charset="0"/>
-              <a:ea typeface="+mn-ea"/>
-              <a:cs typeface="Arial" panose="020B0604020202020204" pitchFamily="34" charset="0"/>
-            </a:endParaRPr>
-          </a:p>
-        </p:txBody>
-      </p:sp>
-      <p:sp>
-        <p:nvSpPr>
-          <p:cNvPr id="3" name="CuadroTexto 2">
-            <a:extLst>
-              <a:ext uri="{FF2B5EF4-FFF2-40B4-BE49-F238E27FC236}">
-                <a16:creationId xmlns:a16="http://schemas.microsoft.com/office/drawing/2014/main" id="{79580F95-45F5-BBA1-43A3-D3230A5619D7}"/>
-              </a:ext>
-            </a:extLst>
-          </p:cNvPr>
-          <p:cNvSpPr txBox="1"/>
-          <p:nvPr/>
-        </p:nvSpPr>
-        <p:spPr>
-          <a:xfrm>
-            <a:off x="421106" y="1905506"/>
-            <a:ext cx="11413957" cy="3046988"/>
-          </a:xfrm>
-          <a:prstGeom prst="rect">
-            <a:avLst/>
-          </a:prstGeom>
-          <a:noFill/>
-        </p:spPr>
-        <p:txBody>
-          <a:bodyPr wrap="square">
-            <a:spAutoFit/>
-          </a:bodyPr>
-          <a:lstStyle/>
-          <a:p>
-            <a:pPr algn="just"/>
-            <a:r>
-              <a:rPr lang="es-419" sz="2400" dirty="0">
-                <a:latin typeface="Arial" panose="020B0604020202020204" pitchFamily="34" charset="0"/>
-                <a:cs typeface="Arial" panose="020B0604020202020204" pitchFamily="34" charset="0"/>
-              </a:rPr>
-              <a:t>La metodología RUP se considera la más adecuada para documentar el sistema propuesto, ya que proporciona una estructura sólida y una gestión eficiente del ciclo de vida del proyecto. Se eligieron Express.js para el backend y Nuxt 3 junto con Tailwind CSS para el frontend debido a su flexibilidad. PostgreSQL fue seleccionado como la mejor opción para la gestión de bases de datos por su rendimiento y escalabilidad. Todas las herramientas elegidas son de código abierto, lo que garantiza alta interoperabilidad y adaptación en diferentes entornos de desarrollo.</a:t>
-            </a:r>
-          </a:p>
-        </p:txBody>
-      </p:sp>
-    </p:spTree>
-    <p:extLst>
-      <p:ext uri="{BB962C8B-B14F-4D97-AF65-F5344CB8AC3E}">
-        <p14:creationId xmlns:p14="http://schemas.microsoft.com/office/powerpoint/2010/main" val="1231862641"/>
       </p:ext>
     </p:extLst>
   </p:cSld>
@@ -22550,10 +23095,10 @@
       </p:grpSpPr>
       <p:sp>
         <p:nvSpPr>
-          <p:cNvPr id="3" name="CuadroTexto 2">
+          <p:cNvPr id="4" name="CuadroTexto 3">
             <a:extLst>
               <a:ext uri="{FF2B5EF4-FFF2-40B4-BE49-F238E27FC236}">
-                <a16:creationId xmlns:a16="http://schemas.microsoft.com/office/drawing/2014/main" id="{5A6F16BB-D2F7-4A6D-2327-9AA8D9DB11DC}"/>
+                <a16:creationId xmlns:a16="http://schemas.microsoft.com/office/drawing/2014/main" id="{CBB7AFBA-CD8C-AD2F-8088-4B18F9BC9446}"/>
               </a:ext>
             </a:extLst>
           </p:cNvPr>
@@ -22562,8 +23107,80 @@
         </p:nvSpPr>
         <p:spPr>
           <a:xfrm>
-            <a:off x="541421" y="1443841"/>
-            <a:ext cx="11385884" cy="3970318"/>
+            <a:off x="421106" y="2844225"/>
+            <a:ext cx="11129210" cy="584775"/>
+          </a:xfrm>
+          <a:prstGeom prst="rect">
+            <a:avLst/>
+          </a:prstGeom>
+          <a:noFill/>
+        </p:spPr>
+        <p:txBody>
+          <a:bodyPr wrap="square" rtlCol="0">
+            <a:spAutoFit/>
+          </a:bodyPr>
+          <a:lstStyle/>
+          <a:p>
+            <a:pPr marL="0" marR="0" lvl="0" indent="0" algn="l" defTabSz="914400" rtl="0" eaLnBrk="1" fontAlgn="auto" latinLnBrk="0" hangingPunct="1">
+              <a:lnSpc>
+                <a:spcPct val="100000"/>
+              </a:lnSpc>
+              <a:spcBef>
+                <a:spcPts val="0"/>
+              </a:spcBef>
+              <a:spcAft>
+                <a:spcPts val="0"/>
+              </a:spcAft>
+              <a:buClrTx/>
+              <a:buSzTx/>
+              <a:buFontTx/>
+              <a:buNone/>
+              <a:tabLst/>
+              <a:defRPr/>
+            </a:pPr>
+            <a:r>
+              <a:rPr lang="es-ES" sz="3200" dirty="0">
+                <a:solidFill>
+                  <a:prstClr val="black"/>
+                </a:solidFill>
+                <a:latin typeface="Arial" panose="020B0604020202020204" pitchFamily="34" charset="0"/>
+                <a:cs typeface="Arial" panose="020B0604020202020204" pitchFamily="34" charset="0"/>
+              </a:rPr>
+              <a:t> </a:t>
+            </a:r>
+            <a:endParaRPr kumimoji="0" lang="es-US" sz="3200" b="0" i="0" u="none" strike="noStrike" kern="1200" cap="none" spc="0" normalizeH="0" baseline="0" noProof="0" dirty="0">
+              <a:ln>
+                <a:noFill/>
+              </a:ln>
+              <a:solidFill>
+                <a:prstClr val="black"/>
+              </a:solidFill>
+              <a:effectLst/>
+              <a:uLnTx/>
+              <a:uFillTx/>
+              <a:latin typeface="Arial" panose="020B0604020202020204" pitchFamily="34" charset="0"/>
+              <a:ea typeface="+mn-ea"/>
+              <a:cs typeface="Arial" panose="020B0604020202020204" pitchFamily="34" charset="0"/>
+            </a:endParaRPr>
+          </a:p>
+        </p:txBody>
+      </p:sp>
+      <p:sp>
+        <p:nvSpPr>
+          <p:cNvPr id="3" name="CuadroTexto 2">
+            <a:extLst>
+              <a:ext uri="{FF2B5EF4-FFF2-40B4-BE49-F238E27FC236}">
+                <a16:creationId xmlns:a16="http://schemas.microsoft.com/office/drawing/2014/main" id="{79580F95-45F5-BBA1-43A3-D3230A5619D7}"/>
+              </a:ext>
+            </a:extLst>
+          </p:cNvPr>
+          <p:cNvSpPr txBox="1"/>
+          <p:nvPr/>
+        </p:nvSpPr>
+        <p:spPr>
+          <a:xfrm>
+            <a:off x="356937" y="991106"/>
+            <a:ext cx="11413957" cy="4524315"/>
           </a:xfrm>
           <a:prstGeom prst="rect">
             <a:avLst/>
@@ -22576,29 +23193,104 @@
           </a:bodyPr>
           <a:lstStyle/>
           <a:p>
-            <a:pPr algn="just"/>
+            <a:pPr algn="l"/>
             <a:r>
-              <a:rPr lang="es-419" sz="2800" dirty="0">
-                <a:latin typeface="Arial" panose="020B0604020202020204" pitchFamily="34" charset="0"/>
-                <a:cs typeface="Arial" panose="020B0604020202020204" pitchFamily="34" charset="0"/>
+              <a:rPr lang="es-419" sz="2400" dirty="0">
+                <a:effectLst/>
               </a:rPr>
-              <a:t>El uso de la metodología RUP en el sistema de gestión de experimentos de digestión anaerobia permitió estructurar eficientemente todas las fases del proyecto, desde la identificación de requisitos hasta la creación de la arquitectura. El enfoque orientado a objetos y el uso de herramientas de código abierto resultaron en un diseño flexible y adaptable que cumple con los requerimientos iniciales. Este diseño garantiza una gestión efectiva de los datos de los experimentos, así como escalabilidad y sostenibilidad, facilitando futuras actualizaciones e integraciones de nuevas funcionalidades</a:t>
+              <a:t>Tras un análisis exhaustivo de los fundamentos teóricos y metodológicos, se determinó que la metodología RUP (Proceso Unificado de </a:t>
             </a:r>
             <a:r>
-              <a:rPr lang="es-419" sz="2800" dirty="0"/>
-              <a:t>.</a:t>
+              <a:rPr lang="es-419" sz="2400" dirty="0" err="1">
+                <a:effectLst/>
+              </a:rPr>
+              <a:t>Rational</a:t>
             </a:r>
-            <a:endParaRPr lang="es-419" sz="2800" dirty="0">
-              <a:latin typeface="Arial" panose="020B0604020202020204" pitchFamily="34" charset="0"/>
-              <a:cs typeface="Arial" panose="020B0604020202020204" pitchFamily="34" charset="0"/>
-            </a:endParaRPr>
+            <a:r>
+              <a:rPr lang="es-419" sz="2400" dirty="0">
+                <a:effectLst/>
+              </a:rPr>
+              <a:t>) es la más adecuada para la documentación del sistema propuesto. Esta metodología no solo facilita una estructura sólida para el desarrollo, sino que también asegura una gestión eficiente a lo largo del ciclo de vida del </a:t>
+            </a:r>
+            <a:r>
+              <a:rPr lang="es-419" sz="2400" dirty="0" err="1">
+                <a:effectLst/>
+              </a:rPr>
+              <a:t>proyecto.También</a:t>
+            </a:r>
+            <a:r>
+              <a:rPr lang="es-419" sz="2400" dirty="0">
+                <a:effectLst/>
+              </a:rPr>
+              <a:t> , se seleccionó Express.js para el desarrollo del </a:t>
+            </a:r>
+            <a:r>
+              <a:rPr lang="es-419" sz="2400" dirty="0" err="1">
+                <a:effectLst/>
+              </a:rPr>
+              <a:t>backend</a:t>
+            </a:r>
+            <a:r>
+              <a:rPr lang="es-419" sz="2400" dirty="0">
+                <a:effectLst/>
+              </a:rPr>
+              <a:t>, mientras que para el </a:t>
+            </a:r>
+            <a:r>
+              <a:rPr lang="es-419" sz="2400" dirty="0" err="1">
+                <a:effectLst/>
+              </a:rPr>
+              <a:t>frontend</a:t>
+            </a:r>
+            <a:r>
+              <a:rPr lang="es-419" sz="2400" dirty="0">
+                <a:effectLst/>
+              </a:rPr>
+              <a:t> se optó por </a:t>
+            </a:r>
+            <a:r>
+              <a:rPr lang="es-419" sz="2400" dirty="0" err="1">
+                <a:effectLst/>
+              </a:rPr>
+              <a:t>Nuxt</a:t>
+            </a:r>
+            <a:r>
+              <a:rPr lang="es-419" sz="2400" dirty="0">
+                <a:effectLst/>
+              </a:rPr>
+              <a:t> 3 junto con </a:t>
+            </a:r>
+            <a:r>
+              <a:rPr lang="es-419" sz="2400" dirty="0" err="1">
+                <a:effectLst/>
+              </a:rPr>
+              <a:t>Tailwind</a:t>
+            </a:r>
+            <a:r>
+              <a:rPr lang="es-419" sz="2400" dirty="0">
+                <a:effectLst/>
+              </a:rPr>
+              <a:t> CSS. Estos </a:t>
+            </a:r>
+            <a:r>
+              <a:rPr lang="es-419" sz="2400" dirty="0" err="1">
+                <a:effectLst/>
+              </a:rPr>
+              <a:t>frameworks</a:t>
+            </a:r>
+            <a:r>
+              <a:rPr lang="es-419" sz="2400" dirty="0">
+                <a:effectLst/>
+              </a:rPr>
+              <a:t> fueron elegidos por su flexibilidad y capacidad para integrar de manera eficaz diferentes tecnologías. En cuanto a la gestión de bases de datos, PostgreSQL se destacó como la mejor opción, gracias a su rendimiento robusto y escalabilidad, lo que lo hace ideal para las necesidades del sistema. La elección de estas herramientas, todas de código abierto, garantiza además una alta compatibilidad y adaptación en diversos entornos de desarrollo y plataformas. </a:t>
+            </a:r>
           </a:p>
         </p:txBody>
       </p:sp>
     </p:spTree>
     <p:extLst>
       <p:ext uri="{BB962C8B-B14F-4D97-AF65-F5344CB8AC3E}">
-        <p14:creationId xmlns:p14="http://schemas.microsoft.com/office/powerpoint/2010/main" val="3346957644"/>
+        <p14:creationId xmlns:p14="http://schemas.microsoft.com/office/powerpoint/2010/main" val="1231862641"/>
       </p:ext>
     </p:extLst>
   </p:cSld>
@@ -22641,7 +23333,7 @@
           <p:cNvPr id="3" name="CuadroTexto 2">
             <a:extLst>
               <a:ext uri="{FF2B5EF4-FFF2-40B4-BE49-F238E27FC236}">
-                <a16:creationId xmlns:a16="http://schemas.microsoft.com/office/drawing/2014/main" id="{0A1E4BF7-9886-EC5E-90B3-4BA86E7928D8}"/>
+                <a16:creationId xmlns:a16="http://schemas.microsoft.com/office/drawing/2014/main" id="{5A6F16BB-D2F7-4A6D-2327-9AA8D9DB11DC}"/>
               </a:ext>
             </a:extLst>
           </p:cNvPr>
@@ -22650,8 +23342,8 @@
         </p:nvSpPr>
         <p:spPr>
           <a:xfrm>
-            <a:off x="459205" y="1564105"/>
-            <a:ext cx="11273589" cy="3539430"/>
+            <a:off x="541421" y="1443841"/>
+            <a:ext cx="11385884" cy="5262979"/>
           </a:xfrm>
           <a:prstGeom prst="rect">
             <a:avLst/>
@@ -22664,18 +23356,116 @@
           </a:bodyPr>
           <a:lstStyle/>
           <a:p>
-            <a:pPr algn="just"/>
+            <a:pPr algn="l"/>
             <a:r>
               <a:rPr lang="es-419" sz="2800" dirty="0">
-                <a:latin typeface="Arial" panose="020B0604020202020204" pitchFamily="34" charset="0"/>
-                <a:cs typeface="Arial" panose="020B0604020202020204" pitchFamily="34" charset="0"/>
+                <a:effectLst/>
               </a:rPr>
-              <a:t>La implementación del sistema incluyó una rigurosa fase de pruebas de aceptación para validar que todas las funcionalidades cumplían con los requisitos establecidos. Estas pruebas fueron fundamentales para asegurar que el sistema gestionara los experimentos de digestión anaerobia de manera efectiva, ofreciendo una experiencia intuitiva y eficiente. Los resultados confirmaron que la solución tecnológica es operativa y cumple con las expectativas del cliente, garantizando confiabilidad y estabilidad en un entorno de uso real.</a:t>
+              <a:t>El uso de la metodología RUP en el diseño del sistema de gestión de experimentos de digestión anaerobia permitió estructurar de manera eficiente todas las fases del proyecto, desde la identificación de los requisitos hasta la creación de la arquitectura del sistema. El enfoque orientado a objetos, combinado con herramientas de código abierto, resultó en un diseño que no solo cumple con los requerimientos iniciales, sino que también es flexible y adaptable a futuras necesidades. Este diseño asegura que la plataforma no solo gestione de manera efectiva los datos de los experimentos, sino que también se mantenga escalable y sostenible en el tiempo, facilitando futuras actualizaciones y la integración de nuevas funcionalidades según las necesidades del Centro de Estudios de Energía y Procesos Industriales. </a:t>
             </a:r>
-            <a:endParaRPr lang="es-US" sz="2800" dirty="0">
-              <a:latin typeface="Arial" panose="020B0604020202020204" pitchFamily="34" charset="0"/>
-              <a:cs typeface="Arial" panose="020B0604020202020204" pitchFamily="34" charset="0"/>
-            </a:endParaRPr>
+          </a:p>
+        </p:txBody>
+      </p:sp>
+    </p:spTree>
+    <p:extLst>
+      <p:ext uri="{BB962C8B-B14F-4D97-AF65-F5344CB8AC3E}">
+        <p14:creationId xmlns:p14="http://schemas.microsoft.com/office/powerpoint/2010/main" val="3346957644"/>
+      </p:ext>
+    </p:extLst>
+  </p:cSld>
+  <p:clrMapOvr>
+    <a:masterClrMapping/>
+  </p:clrMapOvr>
+</p:sld>
+</file>
+
+<file path=ppt/slides/slide46.xml><?xml version="1.0" encoding="utf-8"?>
+<p:sld xmlns:a="http://schemas.openxmlformats.org/drawingml/2006/main" xmlns:r="http://schemas.openxmlformats.org/officeDocument/2006/relationships" xmlns:p="http://schemas.openxmlformats.org/presentationml/2006/main">
+  <p:cSld>
+    <p:bg>
+      <p:bgPr>
+        <a:solidFill>
+          <a:schemeClr val="accent5">
+            <a:lumMod val="20000"/>
+            <a:lumOff val="80000"/>
+          </a:schemeClr>
+        </a:solidFill>
+        <a:effectLst/>
+      </p:bgPr>
+    </p:bg>
+    <p:spTree>
+      <p:nvGrpSpPr>
+        <p:cNvPr id="1" name=""/>
+        <p:cNvGrpSpPr/>
+        <p:nvPr/>
+      </p:nvGrpSpPr>
+      <p:grpSpPr>
+        <a:xfrm>
+          <a:off x="0" y="0"/>
+          <a:ext cx="0" cy="0"/>
+          <a:chOff x="0" y="0"/>
+          <a:chExt cx="0" cy="0"/>
+        </a:xfrm>
+      </p:grpSpPr>
+      <p:sp>
+        <p:nvSpPr>
+          <p:cNvPr id="3" name="CuadroTexto 2">
+            <a:extLst>
+              <a:ext uri="{FF2B5EF4-FFF2-40B4-BE49-F238E27FC236}">
+                <a16:creationId xmlns:a16="http://schemas.microsoft.com/office/drawing/2014/main" id="{0A1E4BF7-9886-EC5E-90B3-4BA86E7928D8}"/>
+              </a:ext>
+            </a:extLst>
+          </p:cNvPr>
+          <p:cNvSpPr txBox="1"/>
+          <p:nvPr/>
+        </p:nvSpPr>
+        <p:spPr>
+          <a:xfrm>
+            <a:off x="459205" y="938463"/>
+            <a:ext cx="11273589" cy="5693866"/>
+          </a:xfrm>
+          <a:prstGeom prst="rect">
+            <a:avLst/>
+          </a:prstGeom>
+          <a:noFill/>
+        </p:spPr>
+        <p:txBody>
+          <a:bodyPr wrap="square">
+            <a:spAutoFit/>
+          </a:bodyPr>
+          <a:lstStyle/>
+          <a:p>
+            <a:pPr algn="l"/>
+            <a:r>
+              <a:rPr lang="es-419" sz="2800" dirty="0">
+                <a:effectLst/>
+              </a:rPr>
+              <a:t>La implementación del sistema incluyó una rigurosa fase de pruebas, en la que se llevaron a cabo pruebas de aceptación y pruebas realizadas al sistema con</a:t>
+            </a:r>
+            <a:r>
+              <a:rPr lang="es-419" sz="2800" b="1" dirty="0">
+                <a:effectLst/>
+              </a:rPr>
+              <a:t> </a:t>
+            </a:r>
+            <a:r>
+              <a:rPr lang="es-419" sz="2800" dirty="0">
+                <a:effectLst/>
+              </a:rPr>
+              <a:t>la herramienta </a:t>
+            </a:r>
+            <a:r>
+              <a:rPr lang="es-419" sz="2800" dirty="0" err="1">
+                <a:effectLst/>
+              </a:rPr>
+              <a:t>LightHouse</a:t>
+            </a:r>
+            <a:r>
+              <a:rPr lang="es-419" sz="2800" dirty="0">
+                <a:effectLst/>
+              </a:rPr>
+              <a:t> para validar que todas las funcionalidades desarrolladas cumplieran con los requisitos establecidos. Estas pruebas fueron fundamentales para garantizar que el sistema gestionara los experimentos de digestión anaerobia de manera efectiva, ofreciendo a los usuarios una experiencia intuitiva y eficiente. Las pruebas confirmaron que la solución tecnológica no solo es operativa, sino que también satisface las expectativas del cliente. Se aseguró una interacción fluida con los datos, así como la confiabilidad y estabilidad del sistema en un entorno de uso real. En conclusión, el sistema no solo cumple con los objetivos planteados, sino que también proporciona un marco robusto para la gestión de experimentos, impulsando así la eficiencia y efectividad en el laboratorio. </a:t>
+            </a:r>
           </a:p>
         </p:txBody>
       </p:sp>
@@ -22692,7 +23482,226 @@
 </p:sld>
 </file>
 
-<file path=ppt/slides/slide46.xml><?xml version="1.0" encoding="utf-8"?>
+<file path=ppt/slides/slide47.xml><?xml version="1.0" encoding="utf-8"?>
+<p:sld xmlns:a="http://schemas.openxmlformats.org/drawingml/2006/main" xmlns:r="http://schemas.openxmlformats.org/officeDocument/2006/relationships" xmlns:p="http://schemas.openxmlformats.org/presentationml/2006/main">
+  <p:cSld>
+    <p:bg>
+      <p:bgPr>
+        <a:solidFill>
+          <a:schemeClr val="accent5">
+            <a:lumMod val="20000"/>
+            <a:lumOff val="80000"/>
+          </a:schemeClr>
+        </a:solidFill>
+        <a:effectLst/>
+      </p:bgPr>
+    </p:bg>
+    <p:spTree>
+      <p:nvGrpSpPr>
+        <p:cNvPr id="1" name=""/>
+        <p:cNvGrpSpPr/>
+        <p:nvPr/>
+      </p:nvGrpSpPr>
+      <p:grpSpPr>
+        <a:xfrm>
+          <a:off x="0" y="0"/>
+          <a:ext cx="0" cy="0"/>
+          <a:chOff x="0" y="0"/>
+          <a:chExt cx="0" cy="0"/>
+        </a:xfrm>
+      </p:grpSpPr>
+      <p:cxnSp>
+        <p:nvCxnSpPr>
+          <p:cNvPr id="5" name="Conector recto 4">
+            <a:extLst>
+              <a:ext uri="{FF2B5EF4-FFF2-40B4-BE49-F238E27FC236}">
+                <a16:creationId xmlns:a16="http://schemas.microsoft.com/office/drawing/2014/main" id="{AA65E432-C1E6-4C36-BF8E-2DA25E65DC32}"/>
+              </a:ext>
+              <a:ext uri="{C183D7F6-B498-43B3-948B-1728B52AA6E4}">
+                <adec:decorative xmlns:adec="http://schemas.microsoft.com/office/drawing/2017/decorative" val="1"/>
+              </a:ext>
+            </a:extLst>
+          </p:cNvPr>
+          <p:cNvCxnSpPr>
+            <a:cxnSpLocks/>
+          </p:cNvCxnSpPr>
+          <p:nvPr/>
+        </p:nvCxnSpPr>
+        <p:spPr>
+          <a:xfrm>
+            <a:off x="3012013" y="3499186"/>
+            <a:ext cx="5087007" cy="0"/>
+          </a:xfrm>
+          <a:prstGeom prst="line">
+            <a:avLst/>
+          </a:prstGeom>
+          <a:ln w="19050">
+            <a:solidFill>
+              <a:schemeClr val="tx1"/>
+            </a:solidFill>
+          </a:ln>
+        </p:spPr>
+        <p:style>
+          <a:lnRef idx="1">
+            <a:schemeClr val="accent1"/>
+          </a:lnRef>
+          <a:fillRef idx="0">
+            <a:schemeClr val="accent1"/>
+          </a:fillRef>
+          <a:effectRef idx="0">
+            <a:schemeClr val="accent1"/>
+          </a:effectRef>
+          <a:fontRef idx="minor">
+            <a:schemeClr val="tx1"/>
+          </a:fontRef>
+        </p:style>
+      </p:cxnSp>
+      <p:sp>
+        <p:nvSpPr>
+          <p:cNvPr id="4" name="CuadroTexto 3">
+            <a:extLst>
+              <a:ext uri="{FF2B5EF4-FFF2-40B4-BE49-F238E27FC236}">
+                <a16:creationId xmlns:a16="http://schemas.microsoft.com/office/drawing/2014/main" id="{CBB7AFBA-CD8C-AD2F-8088-4B18F9BC9446}"/>
+              </a:ext>
+            </a:extLst>
+          </p:cNvPr>
+          <p:cNvSpPr txBox="1"/>
+          <p:nvPr/>
+        </p:nvSpPr>
+        <p:spPr>
+          <a:xfrm>
+            <a:off x="3588493" y="2774039"/>
+            <a:ext cx="5015013" cy="584775"/>
+          </a:xfrm>
+          <a:prstGeom prst="rect">
+            <a:avLst/>
+          </a:prstGeom>
+          <a:noFill/>
+        </p:spPr>
+        <p:txBody>
+          <a:bodyPr wrap="square" rtlCol="0">
+            <a:spAutoFit/>
+          </a:bodyPr>
+          <a:lstStyle/>
+          <a:p>
+            <a:pPr marL="0" marR="0" lvl="0" indent="0" algn="l" defTabSz="914400" rtl="0" eaLnBrk="1" fontAlgn="auto" latinLnBrk="0" hangingPunct="1">
+              <a:lnSpc>
+                <a:spcPct val="100000"/>
+              </a:lnSpc>
+              <a:spcBef>
+                <a:spcPts val="0"/>
+              </a:spcBef>
+              <a:spcAft>
+                <a:spcPts val="0"/>
+              </a:spcAft>
+              <a:buClrTx/>
+              <a:buSzTx/>
+              <a:buFontTx/>
+              <a:buNone/>
+              <a:tabLst/>
+              <a:defRPr/>
+            </a:pPr>
+            <a:r>
+              <a:rPr lang="es-ES" sz="3200" dirty="0">
+                <a:solidFill>
+                  <a:prstClr val="black"/>
+                </a:solidFill>
+                <a:latin typeface="Arial" panose="020B0604020202020204" pitchFamily="34" charset="0"/>
+                <a:cs typeface="Arial" panose="020B0604020202020204" pitchFamily="34" charset="0"/>
+              </a:rPr>
+              <a:t>Recomendaciones </a:t>
+            </a:r>
+            <a:endParaRPr kumimoji="0" lang="es-US" sz="3200" b="0" i="0" u="none" strike="noStrike" kern="1200" cap="none" spc="0" normalizeH="0" baseline="0" noProof="0" dirty="0">
+              <a:ln>
+                <a:noFill/>
+              </a:ln>
+              <a:solidFill>
+                <a:prstClr val="black"/>
+              </a:solidFill>
+              <a:effectLst/>
+              <a:uLnTx/>
+              <a:uFillTx/>
+              <a:latin typeface="Arial" panose="020B0604020202020204" pitchFamily="34" charset="0"/>
+              <a:ea typeface="+mn-ea"/>
+              <a:cs typeface="Arial" panose="020B0604020202020204" pitchFamily="34" charset="0"/>
+            </a:endParaRPr>
+          </a:p>
+        </p:txBody>
+      </p:sp>
+      <p:pic>
+        <p:nvPicPr>
+          <p:cNvPr id="6" name="Imagen 5">
+            <a:extLst>
+              <a:ext uri="{FF2B5EF4-FFF2-40B4-BE49-F238E27FC236}">
+                <a16:creationId xmlns:a16="http://schemas.microsoft.com/office/drawing/2014/main" id="{3125A663-751E-96B9-3616-BA8AD048C51E}"/>
+              </a:ext>
+            </a:extLst>
+          </p:cNvPr>
+          <p:cNvPicPr>
+            <a:picLocks noChangeAspect="1"/>
+          </p:cNvPicPr>
+          <p:nvPr/>
+        </p:nvPicPr>
+        <p:blipFill>
+          <a:blip r:embed="rId3"/>
+          <a:stretch>
+            <a:fillRect/>
+          </a:stretch>
+        </p:blipFill>
+        <p:spPr>
+          <a:xfrm>
+            <a:off x="9389341" y="468685"/>
+            <a:ext cx="1737511" cy="1737511"/>
+          </a:xfrm>
+          <a:prstGeom prst="rect">
+            <a:avLst/>
+          </a:prstGeom>
+        </p:spPr>
+      </p:pic>
+      <p:pic>
+        <p:nvPicPr>
+          <p:cNvPr id="7" name="Imagen 6">
+            <a:extLst>
+              <a:ext uri="{FF2B5EF4-FFF2-40B4-BE49-F238E27FC236}">
+                <a16:creationId xmlns:a16="http://schemas.microsoft.com/office/drawing/2014/main" id="{4B3C8370-4371-4919-522D-4C35786DF1E6}"/>
+              </a:ext>
+            </a:extLst>
+          </p:cNvPr>
+          <p:cNvPicPr>
+            <a:picLocks noChangeAspect="1"/>
+          </p:cNvPicPr>
+          <p:nvPr/>
+        </p:nvPicPr>
+        <p:blipFill>
+          <a:blip r:embed="rId4"/>
+          <a:stretch>
+            <a:fillRect/>
+          </a:stretch>
+        </p:blipFill>
+        <p:spPr>
+          <a:xfrm>
+            <a:off x="0" y="4169983"/>
+            <a:ext cx="2322777" cy="2322777"/>
+          </a:xfrm>
+          <a:prstGeom prst="rect">
+            <a:avLst/>
+          </a:prstGeom>
+        </p:spPr>
+      </p:pic>
+    </p:spTree>
+    <p:extLst>
+      <p:ext uri="{BB962C8B-B14F-4D97-AF65-F5344CB8AC3E}">
+        <p14:creationId xmlns:p14="http://schemas.microsoft.com/office/powerpoint/2010/main" val="2614117331"/>
+      </p:ext>
+    </p:extLst>
+  </p:cSld>
+  <p:clrMapOvr>
+    <a:masterClrMapping/>
+  </p:clrMapOvr>
+</p:sld>
+</file>
+
+<file path=ppt/slides/slide48.xml><?xml version="1.0" encoding="utf-8"?>
 <p:sld xmlns:a="http://schemas.openxmlformats.org/drawingml/2006/main" xmlns:r="http://schemas.openxmlformats.org/officeDocument/2006/relationships" xmlns:p="http://schemas.openxmlformats.org/presentationml/2006/main">
   <p:cSld>
     <p:bg>
@@ -27118,13 +28127,13 @@
           <p:nvPr>
             <p:extLst>
               <p:ext uri="{D42A27DB-BD31-4B8C-83A1-F6EECF244321}">
-                <p14:modId xmlns:p14="http://schemas.microsoft.com/office/powerpoint/2010/main" val="1361143364"/>
+                <p14:modId xmlns:p14="http://schemas.microsoft.com/office/powerpoint/2010/main" val="2973133343"/>
               </p:ext>
             </p:extLst>
           </p:nvPr>
         </p:nvGraphicFramePr>
         <p:xfrm>
-          <a:off x="4652109" y="1436145"/>
+          <a:off x="212457" y="1508966"/>
           <a:ext cx="6589818" cy="5414433"/>
         </p:xfrm>
         <a:graphic>
@@ -27149,7 +28158,7 @@
         </p:nvSpPr>
         <p:spPr>
           <a:xfrm>
-            <a:off x="978973" y="597849"/>
+            <a:off x="2459112" y="357217"/>
             <a:ext cx="7273776" cy="911117"/>
           </a:xfrm>
           <a:prstGeom prst="rect">
@@ -27485,7 +28494,7 @@
         </p:blipFill>
         <p:spPr>
           <a:xfrm>
-            <a:off x="355165" y="4312608"/>
+            <a:off x="740175" y="1761913"/>
             <a:ext cx="3162300" cy="2120398"/>
           </a:xfrm>
           <a:prstGeom prst="rect">
@@ -27521,7 +28530,7 @@
         </p:blipFill>
         <p:spPr>
           <a:xfrm>
-            <a:off x="4197905" y="2036415"/>
+            <a:off x="7565625" y="3336501"/>
             <a:ext cx="3265164" cy="1748744"/>
           </a:xfrm>
           <a:prstGeom prst="rect">

--- a/Digestión anaerobía.Original.pptx
+++ b/Digestión anaerobía.Original.pptx
@@ -5,10 +5,10 @@
     <p:sldMasterId id="2147483648" r:id="rId1"/>
   </p:sldMasterIdLst>
   <p:notesMasterIdLst>
-    <p:notesMasterId r:id="rId50"/>
+    <p:notesMasterId r:id="rId53"/>
   </p:notesMasterIdLst>
   <p:handoutMasterIdLst>
-    <p:handoutMasterId r:id="rId51"/>
+    <p:handoutMasterId r:id="rId54"/>
   </p:handoutMasterIdLst>
   <p:sldIdLst>
     <p:sldId id="256" r:id="rId2"/>
@@ -58,7 +58,10 @@
     <p:sldId id="322" r:id="rId46"/>
     <p:sldId id="323" r:id="rId47"/>
     <p:sldId id="335" r:id="rId48"/>
-    <p:sldId id="309" r:id="rId49"/>
+    <p:sldId id="336" r:id="rId49"/>
+    <p:sldId id="337" r:id="rId50"/>
+    <p:sldId id="309" r:id="rId51"/>
+    <p:sldId id="338" r:id="rId52"/>
   </p:sldIdLst>
   <p:sldSz cx="12192000" cy="6858000"/>
   <p:notesSz cx="6858000" cy="9144000"/>
@@ -8305,8 +8308,44 @@
           <a:bodyPr rtlCol="0"/>
           <a:lstStyle/>
           <a:p>
+            <a:pPr algn="l">
+              <a:buFont typeface="Arial" panose="020B0604020202020204" pitchFamily="34" charset="0"/>
+              <a:buChar char="•"/>
+            </a:pPr>
+            <a:r>
+              <a:rPr lang="es-419" dirty="0">
+                <a:effectLst/>
+              </a:rPr>
+              <a:t>Rendimiento: 91 </a:t>
+            </a:r>
+          </a:p>
+          <a:p>
+            <a:pPr algn="l">
+              <a:buFont typeface="Arial" panose="020B0604020202020204" pitchFamily="34" charset="0"/>
+              <a:buChar char="•"/>
+            </a:pPr>
+            <a:r>
+              <a:rPr lang="es-419" dirty="0">
+                <a:effectLst/>
+              </a:rPr>
+              <a:t>Accesibilidad: 83 </a:t>
+            </a:r>
+          </a:p>
+          <a:p>
+            <a:pPr algn="l">
+              <a:buFont typeface="Arial" panose="020B0604020202020204" pitchFamily="34" charset="0"/>
+              <a:buChar char="•"/>
+            </a:pPr>
+            <a:r>
+              <a:rPr lang="es-419" dirty="0">
+                <a:effectLst/>
+              </a:rPr>
+              <a:t>Mejores Prácticas: 100 </a:t>
+            </a:r>
+          </a:p>
+          <a:p>
             <a:pPr rtl="0"/>
-            <a:endParaRPr lang="es-ES" dirty="0"/>
+            <a:endParaRPr lang="es-ES" b="0" u="none" dirty="0"/>
           </a:p>
         </p:txBody>
       </p:sp>
@@ -9449,10 +9488,7 @@
           <a:lstStyle/>
           <a:p>
             <a:pPr rtl="0"/>
-            <a:r>
-              <a:rPr lang="es-ES" dirty="0"/>
-              <a:t>La Unidad de Desarrollo e Innovación del Centro de Estudios de Energía y Procesos Industriales (UDI-CEEPI) de la Universidad de Sancti Spíritus (UNISS) “José Martí Pérez”</a:t>
-            </a:r>
+            <a:endParaRPr lang="es-ES" dirty="0"/>
           </a:p>
         </p:txBody>
       </p:sp>
@@ -9471,10 +9507,303 @@
           <a:bodyPr rtlCol="0"/>
           <a:lstStyle/>
           <a:p>
+            <a:pPr marL="0" marR="0" lvl="0" indent="0" algn="r" defTabSz="914400" rtl="0" eaLnBrk="1" fontAlgn="auto" latinLnBrk="0" hangingPunct="1">
+              <a:lnSpc>
+                <a:spcPct val="100000"/>
+              </a:lnSpc>
+              <a:spcBef>
+                <a:spcPts val="0"/>
+              </a:spcBef>
+              <a:spcAft>
+                <a:spcPts val="0"/>
+              </a:spcAft>
+              <a:buClrTx/>
+              <a:buSzTx/>
+              <a:buFontTx/>
+              <a:buNone/>
+              <a:tabLst/>
+              <a:defRPr/>
+            </a:pPr>
+            <a:fld id="{C853816F-A1CF-4485-B308-1B9F14B36EAD}" type="slidenum">
+              <a:rPr kumimoji="0" lang="es-ES" sz="1200" b="0" i="0" u="none" strike="noStrike" kern="1200" cap="none" spc="0" normalizeH="0" baseline="0" noProof="0" smtClean="0">
+                <a:ln>
+                  <a:noFill/>
+                </a:ln>
+                <a:solidFill>
+                  <a:prstClr val="black"/>
+                </a:solidFill>
+                <a:effectLst/>
+                <a:uLnTx/>
+                <a:uFillTx/>
+                <a:latin typeface="Calibri" panose="020F0502020204030204"/>
+                <a:ea typeface="+mn-ea"/>
+                <a:cs typeface="+mn-cs"/>
+              </a:rPr>
+              <a:pPr marL="0" marR="0" lvl="0" indent="0" algn="r" defTabSz="914400" rtl="0" eaLnBrk="1" fontAlgn="auto" latinLnBrk="0" hangingPunct="1">
+                <a:lnSpc>
+                  <a:spcPct val="100000"/>
+                </a:lnSpc>
+                <a:spcBef>
+                  <a:spcPts val="0"/>
+                </a:spcBef>
+                <a:spcAft>
+                  <a:spcPts val="0"/>
+                </a:spcAft>
+                <a:buClrTx/>
+                <a:buSzTx/>
+                <a:buFontTx/>
+                <a:buNone/>
+                <a:tabLst/>
+                <a:defRPr/>
+              </a:pPr>
+              <a:t>48</a:t>
+            </a:fld>
+            <a:endParaRPr kumimoji="0" lang="es-ES" sz="1200" b="0" i="0" u="none" strike="noStrike" kern="1200" cap="none" spc="0" normalizeH="0" baseline="0" noProof="0">
+              <a:ln>
+                <a:noFill/>
+              </a:ln>
+              <a:solidFill>
+                <a:prstClr val="black"/>
+              </a:solidFill>
+              <a:effectLst/>
+              <a:uLnTx/>
+              <a:uFillTx/>
+              <a:latin typeface="Calibri" panose="020F0502020204030204"/>
+              <a:ea typeface="+mn-ea"/>
+              <a:cs typeface="+mn-cs"/>
+            </a:endParaRPr>
+          </a:p>
+        </p:txBody>
+      </p:sp>
+    </p:spTree>
+    <p:extLst>
+      <p:ext uri="{BB962C8B-B14F-4D97-AF65-F5344CB8AC3E}">
+        <p14:creationId xmlns:p14="http://schemas.microsoft.com/office/powerpoint/2010/main" val="1527390802"/>
+      </p:ext>
+    </p:extLst>
+  </p:cSld>
+  <p:clrMapOvr>
+    <a:masterClrMapping/>
+  </p:clrMapOvr>
+</p:notes>
+</file>
+
+<file path=ppt/notesSlides/notesSlide46.xml><?xml version="1.0" encoding="utf-8"?>
+<p:notes xmlns:a="http://schemas.openxmlformats.org/drawingml/2006/main" xmlns:r="http://schemas.openxmlformats.org/officeDocument/2006/relationships" xmlns:p="http://schemas.openxmlformats.org/presentationml/2006/main">
+  <p:cSld>
+    <p:spTree>
+      <p:nvGrpSpPr>
+        <p:cNvPr id="1" name=""/>
+        <p:cNvGrpSpPr/>
+        <p:nvPr/>
+      </p:nvGrpSpPr>
+      <p:grpSpPr>
+        <a:xfrm>
+          <a:off x="0" y="0"/>
+          <a:ext cx="0" cy="0"/>
+          <a:chOff x="0" y="0"/>
+          <a:chExt cx="0" cy="0"/>
+        </a:xfrm>
+      </p:grpSpPr>
+      <p:sp>
+        <p:nvSpPr>
+          <p:cNvPr id="2" name="Marcador de imagen de diapositiva 1"/>
+          <p:cNvSpPr>
+            <a:spLocks noGrp="1" noRot="1" noChangeAspect="1"/>
+          </p:cNvSpPr>
+          <p:nvPr>
+            <p:ph type="sldImg"/>
+          </p:nvPr>
+        </p:nvSpPr>
+        <p:spPr/>
+      </p:sp>
+      <p:sp>
+        <p:nvSpPr>
+          <p:cNvPr id="3" name="Marcador de notas 2"/>
+          <p:cNvSpPr>
+            <a:spLocks noGrp="1"/>
+          </p:cNvSpPr>
+          <p:nvPr>
+            <p:ph type="body" idx="1"/>
+          </p:nvPr>
+        </p:nvSpPr>
+        <p:spPr/>
+        <p:txBody>
+          <a:bodyPr rtlCol="0"/>
+          <a:lstStyle/>
+          <a:p>
+            <a:pPr rtl="0"/>
+            <a:endParaRPr lang="es-ES" dirty="0"/>
+          </a:p>
+        </p:txBody>
+      </p:sp>
+      <p:sp>
+        <p:nvSpPr>
+          <p:cNvPr id="4" name="Marcador de número de diapositiva 3"/>
+          <p:cNvSpPr>
+            <a:spLocks noGrp="1"/>
+          </p:cNvSpPr>
+          <p:nvPr>
+            <p:ph type="sldNum" sz="quarter" idx="5"/>
+          </p:nvPr>
+        </p:nvSpPr>
+        <p:spPr/>
+        <p:txBody>
+          <a:bodyPr rtlCol="0"/>
+          <a:lstStyle/>
+          <a:p>
+            <a:pPr marL="0" marR="0" lvl="0" indent="0" algn="r" defTabSz="914400" rtl="0" eaLnBrk="1" fontAlgn="auto" latinLnBrk="0" hangingPunct="1">
+              <a:lnSpc>
+                <a:spcPct val="100000"/>
+              </a:lnSpc>
+              <a:spcBef>
+                <a:spcPts val="0"/>
+              </a:spcBef>
+              <a:spcAft>
+                <a:spcPts val="0"/>
+              </a:spcAft>
+              <a:buClrTx/>
+              <a:buSzTx/>
+              <a:buFontTx/>
+              <a:buNone/>
+              <a:tabLst/>
+              <a:defRPr/>
+            </a:pPr>
+            <a:fld id="{C853816F-A1CF-4485-B308-1B9F14B36EAD}" type="slidenum">
+              <a:rPr kumimoji="0" lang="es-ES" sz="1200" b="0" i="0" u="none" strike="noStrike" kern="1200" cap="none" spc="0" normalizeH="0" baseline="0" noProof="0" smtClean="0">
+                <a:ln>
+                  <a:noFill/>
+                </a:ln>
+                <a:solidFill>
+                  <a:prstClr val="black"/>
+                </a:solidFill>
+                <a:effectLst/>
+                <a:uLnTx/>
+                <a:uFillTx/>
+                <a:latin typeface="Calibri" panose="020F0502020204030204"/>
+                <a:ea typeface="+mn-ea"/>
+                <a:cs typeface="+mn-cs"/>
+              </a:rPr>
+              <a:pPr marL="0" marR="0" lvl="0" indent="0" algn="r" defTabSz="914400" rtl="0" eaLnBrk="1" fontAlgn="auto" latinLnBrk="0" hangingPunct="1">
+                <a:lnSpc>
+                  <a:spcPct val="100000"/>
+                </a:lnSpc>
+                <a:spcBef>
+                  <a:spcPts val="0"/>
+                </a:spcBef>
+                <a:spcAft>
+                  <a:spcPts val="0"/>
+                </a:spcAft>
+                <a:buClrTx/>
+                <a:buSzTx/>
+                <a:buFontTx/>
+                <a:buNone/>
+                <a:tabLst/>
+                <a:defRPr/>
+              </a:pPr>
+              <a:t>49</a:t>
+            </a:fld>
+            <a:endParaRPr kumimoji="0" lang="es-ES" sz="1200" b="0" i="0" u="none" strike="noStrike" kern="1200" cap="none" spc="0" normalizeH="0" baseline="0" noProof="0">
+              <a:ln>
+                <a:noFill/>
+              </a:ln>
+              <a:solidFill>
+                <a:prstClr val="black"/>
+              </a:solidFill>
+              <a:effectLst/>
+              <a:uLnTx/>
+              <a:uFillTx/>
+              <a:latin typeface="Calibri" panose="020F0502020204030204"/>
+              <a:ea typeface="+mn-ea"/>
+              <a:cs typeface="+mn-cs"/>
+            </a:endParaRPr>
+          </a:p>
+        </p:txBody>
+      </p:sp>
+    </p:spTree>
+    <p:extLst>
+      <p:ext uri="{BB962C8B-B14F-4D97-AF65-F5344CB8AC3E}">
+        <p14:creationId xmlns:p14="http://schemas.microsoft.com/office/powerpoint/2010/main" val="990320064"/>
+      </p:ext>
+    </p:extLst>
+  </p:cSld>
+  <p:clrMapOvr>
+    <a:masterClrMapping/>
+  </p:clrMapOvr>
+</p:notes>
+</file>
+
+<file path=ppt/notesSlides/notesSlide47.xml><?xml version="1.0" encoding="utf-8"?>
+<p:notes xmlns:a="http://schemas.openxmlformats.org/drawingml/2006/main" xmlns:r="http://schemas.openxmlformats.org/officeDocument/2006/relationships" xmlns:p="http://schemas.openxmlformats.org/presentationml/2006/main">
+  <p:cSld>
+    <p:spTree>
+      <p:nvGrpSpPr>
+        <p:cNvPr id="1" name=""/>
+        <p:cNvGrpSpPr/>
+        <p:nvPr/>
+      </p:nvGrpSpPr>
+      <p:grpSpPr>
+        <a:xfrm>
+          <a:off x="0" y="0"/>
+          <a:ext cx="0" cy="0"/>
+          <a:chOff x="0" y="0"/>
+          <a:chExt cx="0" cy="0"/>
+        </a:xfrm>
+      </p:grpSpPr>
+      <p:sp>
+        <p:nvSpPr>
+          <p:cNvPr id="2" name="Marcador de imagen de diapositiva 1"/>
+          <p:cNvSpPr>
+            <a:spLocks noGrp="1" noRot="1" noChangeAspect="1"/>
+          </p:cNvSpPr>
+          <p:nvPr>
+            <p:ph type="sldImg"/>
+          </p:nvPr>
+        </p:nvSpPr>
+        <p:spPr/>
+      </p:sp>
+      <p:sp>
+        <p:nvSpPr>
+          <p:cNvPr id="3" name="Marcador de notas 2"/>
+          <p:cNvSpPr>
+            <a:spLocks noGrp="1"/>
+          </p:cNvSpPr>
+          <p:nvPr>
+            <p:ph type="body" idx="1"/>
+          </p:nvPr>
+        </p:nvSpPr>
+        <p:spPr/>
+        <p:txBody>
+          <a:bodyPr rtlCol="0"/>
+          <a:lstStyle/>
+          <a:p>
+            <a:pPr rtl="0"/>
+            <a:r>
+              <a:rPr lang="es-ES" dirty="0"/>
+              <a:t>La Unidad de Desarrollo e Innovación del Centro de Estudios de Energía y Procesos Industriales (UDI-CEEPI) de la Universidad de Sancti Spíritus (UNISS) “José Martí Pérez”</a:t>
+            </a:r>
+          </a:p>
+        </p:txBody>
+      </p:sp>
+      <p:sp>
+        <p:nvSpPr>
+          <p:cNvPr id="4" name="Marcador de número de diapositiva 3"/>
+          <p:cNvSpPr>
+            <a:spLocks noGrp="1"/>
+          </p:cNvSpPr>
+          <p:nvPr>
+            <p:ph type="sldNum" sz="quarter" idx="5"/>
+          </p:nvPr>
+        </p:nvSpPr>
+        <p:spPr/>
+        <p:txBody>
+          <a:bodyPr rtlCol="0"/>
+          <a:lstStyle/>
+          <a:p>
             <a:pPr rtl="0"/>
             <a:fld id="{C853816F-A1CF-4485-B308-1B9F14B36EAD}" type="slidenum">
               <a:rPr lang="es-ES" smtClean="0"/>
-              <a:t>48</a:t>
+              <a:t>50</a:t>
             </a:fld>
             <a:endParaRPr lang="es-ES"/>
           </a:p>
@@ -9484,6 +9813,151 @@
     <p:extLst>
       <p:ext uri="{BB962C8B-B14F-4D97-AF65-F5344CB8AC3E}">
         <p14:creationId xmlns:p14="http://schemas.microsoft.com/office/powerpoint/2010/main" val="1909246227"/>
+      </p:ext>
+    </p:extLst>
+  </p:cSld>
+  <p:clrMapOvr>
+    <a:masterClrMapping/>
+  </p:clrMapOvr>
+</p:notes>
+</file>
+
+<file path=ppt/notesSlides/notesSlide48.xml><?xml version="1.0" encoding="utf-8"?>
+<p:notes xmlns:a="http://schemas.openxmlformats.org/drawingml/2006/main" xmlns:r="http://schemas.openxmlformats.org/officeDocument/2006/relationships" xmlns:p="http://schemas.openxmlformats.org/presentationml/2006/main">
+  <p:cSld>
+    <p:spTree>
+      <p:nvGrpSpPr>
+        <p:cNvPr id="1" name=""/>
+        <p:cNvGrpSpPr/>
+        <p:nvPr/>
+      </p:nvGrpSpPr>
+      <p:grpSpPr>
+        <a:xfrm>
+          <a:off x="0" y="0"/>
+          <a:ext cx="0" cy="0"/>
+          <a:chOff x="0" y="0"/>
+          <a:chExt cx="0" cy="0"/>
+        </a:xfrm>
+      </p:grpSpPr>
+      <p:sp>
+        <p:nvSpPr>
+          <p:cNvPr id="2" name="Marcador de imagen de diapositiva 1"/>
+          <p:cNvSpPr>
+            <a:spLocks noGrp="1" noRot="1" noChangeAspect="1"/>
+          </p:cNvSpPr>
+          <p:nvPr>
+            <p:ph type="sldImg"/>
+          </p:nvPr>
+        </p:nvSpPr>
+        <p:spPr/>
+      </p:sp>
+      <p:sp>
+        <p:nvSpPr>
+          <p:cNvPr id="3" name="Marcador de notas 2"/>
+          <p:cNvSpPr>
+            <a:spLocks noGrp="1"/>
+          </p:cNvSpPr>
+          <p:nvPr>
+            <p:ph type="body" idx="1"/>
+          </p:nvPr>
+        </p:nvSpPr>
+        <p:spPr/>
+        <p:txBody>
+          <a:bodyPr rtlCol="0"/>
+          <a:lstStyle/>
+          <a:p>
+            <a:pPr rtl="0"/>
+            <a:endParaRPr lang="es-ES" dirty="0"/>
+          </a:p>
+        </p:txBody>
+      </p:sp>
+      <p:sp>
+        <p:nvSpPr>
+          <p:cNvPr id="4" name="Marcador de número de diapositiva 3"/>
+          <p:cNvSpPr>
+            <a:spLocks noGrp="1"/>
+          </p:cNvSpPr>
+          <p:nvPr>
+            <p:ph type="sldNum" sz="quarter" idx="5"/>
+          </p:nvPr>
+        </p:nvSpPr>
+        <p:spPr/>
+        <p:txBody>
+          <a:bodyPr rtlCol="0"/>
+          <a:lstStyle/>
+          <a:p>
+            <a:pPr marL="0" marR="0" lvl="0" indent="0" algn="r" defTabSz="914400" rtl="0" eaLnBrk="1" fontAlgn="auto" latinLnBrk="0" hangingPunct="1">
+              <a:lnSpc>
+                <a:spcPct val="100000"/>
+              </a:lnSpc>
+              <a:spcBef>
+                <a:spcPts val="0"/>
+              </a:spcBef>
+              <a:spcAft>
+                <a:spcPts val="0"/>
+              </a:spcAft>
+              <a:buClrTx/>
+              <a:buSzTx/>
+              <a:buFontTx/>
+              <a:buNone/>
+              <a:tabLst/>
+              <a:defRPr/>
+            </a:pPr>
+            <a:fld id="{C853816F-A1CF-4485-B308-1B9F14B36EAD}" type="slidenum">
+              <a:rPr kumimoji="0" lang="es-ES" sz="1200" b="0" i="0" u="none" strike="noStrike" kern="1200" cap="none" spc="0" normalizeH="0" baseline="0" noProof="0" smtClean="0">
+                <a:ln>
+                  <a:noFill/>
+                </a:ln>
+                <a:solidFill>
+                  <a:prstClr val="black"/>
+                </a:solidFill>
+                <a:effectLst/>
+                <a:uLnTx/>
+                <a:uFillTx/>
+                <a:latin typeface="Calibri" panose="020F0502020204030204"/>
+                <a:ea typeface="+mn-ea"/>
+                <a:cs typeface="+mn-cs"/>
+              </a:rPr>
+              <a:pPr marL="0" marR="0" lvl="0" indent="0" algn="r" defTabSz="914400" rtl="0" eaLnBrk="1" fontAlgn="auto" latinLnBrk="0" hangingPunct="1">
+                <a:lnSpc>
+                  <a:spcPct val="100000"/>
+                </a:lnSpc>
+                <a:spcBef>
+                  <a:spcPts val="0"/>
+                </a:spcBef>
+                <a:spcAft>
+                  <a:spcPts val="0"/>
+                </a:spcAft>
+                <a:buClrTx/>
+                <a:buSzTx/>
+                <a:buFontTx/>
+                <a:buNone/>
+                <a:tabLst/>
+                <a:defRPr/>
+              </a:pPr>
+              <a:t>51</a:t>
+            </a:fld>
+            <a:endParaRPr kumimoji="0" lang="es-ES" sz="1200" b="0" i="0" u="none" strike="noStrike" kern="1200" cap="none" spc="0" normalizeH="0" baseline="0" noProof="0">
+              <a:ln>
+                <a:noFill/>
+              </a:ln>
+              <a:solidFill>
+                <a:prstClr val="black"/>
+              </a:solidFill>
+              <a:effectLst/>
+              <a:uLnTx/>
+              <a:uFillTx/>
+              <a:latin typeface="Calibri" panose="020F0502020204030204"/>
+              <a:ea typeface="+mn-ea"/>
+              <a:cs typeface="+mn-cs"/>
+            </a:endParaRPr>
+          </a:p>
+        </p:txBody>
+      </p:sp>
+    </p:spTree>
+    <p:extLst>
+      <p:ext uri="{BB962C8B-B14F-4D97-AF65-F5344CB8AC3E}">
+        <p14:creationId xmlns:p14="http://schemas.microsoft.com/office/powerpoint/2010/main" val="582673303"/>
       </p:ext>
     </p:extLst>
   </p:cSld>
@@ -18988,10 +19462,10 @@
       </p:grpSpPr>
       <p:pic>
         <p:nvPicPr>
-          <p:cNvPr id="3" name="Imagen 2">
+          <p:cNvPr id="4" name="Imagen 3">
             <a:extLst>
               <a:ext uri="{FF2B5EF4-FFF2-40B4-BE49-F238E27FC236}">
-                <a16:creationId xmlns:a16="http://schemas.microsoft.com/office/drawing/2014/main" id="{CACDB9C7-3535-038A-F0FE-24CE0286F0D4}"/>
+                <a16:creationId xmlns:a16="http://schemas.microsoft.com/office/drawing/2014/main" id="{12DC2F83-8D51-E278-62F3-7A1409EFF3A5}"/>
               </a:ext>
             </a:extLst>
           </p:cNvPr>
@@ -19009,7 +19483,7 @@
         <p:spPr>
           <a:xfrm>
             <a:off x="0" y="0"/>
-            <a:ext cx="12192000" cy="6858000"/>
+            <a:ext cx="12191999" cy="6858000"/>
           </a:xfrm>
           <a:prstGeom prst="rect">
             <a:avLst/>
@@ -20307,31 +20781,35 @@
           </a:p>
         </p:txBody>
       </p:sp>
-      <p:sp>
-        <p:nvSpPr>
-          <p:cNvPr id="3" name="Marcador de contenido 2">
+      <p:pic>
+        <p:nvPicPr>
+          <p:cNvPr id="5" name="Marcador de contenido 4">
             <a:extLst>
               <a:ext uri="{FF2B5EF4-FFF2-40B4-BE49-F238E27FC236}">
-                <a16:creationId xmlns:a16="http://schemas.microsoft.com/office/drawing/2014/main" id="{C1DD58F2-A80F-723D-AD3E-4058294FBDE8}"/>
+                <a16:creationId xmlns:a16="http://schemas.microsoft.com/office/drawing/2014/main" id="{F433FEF8-5142-15C0-82C6-1184B18C4A4C}"/>
               </a:ext>
             </a:extLst>
           </p:cNvPr>
-          <p:cNvSpPr>
-            <a:spLocks noGrp="1"/>
-          </p:cNvSpPr>
+          <p:cNvPicPr>
+            <a:picLocks noGrp="1" noChangeAspect="1"/>
+          </p:cNvPicPr>
           <p:nvPr>
             <p:ph idx="1"/>
           </p:nvPr>
-        </p:nvSpPr>
-        <p:spPr/>
-        <p:txBody>
-          <a:bodyPr/>
-          <a:lstStyle/>
-          <a:p>
-            <a:endParaRPr lang="es-US"/>
-          </a:p>
-        </p:txBody>
-      </p:sp>
+        </p:nvPicPr>
+        <p:blipFill>
+          <a:blip r:embed="rId2"/>
+          <a:stretch>
+            <a:fillRect/>
+          </a:stretch>
+        </p:blipFill>
+        <p:spPr>
+          <a:xfrm>
+            <a:off x="0" y="0"/>
+            <a:ext cx="12192000" cy="6858000"/>
+          </a:xfrm>
+        </p:spPr>
+      </p:pic>
     </p:spTree>
     <p:extLst>
       <p:ext uri="{BB962C8B-B14F-4D97-AF65-F5344CB8AC3E}">
@@ -22625,8 +23103,8 @@
         </p:nvSpPr>
         <p:spPr>
           <a:xfrm>
-            <a:off x="1780263" y="2397948"/>
-            <a:ext cx="8631473" cy="2062103"/>
+            <a:off x="2538458" y="2210613"/>
+            <a:ext cx="7115084" cy="2062103"/>
           </a:xfrm>
           <a:prstGeom prst="rect">
             <a:avLst/>
@@ -22825,7 +23303,7 @@
         </p:blipFill>
         <p:spPr>
           <a:xfrm>
-            <a:off x="2514600" y="1"/>
+            <a:off x="2697079" y="1"/>
             <a:ext cx="6797842" cy="6857999"/>
           </a:xfrm>
           <a:prstGeom prst="rect">
@@ -23729,6 +24207,766 @@
           <a:chExt cx="0" cy="0"/>
         </a:xfrm>
       </p:grpSpPr>
+      <p:sp>
+        <p:nvSpPr>
+          <p:cNvPr id="3" name="CuadroTexto 2">
+            <a:extLst>
+              <a:ext uri="{FF2B5EF4-FFF2-40B4-BE49-F238E27FC236}">
+                <a16:creationId xmlns:a16="http://schemas.microsoft.com/office/drawing/2014/main" id="{0A1E4BF7-9886-EC5E-90B3-4BA86E7928D8}"/>
+              </a:ext>
+            </a:extLst>
+          </p:cNvPr>
+          <p:cNvSpPr txBox="1"/>
+          <p:nvPr/>
+        </p:nvSpPr>
+        <p:spPr>
+          <a:xfrm>
+            <a:off x="971550" y="1659285"/>
+            <a:ext cx="10248900" cy="3539430"/>
+          </a:xfrm>
+          <a:prstGeom prst="rect">
+            <a:avLst/>
+          </a:prstGeom>
+          <a:noFill/>
+        </p:spPr>
+        <p:txBody>
+          <a:bodyPr wrap="square">
+            <a:spAutoFit/>
+          </a:bodyPr>
+          <a:lstStyle/>
+          <a:p>
+            <a:pPr algn="l">
+              <a:buFont typeface="Arial" panose="020B0604020202020204" pitchFamily="34" charset="0"/>
+              <a:buChar char="•"/>
+            </a:pPr>
+            <a:r>
+              <a:rPr lang="es-419" sz="2800" b="1" dirty="0">
+                <a:effectLst/>
+              </a:rPr>
+              <a:t>Integración de fuentes externas de datos:</a:t>
+            </a:r>
+            <a:r>
+              <a:rPr lang="es-419" sz="2800" dirty="0">
+                <a:effectLst/>
+              </a:rPr>
+              <a:t> Se recomienda explorar la posibilidad de integrar fuentes de datos externas, como sensores en tiempo real que midan condiciones del reactor (temperatura, pH, etc.) o sistemas de monitoreo remoto. Esto permitiría que el sistema no solo gestione los datos manuales de experimentación, sino que automatice la recolección y análisis de datos, aumentando la eficiencia del proceso.</a:t>
+            </a:r>
+          </a:p>
+          <a:p>
+            <a:pPr algn="l"/>
+            <a:endParaRPr lang="es-419" sz="2800" dirty="0">
+              <a:effectLst/>
+            </a:endParaRPr>
+          </a:p>
+        </p:txBody>
+      </p:sp>
+    </p:spTree>
+    <p:extLst>
+      <p:ext uri="{BB962C8B-B14F-4D97-AF65-F5344CB8AC3E}">
+        <p14:creationId xmlns:p14="http://schemas.microsoft.com/office/powerpoint/2010/main" val="2101700190"/>
+      </p:ext>
+    </p:extLst>
+  </p:cSld>
+  <p:clrMapOvr>
+    <a:masterClrMapping/>
+  </p:clrMapOvr>
+</p:sld>
+</file>
+
+<file path=ppt/slides/slide49.xml><?xml version="1.0" encoding="utf-8"?>
+<p:sld xmlns:a="http://schemas.openxmlformats.org/drawingml/2006/main" xmlns:r="http://schemas.openxmlformats.org/officeDocument/2006/relationships" xmlns:p="http://schemas.openxmlformats.org/presentationml/2006/main">
+  <p:cSld>
+    <p:bg>
+      <p:bgPr>
+        <a:solidFill>
+          <a:schemeClr val="accent5">
+            <a:lumMod val="20000"/>
+            <a:lumOff val="80000"/>
+          </a:schemeClr>
+        </a:solidFill>
+        <a:effectLst/>
+      </p:bgPr>
+    </p:bg>
+    <p:spTree>
+      <p:nvGrpSpPr>
+        <p:cNvPr id="1" name=""/>
+        <p:cNvGrpSpPr/>
+        <p:nvPr/>
+      </p:nvGrpSpPr>
+      <p:grpSpPr>
+        <a:xfrm>
+          <a:off x="0" y="0"/>
+          <a:ext cx="0" cy="0"/>
+          <a:chOff x="0" y="0"/>
+          <a:chExt cx="0" cy="0"/>
+        </a:xfrm>
+      </p:grpSpPr>
+      <p:sp>
+        <p:nvSpPr>
+          <p:cNvPr id="3" name="CuadroTexto 2">
+            <a:extLst>
+              <a:ext uri="{FF2B5EF4-FFF2-40B4-BE49-F238E27FC236}">
+                <a16:creationId xmlns:a16="http://schemas.microsoft.com/office/drawing/2014/main" id="{0A1E4BF7-9886-EC5E-90B3-4BA86E7928D8}"/>
+              </a:ext>
+            </a:extLst>
+          </p:cNvPr>
+          <p:cNvSpPr txBox="1"/>
+          <p:nvPr/>
+        </p:nvSpPr>
+        <p:spPr>
+          <a:xfrm>
+            <a:off x="863265" y="2090172"/>
+            <a:ext cx="10465469" cy="2677656"/>
+          </a:xfrm>
+          <a:prstGeom prst="rect">
+            <a:avLst/>
+          </a:prstGeom>
+          <a:noFill/>
+        </p:spPr>
+        <p:txBody>
+          <a:bodyPr wrap="square">
+            <a:spAutoFit/>
+          </a:bodyPr>
+          <a:lstStyle/>
+          <a:p>
+            <a:pPr>
+              <a:buFont typeface="Arial" panose="020B0604020202020204" pitchFamily="34" charset="0"/>
+              <a:buChar char="•"/>
+            </a:pPr>
+            <a:r>
+              <a:rPr lang="es-419" sz="2800" b="1" dirty="0">
+                <a:effectLst/>
+              </a:rPr>
+              <a:t>Aplicación de nuevas metodologías de análisis de datos:</a:t>
+            </a:r>
+            <a:r>
+              <a:rPr lang="es-419" sz="2800" dirty="0">
+                <a:effectLst/>
+              </a:rPr>
+              <a:t> A medida que el sistema recopile más datos experimentales, se recomienda aplicar técnicas avanzadas de análisis de datos, como machine </a:t>
+            </a:r>
+            <a:r>
+              <a:rPr lang="es-419" sz="2800" dirty="0" err="1">
+                <a:effectLst/>
+              </a:rPr>
+              <a:t>learning</a:t>
+            </a:r>
+            <a:r>
+              <a:rPr lang="es-419" sz="2800" dirty="0">
+                <a:effectLst/>
+              </a:rPr>
+              <a:t> o inteligencia artificial, para identificar patrones, mejorar la predicción de resultados y optimizar los procesos experimentales</a:t>
+            </a:r>
+          </a:p>
+          <a:p>
+            <a:pPr algn="l">
+              <a:buFont typeface="Arial" panose="020B0604020202020204" pitchFamily="34" charset="0"/>
+              <a:buChar char="•"/>
+            </a:pPr>
+            <a:endParaRPr lang="es-419" sz="2800" dirty="0">
+              <a:effectLst/>
+            </a:endParaRPr>
+          </a:p>
+        </p:txBody>
+      </p:sp>
+    </p:spTree>
+    <p:extLst>
+      <p:ext uri="{BB962C8B-B14F-4D97-AF65-F5344CB8AC3E}">
+        <p14:creationId xmlns:p14="http://schemas.microsoft.com/office/powerpoint/2010/main" val="3559964330"/>
+      </p:ext>
+    </p:extLst>
+  </p:cSld>
+  <p:clrMapOvr>
+    <a:masterClrMapping/>
+  </p:clrMapOvr>
+</p:sld>
+</file>
+
+<file path=ppt/slides/slide5.xml><?xml version="1.0" encoding="utf-8"?>
+<p:sld xmlns:a="http://schemas.openxmlformats.org/drawingml/2006/main" xmlns:r="http://schemas.openxmlformats.org/officeDocument/2006/relationships" xmlns:p="http://schemas.openxmlformats.org/presentationml/2006/main">
+  <p:cSld>
+    <p:bg>
+      <p:bgPr>
+        <a:solidFill>
+          <a:schemeClr val="accent5">
+            <a:lumMod val="20000"/>
+            <a:lumOff val="80000"/>
+          </a:schemeClr>
+        </a:solidFill>
+        <a:effectLst/>
+      </p:bgPr>
+    </p:bg>
+    <p:spTree>
+      <p:nvGrpSpPr>
+        <p:cNvPr id="1" name=""/>
+        <p:cNvGrpSpPr/>
+        <p:nvPr/>
+      </p:nvGrpSpPr>
+      <p:grpSpPr>
+        <a:xfrm>
+          <a:off x="0" y="0"/>
+          <a:ext cx="0" cy="0"/>
+          <a:chOff x="0" y="0"/>
+          <a:chExt cx="0" cy="0"/>
+        </a:xfrm>
+      </p:grpSpPr>
+      <p:cxnSp>
+        <p:nvCxnSpPr>
+          <p:cNvPr id="5" name="Conector recto 4">
+            <a:extLst>
+              <a:ext uri="{FF2B5EF4-FFF2-40B4-BE49-F238E27FC236}">
+                <a16:creationId xmlns:a16="http://schemas.microsoft.com/office/drawing/2014/main" id="{AA65E432-C1E6-4C36-BF8E-2DA25E65DC32}"/>
+              </a:ext>
+              <a:ext uri="{C183D7F6-B498-43B3-948B-1728B52AA6E4}">
+                <adec:decorative xmlns:adec="http://schemas.microsoft.com/office/drawing/2017/decorative" val="1"/>
+              </a:ext>
+            </a:extLst>
+          </p:cNvPr>
+          <p:cNvCxnSpPr>
+            <a:cxnSpLocks/>
+          </p:cNvCxnSpPr>
+          <p:nvPr/>
+        </p:nvCxnSpPr>
+        <p:spPr>
+          <a:xfrm>
+            <a:off x="3863733" y="1478572"/>
+            <a:ext cx="3482998" cy="0"/>
+          </a:xfrm>
+          <a:prstGeom prst="line">
+            <a:avLst/>
+          </a:prstGeom>
+          <a:ln w="19050">
+            <a:solidFill>
+              <a:schemeClr val="tx1"/>
+            </a:solidFill>
+          </a:ln>
+        </p:spPr>
+        <p:style>
+          <a:lnRef idx="1">
+            <a:schemeClr val="accent1"/>
+          </a:lnRef>
+          <a:fillRef idx="0">
+            <a:schemeClr val="accent1"/>
+          </a:fillRef>
+          <a:effectRef idx="0">
+            <a:schemeClr val="accent1"/>
+          </a:effectRef>
+          <a:fontRef idx="minor">
+            <a:schemeClr val="tx1"/>
+          </a:fontRef>
+        </p:style>
+      </p:cxnSp>
+      <p:pic>
+        <p:nvPicPr>
+          <p:cNvPr id="11" name="Gráfico 10">
+            <a:extLst>
+              <a:ext uri="{FF2B5EF4-FFF2-40B4-BE49-F238E27FC236}">
+                <a16:creationId xmlns:a16="http://schemas.microsoft.com/office/drawing/2014/main" id="{3CB00449-E308-4DF3-9CFD-9A7D30B672DE}"/>
+              </a:ext>
+              <a:ext uri="{C183D7F6-B498-43B3-948B-1728B52AA6E4}">
+                <adec:decorative xmlns:adec="http://schemas.microsoft.com/office/drawing/2017/decorative" val="1"/>
+              </a:ext>
+            </a:extLst>
+          </p:cNvPr>
+          <p:cNvPicPr>
+            <a:picLocks noChangeAspect="1"/>
+          </p:cNvPicPr>
+          <p:nvPr/>
+        </p:nvPicPr>
+        <p:blipFill>
+          <a:blip r:embed="rId3">
+            <a:extLst>
+              <a:ext uri="{28A0092B-C50C-407E-A947-70E740481C1C}">
+                <a14:useLocalDpi xmlns:a14="http://schemas.microsoft.com/office/drawing/2010/main" val="0"/>
+              </a:ext>
+              <a:ext uri="{96DAC541-7B7A-43D3-8B79-37D633B846F1}">
+                <asvg:svgBlip xmlns:asvg="http://schemas.microsoft.com/office/drawing/2016/SVG/main" r:embed="rId4"/>
+              </a:ext>
+            </a:extLst>
+          </a:blip>
+          <a:stretch>
+            <a:fillRect/>
+          </a:stretch>
+        </p:blipFill>
+        <p:spPr>
+          <a:xfrm rot="1338607" flipH="1">
+            <a:off x="270504" y="148728"/>
+            <a:ext cx="1775173" cy="1775173"/>
+          </a:xfrm>
+          <a:prstGeom prst="rect">
+            <a:avLst/>
+          </a:prstGeom>
+        </p:spPr>
+      </p:pic>
+      <p:sp>
+        <p:nvSpPr>
+          <p:cNvPr id="17" name="Google Shape;90205;p60">
+            <a:extLst>
+              <a:ext uri="{FF2B5EF4-FFF2-40B4-BE49-F238E27FC236}">
+                <a16:creationId xmlns:a16="http://schemas.microsoft.com/office/drawing/2014/main" id="{D4E5490A-8464-7AB2-C988-D6728A6B09BB}"/>
+              </a:ext>
+            </a:extLst>
+          </p:cNvPr>
+          <p:cNvSpPr txBox="1">
+            <a:spLocks/>
+          </p:cNvSpPr>
+          <p:nvPr/>
+        </p:nvSpPr>
+        <p:spPr>
+          <a:xfrm>
+            <a:off x="1943290" y="42411"/>
+            <a:ext cx="7794356" cy="1987809"/>
+          </a:xfrm>
+          <a:prstGeom prst="rect">
+            <a:avLst/>
+          </a:prstGeom>
+          <a:noFill/>
+          <a:ln>
+            <a:noFill/>
+          </a:ln>
+        </p:spPr>
+        <p:txBody>
+          <a:bodyPr spcFirstLastPara="1" wrap="square" lIns="91425" tIns="91425" rIns="91425" bIns="91425" anchor="ctr" anchorCtr="0">
+            <a:noAutofit/>
+          </a:bodyPr>
+          <a:lstStyle>
+            <a:defPPr marR="0" lvl="0" algn="l" rtl="0">
+              <a:lnSpc>
+                <a:spcPct val="100000"/>
+              </a:lnSpc>
+              <a:spcBef>
+                <a:spcPts val="0"/>
+              </a:spcBef>
+              <a:spcAft>
+                <a:spcPts val="0"/>
+              </a:spcAft>
+            </a:defPPr>
+            <a:lvl1pPr marR="0" lvl="0" algn="r" rtl="0">
+              <a:lnSpc>
+                <a:spcPct val="90000"/>
+              </a:lnSpc>
+              <a:spcBef>
+                <a:spcPts val="0"/>
+              </a:spcBef>
+              <a:spcAft>
+                <a:spcPts val="0"/>
+              </a:spcAft>
+              <a:buClr>
+                <a:schemeClr val="accent5"/>
+              </a:buClr>
+              <a:buSzPts val="5200"/>
+              <a:buFont typeface="Quicksand"/>
+              <a:buNone/>
+              <a:defRPr sz="5800" b="1" i="0" u="none" strike="noStrike" cap="none">
+                <a:solidFill>
+                  <a:schemeClr val="accent5"/>
+                </a:solidFill>
+                <a:latin typeface="Quicksand"/>
+                <a:ea typeface="Quicksand"/>
+                <a:cs typeface="Quicksand"/>
+                <a:sym typeface="Quicksand"/>
+              </a:defRPr>
+            </a:lvl1pPr>
+            <a:lvl2pPr marR="0" lvl="1" algn="ctr" rtl="0">
+              <a:lnSpc>
+                <a:spcPct val="100000"/>
+              </a:lnSpc>
+              <a:spcBef>
+                <a:spcPts val="0"/>
+              </a:spcBef>
+              <a:spcAft>
+                <a:spcPts val="0"/>
+              </a:spcAft>
+              <a:buClr>
+                <a:schemeClr val="accent5"/>
+              </a:buClr>
+              <a:buSzPts val="5200"/>
+              <a:buFont typeface="Quicksand"/>
+              <a:buNone/>
+              <a:defRPr sz="5200" b="1" i="0" u="none" strike="noStrike" cap="none">
+                <a:solidFill>
+                  <a:schemeClr val="accent5"/>
+                </a:solidFill>
+                <a:latin typeface="Quicksand"/>
+                <a:ea typeface="Quicksand"/>
+                <a:cs typeface="Quicksand"/>
+                <a:sym typeface="Quicksand"/>
+              </a:defRPr>
+            </a:lvl2pPr>
+            <a:lvl3pPr marR="0" lvl="2" algn="ctr" rtl="0">
+              <a:lnSpc>
+                <a:spcPct val="100000"/>
+              </a:lnSpc>
+              <a:spcBef>
+                <a:spcPts val="0"/>
+              </a:spcBef>
+              <a:spcAft>
+                <a:spcPts val="0"/>
+              </a:spcAft>
+              <a:buClr>
+                <a:schemeClr val="accent5"/>
+              </a:buClr>
+              <a:buSzPts val="5200"/>
+              <a:buFont typeface="Quicksand"/>
+              <a:buNone/>
+              <a:defRPr sz="5200" b="1" i="0" u="none" strike="noStrike" cap="none">
+                <a:solidFill>
+                  <a:schemeClr val="accent5"/>
+                </a:solidFill>
+                <a:latin typeface="Quicksand"/>
+                <a:ea typeface="Quicksand"/>
+                <a:cs typeface="Quicksand"/>
+                <a:sym typeface="Quicksand"/>
+              </a:defRPr>
+            </a:lvl3pPr>
+            <a:lvl4pPr marR="0" lvl="3" algn="ctr" rtl="0">
+              <a:lnSpc>
+                <a:spcPct val="100000"/>
+              </a:lnSpc>
+              <a:spcBef>
+                <a:spcPts val="0"/>
+              </a:spcBef>
+              <a:spcAft>
+                <a:spcPts val="0"/>
+              </a:spcAft>
+              <a:buClr>
+                <a:schemeClr val="accent5"/>
+              </a:buClr>
+              <a:buSzPts val="5200"/>
+              <a:buFont typeface="Quicksand"/>
+              <a:buNone/>
+              <a:defRPr sz="5200" b="1" i="0" u="none" strike="noStrike" cap="none">
+                <a:solidFill>
+                  <a:schemeClr val="accent5"/>
+                </a:solidFill>
+                <a:latin typeface="Quicksand"/>
+                <a:ea typeface="Quicksand"/>
+                <a:cs typeface="Quicksand"/>
+                <a:sym typeface="Quicksand"/>
+              </a:defRPr>
+            </a:lvl4pPr>
+            <a:lvl5pPr marR="0" lvl="4" algn="ctr" rtl="0">
+              <a:lnSpc>
+                <a:spcPct val="100000"/>
+              </a:lnSpc>
+              <a:spcBef>
+                <a:spcPts val="0"/>
+              </a:spcBef>
+              <a:spcAft>
+                <a:spcPts val="0"/>
+              </a:spcAft>
+              <a:buClr>
+                <a:schemeClr val="accent5"/>
+              </a:buClr>
+              <a:buSzPts val="5200"/>
+              <a:buFont typeface="Quicksand"/>
+              <a:buNone/>
+              <a:defRPr sz="5200" b="1" i="0" u="none" strike="noStrike" cap="none">
+                <a:solidFill>
+                  <a:schemeClr val="accent5"/>
+                </a:solidFill>
+                <a:latin typeface="Quicksand"/>
+                <a:ea typeface="Quicksand"/>
+                <a:cs typeface="Quicksand"/>
+                <a:sym typeface="Quicksand"/>
+              </a:defRPr>
+            </a:lvl5pPr>
+            <a:lvl6pPr marR="0" lvl="5" algn="ctr" rtl="0">
+              <a:lnSpc>
+                <a:spcPct val="100000"/>
+              </a:lnSpc>
+              <a:spcBef>
+                <a:spcPts val="0"/>
+              </a:spcBef>
+              <a:spcAft>
+                <a:spcPts val="0"/>
+              </a:spcAft>
+              <a:buClr>
+                <a:schemeClr val="accent5"/>
+              </a:buClr>
+              <a:buSzPts val="5200"/>
+              <a:buFont typeface="Quicksand"/>
+              <a:buNone/>
+              <a:defRPr sz="5200" b="1" i="0" u="none" strike="noStrike" cap="none">
+                <a:solidFill>
+                  <a:schemeClr val="accent5"/>
+                </a:solidFill>
+                <a:latin typeface="Quicksand"/>
+                <a:ea typeface="Quicksand"/>
+                <a:cs typeface="Quicksand"/>
+                <a:sym typeface="Quicksand"/>
+              </a:defRPr>
+            </a:lvl6pPr>
+            <a:lvl7pPr marR="0" lvl="6" algn="ctr" rtl="0">
+              <a:lnSpc>
+                <a:spcPct val="100000"/>
+              </a:lnSpc>
+              <a:spcBef>
+                <a:spcPts val="0"/>
+              </a:spcBef>
+              <a:spcAft>
+                <a:spcPts val="0"/>
+              </a:spcAft>
+              <a:buClr>
+                <a:schemeClr val="accent5"/>
+              </a:buClr>
+              <a:buSzPts val="5200"/>
+              <a:buFont typeface="Quicksand"/>
+              <a:buNone/>
+              <a:defRPr sz="5200" b="1" i="0" u="none" strike="noStrike" cap="none">
+                <a:solidFill>
+                  <a:schemeClr val="accent5"/>
+                </a:solidFill>
+                <a:latin typeface="Quicksand"/>
+                <a:ea typeface="Quicksand"/>
+                <a:cs typeface="Quicksand"/>
+                <a:sym typeface="Quicksand"/>
+              </a:defRPr>
+            </a:lvl7pPr>
+            <a:lvl8pPr marR="0" lvl="7" algn="ctr" rtl="0">
+              <a:lnSpc>
+                <a:spcPct val="100000"/>
+              </a:lnSpc>
+              <a:spcBef>
+                <a:spcPts val="0"/>
+              </a:spcBef>
+              <a:spcAft>
+                <a:spcPts val="0"/>
+              </a:spcAft>
+              <a:buClr>
+                <a:schemeClr val="accent5"/>
+              </a:buClr>
+              <a:buSzPts val="5200"/>
+              <a:buFont typeface="Quicksand"/>
+              <a:buNone/>
+              <a:defRPr sz="5200" b="1" i="0" u="none" strike="noStrike" cap="none">
+                <a:solidFill>
+                  <a:schemeClr val="accent5"/>
+                </a:solidFill>
+                <a:latin typeface="Quicksand"/>
+                <a:ea typeface="Quicksand"/>
+                <a:cs typeface="Quicksand"/>
+                <a:sym typeface="Quicksand"/>
+              </a:defRPr>
+            </a:lvl8pPr>
+            <a:lvl9pPr marR="0" lvl="8" algn="ctr" rtl="0">
+              <a:lnSpc>
+                <a:spcPct val="100000"/>
+              </a:lnSpc>
+              <a:spcBef>
+                <a:spcPts val="0"/>
+              </a:spcBef>
+              <a:spcAft>
+                <a:spcPts val="0"/>
+              </a:spcAft>
+              <a:buClr>
+                <a:schemeClr val="accent5"/>
+              </a:buClr>
+              <a:buSzPts val="5200"/>
+              <a:buFont typeface="Quicksand"/>
+              <a:buNone/>
+              <a:defRPr sz="5200" b="1" i="0" u="none" strike="noStrike" cap="none">
+                <a:solidFill>
+                  <a:schemeClr val="accent5"/>
+                </a:solidFill>
+                <a:latin typeface="Quicksand"/>
+                <a:ea typeface="Quicksand"/>
+                <a:cs typeface="Quicksand"/>
+                <a:sym typeface="Quicksand"/>
+              </a:defRPr>
+            </a:lvl9pPr>
+          </a:lstStyle>
+          <a:p>
+            <a:pPr marL="0" marR="0" lvl="0" indent="0" algn="ctr" defTabSz="914400" rtl="0" eaLnBrk="1" fontAlgn="auto" latinLnBrk="0" hangingPunct="1">
+              <a:lnSpc>
+                <a:spcPct val="90000"/>
+              </a:lnSpc>
+              <a:spcBef>
+                <a:spcPts val="0"/>
+              </a:spcBef>
+              <a:spcAft>
+                <a:spcPts val="0"/>
+              </a:spcAft>
+              <a:buClr>
+                <a:srgbClr val="02A58D"/>
+              </a:buClr>
+              <a:buSzPts val="5200"/>
+              <a:buFont typeface="Quicksand"/>
+              <a:buNone/>
+              <a:tabLst/>
+              <a:defRPr/>
+            </a:pPr>
+            <a:r>
+              <a:rPr kumimoji="0" lang="es-419" sz="4000" b="1" i="0" u="none" strike="noStrike" kern="0" cap="none" spc="0" normalizeH="0" baseline="0" noProof="0" dirty="0">
+                <a:ln>
+                  <a:noFill/>
+                </a:ln>
+                <a:solidFill>
+                  <a:srgbClr val="007785"/>
+                </a:solidFill>
+                <a:effectLst/>
+                <a:uLnTx/>
+                <a:uFillTx/>
+                <a:latin typeface="Arial"/>
+                <a:sym typeface="Quicksand"/>
+              </a:rPr>
+              <a:t>Problema de investigación</a:t>
+            </a:r>
+            <a:r>
+              <a:rPr kumimoji="0" lang="es-419" sz="3600" b="1" i="0" u="none" strike="noStrike" kern="0" cap="none" spc="0" normalizeH="0" baseline="0" noProof="0" dirty="0">
+                <a:ln>
+                  <a:noFill/>
+                </a:ln>
+                <a:solidFill>
+                  <a:srgbClr val="007785"/>
+                </a:solidFill>
+                <a:effectLst/>
+                <a:uLnTx/>
+                <a:uFillTx/>
+                <a:latin typeface="Arial"/>
+                <a:sym typeface="Quicksand"/>
+              </a:rPr>
+              <a:t>:</a:t>
+            </a:r>
+          </a:p>
+        </p:txBody>
+      </p:sp>
+      <p:sp>
+        <p:nvSpPr>
+          <p:cNvPr id="3" name="CuadroTexto 2">
+            <a:extLst>
+              <a:ext uri="{FF2B5EF4-FFF2-40B4-BE49-F238E27FC236}">
+                <a16:creationId xmlns:a16="http://schemas.microsoft.com/office/drawing/2014/main" id="{B37A23EA-1E6F-3466-3935-64B1846560B7}"/>
+              </a:ext>
+            </a:extLst>
+          </p:cNvPr>
+          <p:cNvSpPr txBox="1"/>
+          <p:nvPr/>
+        </p:nvSpPr>
+        <p:spPr>
+          <a:xfrm>
+            <a:off x="698589" y="2573960"/>
+            <a:ext cx="10545133" cy="954107"/>
+          </a:xfrm>
+          <a:prstGeom prst="rect">
+            <a:avLst/>
+          </a:prstGeom>
+          <a:noFill/>
+        </p:spPr>
+        <p:txBody>
+          <a:bodyPr wrap="square">
+            <a:spAutoFit/>
+          </a:bodyPr>
+          <a:lstStyle/>
+          <a:p>
+            <a:pPr marL="342900" marR="0" lvl="0" indent="-342900" algn="just" defTabSz="914400" rtl="0" eaLnBrk="1" fontAlgn="auto" latinLnBrk="0" hangingPunct="1">
+              <a:lnSpc>
+                <a:spcPct val="100000"/>
+              </a:lnSpc>
+              <a:spcBef>
+                <a:spcPts val="0"/>
+              </a:spcBef>
+              <a:spcAft>
+                <a:spcPts val="0"/>
+              </a:spcAft>
+              <a:buClrTx/>
+              <a:buSzTx/>
+              <a:buFont typeface="Wingdings" panose="05000000000000000000" pitchFamily="2" charset="2"/>
+              <a:buChar char="Ø"/>
+              <a:tabLst/>
+              <a:defRPr/>
+            </a:pPr>
+            <a:r>
+              <a:rPr kumimoji="0" lang="es-419" sz="2800" b="0" i="0" u="none" strike="noStrike" kern="1200" cap="none" spc="0" normalizeH="0" baseline="0" noProof="0" dirty="0">
+                <a:ln>
+                  <a:noFill/>
+                </a:ln>
+                <a:solidFill>
+                  <a:prstClr val="black"/>
+                </a:solidFill>
+                <a:effectLst/>
+                <a:uLnTx/>
+                <a:uFillTx/>
+                <a:latin typeface="Arial" panose="020B0604020202020204" pitchFamily="34" charset="0"/>
+                <a:ea typeface="+mn-ea"/>
+                <a:cs typeface="Arial" panose="020B0604020202020204" pitchFamily="34" charset="0"/>
+              </a:rPr>
+              <a:t>¿Cómo contribuir a la gestión de experimentos de digestión anaerobia en el UDI-CEEPI en la UNISS?</a:t>
+            </a:r>
+          </a:p>
+        </p:txBody>
+      </p:sp>
+      <p:pic>
+        <p:nvPicPr>
+          <p:cNvPr id="2" name="Imagen 1">
+            <a:extLst>
+              <a:ext uri="{FF2B5EF4-FFF2-40B4-BE49-F238E27FC236}">
+                <a16:creationId xmlns:a16="http://schemas.microsoft.com/office/drawing/2014/main" id="{3C9D1998-299C-7B25-2448-38340693D1FF}"/>
+              </a:ext>
+            </a:extLst>
+          </p:cNvPr>
+          <p:cNvPicPr>
+            <a:picLocks noChangeAspect="1"/>
+          </p:cNvPicPr>
+          <p:nvPr/>
+        </p:nvPicPr>
+        <p:blipFill>
+          <a:blip r:embed="rId5"/>
+          <a:stretch>
+            <a:fillRect/>
+          </a:stretch>
+        </p:blipFill>
+        <p:spPr>
+          <a:xfrm>
+            <a:off x="9662610" y="42411"/>
+            <a:ext cx="1737511" cy="1737511"/>
+          </a:xfrm>
+          <a:prstGeom prst="rect">
+            <a:avLst/>
+          </a:prstGeom>
+        </p:spPr>
+      </p:pic>
+    </p:spTree>
+    <p:extLst>
+      <p:ext uri="{BB962C8B-B14F-4D97-AF65-F5344CB8AC3E}">
+        <p14:creationId xmlns:p14="http://schemas.microsoft.com/office/powerpoint/2010/main" val="3177034205"/>
+      </p:ext>
+    </p:extLst>
+  </p:cSld>
+  <p:clrMapOvr>
+    <a:masterClrMapping/>
+  </p:clrMapOvr>
+</p:sld>
+</file>
+
+<file path=ppt/slides/slide50.xml><?xml version="1.0" encoding="utf-8"?>
+<p:sld xmlns:a="http://schemas.openxmlformats.org/drawingml/2006/main" xmlns:r="http://schemas.openxmlformats.org/officeDocument/2006/relationships" xmlns:p="http://schemas.openxmlformats.org/presentationml/2006/main">
+  <p:cSld>
+    <p:bg>
+      <p:bgPr>
+        <a:solidFill>
+          <a:schemeClr val="accent5">
+            <a:lumMod val="20000"/>
+            <a:lumOff val="80000"/>
+          </a:schemeClr>
+        </a:solidFill>
+        <a:effectLst/>
+      </p:bgPr>
+    </p:bg>
+    <p:spTree>
+      <p:nvGrpSpPr>
+        <p:cNvPr id="1" name=""/>
+        <p:cNvGrpSpPr/>
+        <p:nvPr/>
+      </p:nvGrpSpPr>
+      <p:grpSpPr>
+        <a:xfrm>
+          <a:off x="0" y="0"/>
+          <a:ext cx="0" cy="0"/>
+          <a:chOff x="0" y="0"/>
+          <a:chExt cx="0" cy="0"/>
+        </a:xfrm>
+      </p:grpSpPr>
       <p:cxnSp>
         <p:nvCxnSpPr>
           <p:cNvPr id="5" name="Conector recto 4">
@@ -25049,7 +26287,7 @@
 </p:sld>
 </file>
 
-<file path=ppt/slides/slide5.xml><?xml version="1.0" encoding="utf-8"?>
+<file path=ppt/slides/slide51.xml><?xml version="1.0" encoding="utf-8"?>
 <p:sld xmlns:a="http://schemas.openxmlformats.org/drawingml/2006/main" xmlns:r="http://schemas.openxmlformats.org/officeDocument/2006/relationships" xmlns:p="http://schemas.openxmlformats.org/presentationml/2006/main">
   <p:cSld>
     <p:bg>
@@ -25096,8 +26334,8 @@
         </p:nvCxnSpPr>
         <p:spPr>
           <a:xfrm>
-            <a:off x="3863733" y="1478572"/>
-            <a:ext cx="3482998" cy="0"/>
+            <a:off x="3012013" y="3499186"/>
+            <a:ext cx="5087007" cy="0"/>
           </a:xfrm>
           <a:prstGeom prst="line">
             <a:avLst/>
@@ -25123,387 +26361,12 @@
           </a:fontRef>
         </p:style>
       </p:cxnSp>
-      <p:pic>
-        <p:nvPicPr>
-          <p:cNvPr id="11" name="Gráfico 10">
-            <a:extLst>
-              <a:ext uri="{FF2B5EF4-FFF2-40B4-BE49-F238E27FC236}">
-                <a16:creationId xmlns:a16="http://schemas.microsoft.com/office/drawing/2014/main" id="{3CB00449-E308-4DF3-9CFD-9A7D30B672DE}"/>
-              </a:ext>
-              <a:ext uri="{C183D7F6-B498-43B3-948B-1728B52AA6E4}">
-                <adec:decorative xmlns:adec="http://schemas.microsoft.com/office/drawing/2017/decorative" val="1"/>
-              </a:ext>
-            </a:extLst>
-          </p:cNvPr>
-          <p:cNvPicPr>
-            <a:picLocks noChangeAspect="1"/>
-          </p:cNvPicPr>
-          <p:nvPr/>
-        </p:nvPicPr>
-        <p:blipFill>
-          <a:blip r:embed="rId3">
-            <a:extLst>
-              <a:ext uri="{28A0092B-C50C-407E-A947-70E740481C1C}">
-                <a14:useLocalDpi xmlns:a14="http://schemas.microsoft.com/office/drawing/2010/main" val="0"/>
-              </a:ext>
-              <a:ext uri="{96DAC541-7B7A-43D3-8B79-37D633B846F1}">
-                <asvg:svgBlip xmlns:asvg="http://schemas.microsoft.com/office/drawing/2016/SVG/main" r:embed="rId4"/>
-              </a:ext>
-            </a:extLst>
-          </a:blip>
-          <a:stretch>
-            <a:fillRect/>
-          </a:stretch>
-        </p:blipFill>
-        <p:spPr>
-          <a:xfrm rot="1338607" flipH="1">
-            <a:off x="270504" y="148728"/>
-            <a:ext cx="1775173" cy="1775173"/>
-          </a:xfrm>
-          <a:prstGeom prst="rect">
-            <a:avLst/>
-          </a:prstGeom>
-        </p:spPr>
-      </p:pic>
       <p:sp>
         <p:nvSpPr>
-          <p:cNvPr id="17" name="Google Shape;90205;p60">
+          <p:cNvPr id="4" name="CuadroTexto 3">
             <a:extLst>
               <a:ext uri="{FF2B5EF4-FFF2-40B4-BE49-F238E27FC236}">
-                <a16:creationId xmlns:a16="http://schemas.microsoft.com/office/drawing/2014/main" id="{D4E5490A-8464-7AB2-C988-D6728A6B09BB}"/>
-              </a:ext>
-            </a:extLst>
-          </p:cNvPr>
-          <p:cNvSpPr txBox="1">
-            <a:spLocks/>
-          </p:cNvSpPr>
-          <p:nvPr/>
-        </p:nvSpPr>
-        <p:spPr>
-          <a:xfrm>
-            <a:off x="1943290" y="42411"/>
-            <a:ext cx="7794356" cy="1987809"/>
-          </a:xfrm>
-          <a:prstGeom prst="rect">
-            <a:avLst/>
-          </a:prstGeom>
-          <a:noFill/>
-          <a:ln>
-            <a:noFill/>
-          </a:ln>
-        </p:spPr>
-        <p:txBody>
-          <a:bodyPr spcFirstLastPara="1" wrap="square" lIns="91425" tIns="91425" rIns="91425" bIns="91425" anchor="ctr" anchorCtr="0">
-            <a:noAutofit/>
-          </a:bodyPr>
-          <a:lstStyle>
-            <a:defPPr marR="0" lvl="0" algn="l" rtl="0">
-              <a:lnSpc>
-                <a:spcPct val="100000"/>
-              </a:lnSpc>
-              <a:spcBef>
-                <a:spcPts val="0"/>
-              </a:spcBef>
-              <a:spcAft>
-                <a:spcPts val="0"/>
-              </a:spcAft>
-            </a:defPPr>
-            <a:lvl1pPr marR="0" lvl="0" algn="r" rtl="0">
-              <a:lnSpc>
-                <a:spcPct val="90000"/>
-              </a:lnSpc>
-              <a:spcBef>
-                <a:spcPts val="0"/>
-              </a:spcBef>
-              <a:spcAft>
-                <a:spcPts val="0"/>
-              </a:spcAft>
-              <a:buClr>
-                <a:schemeClr val="accent5"/>
-              </a:buClr>
-              <a:buSzPts val="5200"/>
-              <a:buFont typeface="Quicksand"/>
-              <a:buNone/>
-              <a:defRPr sz="5800" b="1" i="0" u="none" strike="noStrike" cap="none">
-                <a:solidFill>
-                  <a:schemeClr val="accent5"/>
-                </a:solidFill>
-                <a:latin typeface="Quicksand"/>
-                <a:ea typeface="Quicksand"/>
-                <a:cs typeface="Quicksand"/>
-                <a:sym typeface="Quicksand"/>
-              </a:defRPr>
-            </a:lvl1pPr>
-            <a:lvl2pPr marR="0" lvl="1" algn="ctr" rtl="0">
-              <a:lnSpc>
-                <a:spcPct val="100000"/>
-              </a:lnSpc>
-              <a:spcBef>
-                <a:spcPts val="0"/>
-              </a:spcBef>
-              <a:spcAft>
-                <a:spcPts val="0"/>
-              </a:spcAft>
-              <a:buClr>
-                <a:schemeClr val="accent5"/>
-              </a:buClr>
-              <a:buSzPts val="5200"/>
-              <a:buFont typeface="Quicksand"/>
-              <a:buNone/>
-              <a:defRPr sz="5200" b="1" i="0" u="none" strike="noStrike" cap="none">
-                <a:solidFill>
-                  <a:schemeClr val="accent5"/>
-                </a:solidFill>
-                <a:latin typeface="Quicksand"/>
-                <a:ea typeface="Quicksand"/>
-                <a:cs typeface="Quicksand"/>
-                <a:sym typeface="Quicksand"/>
-              </a:defRPr>
-            </a:lvl2pPr>
-            <a:lvl3pPr marR="0" lvl="2" algn="ctr" rtl="0">
-              <a:lnSpc>
-                <a:spcPct val="100000"/>
-              </a:lnSpc>
-              <a:spcBef>
-                <a:spcPts val="0"/>
-              </a:spcBef>
-              <a:spcAft>
-                <a:spcPts val="0"/>
-              </a:spcAft>
-              <a:buClr>
-                <a:schemeClr val="accent5"/>
-              </a:buClr>
-              <a:buSzPts val="5200"/>
-              <a:buFont typeface="Quicksand"/>
-              <a:buNone/>
-              <a:defRPr sz="5200" b="1" i="0" u="none" strike="noStrike" cap="none">
-                <a:solidFill>
-                  <a:schemeClr val="accent5"/>
-                </a:solidFill>
-                <a:latin typeface="Quicksand"/>
-                <a:ea typeface="Quicksand"/>
-                <a:cs typeface="Quicksand"/>
-                <a:sym typeface="Quicksand"/>
-              </a:defRPr>
-            </a:lvl3pPr>
-            <a:lvl4pPr marR="0" lvl="3" algn="ctr" rtl="0">
-              <a:lnSpc>
-                <a:spcPct val="100000"/>
-              </a:lnSpc>
-              <a:spcBef>
-                <a:spcPts val="0"/>
-              </a:spcBef>
-              <a:spcAft>
-                <a:spcPts val="0"/>
-              </a:spcAft>
-              <a:buClr>
-                <a:schemeClr val="accent5"/>
-              </a:buClr>
-              <a:buSzPts val="5200"/>
-              <a:buFont typeface="Quicksand"/>
-              <a:buNone/>
-              <a:defRPr sz="5200" b="1" i="0" u="none" strike="noStrike" cap="none">
-                <a:solidFill>
-                  <a:schemeClr val="accent5"/>
-                </a:solidFill>
-                <a:latin typeface="Quicksand"/>
-                <a:ea typeface="Quicksand"/>
-                <a:cs typeface="Quicksand"/>
-                <a:sym typeface="Quicksand"/>
-              </a:defRPr>
-            </a:lvl4pPr>
-            <a:lvl5pPr marR="0" lvl="4" algn="ctr" rtl="0">
-              <a:lnSpc>
-                <a:spcPct val="100000"/>
-              </a:lnSpc>
-              <a:spcBef>
-                <a:spcPts val="0"/>
-              </a:spcBef>
-              <a:spcAft>
-                <a:spcPts val="0"/>
-              </a:spcAft>
-              <a:buClr>
-                <a:schemeClr val="accent5"/>
-              </a:buClr>
-              <a:buSzPts val="5200"/>
-              <a:buFont typeface="Quicksand"/>
-              <a:buNone/>
-              <a:defRPr sz="5200" b="1" i="0" u="none" strike="noStrike" cap="none">
-                <a:solidFill>
-                  <a:schemeClr val="accent5"/>
-                </a:solidFill>
-                <a:latin typeface="Quicksand"/>
-                <a:ea typeface="Quicksand"/>
-                <a:cs typeface="Quicksand"/>
-                <a:sym typeface="Quicksand"/>
-              </a:defRPr>
-            </a:lvl5pPr>
-            <a:lvl6pPr marR="0" lvl="5" algn="ctr" rtl="0">
-              <a:lnSpc>
-                <a:spcPct val="100000"/>
-              </a:lnSpc>
-              <a:spcBef>
-                <a:spcPts val="0"/>
-              </a:spcBef>
-              <a:spcAft>
-                <a:spcPts val="0"/>
-              </a:spcAft>
-              <a:buClr>
-                <a:schemeClr val="accent5"/>
-              </a:buClr>
-              <a:buSzPts val="5200"/>
-              <a:buFont typeface="Quicksand"/>
-              <a:buNone/>
-              <a:defRPr sz="5200" b="1" i="0" u="none" strike="noStrike" cap="none">
-                <a:solidFill>
-                  <a:schemeClr val="accent5"/>
-                </a:solidFill>
-                <a:latin typeface="Quicksand"/>
-                <a:ea typeface="Quicksand"/>
-                <a:cs typeface="Quicksand"/>
-                <a:sym typeface="Quicksand"/>
-              </a:defRPr>
-            </a:lvl6pPr>
-            <a:lvl7pPr marR="0" lvl="6" algn="ctr" rtl="0">
-              <a:lnSpc>
-                <a:spcPct val="100000"/>
-              </a:lnSpc>
-              <a:spcBef>
-                <a:spcPts val="0"/>
-              </a:spcBef>
-              <a:spcAft>
-                <a:spcPts val="0"/>
-              </a:spcAft>
-              <a:buClr>
-                <a:schemeClr val="accent5"/>
-              </a:buClr>
-              <a:buSzPts val="5200"/>
-              <a:buFont typeface="Quicksand"/>
-              <a:buNone/>
-              <a:defRPr sz="5200" b="1" i="0" u="none" strike="noStrike" cap="none">
-                <a:solidFill>
-                  <a:schemeClr val="accent5"/>
-                </a:solidFill>
-                <a:latin typeface="Quicksand"/>
-                <a:ea typeface="Quicksand"/>
-                <a:cs typeface="Quicksand"/>
-                <a:sym typeface="Quicksand"/>
-              </a:defRPr>
-            </a:lvl7pPr>
-            <a:lvl8pPr marR="0" lvl="7" algn="ctr" rtl="0">
-              <a:lnSpc>
-                <a:spcPct val="100000"/>
-              </a:lnSpc>
-              <a:spcBef>
-                <a:spcPts val="0"/>
-              </a:spcBef>
-              <a:spcAft>
-                <a:spcPts val="0"/>
-              </a:spcAft>
-              <a:buClr>
-                <a:schemeClr val="accent5"/>
-              </a:buClr>
-              <a:buSzPts val="5200"/>
-              <a:buFont typeface="Quicksand"/>
-              <a:buNone/>
-              <a:defRPr sz="5200" b="1" i="0" u="none" strike="noStrike" cap="none">
-                <a:solidFill>
-                  <a:schemeClr val="accent5"/>
-                </a:solidFill>
-                <a:latin typeface="Quicksand"/>
-                <a:ea typeface="Quicksand"/>
-                <a:cs typeface="Quicksand"/>
-                <a:sym typeface="Quicksand"/>
-              </a:defRPr>
-            </a:lvl8pPr>
-            <a:lvl9pPr marR="0" lvl="8" algn="ctr" rtl="0">
-              <a:lnSpc>
-                <a:spcPct val="100000"/>
-              </a:lnSpc>
-              <a:spcBef>
-                <a:spcPts val="0"/>
-              </a:spcBef>
-              <a:spcAft>
-                <a:spcPts val="0"/>
-              </a:spcAft>
-              <a:buClr>
-                <a:schemeClr val="accent5"/>
-              </a:buClr>
-              <a:buSzPts val="5200"/>
-              <a:buFont typeface="Quicksand"/>
-              <a:buNone/>
-              <a:defRPr sz="5200" b="1" i="0" u="none" strike="noStrike" cap="none">
-                <a:solidFill>
-                  <a:schemeClr val="accent5"/>
-                </a:solidFill>
-                <a:latin typeface="Quicksand"/>
-                <a:ea typeface="Quicksand"/>
-                <a:cs typeface="Quicksand"/>
-                <a:sym typeface="Quicksand"/>
-              </a:defRPr>
-            </a:lvl9pPr>
-          </a:lstStyle>
-          <a:p>
-            <a:pPr marL="0" marR="0" lvl="0" indent="0" algn="ctr" defTabSz="914400" rtl="0" eaLnBrk="1" fontAlgn="auto" latinLnBrk="0" hangingPunct="1">
-              <a:lnSpc>
-                <a:spcPct val="90000"/>
-              </a:lnSpc>
-              <a:spcBef>
-                <a:spcPts val="0"/>
-              </a:spcBef>
-              <a:spcAft>
-                <a:spcPts val="0"/>
-              </a:spcAft>
-              <a:buClr>
-                <a:srgbClr val="02A58D"/>
-              </a:buClr>
-              <a:buSzPts val="5200"/>
-              <a:buFont typeface="Quicksand"/>
-              <a:buNone/>
-              <a:tabLst/>
-              <a:defRPr/>
-            </a:pPr>
-            <a:r>
-              <a:rPr kumimoji="0" lang="es-419" sz="4000" b="1" i="0" u="none" strike="noStrike" kern="0" cap="none" spc="0" normalizeH="0" baseline="0" noProof="0" dirty="0">
-                <a:ln>
-                  <a:noFill/>
-                </a:ln>
-                <a:solidFill>
-                  <a:srgbClr val="007785"/>
-                </a:solidFill>
-                <a:effectLst/>
-                <a:uLnTx/>
-                <a:uFillTx/>
-                <a:latin typeface="Arial"/>
-                <a:sym typeface="Quicksand"/>
-              </a:rPr>
-              <a:t>Problema de investigación</a:t>
-            </a:r>
-            <a:r>
-              <a:rPr kumimoji="0" lang="es-419" sz="3600" b="1" i="0" u="none" strike="noStrike" kern="0" cap="none" spc="0" normalizeH="0" baseline="0" noProof="0" dirty="0">
-                <a:ln>
-                  <a:noFill/>
-                </a:ln>
-                <a:solidFill>
-                  <a:srgbClr val="007785"/>
-                </a:solidFill>
-                <a:effectLst/>
-                <a:uLnTx/>
-                <a:uFillTx/>
-                <a:latin typeface="Arial"/>
-                <a:sym typeface="Quicksand"/>
-              </a:rPr>
-              <a:t>:</a:t>
-            </a:r>
-          </a:p>
-        </p:txBody>
-      </p:sp>
-      <p:sp>
-        <p:nvSpPr>
-          <p:cNvPr id="3" name="CuadroTexto 2">
-            <a:extLst>
-              <a:ext uri="{FF2B5EF4-FFF2-40B4-BE49-F238E27FC236}">
-                <a16:creationId xmlns:a16="http://schemas.microsoft.com/office/drawing/2014/main" id="{B37A23EA-1E6F-3466-3935-64B1846560B7}"/>
+                <a16:creationId xmlns:a16="http://schemas.microsoft.com/office/drawing/2014/main" id="{CBB7AFBA-CD8C-AD2F-8088-4B18F9BC9446}"/>
               </a:ext>
             </a:extLst>
           </p:cNvPr>
@@ -25512,8 +26375,8 @@
         </p:nvSpPr>
         <p:spPr>
           <a:xfrm>
-            <a:off x="698589" y="2573960"/>
-            <a:ext cx="10545133" cy="954107"/>
+            <a:off x="3275769" y="2844225"/>
+            <a:ext cx="5015013" cy="584775"/>
           </a:xfrm>
           <a:prstGeom prst="rect">
             <a:avLst/>
@@ -25521,12 +26384,12 @@
           <a:noFill/>
         </p:spPr>
         <p:txBody>
-          <a:bodyPr wrap="square">
+          <a:bodyPr wrap="square" rtlCol="0">
             <a:spAutoFit/>
           </a:bodyPr>
           <a:lstStyle/>
           <a:p>
-            <a:pPr marL="342900" marR="0" lvl="0" indent="-342900" algn="just" defTabSz="914400" rtl="0" eaLnBrk="1" fontAlgn="auto" latinLnBrk="0" hangingPunct="1">
+            <a:pPr marL="0" marR="0" lvl="0" indent="0" algn="l" defTabSz="914400" rtl="0" eaLnBrk="1" fontAlgn="auto" latinLnBrk="0" hangingPunct="1">
               <a:lnSpc>
                 <a:spcPct val="100000"/>
               </a:lnSpc>
@@ -25538,13 +26401,13 @@
               </a:spcAft>
               <a:buClrTx/>
               <a:buSzTx/>
-              <a:buFont typeface="Wingdings" panose="05000000000000000000" pitchFamily="2" charset="2"/>
-              <a:buChar char="Ø"/>
+              <a:buFontTx/>
+              <a:buNone/>
               <a:tabLst/>
               <a:defRPr/>
             </a:pPr>
             <a:r>
-              <a:rPr kumimoji="0" lang="es-419" sz="2800" b="0" i="0" u="none" strike="noStrike" kern="1200" cap="none" spc="0" normalizeH="0" baseline="0" noProof="0" dirty="0">
+              <a:rPr kumimoji="0" lang="es-ES" sz="3200" b="0" i="0" u="none" strike="noStrike" kern="1200" cap="none" spc="0" normalizeH="0" baseline="0" noProof="0" dirty="0">
                 <a:ln>
                   <a:noFill/>
                 </a:ln>
@@ -25558,17 +26421,31 @@
                 <a:ea typeface="+mn-ea"/>
                 <a:cs typeface="Arial" panose="020B0604020202020204" pitchFamily="34" charset="0"/>
               </a:rPr>
-              <a:t>¿Cómo contribuir a la gestión de experimentos de digestión anaerobia en el UDI-CEEPI en la UNISS?</a:t>
+              <a:t>Respuestas a oponente </a:t>
             </a:r>
+            <a:endParaRPr kumimoji="0" lang="es-US" sz="3200" b="0" i="0" u="none" strike="noStrike" kern="1200" cap="none" spc="0" normalizeH="0" baseline="0" noProof="0" dirty="0">
+              <a:ln>
+                <a:noFill/>
+              </a:ln>
+              <a:solidFill>
+                <a:prstClr val="black"/>
+              </a:solidFill>
+              <a:effectLst/>
+              <a:uLnTx/>
+              <a:uFillTx/>
+              <a:latin typeface="Arial" panose="020B0604020202020204" pitchFamily="34" charset="0"/>
+              <a:ea typeface="+mn-ea"/>
+              <a:cs typeface="Arial" panose="020B0604020202020204" pitchFamily="34" charset="0"/>
+            </a:endParaRPr>
           </a:p>
         </p:txBody>
       </p:sp>
       <p:pic>
         <p:nvPicPr>
-          <p:cNvPr id="2" name="Imagen 1">
+          <p:cNvPr id="6" name="Imagen 5">
             <a:extLst>
               <a:ext uri="{FF2B5EF4-FFF2-40B4-BE49-F238E27FC236}">
-                <a16:creationId xmlns:a16="http://schemas.microsoft.com/office/drawing/2014/main" id="{3C9D1998-299C-7B25-2448-38340693D1FF}"/>
+                <a16:creationId xmlns:a16="http://schemas.microsoft.com/office/drawing/2014/main" id="{3125A663-751E-96B9-3616-BA8AD048C51E}"/>
               </a:ext>
             </a:extLst>
           </p:cNvPr>
@@ -25578,15 +26455,45 @@
           <p:nvPr/>
         </p:nvPicPr>
         <p:blipFill>
-          <a:blip r:embed="rId5"/>
+          <a:blip r:embed="rId3"/>
           <a:stretch>
             <a:fillRect/>
           </a:stretch>
         </p:blipFill>
         <p:spPr>
           <a:xfrm>
-            <a:off x="9662610" y="42411"/>
+            <a:off x="9389341" y="468685"/>
             <a:ext cx="1737511" cy="1737511"/>
+          </a:xfrm>
+          <a:prstGeom prst="rect">
+            <a:avLst/>
+          </a:prstGeom>
+        </p:spPr>
+      </p:pic>
+      <p:pic>
+        <p:nvPicPr>
+          <p:cNvPr id="7" name="Imagen 6">
+            <a:extLst>
+              <a:ext uri="{FF2B5EF4-FFF2-40B4-BE49-F238E27FC236}">
+                <a16:creationId xmlns:a16="http://schemas.microsoft.com/office/drawing/2014/main" id="{4B3C8370-4371-4919-522D-4C35786DF1E6}"/>
+              </a:ext>
+            </a:extLst>
+          </p:cNvPr>
+          <p:cNvPicPr>
+            <a:picLocks noChangeAspect="1"/>
+          </p:cNvPicPr>
+          <p:nvPr/>
+        </p:nvPicPr>
+        <p:blipFill>
+          <a:blip r:embed="rId4"/>
+          <a:stretch>
+            <a:fillRect/>
+          </a:stretch>
+        </p:blipFill>
+        <p:spPr>
+          <a:xfrm>
+            <a:off x="0" y="4169983"/>
+            <a:ext cx="2322777" cy="2322777"/>
           </a:xfrm>
           <a:prstGeom prst="rect">
             <a:avLst/>
@@ -25596,7 +26503,7 @@
     </p:spTree>
     <p:extLst>
       <p:ext uri="{BB962C8B-B14F-4D97-AF65-F5344CB8AC3E}">
-        <p14:creationId xmlns:p14="http://schemas.microsoft.com/office/powerpoint/2010/main" val="3177034205"/>
+        <p14:creationId xmlns:p14="http://schemas.microsoft.com/office/powerpoint/2010/main" val="1866718079"/>
       </p:ext>
     </p:extLst>
   </p:cSld>

--- a/Digestión anaerobía.Original.pptx
+++ b/Digestión anaerobía.Original.pptx
@@ -54,7 +54,7 @@
     <p:sldId id="333" r:id="rId42"/>
     <p:sldId id="331" r:id="rId43"/>
     <p:sldId id="311" r:id="rId44"/>
-    <p:sldId id="324" r:id="rId45"/>
+    <p:sldId id="339" r:id="rId45"/>
     <p:sldId id="322" r:id="rId46"/>
     <p:sldId id="323" r:id="rId47"/>
     <p:sldId id="335" r:id="rId48"/>
@@ -8907,6 +8907,115 @@
           <a:bodyPr rtlCol="0"/>
           <a:lstStyle/>
           <a:p>
+            <a:pPr marL="0" marR="0" lvl="0" indent="0" algn="l" defTabSz="914400" rtl="0" eaLnBrk="1" fontAlgn="auto" latinLnBrk="0" hangingPunct="1">
+              <a:lnSpc>
+                <a:spcPct val="100000"/>
+              </a:lnSpc>
+              <a:spcBef>
+                <a:spcPts val="0"/>
+              </a:spcBef>
+              <a:spcAft>
+                <a:spcPts val="0"/>
+              </a:spcAft>
+              <a:buClrTx/>
+              <a:buSzTx/>
+              <a:buFontTx/>
+              <a:buNone/>
+              <a:tabLst/>
+              <a:defRPr/>
+            </a:pPr>
+            <a:r>
+              <a:rPr lang="es-419" sz="1200" dirty="0">
+                <a:effectLst/>
+              </a:rPr>
+              <a:t>Tras un análisis exhaustivo de los fundamentos teóricos y metodológicos, se determinó que la metodología RUP (Proceso Unificado de </a:t>
+            </a:r>
+            <a:r>
+              <a:rPr lang="es-419" sz="1200" dirty="0" err="1">
+                <a:effectLst/>
+              </a:rPr>
+              <a:t>Rational</a:t>
+            </a:r>
+            <a:r>
+              <a:rPr lang="es-419" sz="1200" dirty="0">
+                <a:effectLst/>
+              </a:rPr>
+              <a:t>) es la más adecuada para la documentación del sistema propuesto. Esta metodología no solo facilita una estructura sólida para el desarrollo, sino que también asegura una gestión eficiente a lo largo del ciclo de vida del </a:t>
+            </a:r>
+            <a:r>
+              <a:rPr lang="es-419" sz="1200" dirty="0" err="1">
+                <a:effectLst/>
+              </a:rPr>
+              <a:t>proyecto.También</a:t>
+            </a:r>
+            <a:r>
+              <a:rPr lang="es-419" sz="1200" dirty="0">
+                <a:effectLst/>
+              </a:rPr>
+              <a:t> , se seleccionó Express.js para el desarrollo del </a:t>
+            </a:r>
+            <a:r>
+              <a:rPr lang="es-419" sz="1200" dirty="0" err="1">
+                <a:effectLst/>
+              </a:rPr>
+              <a:t>backend</a:t>
+            </a:r>
+            <a:r>
+              <a:rPr lang="es-419" sz="1200" dirty="0">
+                <a:effectLst/>
+              </a:rPr>
+              <a:t>, mientras que para el </a:t>
+            </a:r>
+            <a:r>
+              <a:rPr lang="es-419" sz="1200" dirty="0" err="1">
+                <a:effectLst/>
+              </a:rPr>
+              <a:t>frontend</a:t>
+            </a:r>
+            <a:r>
+              <a:rPr lang="es-419" sz="1200" dirty="0">
+                <a:effectLst/>
+              </a:rPr>
+              <a:t> se optó por </a:t>
+            </a:r>
+            <a:r>
+              <a:rPr lang="es-419" sz="1200" dirty="0" err="1">
+                <a:effectLst/>
+              </a:rPr>
+              <a:t>Nuxt</a:t>
+            </a:r>
+            <a:r>
+              <a:rPr lang="es-419" sz="1200" dirty="0">
+                <a:effectLst/>
+              </a:rPr>
+              <a:t> 3 junto con </a:t>
+            </a:r>
+            <a:r>
+              <a:rPr lang="es-419" sz="1200" dirty="0" err="1">
+                <a:effectLst/>
+              </a:rPr>
+              <a:t>Tailwind</a:t>
+            </a:r>
+            <a:r>
+              <a:rPr lang="es-419" sz="1200" dirty="0">
+                <a:effectLst/>
+              </a:rPr>
+              <a:t> CSS. Estos </a:t>
+            </a:r>
+            <a:r>
+              <a:rPr lang="es-419" sz="1200" dirty="0" err="1">
+                <a:effectLst/>
+              </a:rPr>
+              <a:t>frameworks</a:t>
+            </a:r>
+            <a:r>
+              <a:rPr lang="es-419" sz="1200" dirty="0">
+                <a:effectLst/>
+              </a:rPr>
+              <a:t> fueron elegidos por su flexibilidad y capacidad para integrar de manera eficaz diferentes tecnologías. En cuanto a la gestión de bases de datos, PostgreSQL se destacó como la mejor opción, gracias a su rendimiento robusto y escalabilidad, lo que lo hace ideal para las necesidades del sistema. La elección de estas herramientas, todas de código abierto, garantiza además una alta compatibilidad y adaptación en diversos entornos de desarrollo y plataformas. </a:t>
+            </a:r>
+          </a:p>
+          <a:p>
             <a:pPr rtl="0"/>
             <a:endParaRPr lang="es-ES" dirty="0"/>
           </a:p>
@@ -8998,7 +9107,7 @@
     </p:spTree>
     <p:extLst>
       <p:ext uri="{BB962C8B-B14F-4D97-AF65-F5344CB8AC3E}">
-        <p14:creationId xmlns:p14="http://schemas.microsoft.com/office/powerpoint/2010/main" val="1969375827"/>
+        <p14:creationId xmlns:p14="http://schemas.microsoft.com/office/powerpoint/2010/main" val="2705717451"/>
       </p:ext>
     </p:extLst>
   </p:cSld>
@@ -9051,6 +9160,31 @@
         <p:txBody>
           <a:bodyPr rtlCol="0"/>
           <a:lstStyle/>
+          <a:p>
+            <a:pPr marL="0" marR="0" lvl="0" indent="0" algn="l" defTabSz="914400" rtl="0" eaLnBrk="1" fontAlgn="auto" latinLnBrk="0" hangingPunct="1">
+              <a:lnSpc>
+                <a:spcPct val="100000"/>
+              </a:lnSpc>
+              <a:spcBef>
+                <a:spcPts val="0"/>
+              </a:spcBef>
+              <a:spcAft>
+                <a:spcPts val="0"/>
+              </a:spcAft>
+              <a:buClrTx/>
+              <a:buSzTx/>
+              <a:buFontTx/>
+              <a:buNone/>
+              <a:tabLst/>
+              <a:defRPr/>
+            </a:pPr>
+            <a:r>
+              <a:rPr lang="es-419" sz="1200" dirty="0">
+                <a:effectLst/>
+              </a:rPr>
+              <a:t>El uso de la metodología RUP en el diseño del sistema de gestión de experimentos de digestión anaerobia permitió estructurar de manera eficiente todas las fases del proyecto, desde la identificación de los requisitos hasta la creación de la arquitectura del sistema. El enfoque orientado a objetos, combinado con herramientas de código abierto, resultó en un diseño que no solo cumple con los requerimientos iniciales, sino que también es flexible y adaptable a futuras necesidades. Este diseño asegura que la plataforma no solo gestione de manera efectiva los datos de los experimentos, sino que también se mantenga escalable y sostenible en el tiempo, facilitando futuras actualizaciones y la integración de nuevas funcionalidades según las necesidades del Centro de Estudios de Energía y Procesos Industriales. </a:t>
+            </a:r>
+          </a:p>
           <a:p>
             <a:pPr rtl="0"/>
             <a:endParaRPr lang="es-ES" dirty="0"/>
@@ -9196,6 +9330,55 @@
         <p:txBody>
           <a:bodyPr rtlCol="0"/>
           <a:lstStyle/>
+          <a:p>
+            <a:pPr marL="0" marR="0" lvl="0" indent="0" algn="l" defTabSz="914400" rtl="0" eaLnBrk="1" fontAlgn="auto" latinLnBrk="0" hangingPunct="1">
+              <a:lnSpc>
+                <a:spcPct val="100000"/>
+              </a:lnSpc>
+              <a:spcBef>
+                <a:spcPts val="0"/>
+              </a:spcBef>
+              <a:spcAft>
+                <a:spcPts val="0"/>
+              </a:spcAft>
+              <a:buClrTx/>
+              <a:buSzTx/>
+              <a:buFontTx/>
+              <a:buNone/>
+              <a:tabLst/>
+              <a:defRPr/>
+            </a:pPr>
+            <a:r>
+              <a:rPr lang="es-419" sz="1200" dirty="0">
+                <a:effectLst/>
+              </a:rPr>
+              <a:t>La implementación del sistema incluyó una rigurosa fase de pruebas, en la que se llevaron a cabo pruebas de aceptación y pruebas realizadas al sistema con</a:t>
+            </a:r>
+            <a:r>
+              <a:rPr lang="es-419" sz="1200" b="1" dirty="0">
+                <a:effectLst/>
+              </a:rPr>
+              <a:t> </a:t>
+            </a:r>
+            <a:r>
+              <a:rPr lang="es-419" sz="1200" dirty="0">
+                <a:effectLst/>
+              </a:rPr>
+              <a:t>la herramienta </a:t>
+            </a:r>
+            <a:r>
+              <a:rPr lang="es-419" sz="1200" dirty="0" err="1">
+                <a:effectLst/>
+              </a:rPr>
+              <a:t>LightHouse</a:t>
+            </a:r>
+            <a:r>
+              <a:rPr lang="es-419" sz="1200" dirty="0">
+                <a:effectLst/>
+              </a:rPr>
+              <a:t> para validar que todas las funcionalidades desarrolladas cumplieran con los requisitos establecidos. Estas pruebas fueron fundamentales para garantizar que el sistema gestionara los experimentos de digestión anaerobia de manera efectiva, ofreciendo a los usuarios una experiencia intuitiva y eficiente. Las pruebas confirmaron que la solución tecnológica no solo es operativa, sino que también satisface las expectativas del cliente. Se aseguró una interacción fluida con los datos, así como la confiabilidad y estabilidad del sistema en un entorno de uso real. En conclusión, el sistema no solo cumple con los objetivos planteados, sino que también proporciona un marco robusto para la gestión de experimentos, impulsando así la eficiencia y efectividad en el laboratorio. </a:t>
+            </a:r>
+          </a:p>
           <a:p>
             <a:pPr rtl="0"/>
             <a:endParaRPr lang="es-ES" dirty="0"/>
@@ -23657,8 +23840,8 @@
         </p:nvSpPr>
         <p:spPr>
           <a:xfrm>
-            <a:off x="356937" y="991106"/>
-            <a:ext cx="11413957" cy="4524315"/>
+            <a:off x="356937" y="1351508"/>
+            <a:ext cx="11193379" cy="4154984"/>
           </a:xfrm>
           <a:prstGeom prst="rect">
             <a:avLst/>
@@ -23671,104 +23854,135 @@
           </a:bodyPr>
           <a:lstStyle/>
           <a:p>
-            <a:pPr algn="l"/>
+            <a:pPr marL="342900" indent="-342900" algn="just">
+              <a:buFont typeface="Wingdings" panose="05000000000000000000" pitchFamily="2" charset="2"/>
+              <a:buChar char="Ø"/>
+            </a:pPr>
             <a:r>
               <a:rPr lang="es-419" sz="2400" dirty="0">
                 <a:effectLst/>
+                <a:latin typeface="Arial" panose="020B0604020202020204" pitchFamily="34" charset="0"/>
+                <a:cs typeface="Arial" panose="020B0604020202020204" pitchFamily="34" charset="0"/>
               </a:rPr>
-              <a:t>Tras un análisis exhaustivo de los fundamentos teóricos y metodológicos, se determinó que la metodología RUP (Proceso Unificado de </a:t>
+              <a:t>Tras un análisis exhaustivo de los fundamentos teóricos y metodológicos, se determinó que la metodología RUP es la más adecuada para la documentación del sistema propuesto</a:t>
+            </a:r>
+          </a:p>
+          <a:p>
+            <a:pPr algn="just"/>
+            <a:r>
+              <a:rPr lang="es-419" sz="2400" dirty="0">
+                <a:latin typeface="Arial" panose="020B0604020202020204" pitchFamily="34" charset="0"/>
+                <a:cs typeface="Arial" panose="020B0604020202020204" pitchFamily="34" charset="0"/>
+              </a:rPr>
+              <a:t>por su capacidad para estructurar y gestionar eficientemente el ciclo de vida del proyecto.</a:t>
+            </a:r>
+          </a:p>
+          <a:p>
+            <a:pPr marL="342900" indent="-342900" algn="just">
+              <a:buFont typeface="Wingdings" panose="05000000000000000000" pitchFamily="2" charset="2"/>
+              <a:buChar char="Ø"/>
+            </a:pPr>
+            <a:r>
+              <a:rPr lang="es-419" sz="2400" dirty="0">
+                <a:latin typeface="Arial" panose="020B0604020202020204" pitchFamily="34" charset="0"/>
+                <a:cs typeface="Arial" panose="020B0604020202020204" pitchFamily="34" charset="0"/>
+              </a:rPr>
+              <a:t>Para el </a:t>
             </a:r>
             <a:r>
               <a:rPr lang="es-419" sz="2400" dirty="0" err="1">
-                <a:effectLst/>
-              </a:rPr>
-              <a:t>Rational</a:t>
-            </a:r>
-            <a:r>
-              <a:rPr lang="es-419" sz="2400" dirty="0">
-                <a:effectLst/>
-              </a:rPr>
-              <a:t>) es la más adecuada para la documentación del sistema propuesto. Esta metodología no solo facilita una estructura sólida para el desarrollo, sino que también asegura una gestión eficiente a lo largo del ciclo de vida del </a:t>
-            </a:r>
-            <a:r>
-              <a:rPr lang="es-419" sz="2400" dirty="0" err="1">
-                <a:effectLst/>
-              </a:rPr>
-              <a:t>proyecto.También</a:t>
-            </a:r>
-            <a:r>
-              <a:rPr lang="es-419" sz="2400" dirty="0">
-                <a:effectLst/>
-              </a:rPr>
-              <a:t> , se seleccionó Express.js para el desarrollo del </a:t>
-            </a:r>
-            <a:r>
-              <a:rPr lang="es-419" sz="2400" dirty="0" err="1">
-                <a:effectLst/>
+                <a:latin typeface="Arial" panose="020B0604020202020204" pitchFamily="34" charset="0"/>
+                <a:cs typeface="Arial" panose="020B0604020202020204" pitchFamily="34" charset="0"/>
               </a:rPr>
               <a:t>backend</a:t>
             </a:r>
             <a:r>
               <a:rPr lang="es-419" sz="2400" dirty="0">
-                <a:effectLst/>
+                <a:latin typeface="Arial" panose="020B0604020202020204" pitchFamily="34" charset="0"/>
+                <a:cs typeface="Arial" panose="020B0604020202020204" pitchFamily="34" charset="0"/>
               </a:rPr>
-              <a:t>, mientras que para el </a:t>
+              <a:t> se eligió Express.js y para el </a:t>
             </a:r>
             <a:r>
               <a:rPr lang="es-419" sz="2400" dirty="0" err="1">
-                <a:effectLst/>
+                <a:latin typeface="Arial" panose="020B0604020202020204" pitchFamily="34" charset="0"/>
+                <a:cs typeface="Arial" panose="020B0604020202020204" pitchFamily="34" charset="0"/>
               </a:rPr>
               <a:t>frontend</a:t>
             </a:r>
             <a:r>
               <a:rPr lang="es-419" sz="2400" dirty="0">
-                <a:effectLst/>
+                <a:latin typeface="Arial" panose="020B0604020202020204" pitchFamily="34" charset="0"/>
+                <a:cs typeface="Arial" panose="020B0604020202020204" pitchFamily="34" charset="0"/>
               </a:rPr>
-              <a:t> se optó por </a:t>
+              <a:t> </a:t>
             </a:r>
             <a:r>
               <a:rPr lang="es-419" sz="2400" dirty="0" err="1">
-                <a:effectLst/>
+                <a:latin typeface="Arial" panose="020B0604020202020204" pitchFamily="34" charset="0"/>
+                <a:cs typeface="Arial" panose="020B0604020202020204" pitchFamily="34" charset="0"/>
               </a:rPr>
               <a:t>Nuxt</a:t>
             </a:r>
             <a:r>
               <a:rPr lang="es-419" sz="2400" dirty="0">
-                <a:effectLst/>
+                <a:latin typeface="Arial" panose="020B0604020202020204" pitchFamily="34" charset="0"/>
+                <a:cs typeface="Arial" panose="020B0604020202020204" pitchFamily="34" charset="0"/>
               </a:rPr>
-              <a:t> 3 junto con </a:t>
+              <a:t> 3 con </a:t>
             </a:r>
             <a:r>
               <a:rPr lang="es-419" sz="2400" dirty="0" err="1">
-                <a:effectLst/>
+                <a:latin typeface="Arial" panose="020B0604020202020204" pitchFamily="34" charset="0"/>
+                <a:cs typeface="Arial" panose="020B0604020202020204" pitchFamily="34" charset="0"/>
               </a:rPr>
               <a:t>Tailwind</a:t>
             </a:r>
             <a:r>
               <a:rPr lang="es-419" sz="2400" dirty="0">
-                <a:effectLst/>
+                <a:latin typeface="Arial" panose="020B0604020202020204" pitchFamily="34" charset="0"/>
+                <a:cs typeface="Arial" panose="020B0604020202020204" pitchFamily="34" charset="0"/>
               </a:rPr>
-              <a:t> CSS. Estos </a:t>
+              <a:t> CSS, debido a su flexibilidad e integración eficiente.</a:t>
             </a:r>
-            <a:r>
-              <a:rPr lang="es-419" sz="2400" dirty="0" err="1">
-                <a:effectLst/>
-              </a:rPr>
-              <a:t>frameworks</a:t>
-            </a:r>
+          </a:p>
+          <a:p>
+            <a:pPr marL="342900" indent="-342900" algn="just">
+              <a:buFont typeface="Wingdings" panose="05000000000000000000" pitchFamily="2" charset="2"/>
+              <a:buChar char="Ø"/>
+            </a:pPr>
             <a:r>
               <a:rPr lang="es-419" sz="2400" dirty="0">
-                <a:effectLst/>
+                <a:latin typeface="Arial" panose="020B0604020202020204" pitchFamily="34" charset="0"/>
+                <a:cs typeface="Arial" panose="020B0604020202020204" pitchFamily="34" charset="0"/>
               </a:rPr>
-              <a:t> fueron elegidos por su flexibilidad y capacidad para integrar de manera eficaz diferentes tecnologías. En cuanto a la gestión de bases de datos, PostgreSQL se destacó como la mejor opción, gracias a su rendimiento robusto y escalabilidad, lo que lo hace ideal para las necesidades del sistema. La elección de estas herramientas, todas de código abierto, garantiza además una alta compatibilidad y adaptación en diversos entornos de desarrollo y plataformas. </a:t>
+              <a:t>PostgreSQL fue la mejor opción para la gestión de bases de datos por su robustez y escalabilidad.</a:t>
             </a:r>
+          </a:p>
+          <a:p>
+            <a:pPr marL="342900" indent="-342900" algn="just">
+              <a:buFont typeface="Wingdings" panose="05000000000000000000" pitchFamily="2" charset="2"/>
+              <a:buChar char="Ø"/>
+            </a:pPr>
+            <a:r>
+              <a:rPr lang="es-419" sz="2400" dirty="0">
+                <a:latin typeface="Arial" panose="020B0604020202020204" pitchFamily="34" charset="0"/>
+                <a:cs typeface="Arial" panose="020B0604020202020204" pitchFamily="34" charset="0"/>
+              </a:rPr>
+              <a:t>Todas las herramientas elegidas son de código abierto, lo que asegura compatibilidad y adaptación en diversos entornos.</a:t>
+            </a:r>
+            <a:endParaRPr lang="es-419" sz="2400" dirty="0">
+              <a:effectLst/>
+              <a:latin typeface="Arial" panose="020B0604020202020204" pitchFamily="34" charset="0"/>
+              <a:cs typeface="Arial" panose="020B0604020202020204" pitchFamily="34" charset="0"/>
+            </a:endParaRPr>
           </a:p>
         </p:txBody>
       </p:sp>
     </p:spTree>
     <p:extLst>
       <p:ext uri="{BB962C8B-B14F-4D97-AF65-F5344CB8AC3E}">
-        <p14:creationId xmlns:p14="http://schemas.microsoft.com/office/powerpoint/2010/main" val="1231862641"/>
+        <p14:creationId xmlns:p14="http://schemas.microsoft.com/office/powerpoint/2010/main" val="95163400"/>
       </p:ext>
     </p:extLst>
   </p:cSld>
@@ -23808,38 +24022,190 @@
       </p:grpSpPr>
       <p:sp>
         <p:nvSpPr>
-          <p:cNvPr id="3" name="CuadroTexto 2">
+          <p:cNvPr id="6" name="Rectangle 2">
             <a:extLst>
               <a:ext uri="{FF2B5EF4-FFF2-40B4-BE49-F238E27FC236}">
-                <a16:creationId xmlns:a16="http://schemas.microsoft.com/office/drawing/2014/main" id="{5A6F16BB-D2F7-4A6D-2327-9AA8D9DB11DC}"/>
+                <a16:creationId xmlns:a16="http://schemas.microsoft.com/office/drawing/2014/main" id="{E6B5C405-9A67-44D3-12F0-3306E3269710}"/>
               </a:ext>
             </a:extLst>
           </p:cNvPr>
-          <p:cNvSpPr txBox="1"/>
+          <p:cNvSpPr>
+            <a:spLocks noChangeArrowheads="1"/>
+          </p:cNvSpPr>
           <p:nvPr/>
         </p:nvSpPr>
-        <p:spPr>
+        <p:spPr bwMode="auto">
           <a:xfrm>
-            <a:off x="541421" y="1443841"/>
-            <a:ext cx="11385884" cy="5262979"/>
+            <a:off x="687588" y="1337491"/>
+            <a:ext cx="10816823" cy="4183018"/>
           </a:xfrm>
           <a:prstGeom prst="rect">
             <a:avLst/>
           </a:prstGeom>
           <a:noFill/>
+          <a:ln>
+            <a:noFill/>
+          </a:ln>
+          <a:effectLst/>
+          <a:extLst>
+            <a:ext uri="{909E8E84-426E-40DD-AFC4-6F175D3DCCD1}">
+              <a14:hiddenFill xmlns:a14="http://schemas.microsoft.com/office/drawing/2010/main">
+                <a:solidFill>
+                  <a:schemeClr val="accent1"/>
+                </a:solidFill>
+              </a14:hiddenFill>
+            </a:ext>
+            <a:ext uri="{91240B29-F687-4F45-9708-019B960494DF}">
+              <a14:hiddenLine xmlns:a14="http://schemas.microsoft.com/office/drawing/2010/main" w="9525">
+                <a:solidFill>
+                  <a:schemeClr val="tx1"/>
+                </a:solidFill>
+                <a:miter lim="800000"/>
+                <a:headEnd/>
+                <a:tailEnd/>
+              </a14:hiddenLine>
+            </a:ext>
+            <a:ext uri="{AF507438-7753-43E0-B8FC-AC1667EBCBE1}">
+              <a14:hiddenEffects xmlns:a14="http://schemas.microsoft.com/office/drawing/2010/main">
+                <a:effectLst>
+                  <a:outerShdw dist="35921" dir="2700000" algn="ctr" rotWithShape="0">
+                    <a:schemeClr val="bg2"/>
+                  </a:outerShdw>
+                </a:effectLst>
+              </a14:hiddenEffects>
+            </a:ext>
+          </a:extLst>
         </p:spPr>
         <p:txBody>
-          <a:bodyPr wrap="square">
+          <a:bodyPr vert="horz" wrap="square" lIns="91440" tIns="45720" rIns="91440" bIns="45720" numCol="1" anchor="ctr" anchorCtr="0" compatLnSpc="1">
+            <a:prstTxWarp prst="textNoShape">
+              <a:avLst/>
+            </a:prstTxWarp>
             <a:spAutoFit/>
           </a:bodyPr>
           <a:lstStyle/>
           <a:p>
-            <a:pPr algn="l"/>
+            <a:pPr marL="342900" marR="0" lvl="0" indent="-342900" algn="just" defTabSz="914400" rtl="0" eaLnBrk="0" fontAlgn="base" latinLnBrk="0" hangingPunct="0">
+              <a:lnSpc>
+                <a:spcPct val="100000"/>
+              </a:lnSpc>
+              <a:spcBef>
+                <a:spcPct val="0"/>
+              </a:spcBef>
+              <a:spcAft>
+                <a:spcPct val="0"/>
+              </a:spcAft>
+              <a:buClrTx/>
+              <a:buSzTx/>
+              <a:buFont typeface="Wingdings" panose="05000000000000000000" pitchFamily="2" charset="2"/>
+              <a:buChar char="Ø"/>
+              <a:tabLst/>
+            </a:pPr>
             <a:r>
-              <a:rPr lang="es-419" sz="2800" dirty="0">
+              <a:rPr kumimoji="0" lang="es-US" altLang="es-US" sz="2400" i="0" u="none" strike="noStrike" cap="none" normalizeH="0" baseline="0" dirty="0">
+                <a:ln>
+                  <a:noFill/>
+                </a:ln>
+                <a:solidFill>
+                  <a:schemeClr val="tx1"/>
+                </a:solidFill>
                 <a:effectLst/>
+                <a:latin typeface="Arial" panose="020B0604020202020204" pitchFamily="34" charset="0"/>
               </a:rPr>
-              <a:t>El uso de la metodología RUP en el diseño del sistema de gestión de experimentos de digestión anaerobia permitió estructurar de manera eficiente todas las fases del proyecto, desde la identificación de los requisitos hasta la creación de la arquitectura del sistema. El enfoque orientado a objetos, combinado con herramientas de código abierto, resultó en un diseño que no solo cumple con los requerimientos iniciales, sino que también es flexible y adaptable a futuras necesidades. Este diseño asegura que la plataforma no solo gestione de manera efectiva los datos de los experimentos, sino que también se mantenga escalable y sostenible en el tiempo, facilitando futuras actualizaciones y la integración de nuevas funcionalidades según las necesidades del Centro de Estudios de Energía y Procesos Industriales. </a:t>
+              <a:t>El uso de la metodología RUP permitió estructurar de manera eficiente todas las fases del proyecto, desde la identificación de los requisitos hasta la creación de la arquitectura del sistema. </a:t>
+            </a:r>
+          </a:p>
+          <a:p>
+            <a:pPr marL="342900" marR="0" lvl="0" indent="-342900" algn="just" defTabSz="914400" rtl="0" eaLnBrk="0" fontAlgn="base" latinLnBrk="0" hangingPunct="0">
+              <a:lnSpc>
+                <a:spcPct val="100000"/>
+              </a:lnSpc>
+              <a:spcBef>
+                <a:spcPct val="0"/>
+              </a:spcBef>
+              <a:spcAft>
+                <a:spcPct val="0"/>
+              </a:spcAft>
+              <a:buClrTx/>
+              <a:buSzTx/>
+              <a:buFont typeface="Wingdings" panose="05000000000000000000" pitchFamily="2" charset="2"/>
+              <a:buChar char="Ø"/>
+              <a:tabLst/>
+            </a:pPr>
+            <a:r>
+              <a:rPr kumimoji="0" lang="es-US" altLang="es-US" sz="2400" i="0" u="none" strike="noStrike" cap="none" normalizeH="0" baseline="0" dirty="0">
+                <a:ln>
+                  <a:noFill/>
+                </a:ln>
+                <a:solidFill>
+                  <a:schemeClr val="tx1"/>
+                </a:solidFill>
+                <a:effectLst/>
+                <a:latin typeface="Arial" panose="020B0604020202020204" pitchFamily="34" charset="0"/>
+              </a:rPr>
+              <a:t>El enfoque orientado a objetos, combinado con herramientas de código abierto, resultó en un diseño que cumple con los requerimientos iniciales y es flexible para futuras necesidades. </a:t>
+            </a:r>
+          </a:p>
+          <a:p>
+            <a:pPr marL="342900" marR="0" lvl="0" indent="-342900" algn="just" defTabSz="914400" rtl="0" eaLnBrk="0" fontAlgn="base" latinLnBrk="0" hangingPunct="0">
+              <a:lnSpc>
+                <a:spcPct val="100000"/>
+              </a:lnSpc>
+              <a:spcBef>
+                <a:spcPct val="0"/>
+              </a:spcBef>
+              <a:spcAft>
+                <a:spcPct val="0"/>
+              </a:spcAft>
+              <a:buClrTx/>
+              <a:buSzTx/>
+              <a:buFont typeface="Wingdings" panose="05000000000000000000" pitchFamily="2" charset="2"/>
+              <a:buChar char="Ø"/>
+              <a:tabLst/>
+            </a:pPr>
+            <a:r>
+              <a:rPr kumimoji="0" lang="es-US" altLang="es-US" sz="2400" i="0" u="none" strike="noStrike" cap="none" normalizeH="0" baseline="0" dirty="0">
+                <a:ln>
+                  <a:noFill/>
+                </a:ln>
+                <a:solidFill>
+                  <a:schemeClr val="tx1"/>
+                </a:solidFill>
+                <a:effectLst/>
+                <a:latin typeface="Arial" panose="020B0604020202020204" pitchFamily="34" charset="0"/>
+              </a:rPr>
+              <a:t>El sistema gestiona los datos de los experimentos de manera efectiva, manteniéndose escalable y sostenible en el tiempo. </a:t>
+            </a:r>
+          </a:p>
+          <a:p>
+            <a:pPr marL="342900" marR="0" lvl="0" indent="-342900" algn="just" defTabSz="914400" rtl="0" eaLnBrk="0" fontAlgn="base" latinLnBrk="0" hangingPunct="0">
+              <a:lnSpc>
+                <a:spcPct val="100000"/>
+              </a:lnSpc>
+              <a:spcBef>
+                <a:spcPct val="0"/>
+              </a:spcBef>
+              <a:spcAft>
+                <a:spcPct val="0"/>
+              </a:spcAft>
+              <a:buClrTx/>
+              <a:buSzTx/>
+              <a:buFont typeface="Wingdings" panose="05000000000000000000" pitchFamily="2" charset="2"/>
+              <a:buChar char="Ø"/>
+              <a:tabLst/>
+            </a:pPr>
+            <a:r>
+              <a:rPr kumimoji="0" lang="es-US" altLang="es-US" sz="2400" i="0" u="none" strike="noStrike" cap="none" normalizeH="0" baseline="0" dirty="0">
+                <a:ln>
+                  <a:noFill/>
+                </a:ln>
+                <a:solidFill>
+                  <a:schemeClr val="tx1"/>
+                </a:solidFill>
+                <a:effectLst/>
+                <a:latin typeface="Arial" panose="020B0604020202020204" pitchFamily="34" charset="0"/>
+              </a:rPr>
+              <a:t> Facilita futuras actualizaciones y la integración de nuevas funcionalidades según las necesidades del Centro de Estudios de Energía y Procesos Industriales. </a:t>
             </a:r>
           </a:p>
         </p:txBody>
@@ -23887,62 +24253,216 @@
       </p:grpSpPr>
       <p:sp>
         <p:nvSpPr>
-          <p:cNvPr id="3" name="CuadroTexto 2">
+          <p:cNvPr id="4" name="Rectangle 1">
             <a:extLst>
               <a:ext uri="{FF2B5EF4-FFF2-40B4-BE49-F238E27FC236}">
-                <a16:creationId xmlns:a16="http://schemas.microsoft.com/office/drawing/2014/main" id="{0A1E4BF7-9886-EC5E-90B3-4BA86E7928D8}"/>
+                <a16:creationId xmlns:a16="http://schemas.microsoft.com/office/drawing/2014/main" id="{0E242502-3E4A-2842-22CF-C8202AD1D325}"/>
               </a:ext>
             </a:extLst>
           </p:cNvPr>
-          <p:cNvSpPr txBox="1"/>
+          <p:cNvSpPr>
+            <a:spLocks noChangeArrowheads="1"/>
+          </p:cNvSpPr>
           <p:nvPr/>
         </p:nvSpPr>
-        <p:spPr>
+        <p:spPr bwMode="auto">
           <a:xfrm>
-            <a:off x="459205" y="938463"/>
-            <a:ext cx="11273589" cy="5693866"/>
+            <a:off x="640221" y="1720840"/>
+            <a:ext cx="10911558" cy="3416320"/>
           </a:xfrm>
           <a:prstGeom prst="rect">
             <a:avLst/>
           </a:prstGeom>
           <a:noFill/>
+          <a:ln>
+            <a:noFill/>
+          </a:ln>
+          <a:effectLst/>
+          <a:extLst>
+            <a:ext uri="{909E8E84-426E-40DD-AFC4-6F175D3DCCD1}">
+              <a14:hiddenFill xmlns:a14="http://schemas.microsoft.com/office/drawing/2010/main">
+                <a:solidFill>
+                  <a:schemeClr val="accent1"/>
+                </a:solidFill>
+              </a14:hiddenFill>
+            </a:ext>
+            <a:ext uri="{91240B29-F687-4F45-9708-019B960494DF}">
+              <a14:hiddenLine xmlns:a14="http://schemas.microsoft.com/office/drawing/2010/main" w="9525">
+                <a:solidFill>
+                  <a:schemeClr val="tx1"/>
+                </a:solidFill>
+                <a:miter lim="800000"/>
+                <a:headEnd/>
+                <a:tailEnd/>
+              </a14:hiddenLine>
+            </a:ext>
+            <a:ext uri="{AF507438-7753-43E0-B8FC-AC1667EBCBE1}">
+              <a14:hiddenEffects xmlns:a14="http://schemas.microsoft.com/office/drawing/2010/main">
+                <a:effectLst>
+                  <a:outerShdw dist="35921" dir="2700000" algn="ctr" rotWithShape="0">
+                    <a:schemeClr val="bg2"/>
+                  </a:outerShdw>
+                </a:effectLst>
+              </a14:hiddenEffects>
+            </a:ext>
+          </a:extLst>
         </p:spPr>
         <p:txBody>
-          <a:bodyPr wrap="square">
+          <a:bodyPr vert="horz" wrap="square" lIns="91440" tIns="45720" rIns="91440" bIns="45720" numCol="1" anchor="ctr" anchorCtr="0" compatLnSpc="1">
+            <a:prstTxWarp prst="textNoShape">
+              <a:avLst/>
+            </a:prstTxWarp>
             <a:spAutoFit/>
           </a:bodyPr>
           <a:lstStyle/>
           <a:p>
-            <a:pPr algn="l"/>
+            <a:pPr marL="342900" marR="0" lvl="0" indent="-342900" algn="just" defTabSz="914400" rtl="0" eaLnBrk="0" fontAlgn="base" latinLnBrk="0" hangingPunct="0">
+              <a:lnSpc>
+                <a:spcPct val="100000"/>
+              </a:lnSpc>
+              <a:spcBef>
+                <a:spcPct val="0"/>
+              </a:spcBef>
+              <a:spcAft>
+                <a:spcPct val="0"/>
+              </a:spcAft>
+              <a:buClrTx/>
+              <a:buSzTx/>
+              <a:buFont typeface="Wingdings" panose="05000000000000000000" pitchFamily="2" charset="2"/>
+              <a:buChar char="Ø"/>
+              <a:tabLst/>
+            </a:pPr>
             <a:r>
-              <a:rPr lang="es-419" sz="2800" dirty="0">
+              <a:rPr kumimoji="0" lang="es-US" altLang="es-US" sz="2400" i="0" u="none" strike="noStrike" cap="none" normalizeH="0" baseline="0" dirty="0">
+                <a:ln>
+                  <a:noFill/>
+                </a:ln>
+                <a:solidFill>
+                  <a:schemeClr val="tx1"/>
+                </a:solidFill>
                 <a:effectLst/>
+                <a:latin typeface="Arial" panose="020B0604020202020204" pitchFamily="34" charset="0"/>
               </a:rPr>
-              <a:t>La implementación del sistema incluyó una rigurosa fase de pruebas, en la que se llevaron a cabo pruebas de aceptación y pruebas realizadas al sistema con</a:t>
+              <a:t>La implementación incluyó pruebas de aceptación y con la herramienta </a:t>
             </a:r>
             <a:r>
-              <a:rPr lang="es-419" sz="2800" b="1" dirty="0">
+              <a:rPr kumimoji="0" lang="es-US" altLang="es-US" sz="2400" i="0" u="none" strike="noStrike" cap="none" normalizeH="0" baseline="0" dirty="0" err="1">
+                <a:ln>
+                  <a:noFill/>
+                </a:ln>
+                <a:solidFill>
+                  <a:schemeClr val="tx1"/>
+                </a:solidFill>
                 <a:effectLst/>
-              </a:rPr>
-              <a:t> </a:t>
-            </a:r>
-            <a:r>
-              <a:rPr lang="es-419" sz="2800" dirty="0">
-                <a:effectLst/>
-              </a:rPr>
-              <a:t>la herramienta </a:t>
-            </a:r>
-            <a:r>
-              <a:rPr lang="es-419" sz="2800" dirty="0" err="1">
-                <a:effectLst/>
+                <a:latin typeface="Arial" panose="020B0604020202020204" pitchFamily="34" charset="0"/>
               </a:rPr>
               <a:t>LightHouse</a:t>
             </a:r>
             <a:r>
-              <a:rPr lang="es-419" sz="2800" dirty="0">
+              <a:rPr kumimoji="0" lang="es-US" altLang="es-US" sz="2400" i="0" u="none" strike="noStrike" cap="none" normalizeH="0" baseline="0" dirty="0">
+                <a:ln>
+                  <a:noFill/>
+                </a:ln>
+                <a:solidFill>
+                  <a:schemeClr val="tx1"/>
+                </a:solidFill>
                 <a:effectLst/>
+                <a:latin typeface="Arial" panose="020B0604020202020204" pitchFamily="34" charset="0"/>
               </a:rPr>
-              <a:t> para validar que todas las funcionalidades desarrolladas cumplieran con los requisitos establecidos. Estas pruebas fueron fundamentales para garantizar que el sistema gestionara los experimentos de digestión anaerobia de manera efectiva, ofreciendo a los usuarios una experiencia intuitiva y eficiente. Las pruebas confirmaron que la solución tecnológica no solo es operativa, sino que también satisface las expectativas del cliente. Se aseguró una interacción fluida con los datos, así como la confiabilidad y estabilidad del sistema en un entorno de uso real. En conclusión, el sistema no solo cumple con los objetivos planteados, sino que también proporciona un marco robusto para la gestión de experimentos, impulsando así la eficiencia y efectividad en el laboratorio. </a:t>
+              <a:t> para validar el cumplimiento de los requisitos establecidos. </a:t>
+            </a:r>
+          </a:p>
+          <a:p>
+            <a:pPr marL="342900" marR="0" lvl="0" indent="-342900" algn="just" defTabSz="914400" rtl="0" eaLnBrk="0" fontAlgn="base" latinLnBrk="0" hangingPunct="0">
+              <a:lnSpc>
+                <a:spcPct val="100000"/>
+              </a:lnSpc>
+              <a:spcBef>
+                <a:spcPct val="0"/>
+              </a:spcBef>
+              <a:spcAft>
+                <a:spcPct val="0"/>
+              </a:spcAft>
+              <a:buClrTx/>
+              <a:buSzTx/>
+              <a:buFont typeface="Wingdings" panose="05000000000000000000" pitchFamily="2" charset="2"/>
+              <a:buChar char="Ø"/>
+              <a:tabLst/>
+            </a:pPr>
+            <a:r>
+              <a:rPr kumimoji="0" lang="es-US" altLang="es-US" sz="2400" i="0" u="none" strike="noStrike" cap="none" normalizeH="0" baseline="0" dirty="0">
+                <a:ln>
+                  <a:noFill/>
+                </a:ln>
+                <a:solidFill>
+                  <a:schemeClr val="tx1"/>
+                </a:solidFill>
+                <a:effectLst/>
+                <a:latin typeface="Arial" panose="020B0604020202020204" pitchFamily="34" charset="0"/>
+              </a:rPr>
+              <a:t>Las pruebas garantizaron una gestión efectiva de los experimentos, ofreciendo una experiencia de usuario intuitiva y eficiente. </a:t>
+            </a:r>
+          </a:p>
+          <a:p>
+            <a:pPr marL="342900" marR="0" lvl="0" indent="-342900" algn="just" defTabSz="914400" rtl="0" eaLnBrk="0" fontAlgn="base" latinLnBrk="0" hangingPunct="0">
+              <a:lnSpc>
+                <a:spcPct val="100000"/>
+              </a:lnSpc>
+              <a:spcBef>
+                <a:spcPct val="0"/>
+              </a:spcBef>
+              <a:spcAft>
+                <a:spcPct val="0"/>
+              </a:spcAft>
+              <a:buClrTx/>
+              <a:buSzTx/>
+              <a:buFont typeface="Wingdings" panose="05000000000000000000" pitchFamily="2" charset="2"/>
+              <a:buChar char="Ø"/>
+              <a:tabLst/>
+            </a:pPr>
+            <a:r>
+              <a:rPr kumimoji="0" lang="es-US" altLang="es-US" sz="2400" i="0" u="none" strike="noStrike" cap="none" normalizeH="0" baseline="0" dirty="0">
+                <a:ln>
+                  <a:noFill/>
+                </a:ln>
+                <a:solidFill>
+                  <a:schemeClr val="tx1"/>
+                </a:solidFill>
+                <a:effectLst/>
+                <a:latin typeface="Arial" panose="020B0604020202020204" pitchFamily="34" charset="0"/>
+              </a:rPr>
+              <a:t>Se confirmó que el sistema es operativamente confiable y estable en un entorno real de uso. </a:t>
+            </a:r>
+          </a:p>
+          <a:p>
+            <a:pPr marL="342900" marR="0" lvl="0" indent="-342900" algn="just" defTabSz="914400" rtl="0" eaLnBrk="0" fontAlgn="base" latinLnBrk="0" hangingPunct="0">
+              <a:lnSpc>
+                <a:spcPct val="100000"/>
+              </a:lnSpc>
+              <a:spcBef>
+                <a:spcPct val="0"/>
+              </a:spcBef>
+              <a:spcAft>
+                <a:spcPct val="0"/>
+              </a:spcAft>
+              <a:buClrTx/>
+              <a:buSzTx/>
+              <a:buFont typeface="Wingdings" panose="05000000000000000000" pitchFamily="2" charset="2"/>
+              <a:buChar char="Ø"/>
+              <a:tabLst/>
+            </a:pPr>
+            <a:r>
+              <a:rPr kumimoji="0" lang="es-US" altLang="es-US" sz="2400" i="0" u="none" strike="noStrike" cap="none" normalizeH="0" baseline="0" dirty="0">
+                <a:ln>
+                  <a:noFill/>
+                </a:ln>
+                <a:solidFill>
+                  <a:schemeClr val="tx1"/>
+                </a:solidFill>
+                <a:effectLst/>
+                <a:latin typeface="Arial" panose="020B0604020202020204" pitchFamily="34" charset="0"/>
+              </a:rPr>
+              <a:t>El sistema no solo cumple los objetivos planteados, sino que también proporciona un marco robusto para la gestión de experimentos, mejorando la eficiencia en el laboratorio.</a:t>
             </a:r>
           </a:p>
         </p:txBody>

--- a/Digestión anaerobía.Original.pptx
+++ b/Digestión anaerobía.Original.pptx
@@ -38463,10 +38463,10 @@
       </p:grpSpPr>
       <p:pic>
         <p:nvPicPr>
-          <p:cNvPr id="6" name="Imagen 5">
+          <p:cNvPr id="3" name="Imagen 2">
             <a:extLst>
               <a:ext uri="{FF2B5EF4-FFF2-40B4-BE49-F238E27FC236}">
-                <a16:creationId xmlns:a16="http://schemas.microsoft.com/office/drawing/2014/main" id="{21E976E7-082F-5E49-24B7-162CA19CA639}"/>
+                <a16:creationId xmlns:a16="http://schemas.microsoft.com/office/drawing/2014/main" id="{F7BA5A04-F352-BA60-7E3D-08C2D9D840C6}"/>
               </a:ext>
             </a:extLst>
           </p:cNvPr>

--- a/Digestión anaerobía.Original.pptx
+++ b/Digestión anaerobía.Original.pptx
@@ -22255,26 +22255,6 @@
           <a:lstStyle/>
           <a:p>
             <a:pPr rtl="0"/>
-            <a:r>
-              <a:rPr lang="es-ES" dirty="0" err="1"/>
-              <a:t>Qyitar</a:t>
-            </a:r>
-            <a:r>
-              <a:rPr lang="es-ES" dirty="0"/>
-              <a:t> http y añadir </a:t>
-            </a:r>
-            <a:r>
-              <a:rPr lang="es-ES" u="sng" dirty="0" err="1"/>
-              <a:t>node</a:t>
-            </a:r>
-            <a:r>
-              <a:rPr lang="es-ES" dirty="0"/>
-              <a:t> en </a:t>
-            </a:r>
-            <a:r>
-              <a:rPr lang="es-ES" dirty="0" err="1"/>
-              <a:t>frontend</a:t>
-            </a:r>
             <a:endParaRPr lang="es-ES" dirty="0"/>
           </a:p>
         </p:txBody>
@@ -39077,10 +39057,10 @@
       </p:grpSpPr>
       <p:pic>
         <p:nvPicPr>
-          <p:cNvPr id="4" name="Imagen 3">
+          <p:cNvPr id="3" name="Imagen 2">
             <a:extLst>
               <a:ext uri="{FF2B5EF4-FFF2-40B4-BE49-F238E27FC236}">
-                <a16:creationId xmlns:a16="http://schemas.microsoft.com/office/drawing/2014/main" id="{12DC2F83-8D51-E278-62F3-7A1409EFF3A5}"/>
+                <a16:creationId xmlns:a16="http://schemas.microsoft.com/office/drawing/2014/main" id="{0E18289C-F67D-0075-AC43-14E58D99743F}"/>
               </a:ext>
             </a:extLst>
           </p:cNvPr>
@@ -39098,7 +39078,7 @@
         <p:spPr>
           <a:xfrm>
             <a:off x="0" y="0"/>
-            <a:ext cx="12191999" cy="6858000"/>
+            <a:ext cx="12192000" cy="6858000"/>
           </a:xfrm>
           <a:prstGeom prst="rect">
             <a:avLst/>

--- a/Digestión anaerobía.Original.pptx
+++ b/Digestión anaerobía.Original.pptx
@@ -21385,7 +21385,10 @@
           <a:bodyPr rtlCol="0"/>
           <a:lstStyle/>
           <a:p>
-            <a:endParaRPr lang="es-419" dirty="0"/>
+            <a:r>
+              <a:rPr lang="es-419" dirty="0"/>
+              <a:t>A continuación se muestra el modelo físico de la base de datos que es el que muestra las tablas que </a:t>
+            </a:r>
           </a:p>
         </p:txBody>
       </p:sp>
@@ -22873,7 +22876,7 @@
             </a:r>
             <a:r>
               <a:rPr lang="es-ES" dirty="0"/>
-              <a:t> lo demuestran , en este caso y hasta al momento se han realizado pruebas de </a:t>
+              <a:t> lo demuestran , en este caso se han realizado pruebas de </a:t>
             </a:r>
             <a:r>
               <a:rPr lang="es-ES" dirty="0" err="1"/>
@@ -23901,26 +23904,7 @@
           <a:lstStyle/>
           <a:p>
             <a:pPr rtl="0"/>
-            <a:r>
-              <a:rPr lang="es-ES" dirty="0"/>
-              <a:t>Finalmente para comprobar el correcto funcionamiento del software se han realizado algunas pruebas que </a:t>
-            </a:r>
-            <a:r>
-              <a:rPr lang="es-ES" dirty="0" err="1"/>
-              <a:t>asi</a:t>
-            </a:r>
-            <a:r>
-              <a:rPr lang="es-ES" dirty="0"/>
-              <a:t> lo demuestran , en este caso y hasta al momento se han realizado pruebas de </a:t>
-            </a:r>
-            <a:r>
-              <a:rPr lang="es-ES" dirty="0" err="1"/>
-              <a:t>aceptacion</a:t>
-            </a:r>
-            <a:r>
-              <a:rPr lang="es-ES" dirty="0"/>
-              <a:t> que consiste en verificar el correcto funcionamiento de las validación de los campos </a:t>
-            </a:r>
+            <a:endParaRPr lang="es-ES" dirty="0"/>
           </a:p>
         </p:txBody>
       </p:sp>
@@ -27004,6 +26988,47 @@
           <a:bodyPr rtlCol="0"/>
           <a:lstStyle/>
           <a:p>
+            <a:pPr>
+              <a:spcBef>
+                <a:spcPts val="0"/>
+              </a:spcBef>
+              <a:spcAft>
+                <a:spcPts val="0"/>
+              </a:spcAft>
+            </a:pPr>
+            <a:endParaRPr lang="es-US" dirty="0">
+              <a:effectLst/>
+            </a:endParaRPr>
+          </a:p>
+          <a:p>
+            <a:pPr marL="742950" marR="0" lvl="1" indent="-285750">
+              <a:lnSpc>
+                <a:spcPct val="107000"/>
+              </a:lnSpc>
+              <a:spcBef>
+                <a:spcPts val="0"/>
+              </a:spcBef>
+              <a:spcAft>
+                <a:spcPts val="800"/>
+              </a:spcAft>
+              <a:buSzPts val="1000"/>
+              <a:buFont typeface="Courier New" panose="02070309020205020404" pitchFamily="49" charset="0"/>
+              <a:buChar char="o"/>
+              <a:tabLst>
+                <a:tab pos="914400" algn="l"/>
+              </a:tabLst>
+            </a:pPr>
+            <a:r>
+              <a:rPr lang="es-US" sz="1100" kern="100" dirty="0">
+                <a:effectLst/>
+                <a:latin typeface="Calibri" panose="020F0502020204030204" pitchFamily="34" charset="0"/>
+                <a:ea typeface="Calibri" panose="020F0502020204030204" pitchFamily="34" charset="0"/>
+                <a:cs typeface="Times New Roman" panose="02020603050405020304" pitchFamily="18" charset="0"/>
+              </a:rPr>
+              <a:t>El futuro del biogás es prometedor, ya que su papel en las estrategias de energía renovable sigue creciendo a nivel mundial. La adopción de economías circulares y sistemas de energía sostenible coloca al biogás como un recurso clave para reducir la dependencia de combustibles fósiles. Las innovaciones en la producción de biogás, como la integración con otras tecnologías renovables, mejorarán su capacidad para contribuir a la transición energética.</a:t>
+            </a:r>
+          </a:p>
+          <a:p>
             <a:pPr rtl="0"/>
             <a:endParaRPr lang="es-ES" dirty="0"/>
           </a:p>
@@ -27295,7 +27320,58 @@
           <a:lstStyle/>
           <a:p>
             <a:pPr rtl="0"/>
-            <a:endParaRPr lang="es-ES" dirty="0"/>
+            <a:r>
+              <a:rPr lang="es-ES" dirty="0"/>
+              <a:t>Este software no está diseñado para el uso en instalaciones productoras de </a:t>
+            </a:r>
+            <a:r>
+              <a:rPr lang="es-ES" dirty="0" err="1"/>
+              <a:t>biogas,esta</a:t>
+            </a:r>
+            <a:r>
+              <a:rPr lang="es-ES" dirty="0"/>
+              <a:t> </a:t>
+            </a:r>
+            <a:r>
+              <a:rPr lang="es-ES" dirty="0" err="1"/>
+              <a:t>pensado`para</a:t>
+            </a:r>
+            <a:r>
+              <a:rPr lang="es-ES" dirty="0"/>
+              <a:t> el uso en </a:t>
+            </a:r>
+            <a:r>
+              <a:rPr lang="es-ES" dirty="0" err="1"/>
+              <a:t>sentros</a:t>
+            </a:r>
+            <a:r>
+              <a:rPr lang="es-ES" dirty="0"/>
+              <a:t> que realizan </a:t>
+            </a:r>
+            <a:r>
+              <a:rPr lang="es-ES" dirty="0" err="1"/>
+              <a:t>invetigacion</a:t>
+            </a:r>
+            <a:r>
+              <a:rPr lang="es-ES" dirty="0"/>
+              <a:t> de </a:t>
+            </a:r>
+            <a:r>
+              <a:rPr lang="es-ES" dirty="0" err="1"/>
+              <a:t>digestion</a:t>
+            </a:r>
+            <a:r>
+              <a:rPr lang="es-ES" dirty="0"/>
+              <a:t> anaerobia que es donde se realizan experimentos enfocados a estudiar como funciona y como mejorar la producción de </a:t>
+            </a:r>
+            <a:r>
+              <a:rPr lang="es-ES" dirty="0" err="1"/>
+              <a:t>biogas.Para</a:t>
+            </a:r>
+            <a:r>
+              <a:rPr lang="es-ES" dirty="0"/>
+              <a:t> el CEEPI va a ser muy beneficioso no tanto económicamente pero si le va a ahorrar mucho tiempo y va a facilitar mucho la gestión de la información que se maneja en estos experimentos y va a permitir que las investigaciones sean mas confiables en los resultados </a:t>
+            </a:r>
           </a:p>
         </p:txBody>
       </p:sp>
@@ -27584,6 +27660,65 @@
           <a:bodyPr rtlCol="0"/>
           <a:lstStyle/>
           <a:p>
+            <a:pPr>
+              <a:spcBef>
+                <a:spcPts val="0"/>
+              </a:spcBef>
+              <a:spcAft>
+                <a:spcPts val="0"/>
+              </a:spcAft>
+            </a:pPr>
+            <a:endParaRPr lang="es-US" dirty="0">
+              <a:effectLst/>
+            </a:endParaRPr>
+          </a:p>
+          <a:p>
+            <a:pPr marL="742950" marR="0" lvl="1" indent="-285750">
+              <a:lnSpc>
+                <a:spcPct val="107000"/>
+              </a:lnSpc>
+              <a:spcBef>
+                <a:spcPts val="0"/>
+              </a:spcBef>
+              <a:spcAft>
+                <a:spcPts val="800"/>
+              </a:spcAft>
+              <a:buSzPts val="1000"/>
+              <a:buFont typeface="Courier New" panose="02070309020205020404" pitchFamily="49" charset="0"/>
+              <a:buChar char="o"/>
+              <a:tabLst>
+                <a:tab pos="914400" algn="l"/>
+              </a:tabLst>
+            </a:pPr>
+            <a:r>
+              <a:rPr lang="es-US" sz="1100" kern="100" dirty="0">
+                <a:effectLst/>
+                <a:latin typeface="Calibri" panose="020F0502020204030204" pitchFamily="34" charset="0"/>
+                <a:ea typeface="Calibri" panose="020F0502020204030204" pitchFamily="34" charset="0"/>
+                <a:cs typeface="Times New Roman" panose="02020603050405020304" pitchFamily="18" charset="0"/>
+              </a:rPr>
+              <a:t>La precisión y fiabilidad de los datos se garantizan mediante la implementación de </a:t>
+            </a:r>
+            <a:r>
+              <a:rPr lang="es-US" sz="1100" b="1" kern="100" dirty="0">
+                <a:effectLst/>
+                <a:latin typeface="Calibri" panose="020F0502020204030204" pitchFamily="34" charset="0"/>
+                <a:ea typeface="Calibri" panose="020F0502020204030204" pitchFamily="34" charset="0"/>
+                <a:cs typeface="Times New Roman" panose="02020603050405020304" pitchFamily="18" charset="0"/>
+              </a:rPr>
+              <a:t>mecanismos de validación en tiempo real</a:t>
+            </a:r>
+            <a:r>
+              <a:rPr lang="es-US" sz="1100" kern="100" dirty="0">
+                <a:effectLst/>
+                <a:latin typeface="Calibri" panose="020F0502020204030204" pitchFamily="34" charset="0"/>
+                <a:ea typeface="Calibri" panose="020F0502020204030204" pitchFamily="34" charset="0"/>
+                <a:cs typeface="Times New Roman" panose="02020603050405020304" pitchFamily="18" charset="0"/>
+              </a:rPr>
+              <a:t>, copias de seguridad regulares, y mecanismos de manejo de errores que identifican y corrigen inconsistencias en los datos durante la entrada y procesamiento.</a:t>
+            </a:r>
+          </a:p>
+          <a:p>
             <a:pPr rtl="0"/>
             <a:endParaRPr lang="es-ES" dirty="0"/>
           </a:p>
@@ -28019,6 +28154,346 @@
           <a:bodyPr rtlCol="0"/>
           <a:lstStyle/>
           <a:p>
+            <a:pPr marL="285750" indent="-285750" rtl="0">
+              <a:buFont typeface="Arial" panose="020B0604020202020204" pitchFamily="34" charset="0"/>
+              <a:buChar char="•"/>
+            </a:pPr>
+            <a:r>
+              <a:rPr lang="es-US" sz="1800" b="1" dirty="0">
+                <a:effectLst/>
+                <a:latin typeface="Calibri" panose="020F0502020204030204" pitchFamily="34" charset="0"/>
+                <a:ea typeface="Calibri" panose="020F0502020204030204" pitchFamily="34" charset="0"/>
+                <a:cs typeface="Times New Roman" panose="02020603050405020304" pitchFamily="18" charset="0"/>
+              </a:rPr>
+              <a:t>Desafíos Técnicos: </a:t>
+            </a:r>
+            <a:r>
+              <a:rPr lang="es-US" sz="1800" dirty="0">
+                <a:effectLst/>
+                <a:latin typeface="Calibri" panose="020F0502020204030204" pitchFamily="34" charset="0"/>
+                <a:ea typeface="Calibri" panose="020F0502020204030204" pitchFamily="34" charset="0"/>
+                <a:cs typeface="Times New Roman" panose="02020603050405020304" pitchFamily="18" charset="0"/>
+              </a:rPr>
+              <a:t>La integración de sensores en tiempo real requiere mejoras en la infraestructura actual para soportar la transmisión continua de datos. </a:t>
+            </a:r>
+            <a:r>
+              <a:rPr lang="es-US" sz="1800" dirty="0" err="1">
+                <a:effectLst/>
+                <a:latin typeface="Calibri" panose="020F0502020204030204" pitchFamily="34" charset="0"/>
+                <a:ea typeface="Calibri" panose="020F0502020204030204" pitchFamily="34" charset="0"/>
+                <a:cs typeface="Times New Roman" panose="02020603050405020304" pitchFamily="18" charset="0"/>
+              </a:rPr>
+              <a:t>Conyeba</a:t>
+            </a:r>
+            <a:r>
+              <a:rPr lang="es-US" sz="1800" dirty="0">
+                <a:effectLst/>
+                <a:latin typeface="Calibri" panose="020F0502020204030204" pitchFamily="34" charset="0"/>
+                <a:ea typeface="Calibri" panose="020F0502020204030204" pitchFamily="34" charset="0"/>
+                <a:cs typeface="Times New Roman" panose="02020603050405020304" pitchFamily="18" charset="0"/>
+              </a:rPr>
+              <a:t> adaptaciones a los reactores actuales a la tecnología actual que tienen para hacer los experimentos que no </a:t>
+            </a:r>
+            <a:r>
+              <a:rPr lang="es-US" sz="1800" dirty="0" err="1">
+                <a:effectLst/>
+                <a:latin typeface="Calibri" panose="020F0502020204030204" pitchFamily="34" charset="0"/>
+                <a:ea typeface="Calibri" panose="020F0502020204030204" pitchFamily="34" charset="0"/>
+                <a:cs typeface="Times New Roman" panose="02020603050405020304" pitchFamily="18" charset="0"/>
+              </a:rPr>
+              <a:t>possen</a:t>
+            </a:r>
+            <a:r>
+              <a:rPr lang="es-US" sz="1800" dirty="0">
+                <a:effectLst/>
+                <a:latin typeface="Calibri" panose="020F0502020204030204" pitchFamily="34" charset="0"/>
+                <a:ea typeface="Calibri" panose="020F0502020204030204" pitchFamily="34" charset="0"/>
+                <a:cs typeface="Times New Roman" panose="02020603050405020304" pitchFamily="18" charset="0"/>
+              </a:rPr>
+              <a:t> esos reactores por lo tanto necesitan </a:t>
+            </a:r>
+            <a:r>
+              <a:rPr lang="es-US" sz="1800" dirty="0" err="1">
+                <a:effectLst/>
+                <a:latin typeface="Calibri" panose="020F0502020204030204" pitchFamily="34" charset="0"/>
+                <a:ea typeface="Calibri" panose="020F0502020204030204" pitchFamily="34" charset="0"/>
+                <a:cs typeface="Times New Roman" panose="02020603050405020304" pitchFamily="18" charset="0"/>
+              </a:rPr>
+              <a:t>adaptarce</a:t>
+            </a:r>
+            <a:r>
+              <a:rPr lang="es-US" sz="1800" dirty="0">
+                <a:effectLst/>
+                <a:latin typeface="Calibri" panose="020F0502020204030204" pitchFamily="34" charset="0"/>
+                <a:ea typeface="Calibri" panose="020F0502020204030204" pitchFamily="34" charset="0"/>
+                <a:cs typeface="Times New Roman" panose="02020603050405020304" pitchFamily="18" charset="0"/>
+              </a:rPr>
+              <a:t> a esos nuevos sensores que se necesitan poner y hay que adaptar esos reactores para poderlo incorporar en su funcionamiento sin que interrumpan el funcionamiento normal del </a:t>
+            </a:r>
+            <a:r>
+              <a:rPr lang="es-US" sz="1800" dirty="0" err="1">
+                <a:effectLst/>
+                <a:latin typeface="Calibri" panose="020F0502020204030204" pitchFamily="34" charset="0"/>
+                <a:ea typeface="Calibri" panose="020F0502020204030204" pitchFamily="34" charset="0"/>
+                <a:cs typeface="Times New Roman" panose="02020603050405020304" pitchFamily="18" charset="0"/>
+              </a:rPr>
+              <a:t>reactor.además</a:t>
+            </a:r>
+            <a:r>
+              <a:rPr lang="es-US" sz="1800" dirty="0">
+                <a:effectLst/>
+                <a:latin typeface="Calibri" panose="020F0502020204030204" pitchFamily="34" charset="0"/>
+                <a:ea typeface="Calibri" panose="020F0502020204030204" pitchFamily="34" charset="0"/>
+                <a:cs typeface="Times New Roman" panose="02020603050405020304" pitchFamily="18" charset="0"/>
+              </a:rPr>
+              <a:t> hay que garantizar la conectividad y también hay que encontrar sensores que puedan medir los parámetros que necesitan porque no hay sensores que puedan medir lo que se </a:t>
+            </a:r>
+            <a:r>
+              <a:rPr lang="es-US" sz="1800" dirty="0" err="1">
+                <a:effectLst/>
+                <a:latin typeface="Calibri" panose="020F0502020204030204" pitchFamily="34" charset="0"/>
+                <a:ea typeface="Calibri" panose="020F0502020204030204" pitchFamily="34" charset="0"/>
+                <a:cs typeface="Times New Roman" panose="02020603050405020304" pitchFamily="18" charset="0"/>
+              </a:rPr>
+              <a:t>quisiera,entonces</a:t>
+            </a:r>
+            <a:r>
+              <a:rPr lang="es-US" sz="1800" dirty="0">
+                <a:effectLst/>
+                <a:latin typeface="Calibri" panose="020F0502020204030204" pitchFamily="34" charset="0"/>
+                <a:ea typeface="Calibri" panose="020F0502020204030204" pitchFamily="34" charset="0"/>
+                <a:cs typeface="Times New Roman" panose="02020603050405020304" pitchFamily="18" charset="0"/>
+              </a:rPr>
+              <a:t> el </a:t>
+            </a:r>
+            <a:r>
+              <a:rPr lang="es-US" sz="1800" dirty="0" err="1">
+                <a:effectLst/>
+                <a:latin typeface="Calibri" panose="020F0502020204030204" pitchFamily="34" charset="0"/>
+                <a:ea typeface="Calibri" panose="020F0502020204030204" pitchFamily="34" charset="0"/>
+                <a:cs typeface="Times New Roman" panose="02020603050405020304" pitchFamily="18" charset="0"/>
+              </a:rPr>
+              <a:t>desafio</a:t>
+            </a:r>
+            <a:r>
+              <a:rPr lang="es-US" sz="1800" dirty="0">
+                <a:effectLst/>
+                <a:latin typeface="Calibri" panose="020F0502020204030204" pitchFamily="34" charset="0"/>
+                <a:ea typeface="Calibri" panose="020F0502020204030204" pitchFamily="34" charset="0"/>
+                <a:cs typeface="Times New Roman" panose="02020603050405020304" pitchFamily="18" charset="0"/>
+              </a:rPr>
+              <a:t> técnico esta en encontrar esos sensores y en </a:t>
+            </a:r>
+            <a:r>
+              <a:rPr lang="es-US" sz="1800" dirty="0" err="1">
+                <a:effectLst/>
+                <a:latin typeface="Calibri" panose="020F0502020204030204" pitchFamily="34" charset="0"/>
+                <a:ea typeface="Calibri" panose="020F0502020204030204" pitchFamily="34" charset="0"/>
+                <a:cs typeface="Times New Roman" panose="02020603050405020304" pitchFamily="18" charset="0"/>
+              </a:rPr>
+              <a:t>poderlcelo</a:t>
+            </a:r>
+            <a:r>
+              <a:rPr lang="es-US" sz="1800" dirty="0">
+                <a:effectLst/>
+                <a:latin typeface="Calibri" panose="020F0502020204030204" pitchFamily="34" charset="0"/>
+                <a:ea typeface="Calibri" panose="020F0502020204030204" pitchFamily="34" charset="0"/>
+                <a:cs typeface="Times New Roman" panose="02020603050405020304" pitchFamily="18" charset="0"/>
+              </a:rPr>
+              <a:t> incorporar a esos reactores que ya ellos tienen </a:t>
+            </a:r>
+            <a:r>
+              <a:rPr lang="es-US" sz="1800" dirty="0" err="1">
+                <a:effectLst/>
+                <a:latin typeface="Calibri" panose="020F0502020204030204" pitchFamily="34" charset="0"/>
+                <a:ea typeface="Calibri" panose="020F0502020204030204" pitchFamily="34" charset="0"/>
+                <a:cs typeface="Times New Roman" panose="02020603050405020304" pitchFamily="18" charset="0"/>
+              </a:rPr>
+              <a:t>funcionando.El</a:t>
+            </a:r>
+            <a:r>
+              <a:rPr lang="es-US" sz="1800" dirty="0">
+                <a:effectLst/>
+                <a:latin typeface="Calibri" panose="020F0502020204030204" pitchFamily="34" charset="0"/>
+                <a:ea typeface="Calibri" panose="020F0502020204030204" pitchFamily="34" charset="0"/>
+                <a:cs typeface="Times New Roman" panose="02020603050405020304" pitchFamily="18" charset="0"/>
+              </a:rPr>
+              <a:t> otro </a:t>
+            </a:r>
+            <a:r>
+              <a:rPr lang="es-US" sz="1800" dirty="0" err="1">
+                <a:effectLst/>
+                <a:latin typeface="Calibri" panose="020F0502020204030204" pitchFamily="34" charset="0"/>
+                <a:ea typeface="Calibri" panose="020F0502020204030204" pitchFamily="34" charset="0"/>
+                <a:cs typeface="Times New Roman" panose="02020603050405020304" pitchFamily="18" charset="0"/>
+              </a:rPr>
+              <a:t>desafio</a:t>
+            </a:r>
+            <a:r>
+              <a:rPr lang="es-US" sz="1800" dirty="0">
+                <a:effectLst/>
+                <a:latin typeface="Calibri" panose="020F0502020204030204" pitchFamily="34" charset="0"/>
+                <a:ea typeface="Calibri" panose="020F0502020204030204" pitchFamily="34" charset="0"/>
+                <a:cs typeface="Times New Roman" panose="02020603050405020304" pitchFamily="18" charset="0"/>
+              </a:rPr>
+              <a:t> es integrar las mediciones de esos sensores con el sistema </a:t>
+            </a:r>
+            <a:r>
+              <a:rPr lang="es-US" sz="1800" dirty="0" err="1">
+                <a:effectLst/>
+                <a:latin typeface="Calibri" panose="020F0502020204030204" pitchFamily="34" charset="0"/>
+                <a:ea typeface="Calibri" panose="020F0502020204030204" pitchFamily="34" charset="0"/>
+                <a:cs typeface="Times New Roman" panose="02020603050405020304" pitchFamily="18" charset="0"/>
+              </a:rPr>
+              <a:t>actual,que</a:t>
+            </a:r>
+            <a:r>
+              <a:rPr lang="es-US" sz="1800" dirty="0">
+                <a:effectLst/>
+                <a:latin typeface="Calibri" panose="020F0502020204030204" pitchFamily="34" charset="0"/>
+                <a:ea typeface="Calibri" panose="020F0502020204030204" pitchFamily="34" charset="0"/>
+                <a:cs typeface="Times New Roman" panose="02020603050405020304" pitchFamily="18" charset="0"/>
+              </a:rPr>
+              <a:t> el sistema actual tiene una api que puede perfectamente funcionar y que se puede preparar para que </a:t>
+            </a:r>
+            <a:r>
+              <a:rPr lang="es-US" sz="1800" dirty="0" err="1">
+                <a:effectLst/>
+                <a:latin typeface="Calibri" panose="020F0502020204030204" pitchFamily="34" charset="0"/>
+                <a:ea typeface="Calibri" panose="020F0502020204030204" pitchFamily="34" charset="0"/>
+                <a:cs typeface="Times New Roman" panose="02020603050405020304" pitchFamily="18" charset="0"/>
+              </a:rPr>
+              <a:t>resiva</a:t>
+            </a:r>
+            <a:r>
+              <a:rPr lang="es-US" sz="1800" dirty="0">
+                <a:effectLst/>
+                <a:latin typeface="Calibri" panose="020F0502020204030204" pitchFamily="34" charset="0"/>
+                <a:ea typeface="Calibri" panose="020F0502020204030204" pitchFamily="34" charset="0"/>
+                <a:cs typeface="Times New Roman" panose="02020603050405020304" pitchFamily="18" charset="0"/>
+              </a:rPr>
+              <a:t> los datos que son medidos por los sensores pero para eso es necesario un paso intermedio que puede ser una plataforma de internet de las cosas que te permita recolectar la medición de esos sensores y que sea transmitida a esa plataforma la cual posteriormente entonces seria la que se </a:t>
+            </a:r>
+            <a:r>
+              <a:rPr lang="es-US" sz="1800" dirty="0" err="1">
+                <a:effectLst/>
+                <a:latin typeface="Calibri" panose="020F0502020204030204" pitchFamily="34" charset="0"/>
+                <a:ea typeface="Calibri" panose="020F0502020204030204" pitchFamily="34" charset="0"/>
+                <a:cs typeface="Times New Roman" panose="02020603050405020304" pitchFamily="18" charset="0"/>
+              </a:rPr>
+              <a:t>comunicaria</a:t>
+            </a:r>
+            <a:r>
+              <a:rPr lang="es-US" sz="1800" dirty="0">
+                <a:effectLst/>
+                <a:latin typeface="Calibri" panose="020F0502020204030204" pitchFamily="34" charset="0"/>
+                <a:ea typeface="Calibri" panose="020F0502020204030204" pitchFamily="34" charset="0"/>
+                <a:cs typeface="Times New Roman" panose="02020603050405020304" pitchFamily="18" charset="0"/>
+              </a:rPr>
+              <a:t> con la api para procesar el esos datos correctamente.</a:t>
+            </a:r>
+          </a:p>
+          <a:p>
+            <a:pPr>
+              <a:spcBef>
+                <a:spcPts val="0"/>
+              </a:spcBef>
+              <a:spcAft>
+                <a:spcPts val="0"/>
+              </a:spcAft>
+            </a:pPr>
+            <a:endParaRPr lang="es-US" dirty="0">
+              <a:effectLst/>
+            </a:endParaRPr>
+          </a:p>
+          <a:p>
+            <a:pPr marL="742950" marR="0" lvl="1" indent="-285750">
+              <a:lnSpc>
+                <a:spcPct val="107000"/>
+              </a:lnSpc>
+              <a:spcBef>
+                <a:spcPts val="0"/>
+              </a:spcBef>
+              <a:spcAft>
+                <a:spcPts val="800"/>
+              </a:spcAft>
+              <a:buSzPts val="1000"/>
+              <a:buFont typeface="Courier New" panose="02070309020205020404" pitchFamily="49" charset="0"/>
+              <a:buChar char="o"/>
+              <a:tabLst>
+                <a:tab pos="914400" algn="l"/>
+              </a:tabLst>
+            </a:pPr>
+            <a:r>
+              <a:rPr lang="es-US" sz="1100" b="1" kern="100" dirty="0">
+                <a:effectLst/>
+                <a:latin typeface="Calibri" panose="020F0502020204030204" pitchFamily="34" charset="0"/>
+                <a:ea typeface="Calibri" panose="020F0502020204030204" pitchFamily="34" charset="0"/>
+                <a:cs typeface="Times New Roman" panose="02020603050405020304" pitchFamily="18" charset="0"/>
+              </a:rPr>
+              <a:t>Desafíos Logísticos</a:t>
+            </a:r>
+            <a:r>
+              <a:rPr lang="es-US" sz="1100" kern="100" dirty="0">
+                <a:effectLst/>
+                <a:latin typeface="Calibri" panose="020F0502020204030204" pitchFamily="34" charset="0"/>
+                <a:ea typeface="Calibri" panose="020F0502020204030204" pitchFamily="34" charset="0"/>
+                <a:cs typeface="Times New Roman" panose="02020603050405020304" pitchFamily="18" charset="0"/>
+              </a:rPr>
+              <a:t>: El mantenimiento de sensores en tiempo real requiere monitoreo constante, calibración y reemplazos ocasionales, lo cual incrementa los costos operativos. También puede ser necesario un mayor almacenamiento y ancho de banda para manejar los volúmenes de datos.</a:t>
+            </a:r>
+          </a:p>
+          <a:p>
+            <a:pPr>
+              <a:spcBef>
+                <a:spcPts val="0"/>
+              </a:spcBef>
+              <a:spcAft>
+                <a:spcPts val="0"/>
+              </a:spcAft>
+            </a:pPr>
+            <a:endParaRPr lang="es-US" dirty="0">
+              <a:effectLst/>
+            </a:endParaRPr>
+          </a:p>
+          <a:p>
+            <a:pPr marL="742950" marR="0" lvl="1" indent="-285750">
+              <a:lnSpc>
+                <a:spcPct val="107000"/>
+              </a:lnSpc>
+              <a:spcBef>
+                <a:spcPts val="0"/>
+              </a:spcBef>
+              <a:spcAft>
+                <a:spcPts val="800"/>
+              </a:spcAft>
+              <a:buSzPts val="1000"/>
+              <a:buFont typeface="Courier New" panose="02070309020205020404" pitchFamily="49" charset="0"/>
+              <a:buChar char="o"/>
+              <a:tabLst>
+                <a:tab pos="914400" algn="l"/>
+              </a:tabLst>
+            </a:pPr>
+            <a:r>
+              <a:rPr lang="es-US" sz="1100" b="1" kern="100" dirty="0">
+                <a:effectLst/>
+                <a:latin typeface="Calibri" panose="020F0502020204030204" pitchFamily="34" charset="0"/>
+                <a:ea typeface="Calibri" panose="020F0502020204030204" pitchFamily="34" charset="0"/>
+                <a:cs typeface="Times New Roman" panose="02020603050405020304" pitchFamily="18" charset="0"/>
+              </a:rPr>
+              <a:t>Superación de Desafíos</a:t>
+            </a:r>
+            <a:r>
+              <a:rPr lang="es-US" sz="1100" kern="100" dirty="0">
+                <a:effectLst/>
+                <a:latin typeface="Calibri" panose="020F0502020204030204" pitchFamily="34" charset="0"/>
+                <a:ea typeface="Calibri" panose="020F0502020204030204" pitchFamily="34" charset="0"/>
+                <a:cs typeface="Times New Roman" panose="02020603050405020304" pitchFamily="18" charset="0"/>
+              </a:rPr>
+              <a:t>: La implementación de marcos robustos para la integración de datos, el uso de almacenamiento en la nube, y la utilización de técnicas de compresión de datos pueden ayudar a superar estos desafíos. Además, un programa de mantenimiento regular garantizaría la confiabilidad y precisión del sistema. Garantizar el uso de una plataforma de internet de las cosas robusta que permita la recolección de los datos y una buena integración con el sistema existente.</a:t>
+            </a:r>
+          </a:p>
+          <a:p>
             <a:pPr rtl="0"/>
             <a:endParaRPr lang="es-ES" dirty="0"/>
           </a:p>
@@ -28191,7 +28666,7 @@
               <a:rPr lang="es-419" b="1" dirty="0">
                 <a:effectLst/>
               </a:rPr>
-              <a:t>objetivo general</a:t>
+              <a:t>objetivo</a:t>
             </a:r>
             <a:endParaRPr lang="es-419" dirty="0">
               <a:effectLst/>
@@ -28206,14 +28681,8 @@
               <a:rPr lang="es-419" b="1" dirty="0">
                 <a:effectLst/>
               </a:rPr>
-              <a:t>Objetivo General:</a:t>
+              <a:t>Objetivo </a:t>
             </a:r>
-            <a:endParaRPr lang="es-419" dirty="0">
-              <a:effectLst/>
-            </a:endParaRPr>
-          </a:p>
-          <a:p>
-            <a:pPr rtl="0"/>
             <a:r>
               <a:rPr lang="es-419" dirty="0">
                 <a:effectLst/>
@@ -28368,7 +28837,26 @@
           <a:lstStyle/>
           <a:p>
             <a:pPr rtl="0"/>
-            <a:endParaRPr lang="es-ES" dirty="0"/>
+            <a:r>
+              <a:rPr lang="es-ES" dirty="0"/>
+              <a:t>Esta pensado para un centro de </a:t>
+            </a:r>
+            <a:r>
+              <a:rPr lang="es-ES"/>
+              <a:t>investigación como el CEEPI </a:t>
+            </a:r>
+            <a:r>
+              <a:rPr lang="es-ES" dirty="0"/>
+              <a:t>no para unidades productoras de </a:t>
+            </a:r>
+            <a:r>
+              <a:rPr lang="es-ES" dirty="0" err="1"/>
+              <a:t>biogas</a:t>
+            </a:r>
+            <a:r>
+              <a:rPr lang="es-ES" dirty="0"/>
+              <a:t> </a:t>
+            </a:r>
           </a:p>
         </p:txBody>
       </p:sp>
@@ -28513,7 +29001,58 @@
           <a:lstStyle/>
           <a:p>
             <a:pPr rtl="0"/>
-            <a:endParaRPr lang="es-ES" dirty="0"/>
+            <a:r>
+              <a:rPr lang="es-ES" dirty="0"/>
+              <a:t>El sistema no va a estar en un ámbito productivo sino que el sistema esta pensado para centro de investigación como el </a:t>
+            </a:r>
+            <a:r>
+              <a:rPr lang="es-ES" dirty="0" err="1"/>
+              <a:t>ceepi</a:t>
+            </a:r>
+            <a:r>
+              <a:rPr lang="es-ES" dirty="0"/>
+              <a:t> y que el impacto económico y social fundamental  va a estar dado por el ahorro de tiempo si se implementan este tipo de cosas monitoreo en tiempo real es el ahorro de tiempo de los investigadores realizando </a:t>
+            </a:r>
+            <a:r>
+              <a:rPr lang="es-ES" dirty="0" err="1"/>
+              <a:t>analices,el</a:t>
+            </a:r>
+            <a:r>
+              <a:rPr lang="es-ES" dirty="0"/>
+              <a:t> ahorro de tiempo de los investigadores teniendo que asistir al centro y </a:t>
+            </a:r>
+            <a:r>
+              <a:rPr lang="es-ES" dirty="0" err="1"/>
+              <a:t>transportarce</a:t>
+            </a:r>
+            <a:r>
+              <a:rPr lang="es-ES" dirty="0"/>
+              <a:t> pues </a:t>
+            </a:r>
+            <a:r>
+              <a:rPr lang="es-ES" dirty="0" err="1"/>
+              <a:t>conyeba</a:t>
+            </a:r>
+            <a:r>
+              <a:rPr lang="es-ES" dirty="0"/>
+              <a:t> a ahorro de combustible  y demás porque no tienen que estarse moviendo muchas veces de municipios lejanos que no son exactamente SS  al centro para realizar las mediciones y además que al usar sensores que permitan realizar </a:t>
+            </a:r>
+            <a:r>
+              <a:rPr lang="es-ES" dirty="0" err="1"/>
+              <a:t>siertas</a:t>
+            </a:r>
+            <a:r>
+              <a:rPr lang="es-ES" dirty="0"/>
+              <a:t> mediciones de manera automática se ahorran el uso de reactivos que normalmente hay que hacer cuando se utilizan experimentos </a:t>
+            </a:r>
+            <a:r>
+              <a:rPr lang="es-ES" dirty="0" err="1"/>
+              <a:t>químicos,el</a:t>
+            </a:r>
+            <a:r>
+              <a:rPr lang="es-ES" dirty="0"/>
+              <a:t> ahorrar esos recursos permite que tenga un impacto económico favorable porque vas a estar usando un sensor que constantemente va a estar midiendo pero que no lleva el uso de reactivos químicos. </a:t>
+            </a:r>
           </a:p>
         </p:txBody>
       </p:sp>
@@ -50588,7 +51127,7 @@
         <p:spPr>
           <a:xfrm>
             <a:off x="1347536" y="1563636"/>
-            <a:ext cx="1141659" cy="400110"/>
+            <a:ext cx="1210588" cy="400110"/>
           </a:xfrm>
           <a:prstGeom prst="rect">
             <a:avLst/>
@@ -50602,13 +51141,13 @@
           <a:lstStyle/>
           <a:p>
             <a:r>
-              <a:rPr lang="es-ES" sz="2000" dirty="0">
+              <a:rPr lang="es-ES" sz="2000" b="1" dirty="0">
                 <a:latin typeface="Arial" panose="020B0604020202020204" pitchFamily="34" charset="0"/>
                 <a:cs typeface="Arial" panose="020B0604020202020204" pitchFamily="34" charset="0"/>
               </a:rPr>
               <a:t>Claridad</a:t>
             </a:r>
-            <a:endParaRPr lang="es-US" dirty="0">
+            <a:endParaRPr lang="es-US" b="1" dirty="0">
               <a:latin typeface="Arial" panose="020B0604020202020204" pitchFamily="34" charset="0"/>
               <a:cs typeface="Arial" panose="020B0604020202020204" pitchFamily="34" charset="0"/>
             </a:endParaRPr>
@@ -50630,7 +51169,7 @@
         <p:spPr>
           <a:xfrm>
             <a:off x="1523999" y="3216913"/>
-            <a:ext cx="1553630" cy="400110"/>
+            <a:ext cx="1680268" cy="400110"/>
           </a:xfrm>
           <a:prstGeom prst="rect">
             <a:avLst/>
@@ -50644,13 +51183,13 @@
           <a:lstStyle/>
           <a:p>
             <a:r>
-              <a:rPr lang="es-ES" sz="2000" dirty="0">
+              <a:rPr lang="es-ES" sz="2000" b="1" dirty="0">
                 <a:latin typeface="Arial" panose="020B0604020202020204" pitchFamily="34" charset="0"/>
                 <a:cs typeface="Arial" panose="020B0604020202020204" pitchFamily="34" charset="0"/>
               </a:rPr>
               <a:t>Completitud</a:t>
             </a:r>
-            <a:endParaRPr lang="es-US" dirty="0">
+            <a:endParaRPr lang="es-US" b="1" dirty="0">
               <a:latin typeface="Arial" panose="020B0604020202020204" pitchFamily="34" charset="0"/>
               <a:cs typeface="Arial" panose="020B0604020202020204" pitchFamily="34" charset="0"/>
             </a:endParaRPr>
@@ -50672,7 +51211,7 @@
         <p:spPr>
           <a:xfrm>
             <a:off x="1205670" y="4870190"/>
-            <a:ext cx="1425390" cy="400110"/>
+            <a:ext cx="1539204" cy="400110"/>
           </a:xfrm>
           <a:prstGeom prst="rect">
             <a:avLst/>
@@ -50686,13 +51225,13 @@
           <a:lstStyle/>
           <a:p>
             <a:r>
-              <a:rPr lang="es-ES" sz="2000" dirty="0">
+              <a:rPr lang="es-ES" sz="2000" b="1" dirty="0">
                 <a:latin typeface="Arial" panose="020B0604020202020204" pitchFamily="34" charset="0"/>
                 <a:cs typeface="Arial" panose="020B0604020202020204" pitchFamily="34" charset="0"/>
               </a:rPr>
               <a:t>Corrección</a:t>
             </a:r>
-            <a:endParaRPr lang="es-US" dirty="0">
+            <a:endParaRPr lang="es-US" b="1" dirty="0">
               <a:latin typeface="Arial" panose="020B0604020202020204" pitchFamily="34" charset="0"/>
               <a:cs typeface="Arial" panose="020B0604020202020204" pitchFamily="34" charset="0"/>
             </a:endParaRPr>

--- a/Digestión anaerobía.Original.pptx
+++ b/Digestión anaerobía.Original.pptx
@@ -27515,6 +27515,18 @@
           <a:bodyPr rtlCol="0"/>
           <a:lstStyle/>
           <a:p>
+            <a:r>
+              <a:rPr lang="es-419" dirty="0"/>
+              <a:t>Este software no está diseñado para ser utilizado en instalaciones productoras de biogás. Está orientado a centros de investigación que realizan estudios sobre digestión anaerobia, donde se llevan a cabo experimentos enfocados en entender y mejorar el proceso de producción de biogás.</a:t>
+            </a:r>
+          </a:p>
+          <a:p>
+            <a:r>
+              <a:rPr lang="es-419" dirty="0"/>
+              <a:t>Para el CEEPI, este sistema será altamente beneficioso, no tanto en términos económicos, pero sí en cuanto a la optimización del tiempo y la eficiencia en la gestión de la información asociada a estos experimentos. Además, permitirá que las investigaciones sean más confiables, ya que facilitará el manejo de los datos y garantizará una mayor precisión en los resultados obtenidos</a:t>
+            </a:r>
+          </a:p>
+          <a:p>
             <a:pPr rtl="0"/>
             <a:endParaRPr lang="es-ES" dirty="0"/>
           </a:p>
@@ -28838,16 +28850,90 @@
           <a:p>
             <a:pPr rtl="0"/>
             <a:r>
-              <a:rPr lang="es-ES" dirty="0"/>
-              <a:t>Esta pensado para un centro de </a:t>
+              <a:rPr lang="es-419" b="1" dirty="0"/>
+              <a:t>Desafíos Técnicos:</a:t>
+            </a:r>
+          </a:p>
+          <a:p>
+            <a:pPr rtl="0"/>
+            <a:endParaRPr lang="es-419" dirty="0"/>
+          </a:p>
+          <a:p>
+            <a:pPr rtl="0"/>
+            <a:r>
+              <a:rPr lang="es-419" dirty="0"/>
+              <a:t>La integración de sensores en tiempo real requiere mejoras en la infraestructura actual para soportar la transmisión continua de datos. Conlleva adaptaciones a los reactores actuales, ya que estos no poseen la tecnología necesaria para realizar los experimentos. Por lo tanto, es necesario adaptarse a los nuevos sensores que se necesitan instalar, y se debe modificar el funcionamiento de los reactores para incorporarlos sin interrumpir su operación normal.</a:t>
+            </a:r>
+          </a:p>
+          <a:p>
+            <a:pPr rtl="0"/>
+            <a:endParaRPr lang="es-419" dirty="0"/>
+          </a:p>
+          <a:p>
+            <a:pPr rtl="0"/>
+            <a:r>
+              <a:rPr lang="es-419" dirty="0"/>
+              <a:t>Además, es fundamental garantizar la conectividad y encontrar sensores que puedan medir los parámetros requeridos, ya que no existen sensores que puedan medir todo lo deseado. El desafío técnico radica en encontrar esos sensores y lograr incorporarlos en los reactores que ya están en funcionamiento.</a:t>
+            </a:r>
+          </a:p>
+          <a:p>
+            <a:pPr rtl="0"/>
+            <a:endParaRPr lang="es-419" dirty="0"/>
+          </a:p>
+          <a:p>
+            <a:pPr rtl="0"/>
+            <a:r>
+              <a:rPr lang="es-419" dirty="0"/>
+              <a:t>Otro desafío es integrar las mediciones de esos sensores con el sistema actual. El sistema cuenta con una API que puede funcionar perfectamente y que se puede preparar para recibir los datos medidos por los sensores. Sin embargo, para ello es necesario un paso intermedio: una plataforma de Internet de las Cosas (</a:t>
             </a:r>
             <a:r>
-              <a:rPr lang="es-ES"/>
-              <a:t>investigación como el CEEPI </a:t>
+              <a:rPr lang="es-419" dirty="0" err="1"/>
+              <a:t>IoT</a:t>
             </a:r>
             <a:r>
+              <a:rPr lang="es-419" dirty="0"/>
+              <a:t>) que permita recolectar las mediciones de los sensores y transmitirlas a esa plataforma. Posteriormente, dicha plataforma se comunicaría con la API para procesar los datos correctamente.</a:t>
+            </a:r>
+          </a:p>
+          <a:p>
+            <a:pPr rtl="0"/>
+            <a:r>
+              <a:rPr lang="es-419" b="1" dirty="0"/>
+              <a:t>Superación de Desafíos:</a:t>
+            </a:r>
+          </a:p>
+          <a:p>
+            <a:pPr rtl="0"/>
+            <a:r>
+              <a:rPr lang="es-419" dirty="0"/>
+              <a:t>La implementación de marcos robustos para la integración de datos, el uso de almacenamiento en la nube y la utilización de técnicas de compresión de datos pueden ser clave para superar los desafíos técnicos. Además, un programa de mantenimiento regular garantizaría la confiabilidad y precisión del sistema.</a:t>
+            </a:r>
+          </a:p>
+          <a:p>
+            <a:pPr rtl="0"/>
+            <a:endParaRPr lang="es-419" dirty="0"/>
+          </a:p>
+          <a:p>
+            <a:pPr rtl="0"/>
+            <a:r>
+              <a:rPr lang="es-419" dirty="0"/>
+              <a:t>Es fundamental asegurar el uso de una plataforma de Internet de las Cosas (</a:t>
+            </a:r>
+            <a:r>
+              <a:rPr lang="es-419" dirty="0" err="1"/>
+              <a:t>IoT</a:t>
+            </a:r>
+            <a:r>
+              <a:rPr lang="es-419" dirty="0"/>
+              <a:t>) robusta que permita la recolección eficiente de los datos y garantice una buena integración con el sistema existente. Esto proporcionará una comunicación fluida entre los sensores y la API, facilitando el procesamiento y análisis de los datos.</a:t>
+            </a:r>
+            <a:endParaRPr lang="es-ES" dirty="0"/>
+          </a:p>
+          <a:p>
+            <a:pPr rtl="0"/>
+            <a:r>
               <a:rPr lang="es-ES" dirty="0"/>
-              <a:t>no para unidades productoras de </a:t>
+              <a:t>Esta pensado para un centro de investigación como el CEEPI no para unidades productoras de </a:t>
             </a:r>
             <a:r>
               <a:rPr lang="es-ES" dirty="0" err="1"/>
@@ -29195,6 +29281,49 @@
         <p:txBody>
           <a:bodyPr rtlCol="0"/>
           <a:lstStyle/>
+          <a:p>
+            <a:pPr rtl="0"/>
+            <a:r>
+              <a:rPr lang="es-419" dirty="0"/>
+              <a:t>El sistema no está diseñado para un entorno productivo, sino que está pensado para centros de investigación como el CEEPI. El impacto económico y social principal se verá reflejado en el ahorro de tiempo si se implementa el monitoreo en tiempo real. Este ahorro se refleja en varios aspectos:</a:t>
+            </a:r>
+          </a:p>
+          <a:p>
+            <a:pPr rtl="0"/>
+            <a:endParaRPr lang="es-419" dirty="0"/>
+          </a:p>
+          <a:p>
+            <a:pPr rtl="0"/>
+            <a:r>
+              <a:rPr lang="es-419" dirty="0"/>
+              <a:t>- **Ahorro de tiempo en análisis:** Los investigadores reducirán significativamente el tiempo dedicado a realizar análisis manuales.</a:t>
+            </a:r>
+          </a:p>
+          <a:p>
+            <a:pPr rtl="0"/>
+            <a:r>
+              <a:rPr lang="es-419" dirty="0"/>
+              <a:t>- **Reducción de traslados:** Al implementar monitoreo remoto, los investigadores no necesitarán desplazarse frecuentemente al centro, lo que implica un ahorro de combustible y tiempo, especialmente para aquellos que viven en municipios alejados de Sancti Spíritus.</a:t>
+            </a:r>
+          </a:p>
+          <a:p>
+            <a:pPr rtl="0"/>
+            <a:r>
+              <a:rPr lang="es-419" dirty="0"/>
+              <a:t>- **Ahorro en reactivos químicos:** Al utilizar sensores que realicen ciertas mediciones de manera automática, se evitará el uso de reactivos, que son necesarios en los experimentos químicos tradicionales. Este ahorro de recursos contribuye a un impacto económico favorable, ya que los sensores pueden realizar mediciones continuas sin necesidad de insumos adicionales.</a:t>
+            </a:r>
+          </a:p>
+          <a:p>
+            <a:pPr rtl="0"/>
+            <a:endParaRPr lang="es-419" dirty="0"/>
+          </a:p>
+          <a:p>
+            <a:pPr rtl="0"/>
+            <a:r>
+              <a:rPr lang="es-419" dirty="0"/>
+              <a:t>En resumen, la implementación de sensores y monitoreo remoto no solo ahorrará tiempo y recursos, sino que también optimizará los procesos de investigación en centros como el CEEPI.</a:t>
+            </a:r>
+          </a:p>
           <a:p>
             <a:pPr rtl="0"/>
             <a:endParaRPr lang="es-ES" dirty="0"/>
@@ -47023,8 +47152,8 @@
         </p:nvSpPr>
         <p:spPr>
           <a:xfrm>
-            <a:off x="1367590" y="2430378"/>
-            <a:ext cx="9456820" cy="3046988"/>
+            <a:off x="1038726" y="2206196"/>
+            <a:ext cx="10114547" cy="2739211"/>
           </a:xfrm>
           <a:prstGeom prst="rect">
             <a:avLst/>
@@ -47037,7 +47166,7 @@
           </a:bodyPr>
           <a:lstStyle/>
           <a:p>
-            <a:pPr marL="457200" indent="-457200">
+            <a:pPr marL="457200" indent="-457200" algn="just">
               <a:buFont typeface="+mj-lt"/>
               <a:buAutoNum type="arabicPeriod"/>
               <a:defRPr/>

--- a/Digestión anaerobía.Original.pptx
+++ b/Digestión anaerobía.Original.pptx
@@ -26988,47 +26988,6 @@
           <a:bodyPr rtlCol="0"/>
           <a:lstStyle/>
           <a:p>
-            <a:pPr>
-              <a:spcBef>
-                <a:spcPts val="0"/>
-              </a:spcBef>
-              <a:spcAft>
-                <a:spcPts val="0"/>
-              </a:spcAft>
-            </a:pPr>
-            <a:endParaRPr lang="es-US" dirty="0">
-              <a:effectLst/>
-            </a:endParaRPr>
-          </a:p>
-          <a:p>
-            <a:pPr marL="742950" marR="0" lvl="1" indent="-285750">
-              <a:lnSpc>
-                <a:spcPct val="107000"/>
-              </a:lnSpc>
-              <a:spcBef>
-                <a:spcPts val="0"/>
-              </a:spcBef>
-              <a:spcAft>
-                <a:spcPts val="800"/>
-              </a:spcAft>
-              <a:buSzPts val="1000"/>
-              <a:buFont typeface="Courier New" panose="02070309020205020404" pitchFamily="49" charset="0"/>
-              <a:buChar char="o"/>
-              <a:tabLst>
-                <a:tab pos="914400" algn="l"/>
-              </a:tabLst>
-            </a:pPr>
-            <a:r>
-              <a:rPr lang="es-US" sz="1100" kern="100" dirty="0">
-                <a:effectLst/>
-                <a:latin typeface="Calibri" panose="020F0502020204030204" pitchFamily="34" charset="0"/>
-                <a:ea typeface="Calibri" panose="020F0502020204030204" pitchFamily="34" charset="0"/>
-                <a:cs typeface="Times New Roman" panose="02020603050405020304" pitchFamily="18" charset="0"/>
-              </a:rPr>
-              <a:t>El futuro del biogás es prometedor, ya que su papel en las estrategias de energía renovable sigue creciendo a nivel mundial. La adopción de economías circulares y sistemas de energía sostenible coloca al biogás como un recurso clave para reducir la dependencia de combustibles fósiles. Las innovaciones en la producción de biogás, como la integración con otras tecnologías renovables, mejorarán su capacidad para contribuir a la transición energética.</a:t>
-            </a:r>
-          </a:p>
-          <a:p>
             <a:pPr rtl="0"/>
             <a:endParaRPr lang="es-ES" dirty="0"/>
           </a:p>
@@ -27173,6 +27132,47 @@
         <p:txBody>
           <a:bodyPr rtlCol="0"/>
           <a:lstStyle/>
+          <a:p>
+            <a:pPr>
+              <a:spcBef>
+                <a:spcPts val="0"/>
+              </a:spcBef>
+              <a:spcAft>
+                <a:spcPts val="0"/>
+              </a:spcAft>
+            </a:pPr>
+            <a:endParaRPr lang="es-US" dirty="0">
+              <a:effectLst/>
+            </a:endParaRPr>
+          </a:p>
+          <a:p>
+            <a:pPr marL="742950" marR="0" lvl="1" indent="-285750">
+              <a:lnSpc>
+                <a:spcPct val="107000"/>
+              </a:lnSpc>
+              <a:spcBef>
+                <a:spcPts val="0"/>
+              </a:spcBef>
+              <a:spcAft>
+                <a:spcPts val="800"/>
+              </a:spcAft>
+              <a:buSzPts val="1000"/>
+              <a:buFont typeface="Courier New" panose="02070309020205020404" pitchFamily="49" charset="0"/>
+              <a:buChar char="o"/>
+              <a:tabLst>
+                <a:tab pos="914400" algn="l"/>
+              </a:tabLst>
+            </a:pPr>
+            <a:r>
+              <a:rPr lang="es-US" sz="1100" kern="100" dirty="0">
+                <a:effectLst/>
+                <a:latin typeface="Calibri" panose="020F0502020204030204" pitchFamily="34" charset="0"/>
+                <a:ea typeface="Calibri" panose="020F0502020204030204" pitchFamily="34" charset="0"/>
+                <a:cs typeface="Times New Roman" panose="02020603050405020304" pitchFamily="18" charset="0"/>
+              </a:rPr>
+              <a:t>El futuro del biogás es prometedor, ya que su papel en las estrategias de energía renovable sigue creciendo a nivel mundial. La adopción de economías circulares y sistemas de energía sostenible coloca al biogás como un recurso clave para reducir la dependencia de combustibles fósiles. Las innovaciones en la producción de biogás, como la integración con otras tecnologías renovables, mejorarán su capacidad para contribuir a la transición energética.</a:t>
+            </a:r>
+          </a:p>
           <a:p>
             <a:pPr rtl="0"/>
             <a:endParaRPr lang="es-ES" dirty="0"/>
@@ -27320,58 +27320,7 @@
           <a:lstStyle/>
           <a:p>
             <a:pPr rtl="0"/>
-            <a:r>
-              <a:rPr lang="es-ES" dirty="0"/>
-              <a:t>Este software no está diseñado para el uso en instalaciones productoras de </a:t>
-            </a:r>
-            <a:r>
-              <a:rPr lang="es-ES" dirty="0" err="1"/>
-              <a:t>biogas,esta</a:t>
-            </a:r>
-            <a:r>
-              <a:rPr lang="es-ES" dirty="0"/>
-              <a:t> </a:t>
-            </a:r>
-            <a:r>
-              <a:rPr lang="es-ES" dirty="0" err="1"/>
-              <a:t>pensado`para</a:t>
-            </a:r>
-            <a:r>
-              <a:rPr lang="es-ES" dirty="0"/>
-              <a:t> el uso en </a:t>
-            </a:r>
-            <a:r>
-              <a:rPr lang="es-ES" dirty="0" err="1"/>
-              <a:t>sentros</a:t>
-            </a:r>
-            <a:r>
-              <a:rPr lang="es-ES" dirty="0"/>
-              <a:t> que realizan </a:t>
-            </a:r>
-            <a:r>
-              <a:rPr lang="es-ES" dirty="0" err="1"/>
-              <a:t>invetigacion</a:t>
-            </a:r>
-            <a:r>
-              <a:rPr lang="es-ES" dirty="0"/>
-              <a:t> de </a:t>
-            </a:r>
-            <a:r>
-              <a:rPr lang="es-ES" dirty="0" err="1"/>
-              <a:t>digestion</a:t>
-            </a:r>
-            <a:r>
-              <a:rPr lang="es-ES" dirty="0"/>
-              <a:t> anaerobia que es donde se realizan experimentos enfocados a estudiar como funciona y como mejorar la producción de </a:t>
-            </a:r>
-            <a:r>
-              <a:rPr lang="es-ES" dirty="0" err="1"/>
-              <a:t>biogas.Para</a:t>
-            </a:r>
-            <a:r>
-              <a:rPr lang="es-ES" dirty="0"/>
-              <a:t> el CEEPI va a ser muy beneficioso no tanto económicamente pero si le va a ahorrar mucho tiempo y va a facilitar mucho la gestión de la información que se maneja en estos experimentos y va a permitir que las investigaciones sean mas confiables en los resultados </a:t>
-            </a:r>
+            <a:endParaRPr lang="es-ES" dirty="0"/>
           </a:p>
         </p:txBody>
       </p:sp>
@@ -27685,52 +27634,6 @@
             </a:endParaRPr>
           </a:p>
           <a:p>
-            <a:pPr marL="742950" marR="0" lvl="1" indent="-285750">
-              <a:lnSpc>
-                <a:spcPct val="107000"/>
-              </a:lnSpc>
-              <a:spcBef>
-                <a:spcPts val="0"/>
-              </a:spcBef>
-              <a:spcAft>
-                <a:spcPts val="800"/>
-              </a:spcAft>
-              <a:buSzPts val="1000"/>
-              <a:buFont typeface="Courier New" panose="02070309020205020404" pitchFamily="49" charset="0"/>
-              <a:buChar char="o"/>
-              <a:tabLst>
-                <a:tab pos="914400" algn="l"/>
-              </a:tabLst>
-            </a:pPr>
-            <a:r>
-              <a:rPr lang="es-US" sz="1100" kern="100" dirty="0">
-                <a:effectLst/>
-                <a:latin typeface="Calibri" panose="020F0502020204030204" pitchFamily="34" charset="0"/>
-                <a:ea typeface="Calibri" panose="020F0502020204030204" pitchFamily="34" charset="0"/>
-                <a:cs typeface="Times New Roman" panose="02020603050405020304" pitchFamily="18" charset="0"/>
-              </a:rPr>
-              <a:t>La precisión y fiabilidad de los datos se garantizan mediante la implementación de </a:t>
-            </a:r>
-            <a:r>
-              <a:rPr lang="es-US" sz="1100" b="1" kern="100" dirty="0">
-                <a:effectLst/>
-                <a:latin typeface="Calibri" panose="020F0502020204030204" pitchFamily="34" charset="0"/>
-                <a:ea typeface="Calibri" panose="020F0502020204030204" pitchFamily="34" charset="0"/>
-                <a:cs typeface="Times New Roman" panose="02020603050405020304" pitchFamily="18" charset="0"/>
-              </a:rPr>
-              <a:t>mecanismos de validación en tiempo real</a:t>
-            </a:r>
-            <a:r>
-              <a:rPr lang="es-US" sz="1100" kern="100" dirty="0">
-                <a:effectLst/>
-                <a:latin typeface="Calibri" panose="020F0502020204030204" pitchFamily="34" charset="0"/>
-                <a:ea typeface="Calibri" panose="020F0502020204030204" pitchFamily="34" charset="0"/>
-                <a:cs typeface="Times New Roman" panose="02020603050405020304" pitchFamily="18" charset="0"/>
-              </a:rPr>
-              <a:t>, copias de seguridad regulares, y mecanismos de manejo de errores que identifican y corrigen inconsistencias en los datos durante la entrada y procesamiento.</a:t>
-            </a:r>
-          </a:p>
-          <a:p>
             <a:pPr rtl="0"/>
             <a:endParaRPr lang="es-ES" dirty="0"/>
           </a:p>
@@ -27875,6 +27778,52 @@
         <p:txBody>
           <a:bodyPr rtlCol="0"/>
           <a:lstStyle/>
+          <a:p>
+            <a:pPr marL="0" marR="0" lvl="0" indent="0" algn="l" defTabSz="914400" rtl="0" eaLnBrk="1" fontAlgn="auto" latinLnBrk="0" hangingPunct="1">
+              <a:lnSpc>
+                <a:spcPct val="100000"/>
+              </a:lnSpc>
+              <a:spcBef>
+                <a:spcPts val="0"/>
+              </a:spcBef>
+              <a:spcAft>
+                <a:spcPts val="0"/>
+              </a:spcAft>
+              <a:buClrTx/>
+              <a:buSzTx/>
+              <a:buFontTx/>
+              <a:buNone/>
+              <a:tabLst/>
+              <a:defRPr/>
+            </a:pPr>
+            <a:r>
+              <a:rPr lang="es-US" sz="1200" kern="100" dirty="0">
+                <a:effectLst/>
+                <a:latin typeface="Calibri" panose="020F0502020204030204" pitchFamily="34" charset="0"/>
+                <a:ea typeface="Calibri" panose="020F0502020204030204" pitchFamily="34" charset="0"/>
+                <a:cs typeface="Times New Roman" panose="02020603050405020304" pitchFamily="18" charset="0"/>
+              </a:rPr>
+              <a:t>La precisión y fiabilidad de los datos se garantizan mediante la implementación de </a:t>
+            </a:r>
+            <a:r>
+              <a:rPr lang="es-US" sz="1200" b="1" kern="100" dirty="0">
+                <a:effectLst/>
+                <a:latin typeface="Calibri" panose="020F0502020204030204" pitchFamily="34" charset="0"/>
+                <a:ea typeface="Calibri" panose="020F0502020204030204" pitchFamily="34" charset="0"/>
+                <a:cs typeface="Times New Roman" panose="02020603050405020304" pitchFamily="18" charset="0"/>
+              </a:rPr>
+              <a:t>mecanismos de validación en tiempo real</a:t>
+            </a:r>
+            <a:r>
+              <a:rPr lang="es-US" sz="1200" kern="100" dirty="0">
+                <a:effectLst/>
+                <a:latin typeface="Calibri" panose="020F0502020204030204" pitchFamily="34" charset="0"/>
+                <a:ea typeface="Calibri" panose="020F0502020204030204" pitchFamily="34" charset="0"/>
+                <a:cs typeface="Times New Roman" panose="02020603050405020304" pitchFamily="18" charset="0"/>
+              </a:rPr>
+              <a:t>, copias de seguridad regulares, y mecanismos de manejo de errores que identifican y corrigen inconsistencias en los datos durante la entrada y procesamiento.</a:t>
+            </a:r>
+          </a:p>
           <a:p>
             <a:pPr rtl="0"/>
             <a:endParaRPr lang="es-ES" dirty="0"/>
@@ -28166,346 +28115,6 @@
           <a:bodyPr rtlCol="0"/>
           <a:lstStyle/>
           <a:p>
-            <a:pPr marL="285750" indent="-285750" rtl="0">
-              <a:buFont typeface="Arial" panose="020B0604020202020204" pitchFamily="34" charset="0"/>
-              <a:buChar char="•"/>
-            </a:pPr>
-            <a:r>
-              <a:rPr lang="es-US" sz="1800" b="1" dirty="0">
-                <a:effectLst/>
-                <a:latin typeface="Calibri" panose="020F0502020204030204" pitchFamily="34" charset="0"/>
-                <a:ea typeface="Calibri" panose="020F0502020204030204" pitchFamily="34" charset="0"/>
-                <a:cs typeface="Times New Roman" panose="02020603050405020304" pitchFamily="18" charset="0"/>
-              </a:rPr>
-              <a:t>Desafíos Técnicos: </a:t>
-            </a:r>
-            <a:r>
-              <a:rPr lang="es-US" sz="1800" dirty="0">
-                <a:effectLst/>
-                <a:latin typeface="Calibri" panose="020F0502020204030204" pitchFamily="34" charset="0"/>
-                <a:ea typeface="Calibri" panose="020F0502020204030204" pitchFamily="34" charset="0"/>
-                <a:cs typeface="Times New Roman" panose="02020603050405020304" pitchFamily="18" charset="0"/>
-              </a:rPr>
-              <a:t>La integración de sensores en tiempo real requiere mejoras en la infraestructura actual para soportar la transmisión continua de datos. </a:t>
-            </a:r>
-            <a:r>
-              <a:rPr lang="es-US" sz="1800" dirty="0" err="1">
-                <a:effectLst/>
-                <a:latin typeface="Calibri" panose="020F0502020204030204" pitchFamily="34" charset="0"/>
-                <a:ea typeface="Calibri" panose="020F0502020204030204" pitchFamily="34" charset="0"/>
-                <a:cs typeface="Times New Roman" panose="02020603050405020304" pitchFamily="18" charset="0"/>
-              </a:rPr>
-              <a:t>Conyeba</a:t>
-            </a:r>
-            <a:r>
-              <a:rPr lang="es-US" sz="1800" dirty="0">
-                <a:effectLst/>
-                <a:latin typeface="Calibri" panose="020F0502020204030204" pitchFamily="34" charset="0"/>
-                <a:ea typeface="Calibri" panose="020F0502020204030204" pitchFamily="34" charset="0"/>
-                <a:cs typeface="Times New Roman" panose="02020603050405020304" pitchFamily="18" charset="0"/>
-              </a:rPr>
-              <a:t> adaptaciones a los reactores actuales a la tecnología actual que tienen para hacer los experimentos que no </a:t>
-            </a:r>
-            <a:r>
-              <a:rPr lang="es-US" sz="1800" dirty="0" err="1">
-                <a:effectLst/>
-                <a:latin typeface="Calibri" panose="020F0502020204030204" pitchFamily="34" charset="0"/>
-                <a:ea typeface="Calibri" panose="020F0502020204030204" pitchFamily="34" charset="0"/>
-                <a:cs typeface="Times New Roman" panose="02020603050405020304" pitchFamily="18" charset="0"/>
-              </a:rPr>
-              <a:t>possen</a:t>
-            </a:r>
-            <a:r>
-              <a:rPr lang="es-US" sz="1800" dirty="0">
-                <a:effectLst/>
-                <a:latin typeface="Calibri" panose="020F0502020204030204" pitchFamily="34" charset="0"/>
-                <a:ea typeface="Calibri" panose="020F0502020204030204" pitchFamily="34" charset="0"/>
-                <a:cs typeface="Times New Roman" panose="02020603050405020304" pitchFamily="18" charset="0"/>
-              </a:rPr>
-              <a:t> esos reactores por lo tanto necesitan </a:t>
-            </a:r>
-            <a:r>
-              <a:rPr lang="es-US" sz="1800" dirty="0" err="1">
-                <a:effectLst/>
-                <a:latin typeface="Calibri" panose="020F0502020204030204" pitchFamily="34" charset="0"/>
-                <a:ea typeface="Calibri" panose="020F0502020204030204" pitchFamily="34" charset="0"/>
-                <a:cs typeface="Times New Roman" panose="02020603050405020304" pitchFamily="18" charset="0"/>
-              </a:rPr>
-              <a:t>adaptarce</a:t>
-            </a:r>
-            <a:r>
-              <a:rPr lang="es-US" sz="1800" dirty="0">
-                <a:effectLst/>
-                <a:latin typeface="Calibri" panose="020F0502020204030204" pitchFamily="34" charset="0"/>
-                <a:ea typeface="Calibri" panose="020F0502020204030204" pitchFamily="34" charset="0"/>
-                <a:cs typeface="Times New Roman" panose="02020603050405020304" pitchFamily="18" charset="0"/>
-              </a:rPr>
-              <a:t> a esos nuevos sensores que se necesitan poner y hay que adaptar esos reactores para poderlo incorporar en su funcionamiento sin que interrumpan el funcionamiento normal del </a:t>
-            </a:r>
-            <a:r>
-              <a:rPr lang="es-US" sz="1800" dirty="0" err="1">
-                <a:effectLst/>
-                <a:latin typeface="Calibri" panose="020F0502020204030204" pitchFamily="34" charset="0"/>
-                <a:ea typeface="Calibri" panose="020F0502020204030204" pitchFamily="34" charset="0"/>
-                <a:cs typeface="Times New Roman" panose="02020603050405020304" pitchFamily="18" charset="0"/>
-              </a:rPr>
-              <a:t>reactor.además</a:t>
-            </a:r>
-            <a:r>
-              <a:rPr lang="es-US" sz="1800" dirty="0">
-                <a:effectLst/>
-                <a:latin typeface="Calibri" panose="020F0502020204030204" pitchFamily="34" charset="0"/>
-                <a:ea typeface="Calibri" panose="020F0502020204030204" pitchFamily="34" charset="0"/>
-                <a:cs typeface="Times New Roman" panose="02020603050405020304" pitchFamily="18" charset="0"/>
-              </a:rPr>
-              <a:t> hay que garantizar la conectividad y también hay que encontrar sensores que puedan medir los parámetros que necesitan porque no hay sensores que puedan medir lo que se </a:t>
-            </a:r>
-            <a:r>
-              <a:rPr lang="es-US" sz="1800" dirty="0" err="1">
-                <a:effectLst/>
-                <a:latin typeface="Calibri" panose="020F0502020204030204" pitchFamily="34" charset="0"/>
-                <a:ea typeface="Calibri" panose="020F0502020204030204" pitchFamily="34" charset="0"/>
-                <a:cs typeface="Times New Roman" panose="02020603050405020304" pitchFamily="18" charset="0"/>
-              </a:rPr>
-              <a:t>quisiera,entonces</a:t>
-            </a:r>
-            <a:r>
-              <a:rPr lang="es-US" sz="1800" dirty="0">
-                <a:effectLst/>
-                <a:latin typeface="Calibri" panose="020F0502020204030204" pitchFamily="34" charset="0"/>
-                <a:ea typeface="Calibri" panose="020F0502020204030204" pitchFamily="34" charset="0"/>
-                <a:cs typeface="Times New Roman" panose="02020603050405020304" pitchFamily="18" charset="0"/>
-              </a:rPr>
-              <a:t> el </a:t>
-            </a:r>
-            <a:r>
-              <a:rPr lang="es-US" sz="1800" dirty="0" err="1">
-                <a:effectLst/>
-                <a:latin typeface="Calibri" panose="020F0502020204030204" pitchFamily="34" charset="0"/>
-                <a:ea typeface="Calibri" panose="020F0502020204030204" pitchFamily="34" charset="0"/>
-                <a:cs typeface="Times New Roman" panose="02020603050405020304" pitchFamily="18" charset="0"/>
-              </a:rPr>
-              <a:t>desafio</a:t>
-            </a:r>
-            <a:r>
-              <a:rPr lang="es-US" sz="1800" dirty="0">
-                <a:effectLst/>
-                <a:latin typeface="Calibri" panose="020F0502020204030204" pitchFamily="34" charset="0"/>
-                <a:ea typeface="Calibri" panose="020F0502020204030204" pitchFamily="34" charset="0"/>
-                <a:cs typeface="Times New Roman" panose="02020603050405020304" pitchFamily="18" charset="0"/>
-              </a:rPr>
-              <a:t> técnico esta en encontrar esos sensores y en </a:t>
-            </a:r>
-            <a:r>
-              <a:rPr lang="es-US" sz="1800" dirty="0" err="1">
-                <a:effectLst/>
-                <a:latin typeface="Calibri" panose="020F0502020204030204" pitchFamily="34" charset="0"/>
-                <a:ea typeface="Calibri" panose="020F0502020204030204" pitchFamily="34" charset="0"/>
-                <a:cs typeface="Times New Roman" panose="02020603050405020304" pitchFamily="18" charset="0"/>
-              </a:rPr>
-              <a:t>poderlcelo</a:t>
-            </a:r>
-            <a:r>
-              <a:rPr lang="es-US" sz="1800" dirty="0">
-                <a:effectLst/>
-                <a:latin typeface="Calibri" panose="020F0502020204030204" pitchFamily="34" charset="0"/>
-                <a:ea typeface="Calibri" panose="020F0502020204030204" pitchFamily="34" charset="0"/>
-                <a:cs typeface="Times New Roman" panose="02020603050405020304" pitchFamily="18" charset="0"/>
-              </a:rPr>
-              <a:t> incorporar a esos reactores que ya ellos tienen </a:t>
-            </a:r>
-            <a:r>
-              <a:rPr lang="es-US" sz="1800" dirty="0" err="1">
-                <a:effectLst/>
-                <a:latin typeface="Calibri" panose="020F0502020204030204" pitchFamily="34" charset="0"/>
-                <a:ea typeface="Calibri" panose="020F0502020204030204" pitchFamily="34" charset="0"/>
-                <a:cs typeface="Times New Roman" panose="02020603050405020304" pitchFamily="18" charset="0"/>
-              </a:rPr>
-              <a:t>funcionando.El</a:t>
-            </a:r>
-            <a:r>
-              <a:rPr lang="es-US" sz="1800" dirty="0">
-                <a:effectLst/>
-                <a:latin typeface="Calibri" panose="020F0502020204030204" pitchFamily="34" charset="0"/>
-                <a:ea typeface="Calibri" panose="020F0502020204030204" pitchFamily="34" charset="0"/>
-                <a:cs typeface="Times New Roman" panose="02020603050405020304" pitchFamily="18" charset="0"/>
-              </a:rPr>
-              <a:t> otro </a:t>
-            </a:r>
-            <a:r>
-              <a:rPr lang="es-US" sz="1800" dirty="0" err="1">
-                <a:effectLst/>
-                <a:latin typeface="Calibri" panose="020F0502020204030204" pitchFamily="34" charset="0"/>
-                <a:ea typeface="Calibri" panose="020F0502020204030204" pitchFamily="34" charset="0"/>
-                <a:cs typeface="Times New Roman" panose="02020603050405020304" pitchFamily="18" charset="0"/>
-              </a:rPr>
-              <a:t>desafio</a:t>
-            </a:r>
-            <a:r>
-              <a:rPr lang="es-US" sz="1800" dirty="0">
-                <a:effectLst/>
-                <a:latin typeface="Calibri" panose="020F0502020204030204" pitchFamily="34" charset="0"/>
-                <a:ea typeface="Calibri" panose="020F0502020204030204" pitchFamily="34" charset="0"/>
-                <a:cs typeface="Times New Roman" panose="02020603050405020304" pitchFamily="18" charset="0"/>
-              </a:rPr>
-              <a:t> es integrar las mediciones de esos sensores con el sistema </a:t>
-            </a:r>
-            <a:r>
-              <a:rPr lang="es-US" sz="1800" dirty="0" err="1">
-                <a:effectLst/>
-                <a:latin typeface="Calibri" panose="020F0502020204030204" pitchFamily="34" charset="0"/>
-                <a:ea typeface="Calibri" panose="020F0502020204030204" pitchFamily="34" charset="0"/>
-                <a:cs typeface="Times New Roman" panose="02020603050405020304" pitchFamily="18" charset="0"/>
-              </a:rPr>
-              <a:t>actual,que</a:t>
-            </a:r>
-            <a:r>
-              <a:rPr lang="es-US" sz="1800" dirty="0">
-                <a:effectLst/>
-                <a:latin typeface="Calibri" panose="020F0502020204030204" pitchFamily="34" charset="0"/>
-                <a:ea typeface="Calibri" panose="020F0502020204030204" pitchFamily="34" charset="0"/>
-                <a:cs typeface="Times New Roman" panose="02020603050405020304" pitchFamily="18" charset="0"/>
-              </a:rPr>
-              <a:t> el sistema actual tiene una api que puede perfectamente funcionar y que se puede preparar para que </a:t>
-            </a:r>
-            <a:r>
-              <a:rPr lang="es-US" sz="1800" dirty="0" err="1">
-                <a:effectLst/>
-                <a:latin typeface="Calibri" panose="020F0502020204030204" pitchFamily="34" charset="0"/>
-                <a:ea typeface="Calibri" panose="020F0502020204030204" pitchFamily="34" charset="0"/>
-                <a:cs typeface="Times New Roman" panose="02020603050405020304" pitchFamily="18" charset="0"/>
-              </a:rPr>
-              <a:t>resiva</a:t>
-            </a:r>
-            <a:r>
-              <a:rPr lang="es-US" sz="1800" dirty="0">
-                <a:effectLst/>
-                <a:latin typeface="Calibri" panose="020F0502020204030204" pitchFamily="34" charset="0"/>
-                <a:ea typeface="Calibri" panose="020F0502020204030204" pitchFamily="34" charset="0"/>
-                <a:cs typeface="Times New Roman" panose="02020603050405020304" pitchFamily="18" charset="0"/>
-              </a:rPr>
-              <a:t> los datos que son medidos por los sensores pero para eso es necesario un paso intermedio que puede ser una plataforma de internet de las cosas que te permita recolectar la medición de esos sensores y que sea transmitida a esa plataforma la cual posteriormente entonces seria la que se </a:t>
-            </a:r>
-            <a:r>
-              <a:rPr lang="es-US" sz="1800" dirty="0" err="1">
-                <a:effectLst/>
-                <a:latin typeface="Calibri" panose="020F0502020204030204" pitchFamily="34" charset="0"/>
-                <a:ea typeface="Calibri" panose="020F0502020204030204" pitchFamily="34" charset="0"/>
-                <a:cs typeface="Times New Roman" panose="02020603050405020304" pitchFamily="18" charset="0"/>
-              </a:rPr>
-              <a:t>comunicaria</a:t>
-            </a:r>
-            <a:r>
-              <a:rPr lang="es-US" sz="1800" dirty="0">
-                <a:effectLst/>
-                <a:latin typeface="Calibri" panose="020F0502020204030204" pitchFamily="34" charset="0"/>
-                <a:ea typeface="Calibri" panose="020F0502020204030204" pitchFamily="34" charset="0"/>
-                <a:cs typeface="Times New Roman" panose="02020603050405020304" pitchFamily="18" charset="0"/>
-              </a:rPr>
-              <a:t> con la api para procesar el esos datos correctamente.</a:t>
-            </a:r>
-          </a:p>
-          <a:p>
-            <a:pPr>
-              <a:spcBef>
-                <a:spcPts val="0"/>
-              </a:spcBef>
-              <a:spcAft>
-                <a:spcPts val="0"/>
-              </a:spcAft>
-            </a:pPr>
-            <a:endParaRPr lang="es-US" dirty="0">
-              <a:effectLst/>
-            </a:endParaRPr>
-          </a:p>
-          <a:p>
-            <a:pPr marL="742950" marR="0" lvl="1" indent="-285750">
-              <a:lnSpc>
-                <a:spcPct val="107000"/>
-              </a:lnSpc>
-              <a:spcBef>
-                <a:spcPts val="0"/>
-              </a:spcBef>
-              <a:spcAft>
-                <a:spcPts val="800"/>
-              </a:spcAft>
-              <a:buSzPts val="1000"/>
-              <a:buFont typeface="Courier New" panose="02070309020205020404" pitchFamily="49" charset="0"/>
-              <a:buChar char="o"/>
-              <a:tabLst>
-                <a:tab pos="914400" algn="l"/>
-              </a:tabLst>
-            </a:pPr>
-            <a:r>
-              <a:rPr lang="es-US" sz="1100" b="1" kern="100" dirty="0">
-                <a:effectLst/>
-                <a:latin typeface="Calibri" panose="020F0502020204030204" pitchFamily="34" charset="0"/>
-                <a:ea typeface="Calibri" panose="020F0502020204030204" pitchFamily="34" charset="0"/>
-                <a:cs typeface="Times New Roman" panose="02020603050405020304" pitchFamily="18" charset="0"/>
-              </a:rPr>
-              <a:t>Desafíos Logísticos</a:t>
-            </a:r>
-            <a:r>
-              <a:rPr lang="es-US" sz="1100" kern="100" dirty="0">
-                <a:effectLst/>
-                <a:latin typeface="Calibri" panose="020F0502020204030204" pitchFamily="34" charset="0"/>
-                <a:ea typeface="Calibri" panose="020F0502020204030204" pitchFamily="34" charset="0"/>
-                <a:cs typeface="Times New Roman" panose="02020603050405020304" pitchFamily="18" charset="0"/>
-              </a:rPr>
-              <a:t>: El mantenimiento de sensores en tiempo real requiere monitoreo constante, calibración y reemplazos ocasionales, lo cual incrementa los costos operativos. También puede ser necesario un mayor almacenamiento y ancho de banda para manejar los volúmenes de datos.</a:t>
-            </a:r>
-          </a:p>
-          <a:p>
-            <a:pPr>
-              <a:spcBef>
-                <a:spcPts val="0"/>
-              </a:spcBef>
-              <a:spcAft>
-                <a:spcPts val="0"/>
-              </a:spcAft>
-            </a:pPr>
-            <a:endParaRPr lang="es-US" dirty="0">
-              <a:effectLst/>
-            </a:endParaRPr>
-          </a:p>
-          <a:p>
-            <a:pPr marL="742950" marR="0" lvl="1" indent="-285750">
-              <a:lnSpc>
-                <a:spcPct val="107000"/>
-              </a:lnSpc>
-              <a:spcBef>
-                <a:spcPts val="0"/>
-              </a:spcBef>
-              <a:spcAft>
-                <a:spcPts val="800"/>
-              </a:spcAft>
-              <a:buSzPts val="1000"/>
-              <a:buFont typeface="Courier New" panose="02070309020205020404" pitchFamily="49" charset="0"/>
-              <a:buChar char="o"/>
-              <a:tabLst>
-                <a:tab pos="914400" algn="l"/>
-              </a:tabLst>
-            </a:pPr>
-            <a:r>
-              <a:rPr lang="es-US" sz="1100" b="1" kern="100" dirty="0">
-                <a:effectLst/>
-                <a:latin typeface="Calibri" panose="020F0502020204030204" pitchFamily="34" charset="0"/>
-                <a:ea typeface="Calibri" panose="020F0502020204030204" pitchFamily="34" charset="0"/>
-                <a:cs typeface="Times New Roman" panose="02020603050405020304" pitchFamily="18" charset="0"/>
-              </a:rPr>
-              <a:t>Superación de Desafíos</a:t>
-            </a:r>
-            <a:r>
-              <a:rPr lang="es-US" sz="1100" kern="100" dirty="0">
-                <a:effectLst/>
-                <a:latin typeface="Calibri" panose="020F0502020204030204" pitchFamily="34" charset="0"/>
-                <a:ea typeface="Calibri" panose="020F0502020204030204" pitchFamily="34" charset="0"/>
-                <a:cs typeface="Times New Roman" panose="02020603050405020304" pitchFamily="18" charset="0"/>
-              </a:rPr>
-              <a:t>: La implementación de marcos robustos para la integración de datos, el uso de almacenamiento en la nube, y la utilización de técnicas de compresión de datos pueden ayudar a superar estos desafíos. Además, un programa de mantenimiento regular garantizaría la confiabilidad y precisión del sistema. Garantizar el uso de una plataforma de internet de las cosas robusta que permita la recolección de los datos y una buena integración con el sistema existente.</a:t>
-            </a:r>
-          </a:p>
-          <a:p>
             <a:pPr rtl="0"/>
             <a:endParaRPr lang="es-ES" dirty="0"/>
           </a:p>
@@ -28853,9 +28462,6 @@
               <a:rPr lang="es-419" b="1" dirty="0"/>
               <a:t>Desafíos Técnicos:</a:t>
             </a:r>
-          </a:p>
-          <a:p>
-            <a:pPr rtl="0"/>
             <a:endParaRPr lang="es-419" dirty="0"/>
           </a:p>
           <a:p>
@@ -28896,6 +28502,47 @@
             </a:r>
           </a:p>
           <a:p>
+            <a:pPr marL="0" marR="0" lvl="0" indent="0" algn="l" defTabSz="914400" rtl="0" eaLnBrk="1" fontAlgn="auto" latinLnBrk="0" hangingPunct="1">
+              <a:lnSpc>
+                <a:spcPct val="100000"/>
+              </a:lnSpc>
+              <a:spcBef>
+                <a:spcPts val="0"/>
+              </a:spcBef>
+              <a:spcAft>
+                <a:spcPts val="0"/>
+              </a:spcAft>
+              <a:buClrTx/>
+              <a:buSzTx/>
+              <a:buFontTx/>
+              <a:buNone/>
+              <a:tabLst/>
+              <a:defRPr/>
+            </a:pPr>
+            <a:r>
+              <a:rPr lang="es-US" sz="1200" b="1" kern="100" dirty="0">
+                <a:effectLst/>
+                <a:latin typeface="Calibri" panose="020F0502020204030204" pitchFamily="34" charset="0"/>
+                <a:ea typeface="Calibri" panose="020F0502020204030204" pitchFamily="34" charset="0"/>
+                <a:cs typeface="Times New Roman" panose="02020603050405020304" pitchFamily="18" charset="0"/>
+              </a:rPr>
+              <a:t>Desafíos Logísticos</a:t>
+            </a:r>
+            <a:r>
+              <a:rPr lang="es-US" sz="1200" kern="100" dirty="0">
+                <a:effectLst/>
+                <a:latin typeface="Calibri" panose="020F0502020204030204" pitchFamily="34" charset="0"/>
+                <a:ea typeface="Calibri" panose="020F0502020204030204" pitchFamily="34" charset="0"/>
+                <a:cs typeface="Times New Roman" panose="02020603050405020304" pitchFamily="18" charset="0"/>
+              </a:rPr>
+              <a:t>: El mantenimiento de sensores en tiempo real requiere monitoreo constante, calibración y reemplazos ocasionales, lo cual incrementa los costos operativos. También puede ser necesario un mayor almacenamiento y ancho de banda para manejar los volúmenes de datos.</a:t>
+            </a:r>
+          </a:p>
+          <a:p>
+            <a:pPr rtl="0"/>
+            <a:endParaRPr lang="es-419" dirty="0"/>
+          </a:p>
+          <a:p>
             <a:pPr rtl="0"/>
             <a:r>
               <a:rPr lang="es-419" b="1" dirty="0"/>
@@ -28928,21 +28575,6 @@
               <a:t>) robusta que permita la recolección eficiente de los datos y garantice una buena integración con el sistema existente. Esto proporcionará una comunicación fluida entre los sensores y la API, facilitando el procesamiento y análisis de los datos.</a:t>
             </a:r>
             <a:endParaRPr lang="es-ES" dirty="0"/>
-          </a:p>
-          <a:p>
-            <a:pPr rtl="0"/>
-            <a:r>
-              <a:rPr lang="es-ES" dirty="0"/>
-              <a:t>Esta pensado para un centro de investigación como el CEEPI no para unidades productoras de </a:t>
-            </a:r>
-            <a:r>
-              <a:rPr lang="es-ES" dirty="0" err="1"/>
-              <a:t>biogas</a:t>
-            </a:r>
-            <a:r>
-              <a:rPr lang="es-ES" dirty="0"/>
-              <a:t> </a:t>
-            </a:r>
           </a:p>
         </p:txBody>
       </p:sp>

--- a/Digestión anaerobía.Original.pptx
+++ b/Digestión anaerobía.Original.pptx
@@ -5,10 +5,10 @@
     <p:sldMasterId id="2147483648" r:id="rId1"/>
   </p:sldMasterIdLst>
   <p:notesMasterIdLst>
-    <p:notesMasterId r:id="rId73"/>
+    <p:notesMasterId r:id="rId75"/>
   </p:notesMasterIdLst>
   <p:handoutMasterIdLst>
-    <p:handoutMasterId r:id="rId74"/>
+    <p:handoutMasterId r:id="rId76"/>
   </p:handoutMasterIdLst>
   <p:sldIdLst>
     <p:sldId id="256" r:id="rId2"/>
@@ -74,14 +74,16 @@
     <p:sldId id="355" r:id="rId62"/>
     <p:sldId id="357" r:id="rId63"/>
     <p:sldId id="356" r:id="rId64"/>
-    <p:sldId id="358" r:id="rId65"/>
-    <p:sldId id="359" r:id="rId66"/>
-    <p:sldId id="347" r:id="rId67"/>
-    <p:sldId id="348" r:id="rId68"/>
-    <p:sldId id="345" r:id="rId69"/>
-    <p:sldId id="349" r:id="rId70"/>
-    <p:sldId id="346" r:id="rId71"/>
-    <p:sldId id="350" r:id="rId72"/>
+    <p:sldId id="360" r:id="rId65"/>
+    <p:sldId id="362" r:id="rId66"/>
+    <p:sldId id="358" r:id="rId67"/>
+    <p:sldId id="359" r:id="rId68"/>
+    <p:sldId id="347" r:id="rId69"/>
+    <p:sldId id="348" r:id="rId70"/>
+    <p:sldId id="345" r:id="rId71"/>
+    <p:sldId id="349" r:id="rId72"/>
+    <p:sldId id="346" r:id="rId73"/>
+    <p:sldId id="350" r:id="rId74"/>
   </p:sldIdLst>
   <p:sldSz cx="12192000" cy="6858000"/>
   <p:notesSz cx="6858000" cy="9144000"/>
@@ -2439,6 +2441,1500 @@
 </file>
 
 <file path=ppt/diagrams/colors4.xml><?xml version="1.0" encoding="utf-8"?>
+<dgm:colorsDef xmlns:dgm="http://schemas.openxmlformats.org/drawingml/2006/diagram" xmlns:a="http://schemas.openxmlformats.org/drawingml/2006/main" uniqueId="urn:microsoft.com/office/officeart/2005/8/colors/accent1_2">
+  <dgm:title val=""/>
+  <dgm:desc val=""/>
+  <dgm:catLst>
+    <dgm:cat type="accent1" pri="11200"/>
+  </dgm:catLst>
+  <dgm:styleLbl name="node0">
+    <dgm:fillClrLst meth="repeat">
+      <a:schemeClr val="accent1"/>
+    </dgm:fillClrLst>
+    <dgm:linClrLst meth="repeat">
+      <a:schemeClr val="lt1"/>
+    </dgm:linClrLst>
+    <dgm:effectClrLst/>
+    <dgm:txLinClrLst/>
+    <dgm:txFillClrLst/>
+    <dgm:txEffectClrLst/>
+  </dgm:styleLbl>
+  <dgm:styleLbl name="alignNode1">
+    <dgm:fillClrLst meth="repeat">
+      <a:schemeClr val="accent1"/>
+    </dgm:fillClrLst>
+    <dgm:linClrLst meth="repeat">
+      <a:schemeClr val="accent1"/>
+    </dgm:linClrLst>
+    <dgm:effectClrLst/>
+    <dgm:txLinClrLst/>
+    <dgm:txFillClrLst/>
+    <dgm:txEffectClrLst/>
+  </dgm:styleLbl>
+  <dgm:styleLbl name="node1">
+    <dgm:fillClrLst meth="repeat">
+      <a:schemeClr val="accent1"/>
+    </dgm:fillClrLst>
+    <dgm:linClrLst meth="repeat">
+      <a:schemeClr val="lt1"/>
+    </dgm:linClrLst>
+    <dgm:effectClrLst/>
+    <dgm:txLinClrLst/>
+    <dgm:txFillClrLst/>
+    <dgm:txEffectClrLst/>
+  </dgm:styleLbl>
+  <dgm:styleLbl name="lnNode1">
+    <dgm:fillClrLst meth="repeat">
+      <a:schemeClr val="accent1"/>
+    </dgm:fillClrLst>
+    <dgm:linClrLst meth="repeat">
+      <a:schemeClr val="lt1"/>
+    </dgm:linClrLst>
+    <dgm:effectClrLst/>
+    <dgm:txLinClrLst/>
+    <dgm:txFillClrLst/>
+    <dgm:txEffectClrLst/>
+  </dgm:styleLbl>
+  <dgm:styleLbl name="vennNode1">
+    <dgm:fillClrLst meth="repeat">
+      <a:schemeClr val="accent1">
+        <a:alpha val="50000"/>
+      </a:schemeClr>
+    </dgm:fillClrLst>
+    <dgm:linClrLst meth="repeat">
+      <a:schemeClr val="lt1"/>
+    </dgm:linClrLst>
+    <dgm:effectClrLst/>
+    <dgm:txLinClrLst/>
+    <dgm:txFillClrLst/>
+    <dgm:txEffectClrLst/>
+  </dgm:styleLbl>
+  <dgm:styleLbl name="node2">
+    <dgm:fillClrLst meth="repeat">
+      <a:schemeClr val="accent1"/>
+    </dgm:fillClrLst>
+    <dgm:linClrLst meth="repeat">
+      <a:schemeClr val="lt1"/>
+    </dgm:linClrLst>
+    <dgm:effectClrLst/>
+    <dgm:txLinClrLst/>
+    <dgm:txFillClrLst/>
+    <dgm:txEffectClrLst/>
+  </dgm:styleLbl>
+  <dgm:styleLbl name="node3">
+    <dgm:fillClrLst meth="repeat">
+      <a:schemeClr val="accent1"/>
+    </dgm:fillClrLst>
+    <dgm:linClrLst meth="repeat">
+      <a:schemeClr val="lt1"/>
+    </dgm:linClrLst>
+    <dgm:effectClrLst/>
+    <dgm:txLinClrLst/>
+    <dgm:txFillClrLst/>
+    <dgm:txEffectClrLst/>
+  </dgm:styleLbl>
+  <dgm:styleLbl name="node4">
+    <dgm:fillClrLst meth="repeat">
+      <a:schemeClr val="accent1"/>
+    </dgm:fillClrLst>
+    <dgm:linClrLst meth="repeat">
+      <a:schemeClr val="lt1"/>
+    </dgm:linClrLst>
+    <dgm:effectClrLst/>
+    <dgm:txLinClrLst/>
+    <dgm:txFillClrLst/>
+    <dgm:txEffectClrLst/>
+  </dgm:styleLbl>
+  <dgm:styleLbl name="fgImgPlace1">
+    <dgm:fillClrLst meth="repeat">
+      <a:schemeClr val="accent1">
+        <a:tint val="50000"/>
+      </a:schemeClr>
+    </dgm:fillClrLst>
+    <dgm:linClrLst meth="repeat">
+      <a:schemeClr val="lt1"/>
+    </dgm:linClrLst>
+    <dgm:effectClrLst/>
+    <dgm:txLinClrLst/>
+    <dgm:txFillClrLst meth="repeat">
+      <a:schemeClr val="lt1"/>
+    </dgm:txFillClrLst>
+    <dgm:txEffectClrLst/>
+  </dgm:styleLbl>
+  <dgm:styleLbl name="alignImgPlace1">
+    <dgm:fillClrLst meth="repeat">
+      <a:schemeClr val="accent1">
+        <a:tint val="50000"/>
+      </a:schemeClr>
+    </dgm:fillClrLst>
+    <dgm:linClrLst meth="repeat">
+      <a:schemeClr val="lt1"/>
+    </dgm:linClrLst>
+    <dgm:effectClrLst/>
+    <dgm:txLinClrLst/>
+    <dgm:txFillClrLst meth="repeat">
+      <a:schemeClr val="lt1"/>
+    </dgm:txFillClrLst>
+    <dgm:txEffectClrLst/>
+  </dgm:styleLbl>
+  <dgm:styleLbl name="bgImgPlace1">
+    <dgm:fillClrLst meth="repeat">
+      <a:schemeClr val="accent1">
+        <a:tint val="50000"/>
+      </a:schemeClr>
+    </dgm:fillClrLst>
+    <dgm:linClrLst meth="repeat">
+      <a:schemeClr val="lt1"/>
+    </dgm:linClrLst>
+    <dgm:effectClrLst/>
+    <dgm:txLinClrLst/>
+    <dgm:txFillClrLst meth="repeat">
+      <a:schemeClr val="lt1"/>
+    </dgm:txFillClrLst>
+    <dgm:txEffectClrLst/>
+  </dgm:styleLbl>
+  <dgm:styleLbl name="sibTrans2D1">
+    <dgm:fillClrLst meth="repeat">
+      <a:schemeClr val="accent1">
+        <a:tint val="60000"/>
+      </a:schemeClr>
+    </dgm:fillClrLst>
+    <dgm:linClrLst meth="repeat">
+      <a:schemeClr val="accent1">
+        <a:tint val="60000"/>
+      </a:schemeClr>
+    </dgm:linClrLst>
+    <dgm:effectClrLst/>
+    <dgm:txLinClrLst/>
+    <dgm:txFillClrLst/>
+    <dgm:txEffectClrLst/>
+  </dgm:styleLbl>
+  <dgm:styleLbl name="fgSibTrans2D1">
+    <dgm:fillClrLst meth="repeat">
+      <a:schemeClr val="accent1">
+        <a:tint val="60000"/>
+      </a:schemeClr>
+    </dgm:fillClrLst>
+    <dgm:linClrLst meth="repeat">
+      <a:schemeClr val="accent1">
+        <a:tint val="60000"/>
+      </a:schemeClr>
+    </dgm:linClrLst>
+    <dgm:effectClrLst/>
+    <dgm:txLinClrLst/>
+    <dgm:txFillClrLst/>
+    <dgm:txEffectClrLst/>
+  </dgm:styleLbl>
+  <dgm:styleLbl name="bgSibTrans2D1">
+    <dgm:fillClrLst meth="repeat">
+      <a:schemeClr val="accent1">
+        <a:tint val="60000"/>
+      </a:schemeClr>
+    </dgm:fillClrLst>
+    <dgm:linClrLst meth="repeat">
+      <a:schemeClr val="accent1">
+        <a:tint val="60000"/>
+      </a:schemeClr>
+    </dgm:linClrLst>
+    <dgm:effectClrLst/>
+    <dgm:txLinClrLst/>
+    <dgm:txFillClrLst/>
+    <dgm:txEffectClrLst/>
+  </dgm:styleLbl>
+  <dgm:styleLbl name="sibTrans1D1">
+    <dgm:fillClrLst meth="repeat">
+      <a:schemeClr val="accent1"/>
+    </dgm:fillClrLst>
+    <dgm:linClrLst meth="repeat">
+      <a:schemeClr val="accent1"/>
+    </dgm:linClrLst>
+    <dgm:effectClrLst/>
+    <dgm:txLinClrLst/>
+    <dgm:txFillClrLst meth="repeat">
+      <a:schemeClr val="tx1"/>
+    </dgm:txFillClrLst>
+    <dgm:txEffectClrLst/>
+  </dgm:styleLbl>
+  <dgm:styleLbl name="callout">
+    <dgm:fillClrLst meth="repeat">
+      <a:schemeClr val="accent1"/>
+    </dgm:fillClrLst>
+    <dgm:linClrLst meth="repeat">
+      <a:schemeClr val="accent1">
+        <a:tint val="50000"/>
+      </a:schemeClr>
+    </dgm:linClrLst>
+    <dgm:effectClrLst/>
+    <dgm:txLinClrLst/>
+    <dgm:txFillClrLst meth="repeat">
+      <a:schemeClr val="tx1"/>
+    </dgm:txFillClrLst>
+    <dgm:txEffectClrLst/>
+  </dgm:styleLbl>
+  <dgm:styleLbl name="asst0">
+    <dgm:fillClrLst meth="repeat">
+      <a:schemeClr val="accent1"/>
+    </dgm:fillClrLst>
+    <dgm:linClrLst meth="repeat">
+      <a:schemeClr val="lt1"/>
+    </dgm:linClrLst>
+    <dgm:effectClrLst/>
+    <dgm:txLinClrLst/>
+    <dgm:txFillClrLst/>
+    <dgm:txEffectClrLst/>
+  </dgm:styleLbl>
+  <dgm:styleLbl name="asst1">
+    <dgm:fillClrLst meth="repeat">
+      <a:schemeClr val="accent1"/>
+    </dgm:fillClrLst>
+    <dgm:linClrLst meth="repeat">
+      <a:schemeClr val="lt1"/>
+    </dgm:linClrLst>
+    <dgm:effectClrLst/>
+    <dgm:txLinClrLst/>
+    <dgm:txFillClrLst/>
+    <dgm:txEffectClrLst/>
+  </dgm:styleLbl>
+  <dgm:styleLbl name="asst2">
+    <dgm:fillClrLst meth="repeat">
+      <a:schemeClr val="accent1"/>
+    </dgm:fillClrLst>
+    <dgm:linClrLst meth="repeat">
+      <a:schemeClr val="lt1"/>
+    </dgm:linClrLst>
+    <dgm:effectClrLst/>
+    <dgm:txLinClrLst/>
+    <dgm:txFillClrLst/>
+    <dgm:txEffectClrLst/>
+  </dgm:styleLbl>
+  <dgm:styleLbl name="asst3">
+    <dgm:fillClrLst meth="repeat">
+      <a:schemeClr val="accent1"/>
+    </dgm:fillClrLst>
+    <dgm:linClrLst meth="repeat">
+      <a:schemeClr val="lt1"/>
+    </dgm:linClrLst>
+    <dgm:effectClrLst/>
+    <dgm:txLinClrLst/>
+    <dgm:txFillClrLst/>
+    <dgm:txEffectClrLst/>
+  </dgm:styleLbl>
+  <dgm:styleLbl name="asst4">
+    <dgm:fillClrLst meth="repeat">
+      <a:schemeClr val="accent1"/>
+    </dgm:fillClrLst>
+    <dgm:linClrLst meth="repeat">
+      <a:schemeClr val="lt1"/>
+    </dgm:linClrLst>
+    <dgm:effectClrLst/>
+    <dgm:txLinClrLst/>
+    <dgm:txFillClrLst/>
+    <dgm:txEffectClrLst/>
+  </dgm:styleLbl>
+  <dgm:styleLbl name="parChTrans2D1">
+    <dgm:fillClrLst meth="repeat">
+      <a:schemeClr val="accent1">
+        <a:tint val="60000"/>
+      </a:schemeClr>
+    </dgm:fillClrLst>
+    <dgm:linClrLst meth="repeat">
+      <a:schemeClr val="accent1">
+        <a:tint val="60000"/>
+      </a:schemeClr>
+    </dgm:linClrLst>
+    <dgm:effectClrLst/>
+    <dgm:txLinClrLst/>
+    <dgm:txFillClrLst meth="repeat">
+      <a:schemeClr val="lt1"/>
+    </dgm:txFillClrLst>
+    <dgm:txEffectClrLst/>
+  </dgm:styleLbl>
+  <dgm:styleLbl name="parChTrans2D2">
+    <dgm:fillClrLst meth="repeat">
+      <a:schemeClr val="accent1"/>
+    </dgm:fillClrLst>
+    <dgm:linClrLst meth="repeat">
+      <a:schemeClr val="accent1"/>
+    </dgm:linClrLst>
+    <dgm:effectClrLst/>
+    <dgm:txLinClrLst/>
+    <dgm:txFillClrLst meth="repeat">
+      <a:schemeClr val="lt1"/>
+    </dgm:txFillClrLst>
+    <dgm:txEffectClrLst/>
+  </dgm:styleLbl>
+  <dgm:styleLbl name="parChTrans2D3">
+    <dgm:fillClrLst meth="repeat">
+      <a:schemeClr val="accent1"/>
+    </dgm:fillClrLst>
+    <dgm:linClrLst meth="repeat">
+      <a:schemeClr val="accent1"/>
+    </dgm:linClrLst>
+    <dgm:effectClrLst/>
+    <dgm:txLinClrLst/>
+    <dgm:txFillClrLst meth="repeat">
+      <a:schemeClr val="lt1"/>
+    </dgm:txFillClrLst>
+    <dgm:txEffectClrLst/>
+  </dgm:styleLbl>
+  <dgm:styleLbl name="parChTrans2D4">
+    <dgm:fillClrLst meth="repeat">
+      <a:schemeClr val="accent1"/>
+    </dgm:fillClrLst>
+    <dgm:linClrLst meth="repeat">
+      <a:schemeClr val="accent1"/>
+    </dgm:linClrLst>
+    <dgm:effectClrLst/>
+    <dgm:txLinClrLst/>
+    <dgm:txFillClrLst meth="repeat">
+      <a:schemeClr val="lt1"/>
+    </dgm:txFillClrLst>
+    <dgm:txEffectClrLst/>
+  </dgm:styleLbl>
+  <dgm:styleLbl name="parChTrans1D1">
+    <dgm:fillClrLst meth="repeat">
+      <a:schemeClr val="accent1"/>
+    </dgm:fillClrLst>
+    <dgm:linClrLst meth="repeat">
+      <a:schemeClr val="accent1">
+        <a:shade val="60000"/>
+      </a:schemeClr>
+    </dgm:linClrLst>
+    <dgm:effectClrLst/>
+    <dgm:txLinClrLst/>
+    <dgm:txFillClrLst meth="repeat">
+      <a:schemeClr val="tx1"/>
+    </dgm:txFillClrLst>
+    <dgm:txEffectClrLst/>
+  </dgm:styleLbl>
+  <dgm:styleLbl name="parChTrans1D2">
+    <dgm:fillClrLst meth="repeat">
+      <a:schemeClr val="accent1"/>
+    </dgm:fillClrLst>
+    <dgm:linClrLst meth="repeat">
+      <a:schemeClr val="accent1">
+        <a:shade val="60000"/>
+      </a:schemeClr>
+    </dgm:linClrLst>
+    <dgm:effectClrLst/>
+    <dgm:txLinClrLst/>
+    <dgm:txFillClrLst meth="repeat">
+      <a:schemeClr val="tx1"/>
+    </dgm:txFillClrLst>
+    <dgm:txEffectClrLst/>
+  </dgm:styleLbl>
+  <dgm:styleLbl name="parChTrans1D3">
+    <dgm:fillClrLst meth="repeat">
+      <a:schemeClr val="accent1"/>
+    </dgm:fillClrLst>
+    <dgm:linClrLst meth="repeat">
+      <a:schemeClr val="accent1">
+        <a:shade val="80000"/>
+      </a:schemeClr>
+    </dgm:linClrLst>
+    <dgm:effectClrLst/>
+    <dgm:txLinClrLst/>
+    <dgm:txFillClrLst meth="repeat">
+      <a:schemeClr val="tx1"/>
+    </dgm:txFillClrLst>
+    <dgm:txEffectClrLst/>
+  </dgm:styleLbl>
+  <dgm:styleLbl name="parChTrans1D4">
+    <dgm:fillClrLst meth="repeat">
+      <a:schemeClr val="accent1"/>
+    </dgm:fillClrLst>
+    <dgm:linClrLst meth="repeat">
+      <a:schemeClr val="accent1">
+        <a:shade val="80000"/>
+      </a:schemeClr>
+    </dgm:linClrLst>
+    <dgm:effectClrLst/>
+    <dgm:txLinClrLst/>
+    <dgm:txFillClrLst meth="repeat">
+      <a:schemeClr val="tx1"/>
+    </dgm:txFillClrLst>
+    <dgm:txEffectClrLst/>
+  </dgm:styleLbl>
+  <dgm:styleLbl name="fgAcc1">
+    <dgm:fillClrLst meth="repeat">
+      <a:schemeClr val="lt1">
+        <a:alpha val="90000"/>
+      </a:schemeClr>
+    </dgm:fillClrLst>
+    <dgm:linClrLst meth="repeat">
+      <a:schemeClr val="accent1"/>
+    </dgm:linClrLst>
+    <dgm:effectClrLst/>
+    <dgm:txLinClrLst/>
+    <dgm:txFillClrLst meth="repeat">
+      <a:schemeClr val="dk1"/>
+    </dgm:txFillClrLst>
+    <dgm:txEffectClrLst/>
+  </dgm:styleLbl>
+  <dgm:styleLbl name="conFgAcc1">
+    <dgm:fillClrLst meth="repeat">
+      <a:schemeClr val="lt1">
+        <a:alpha val="90000"/>
+      </a:schemeClr>
+    </dgm:fillClrLst>
+    <dgm:linClrLst meth="repeat">
+      <a:schemeClr val="accent1"/>
+    </dgm:linClrLst>
+    <dgm:effectClrLst/>
+    <dgm:txLinClrLst/>
+    <dgm:txFillClrLst meth="repeat">
+      <a:schemeClr val="dk1"/>
+    </dgm:txFillClrLst>
+    <dgm:txEffectClrLst/>
+  </dgm:styleLbl>
+  <dgm:styleLbl name="alignAcc1">
+    <dgm:fillClrLst meth="repeat">
+      <a:schemeClr val="lt1">
+        <a:alpha val="90000"/>
+      </a:schemeClr>
+    </dgm:fillClrLst>
+    <dgm:linClrLst meth="repeat">
+      <a:schemeClr val="accent1"/>
+    </dgm:linClrLst>
+    <dgm:effectClrLst/>
+    <dgm:txLinClrLst/>
+    <dgm:txFillClrLst meth="repeat">
+      <a:schemeClr val="dk1"/>
+    </dgm:txFillClrLst>
+    <dgm:txEffectClrLst/>
+  </dgm:styleLbl>
+  <dgm:styleLbl name="trAlignAcc1">
+    <dgm:fillClrLst meth="repeat">
+      <a:schemeClr val="lt1">
+        <a:alpha val="40000"/>
+      </a:schemeClr>
+    </dgm:fillClrLst>
+    <dgm:linClrLst meth="repeat">
+      <a:schemeClr val="accent1"/>
+    </dgm:linClrLst>
+    <dgm:effectClrLst/>
+    <dgm:txLinClrLst/>
+    <dgm:txFillClrLst meth="repeat">
+      <a:schemeClr val="dk1"/>
+    </dgm:txFillClrLst>
+    <dgm:txEffectClrLst/>
+  </dgm:styleLbl>
+  <dgm:styleLbl name="bgAcc1">
+    <dgm:fillClrLst meth="repeat">
+      <a:schemeClr val="lt1">
+        <a:alpha val="90000"/>
+      </a:schemeClr>
+    </dgm:fillClrLst>
+    <dgm:linClrLst meth="repeat">
+      <a:schemeClr val="accent1"/>
+    </dgm:linClrLst>
+    <dgm:effectClrLst/>
+    <dgm:txLinClrLst/>
+    <dgm:txFillClrLst meth="repeat">
+      <a:schemeClr val="dk1"/>
+    </dgm:txFillClrLst>
+    <dgm:txEffectClrLst/>
+  </dgm:styleLbl>
+  <dgm:styleLbl name="solidFgAcc1">
+    <dgm:fillClrLst meth="repeat">
+      <a:schemeClr val="lt1"/>
+    </dgm:fillClrLst>
+    <dgm:linClrLst meth="repeat">
+      <a:schemeClr val="accent1"/>
+    </dgm:linClrLst>
+    <dgm:effectClrLst/>
+    <dgm:txLinClrLst/>
+    <dgm:txFillClrLst meth="repeat">
+      <a:schemeClr val="dk1"/>
+    </dgm:txFillClrLst>
+    <dgm:txEffectClrLst/>
+  </dgm:styleLbl>
+  <dgm:styleLbl name="solidAlignAcc1">
+    <dgm:fillClrLst meth="repeat">
+      <a:schemeClr val="lt1"/>
+    </dgm:fillClrLst>
+    <dgm:linClrLst meth="repeat">
+      <a:schemeClr val="accent1"/>
+    </dgm:linClrLst>
+    <dgm:effectClrLst/>
+    <dgm:txLinClrLst/>
+    <dgm:txFillClrLst meth="repeat">
+      <a:schemeClr val="dk1"/>
+    </dgm:txFillClrLst>
+    <dgm:txEffectClrLst/>
+  </dgm:styleLbl>
+  <dgm:styleLbl name="solidBgAcc1">
+    <dgm:fillClrLst meth="repeat">
+      <a:schemeClr val="lt1"/>
+    </dgm:fillClrLst>
+    <dgm:linClrLst meth="repeat">
+      <a:schemeClr val="accent1"/>
+    </dgm:linClrLst>
+    <dgm:effectClrLst/>
+    <dgm:txLinClrLst/>
+    <dgm:txFillClrLst meth="repeat">
+      <a:schemeClr val="dk1"/>
+    </dgm:txFillClrLst>
+    <dgm:txEffectClrLst/>
+  </dgm:styleLbl>
+  <dgm:styleLbl name="fgAccFollowNode1">
+    <dgm:fillClrLst meth="repeat">
+      <a:schemeClr val="accent1">
+        <a:alpha val="90000"/>
+        <a:tint val="40000"/>
+      </a:schemeClr>
+    </dgm:fillClrLst>
+    <dgm:linClrLst meth="repeat">
+      <a:schemeClr val="accent1">
+        <a:alpha val="90000"/>
+        <a:tint val="40000"/>
+      </a:schemeClr>
+    </dgm:linClrLst>
+    <dgm:effectClrLst/>
+    <dgm:txLinClrLst/>
+    <dgm:txFillClrLst meth="repeat">
+      <a:schemeClr val="dk1"/>
+    </dgm:txFillClrLst>
+    <dgm:txEffectClrLst/>
+  </dgm:styleLbl>
+  <dgm:styleLbl name="alignAccFollowNode1">
+    <dgm:fillClrLst meth="repeat">
+      <a:schemeClr val="accent1">
+        <a:alpha val="90000"/>
+        <a:tint val="40000"/>
+      </a:schemeClr>
+    </dgm:fillClrLst>
+    <dgm:linClrLst meth="repeat">
+      <a:schemeClr val="accent1">
+        <a:alpha val="90000"/>
+        <a:tint val="40000"/>
+      </a:schemeClr>
+    </dgm:linClrLst>
+    <dgm:effectClrLst/>
+    <dgm:txLinClrLst/>
+    <dgm:txFillClrLst meth="repeat">
+      <a:schemeClr val="dk1"/>
+    </dgm:txFillClrLst>
+    <dgm:txEffectClrLst/>
+  </dgm:styleLbl>
+  <dgm:styleLbl name="bgAccFollowNode1">
+    <dgm:fillClrLst meth="repeat">
+      <a:schemeClr val="accent1">
+        <a:alpha val="90000"/>
+        <a:tint val="40000"/>
+      </a:schemeClr>
+    </dgm:fillClrLst>
+    <dgm:linClrLst meth="repeat">
+      <a:schemeClr val="accent1">
+        <a:alpha val="90000"/>
+        <a:tint val="40000"/>
+      </a:schemeClr>
+    </dgm:linClrLst>
+    <dgm:effectClrLst/>
+    <dgm:txLinClrLst/>
+    <dgm:txFillClrLst meth="repeat">
+      <a:schemeClr val="dk1"/>
+    </dgm:txFillClrLst>
+    <dgm:txEffectClrLst/>
+  </dgm:styleLbl>
+  <dgm:styleLbl name="fgAcc0">
+    <dgm:fillClrLst meth="repeat">
+      <a:schemeClr val="lt1">
+        <a:alpha val="90000"/>
+      </a:schemeClr>
+    </dgm:fillClrLst>
+    <dgm:linClrLst meth="repeat">
+      <a:schemeClr val="accent1"/>
+    </dgm:linClrLst>
+    <dgm:effectClrLst/>
+    <dgm:txLinClrLst/>
+    <dgm:txFillClrLst meth="repeat">
+      <a:schemeClr val="dk1"/>
+    </dgm:txFillClrLst>
+    <dgm:txEffectClrLst/>
+  </dgm:styleLbl>
+  <dgm:styleLbl name="fgAcc2">
+    <dgm:fillClrLst meth="repeat">
+      <a:schemeClr val="lt1">
+        <a:alpha val="90000"/>
+      </a:schemeClr>
+    </dgm:fillClrLst>
+    <dgm:linClrLst meth="repeat">
+      <a:schemeClr val="accent1"/>
+    </dgm:linClrLst>
+    <dgm:effectClrLst/>
+    <dgm:txLinClrLst/>
+    <dgm:txFillClrLst meth="repeat">
+      <a:schemeClr val="dk1"/>
+    </dgm:txFillClrLst>
+    <dgm:txEffectClrLst/>
+  </dgm:styleLbl>
+  <dgm:styleLbl name="fgAcc3">
+    <dgm:fillClrLst meth="repeat">
+      <a:schemeClr val="lt1">
+        <a:alpha val="90000"/>
+      </a:schemeClr>
+    </dgm:fillClrLst>
+    <dgm:linClrLst meth="repeat">
+      <a:schemeClr val="accent1"/>
+    </dgm:linClrLst>
+    <dgm:effectClrLst/>
+    <dgm:txLinClrLst/>
+    <dgm:txFillClrLst meth="repeat">
+      <a:schemeClr val="dk1"/>
+    </dgm:txFillClrLst>
+    <dgm:txEffectClrLst/>
+  </dgm:styleLbl>
+  <dgm:styleLbl name="fgAcc4">
+    <dgm:fillClrLst meth="repeat">
+      <a:schemeClr val="lt1">
+        <a:alpha val="90000"/>
+      </a:schemeClr>
+    </dgm:fillClrLst>
+    <dgm:linClrLst meth="repeat">
+      <a:schemeClr val="accent1"/>
+    </dgm:linClrLst>
+    <dgm:effectClrLst/>
+    <dgm:txLinClrLst/>
+    <dgm:txFillClrLst meth="repeat">
+      <a:schemeClr val="dk1"/>
+    </dgm:txFillClrLst>
+    <dgm:txEffectClrLst/>
+  </dgm:styleLbl>
+  <dgm:styleLbl name="bgShp">
+    <dgm:fillClrLst meth="repeat">
+      <a:schemeClr val="accent1">
+        <a:tint val="40000"/>
+      </a:schemeClr>
+    </dgm:fillClrLst>
+    <dgm:linClrLst meth="repeat">
+      <a:schemeClr val="accent1"/>
+    </dgm:linClrLst>
+    <dgm:effectClrLst/>
+    <dgm:txLinClrLst/>
+    <dgm:txFillClrLst meth="repeat">
+      <a:schemeClr val="dk1"/>
+    </dgm:txFillClrLst>
+    <dgm:txEffectClrLst/>
+  </dgm:styleLbl>
+  <dgm:styleLbl name="dkBgShp">
+    <dgm:fillClrLst meth="repeat">
+      <a:schemeClr val="accent1">
+        <a:shade val="80000"/>
+      </a:schemeClr>
+    </dgm:fillClrLst>
+    <dgm:linClrLst meth="repeat">
+      <a:schemeClr val="accent1"/>
+    </dgm:linClrLst>
+    <dgm:effectClrLst/>
+    <dgm:txLinClrLst/>
+    <dgm:txFillClrLst meth="repeat">
+      <a:schemeClr val="lt1"/>
+    </dgm:txFillClrLst>
+    <dgm:txEffectClrLst/>
+  </dgm:styleLbl>
+  <dgm:styleLbl name="trBgShp">
+    <dgm:fillClrLst meth="repeat">
+      <a:schemeClr val="accent1">
+        <a:tint val="50000"/>
+        <a:alpha val="40000"/>
+      </a:schemeClr>
+    </dgm:fillClrLst>
+    <dgm:linClrLst meth="repeat">
+      <a:schemeClr val="accent1"/>
+    </dgm:linClrLst>
+    <dgm:effectClrLst/>
+    <dgm:txLinClrLst/>
+    <dgm:txFillClrLst meth="repeat">
+      <a:schemeClr val="lt1"/>
+    </dgm:txFillClrLst>
+    <dgm:txEffectClrLst/>
+  </dgm:styleLbl>
+  <dgm:styleLbl name="fgShp">
+    <dgm:fillClrLst meth="repeat">
+      <a:schemeClr val="accent1">
+        <a:tint val="60000"/>
+      </a:schemeClr>
+    </dgm:fillClrLst>
+    <dgm:linClrLst meth="repeat">
+      <a:schemeClr val="lt1"/>
+    </dgm:linClrLst>
+    <dgm:effectClrLst/>
+    <dgm:txLinClrLst/>
+    <dgm:txFillClrLst meth="repeat">
+      <a:schemeClr val="dk1"/>
+    </dgm:txFillClrLst>
+    <dgm:txEffectClrLst/>
+  </dgm:styleLbl>
+  <dgm:styleLbl name="revTx">
+    <dgm:fillClrLst meth="repeat">
+      <a:schemeClr val="lt1">
+        <a:alpha val="0"/>
+      </a:schemeClr>
+    </dgm:fillClrLst>
+    <dgm:linClrLst meth="repeat">
+      <a:schemeClr val="dk1">
+        <a:alpha val="0"/>
+      </a:schemeClr>
+    </dgm:linClrLst>
+    <dgm:effectClrLst/>
+    <dgm:txLinClrLst/>
+    <dgm:txFillClrLst meth="repeat">
+      <a:schemeClr val="tx1"/>
+    </dgm:txFillClrLst>
+    <dgm:txEffectClrLst/>
+  </dgm:styleLbl>
+</dgm:colorsDef>
+</file>
+
+<file path=ppt/diagrams/colors5.xml><?xml version="1.0" encoding="utf-8"?>
+<dgm:colorsDef xmlns:dgm="http://schemas.openxmlformats.org/drawingml/2006/diagram" xmlns:a="http://schemas.openxmlformats.org/drawingml/2006/main" uniqueId="urn:microsoft.com/office/officeart/2005/8/colors/accent1_2">
+  <dgm:title val=""/>
+  <dgm:desc val=""/>
+  <dgm:catLst>
+    <dgm:cat type="accent1" pri="11200"/>
+  </dgm:catLst>
+  <dgm:styleLbl name="node0">
+    <dgm:fillClrLst meth="repeat">
+      <a:schemeClr val="accent1"/>
+    </dgm:fillClrLst>
+    <dgm:linClrLst meth="repeat">
+      <a:schemeClr val="lt1"/>
+    </dgm:linClrLst>
+    <dgm:effectClrLst/>
+    <dgm:txLinClrLst/>
+    <dgm:txFillClrLst/>
+    <dgm:txEffectClrLst/>
+  </dgm:styleLbl>
+  <dgm:styleLbl name="alignNode1">
+    <dgm:fillClrLst meth="repeat">
+      <a:schemeClr val="accent1"/>
+    </dgm:fillClrLst>
+    <dgm:linClrLst meth="repeat">
+      <a:schemeClr val="accent1"/>
+    </dgm:linClrLst>
+    <dgm:effectClrLst/>
+    <dgm:txLinClrLst/>
+    <dgm:txFillClrLst/>
+    <dgm:txEffectClrLst/>
+  </dgm:styleLbl>
+  <dgm:styleLbl name="node1">
+    <dgm:fillClrLst meth="repeat">
+      <a:schemeClr val="accent1"/>
+    </dgm:fillClrLst>
+    <dgm:linClrLst meth="repeat">
+      <a:schemeClr val="lt1"/>
+    </dgm:linClrLst>
+    <dgm:effectClrLst/>
+    <dgm:txLinClrLst/>
+    <dgm:txFillClrLst/>
+    <dgm:txEffectClrLst/>
+  </dgm:styleLbl>
+  <dgm:styleLbl name="lnNode1">
+    <dgm:fillClrLst meth="repeat">
+      <a:schemeClr val="accent1"/>
+    </dgm:fillClrLst>
+    <dgm:linClrLst meth="repeat">
+      <a:schemeClr val="lt1"/>
+    </dgm:linClrLst>
+    <dgm:effectClrLst/>
+    <dgm:txLinClrLst/>
+    <dgm:txFillClrLst/>
+    <dgm:txEffectClrLst/>
+  </dgm:styleLbl>
+  <dgm:styleLbl name="vennNode1">
+    <dgm:fillClrLst meth="repeat">
+      <a:schemeClr val="accent1">
+        <a:alpha val="50000"/>
+      </a:schemeClr>
+    </dgm:fillClrLst>
+    <dgm:linClrLst meth="repeat">
+      <a:schemeClr val="lt1"/>
+    </dgm:linClrLst>
+    <dgm:effectClrLst/>
+    <dgm:txLinClrLst/>
+    <dgm:txFillClrLst/>
+    <dgm:txEffectClrLst/>
+  </dgm:styleLbl>
+  <dgm:styleLbl name="node2">
+    <dgm:fillClrLst meth="repeat">
+      <a:schemeClr val="accent1"/>
+    </dgm:fillClrLst>
+    <dgm:linClrLst meth="repeat">
+      <a:schemeClr val="lt1"/>
+    </dgm:linClrLst>
+    <dgm:effectClrLst/>
+    <dgm:txLinClrLst/>
+    <dgm:txFillClrLst/>
+    <dgm:txEffectClrLst/>
+  </dgm:styleLbl>
+  <dgm:styleLbl name="node3">
+    <dgm:fillClrLst meth="repeat">
+      <a:schemeClr val="accent1"/>
+    </dgm:fillClrLst>
+    <dgm:linClrLst meth="repeat">
+      <a:schemeClr val="lt1"/>
+    </dgm:linClrLst>
+    <dgm:effectClrLst/>
+    <dgm:txLinClrLst/>
+    <dgm:txFillClrLst/>
+    <dgm:txEffectClrLst/>
+  </dgm:styleLbl>
+  <dgm:styleLbl name="node4">
+    <dgm:fillClrLst meth="repeat">
+      <a:schemeClr val="accent1"/>
+    </dgm:fillClrLst>
+    <dgm:linClrLst meth="repeat">
+      <a:schemeClr val="lt1"/>
+    </dgm:linClrLst>
+    <dgm:effectClrLst/>
+    <dgm:txLinClrLst/>
+    <dgm:txFillClrLst/>
+    <dgm:txEffectClrLst/>
+  </dgm:styleLbl>
+  <dgm:styleLbl name="fgImgPlace1">
+    <dgm:fillClrLst meth="repeat">
+      <a:schemeClr val="accent1">
+        <a:tint val="50000"/>
+      </a:schemeClr>
+    </dgm:fillClrLst>
+    <dgm:linClrLst meth="repeat">
+      <a:schemeClr val="lt1"/>
+    </dgm:linClrLst>
+    <dgm:effectClrLst/>
+    <dgm:txLinClrLst/>
+    <dgm:txFillClrLst meth="repeat">
+      <a:schemeClr val="lt1"/>
+    </dgm:txFillClrLst>
+    <dgm:txEffectClrLst/>
+  </dgm:styleLbl>
+  <dgm:styleLbl name="alignImgPlace1">
+    <dgm:fillClrLst meth="repeat">
+      <a:schemeClr val="accent1">
+        <a:tint val="50000"/>
+      </a:schemeClr>
+    </dgm:fillClrLst>
+    <dgm:linClrLst meth="repeat">
+      <a:schemeClr val="lt1"/>
+    </dgm:linClrLst>
+    <dgm:effectClrLst/>
+    <dgm:txLinClrLst/>
+    <dgm:txFillClrLst meth="repeat">
+      <a:schemeClr val="lt1"/>
+    </dgm:txFillClrLst>
+    <dgm:txEffectClrLst/>
+  </dgm:styleLbl>
+  <dgm:styleLbl name="bgImgPlace1">
+    <dgm:fillClrLst meth="repeat">
+      <a:schemeClr val="accent1">
+        <a:tint val="50000"/>
+      </a:schemeClr>
+    </dgm:fillClrLst>
+    <dgm:linClrLst meth="repeat">
+      <a:schemeClr val="lt1"/>
+    </dgm:linClrLst>
+    <dgm:effectClrLst/>
+    <dgm:txLinClrLst/>
+    <dgm:txFillClrLst meth="repeat">
+      <a:schemeClr val="lt1"/>
+    </dgm:txFillClrLst>
+    <dgm:txEffectClrLst/>
+  </dgm:styleLbl>
+  <dgm:styleLbl name="sibTrans2D1">
+    <dgm:fillClrLst meth="repeat">
+      <a:schemeClr val="accent1">
+        <a:tint val="60000"/>
+      </a:schemeClr>
+    </dgm:fillClrLst>
+    <dgm:linClrLst meth="repeat">
+      <a:schemeClr val="accent1">
+        <a:tint val="60000"/>
+      </a:schemeClr>
+    </dgm:linClrLst>
+    <dgm:effectClrLst/>
+    <dgm:txLinClrLst/>
+    <dgm:txFillClrLst/>
+    <dgm:txEffectClrLst/>
+  </dgm:styleLbl>
+  <dgm:styleLbl name="fgSibTrans2D1">
+    <dgm:fillClrLst meth="repeat">
+      <a:schemeClr val="accent1">
+        <a:tint val="60000"/>
+      </a:schemeClr>
+    </dgm:fillClrLst>
+    <dgm:linClrLst meth="repeat">
+      <a:schemeClr val="accent1">
+        <a:tint val="60000"/>
+      </a:schemeClr>
+    </dgm:linClrLst>
+    <dgm:effectClrLst/>
+    <dgm:txLinClrLst/>
+    <dgm:txFillClrLst/>
+    <dgm:txEffectClrLst/>
+  </dgm:styleLbl>
+  <dgm:styleLbl name="bgSibTrans2D1">
+    <dgm:fillClrLst meth="repeat">
+      <a:schemeClr val="accent1">
+        <a:tint val="60000"/>
+      </a:schemeClr>
+    </dgm:fillClrLst>
+    <dgm:linClrLst meth="repeat">
+      <a:schemeClr val="accent1">
+        <a:tint val="60000"/>
+      </a:schemeClr>
+    </dgm:linClrLst>
+    <dgm:effectClrLst/>
+    <dgm:txLinClrLst/>
+    <dgm:txFillClrLst/>
+    <dgm:txEffectClrLst/>
+  </dgm:styleLbl>
+  <dgm:styleLbl name="sibTrans1D1">
+    <dgm:fillClrLst meth="repeat">
+      <a:schemeClr val="accent1"/>
+    </dgm:fillClrLst>
+    <dgm:linClrLst meth="repeat">
+      <a:schemeClr val="accent1"/>
+    </dgm:linClrLst>
+    <dgm:effectClrLst/>
+    <dgm:txLinClrLst/>
+    <dgm:txFillClrLst meth="repeat">
+      <a:schemeClr val="tx1"/>
+    </dgm:txFillClrLst>
+    <dgm:txEffectClrLst/>
+  </dgm:styleLbl>
+  <dgm:styleLbl name="callout">
+    <dgm:fillClrLst meth="repeat">
+      <a:schemeClr val="accent1"/>
+    </dgm:fillClrLst>
+    <dgm:linClrLst meth="repeat">
+      <a:schemeClr val="accent1">
+        <a:tint val="50000"/>
+      </a:schemeClr>
+    </dgm:linClrLst>
+    <dgm:effectClrLst/>
+    <dgm:txLinClrLst/>
+    <dgm:txFillClrLst meth="repeat">
+      <a:schemeClr val="tx1"/>
+    </dgm:txFillClrLst>
+    <dgm:txEffectClrLst/>
+  </dgm:styleLbl>
+  <dgm:styleLbl name="asst0">
+    <dgm:fillClrLst meth="repeat">
+      <a:schemeClr val="accent1"/>
+    </dgm:fillClrLst>
+    <dgm:linClrLst meth="repeat">
+      <a:schemeClr val="lt1"/>
+    </dgm:linClrLst>
+    <dgm:effectClrLst/>
+    <dgm:txLinClrLst/>
+    <dgm:txFillClrLst/>
+    <dgm:txEffectClrLst/>
+  </dgm:styleLbl>
+  <dgm:styleLbl name="asst1">
+    <dgm:fillClrLst meth="repeat">
+      <a:schemeClr val="accent1"/>
+    </dgm:fillClrLst>
+    <dgm:linClrLst meth="repeat">
+      <a:schemeClr val="lt1"/>
+    </dgm:linClrLst>
+    <dgm:effectClrLst/>
+    <dgm:txLinClrLst/>
+    <dgm:txFillClrLst/>
+    <dgm:txEffectClrLst/>
+  </dgm:styleLbl>
+  <dgm:styleLbl name="asst2">
+    <dgm:fillClrLst meth="repeat">
+      <a:schemeClr val="accent1"/>
+    </dgm:fillClrLst>
+    <dgm:linClrLst meth="repeat">
+      <a:schemeClr val="lt1"/>
+    </dgm:linClrLst>
+    <dgm:effectClrLst/>
+    <dgm:txLinClrLst/>
+    <dgm:txFillClrLst/>
+    <dgm:txEffectClrLst/>
+  </dgm:styleLbl>
+  <dgm:styleLbl name="asst3">
+    <dgm:fillClrLst meth="repeat">
+      <a:schemeClr val="accent1"/>
+    </dgm:fillClrLst>
+    <dgm:linClrLst meth="repeat">
+      <a:schemeClr val="lt1"/>
+    </dgm:linClrLst>
+    <dgm:effectClrLst/>
+    <dgm:txLinClrLst/>
+    <dgm:txFillClrLst/>
+    <dgm:txEffectClrLst/>
+  </dgm:styleLbl>
+  <dgm:styleLbl name="asst4">
+    <dgm:fillClrLst meth="repeat">
+      <a:schemeClr val="accent1"/>
+    </dgm:fillClrLst>
+    <dgm:linClrLst meth="repeat">
+      <a:schemeClr val="lt1"/>
+    </dgm:linClrLst>
+    <dgm:effectClrLst/>
+    <dgm:txLinClrLst/>
+    <dgm:txFillClrLst/>
+    <dgm:txEffectClrLst/>
+  </dgm:styleLbl>
+  <dgm:styleLbl name="parChTrans2D1">
+    <dgm:fillClrLst meth="repeat">
+      <a:schemeClr val="accent1">
+        <a:tint val="60000"/>
+      </a:schemeClr>
+    </dgm:fillClrLst>
+    <dgm:linClrLst meth="repeat">
+      <a:schemeClr val="accent1">
+        <a:tint val="60000"/>
+      </a:schemeClr>
+    </dgm:linClrLst>
+    <dgm:effectClrLst/>
+    <dgm:txLinClrLst/>
+    <dgm:txFillClrLst meth="repeat">
+      <a:schemeClr val="lt1"/>
+    </dgm:txFillClrLst>
+    <dgm:txEffectClrLst/>
+  </dgm:styleLbl>
+  <dgm:styleLbl name="parChTrans2D2">
+    <dgm:fillClrLst meth="repeat">
+      <a:schemeClr val="accent1"/>
+    </dgm:fillClrLst>
+    <dgm:linClrLst meth="repeat">
+      <a:schemeClr val="accent1"/>
+    </dgm:linClrLst>
+    <dgm:effectClrLst/>
+    <dgm:txLinClrLst/>
+    <dgm:txFillClrLst meth="repeat">
+      <a:schemeClr val="lt1"/>
+    </dgm:txFillClrLst>
+    <dgm:txEffectClrLst/>
+  </dgm:styleLbl>
+  <dgm:styleLbl name="parChTrans2D3">
+    <dgm:fillClrLst meth="repeat">
+      <a:schemeClr val="accent1"/>
+    </dgm:fillClrLst>
+    <dgm:linClrLst meth="repeat">
+      <a:schemeClr val="accent1"/>
+    </dgm:linClrLst>
+    <dgm:effectClrLst/>
+    <dgm:txLinClrLst/>
+    <dgm:txFillClrLst meth="repeat">
+      <a:schemeClr val="lt1"/>
+    </dgm:txFillClrLst>
+    <dgm:txEffectClrLst/>
+  </dgm:styleLbl>
+  <dgm:styleLbl name="parChTrans2D4">
+    <dgm:fillClrLst meth="repeat">
+      <a:schemeClr val="accent1"/>
+    </dgm:fillClrLst>
+    <dgm:linClrLst meth="repeat">
+      <a:schemeClr val="accent1"/>
+    </dgm:linClrLst>
+    <dgm:effectClrLst/>
+    <dgm:txLinClrLst/>
+    <dgm:txFillClrLst meth="repeat">
+      <a:schemeClr val="lt1"/>
+    </dgm:txFillClrLst>
+    <dgm:txEffectClrLst/>
+  </dgm:styleLbl>
+  <dgm:styleLbl name="parChTrans1D1">
+    <dgm:fillClrLst meth="repeat">
+      <a:schemeClr val="accent1"/>
+    </dgm:fillClrLst>
+    <dgm:linClrLst meth="repeat">
+      <a:schemeClr val="accent1">
+        <a:shade val="60000"/>
+      </a:schemeClr>
+    </dgm:linClrLst>
+    <dgm:effectClrLst/>
+    <dgm:txLinClrLst/>
+    <dgm:txFillClrLst meth="repeat">
+      <a:schemeClr val="tx1"/>
+    </dgm:txFillClrLst>
+    <dgm:txEffectClrLst/>
+  </dgm:styleLbl>
+  <dgm:styleLbl name="parChTrans1D2">
+    <dgm:fillClrLst meth="repeat">
+      <a:schemeClr val="accent1"/>
+    </dgm:fillClrLst>
+    <dgm:linClrLst meth="repeat">
+      <a:schemeClr val="accent1">
+        <a:shade val="60000"/>
+      </a:schemeClr>
+    </dgm:linClrLst>
+    <dgm:effectClrLst/>
+    <dgm:txLinClrLst/>
+    <dgm:txFillClrLst meth="repeat">
+      <a:schemeClr val="tx1"/>
+    </dgm:txFillClrLst>
+    <dgm:txEffectClrLst/>
+  </dgm:styleLbl>
+  <dgm:styleLbl name="parChTrans1D3">
+    <dgm:fillClrLst meth="repeat">
+      <a:schemeClr val="accent1"/>
+    </dgm:fillClrLst>
+    <dgm:linClrLst meth="repeat">
+      <a:schemeClr val="accent1">
+        <a:shade val="80000"/>
+      </a:schemeClr>
+    </dgm:linClrLst>
+    <dgm:effectClrLst/>
+    <dgm:txLinClrLst/>
+    <dgm:txFillClrLst meth="repeat">
+      <a:schemeClr val="tx1"/>
+    </dgm:txFillClrLst>
+    <dgm:txEffectClrLst/>
+  </dgm:styleLbl>
+  <dgm:styleLbl name="parChTrans1D4">
+    <dgm:fillClrLst meth="repeat">
+      <a:schemeClr val="accent1"/>
+    </dgm:fillClrLst>
+    <dgm:linClrLst meth="repeat">
+      <a:schemeClr val="accent1">
+        <a:shade val="80000"/>
+      </a:schemeClr>
+    </dgm:linClrLst>
+    <dgm:effectClrLst/>
+    <dgm:txLinClrLst/>
+    <dgm:txFillClrLst meth="repeat">
+      <a:schemeClr val="tx1"/>
+    </dgm:txFillClrLst>
+    <dgm:txEffectClrLst/>
+  </dgm:styleLbl>
+  <dgm:styleLbl name="fgAcc1">
+    <dgm:fillClrLst meth="repeat">
+      <a:schemeClr val="lt1">
+        <a:alpha val="90000"/>
+      </a:schemeClr>
+    </dgm:fillClrLst>
+    <dgm:linClrLst meth="repeat">
+      <a:schemeClr val="accent1"/>
+    </dgm:linClrLst>
+    <dgm:effectClrLst/>
+    <dgm:txLinClrLst/>
+    <dgm:txFillClrLst meth="repeat">
+      <a:schemeClr val="dk1"/>
+    </dgm:txFillClrLst>
+    <dgm:txEffectClrLst/>
+  </dgm:styleLbl>
+  <dgm:styleLbl name="conFgAcc1">
+    <dgm:fillClrLst meth="repeat">
+      <a:schemeClr val="lt1">
+        <a:alpha val="90000"/>
+      </a:schemeClr>
+    </dgm:fillClrLst>
+    <dgm:linClrLst meth="repeat">
+      <a:schemeClr val="accent1"/>
+    </dgm:linClrLst>
+    <dgm:effectClrLst/>
+    <dgm:txLinClrLst/>
+    <dgm:txFillClrLst meth="repeat">
+      <a:schemeClr val="dk1"/>
+    </dgm:txFillClrLst>
+    <dgm:txEffectClrLst/>
+  </dgm:styleLbl>
+  <dgm:styleLbl name="alignAcc1">
+    <dgm:fillClrLst meth="repeat">
+      <a:schemeClr val="lt1">
+        <a:alpha val="90000"/>
+      </a:schemeClr>
+    </dgm:fillClrLst>
+    <dgm:linClrLst meth="repeat">
+      <a:schemeClr val="accent1"/>
+    </dgm:linClrLst>
+    <dgm:effectClrLst/>
+    <dgm:txLinClrLst/>
+    <dgm:txFillClrLst meth="repeat">
+      <a:schemeClr val="dk1"/>
+    </dgm:txFillClrLst>
+    <dgm:txEffectClrLst/>
+  </dgm:styleLbl>
+  <dgm:styleLbl name="trAlignAcc1">
+    <dgm:fillClrLst meth="repeat">
+      <a:schemeClr val="lt1">
+        <a:alpha val="40000"/>
+      </a:schemeClr>
+    </dgm:fillClrLst>
+    <dgm:linClrLst meth="repeat">
+      <a:schemeClr val="accent1"/>
+    </dgm:linClrLst>
+    <dgm:effectClrLst/>
+    <dgm:txLinClrLst/>
+    <dgm:txFillClrLst meth="repeat">
+      <a:schemeClr val="dk1"/>
+    </dgm:txFillClrLst>
+    <dgm:txEffectClrLst/>
+  </dgm:styleLbl>
+  <dgm:styleLbl name="bgAcc1">
+    <dgm:fillClrLst meth="repeat">
+      <a:schemeClr val="lt1">
+        <a:alpha val="90000"/>
+      </a:schemeClr>
+    </dgm:fillClrLst>
+    <dgm:linClrLst meth="repeat">
+      <a:schemeClr val="accent1"/>
+    </dgm:linClrLst>
+    <dgm:effectClrLst/>
+    <dgm:txLinClrLst/>
+    <dgm:txFillClrLst meth="repeat">
+      <a:schemeClr val="dk1"/>
+    </dgm:txFillClrLst>
+    <dgm:txEffectClrLst/>
+  </dgm:styleLbl>
+  <dgm:styleLbl name="solidFgAcc1">
+    <dgm:fillClrLst meth="repeat">
+      <a:schemeClr val="lt1"/>
+    </dgm:fillClrLst>
+    <dgm:linClrLst meth="repeat">
+      <a:schemeClr val="accent1"/>
+    </dgm:linClrLst>
+    <dgm:effectClrLst/>
+    <dgm:txLinClrLst/>
+    <dgm:txFillClrLst meth="repeat">
+      <a:schemeClr val="dk1"/>
+    </dgm:txFillClrLst>
+    <dgm:txEffectClrLst/>
+  </dgm:styleLbl>
+  <dgm:styleLbl name="solidAlignAcc1">
+    <dgm:fillClrLst meth="repeat">
+      <a:schemeClr val="lt1"/>
+    </dgm:fillClrLst>
+    <dgm:linClrLst meth="repeat">
+      <a:schemeClr val="accent1"/>
+    </dgm:linClrLst>
+    <dgm:effectClrLst/>
+    <dgm:txLinClrLst/>
+    <dgm:txFillClrLst meth="repeat">
+      <a:schemeClr val="dk1"/>
+    </dgm:txFillClrLst>
+    <dgm:txEffectClrLst/>
+  </dgm:styleLbl>
+  <dgm:styleLbl name="solidBgAcc1">
+    <dgm:fillClrLst meth="repeat">
+      <a:schemeClr val="lt1"/>
+    </dgm:fillClrLst>
+    <dgm:linClrLst meth="repeat">
+      <a:schemeClr val="accent1"/>
+    </dgm:linClrLst>
+    <dgm:effectClrLst/>
+    <dgm:txLinClrLst/>
+    <dgm:txFillClrLst meth="repeat">
+      <a:schemeClr val="dk1"/>
+    </dgm:txFillClrLst>
+    <dgm:txEffectClrLst/>
+  </dgm:styleLbl>
+  <dgm:styleLbl name="fgAccFollowNode1">
+    <dgm:fillClrLst meth="repeat">
+      <a:schemeClr val="accent1">
+        <a:alpha val="90000"/>
+        <a:tint val="40000"/>
+      </a:schemeClr>
+    </dgm:fillClrLst>
+    <dgm:linClrLst meth="repeat">
+      <a:schemeClr val="accent1">
+        <a:alpha val="90000"/>
+        <a:tint val="40000"/>
+      </a:schemeClr>
+    </dgm:linClrLst>
+    <dgm:effectClrLst/>
+    <dgm:txLinClrLst/>
+    <dgm:txFillClrLst meth="repeat">
+      <a:schemeClr val="dk1"/>
+    </dgm:txFillClrLst>
+    <dgm:txEffectClrLst/>
+  </dgm:styleLbl>
+  <dgm:styleLbl name="alignAccFollowNode1">
+    <dgm:fillClrLst meth="repeat">
+      <a:schemeClr val="accent1">
+        <a:alpha val="90000"/>
+        <a:tint val="40000"/>
+      </a:schemeClr>
+    </dgm:fillClrLst>
+    <dgm:linClrLst meth="repeat">
+      <a:schemeClr val="accent1">
+        <a:alpha val="90000"/>
+        <a:tint val="40000"/>
+      </a:schemeClr>
+    </dgm:linClrLst>
+    <dgm:effectClrLst/>
+    <dgm:txLinClrLst/>
+    <dgm:txFillClrLst meth="repeat">
+      <a:schemeClr val="dk1"/>
+    </dgm:txFillClrLst>
+    <dgm:txEffectClrLst/>
+  </dgm:styleLbl>
+  <dgm:styleLbl name="bgAccFollowNode1">
+    <dgm:fillClrLst meth="repeat">
+      <a:schemeClr val="accent1">
+        <a:alpha val="90000"/>
+        <a:tint val="40000"/>
+      </a:schemeClr>
+    </dgm:fillClrLst>
+    <dgm:linClrLst meth="repeat">
+      <a:schemeClr val="accent1">
+        <a:alpha val="90000"/>
+        <a:tint val="40000"/>
+      </a:schemeClr>
+    </dgm:linClrLst>
+    <dgm:effectClrLst/>
+    <dgm:txLinClrLst/>
+    <dgm:txFillClrLst meth="repeat">
+      <a:schemeClr val="dk1"/>
+    </dgm:txFillClrLst>
+    <dgm:txEffectClrLst/>
+  </dgm:styleLbl>
+  <dgm:styleLbl name="fgAcc0">
+    <dgm:fillClrLst meth="repeat">
+      <a:schemeClr val="lt1">
+        <a:alpha val="90000"/>
+      </a:schemeClr>
+    </dgm:fillClrLst>
+    <dgm:linClrLst meth="repeat">
+      <a:schemeClr val="accent1"/>
+    </dgm:linClrLst>
+    <dgm:effectClrLst/>
+    <dgm:txLinClrLst/>
+    <dgm:txFillClrLst meth="repeat">
+      <a:schemeClr val="dk1"/>
+    </dgm:txFillClrLst>
+    <dgm:txEffectClrLst/>
+  </dgm:styleLbl>
+  <dgm:styleLbl name="fgAcc2">
+    <dgm:fillClrLst meth="repeat">
+      <a:schemeClr val="lt1">
+        <a:alpha val="90000"/>
+      </a:schemeClr>
+    </dgm:fillClrLst>
+    <dgm:linClrLst meth="repeat">
+      <a:schemeClr val="accent1"/>
+    </dgm:linClrLst>
+    <dgm:effectClrLst/>
+    <dgm:txLinClrLst/>
+    <dgm:txFillClrLst meth="repeat">
+      <a:schemeClr val="dk1"/>
+    </dgm:txFillClrLst>
+    <dgm:txEffectClrLst/>
+  </dgm:styleLbl>
+  <dgm:styleLbl name="fgAcc3">
+    <dgm:fillClrLst meth="repeat">
+      <a:schemeClr val="lt1">
+        <a:alpha val="90000"/>
+      </a:schemeClr>
+    </dgm:fillClrLst>
+    <dgm:linClrLst meth="repeat">
+      <a:schemeClr val="accent1"/>
+    </dgm:linClrLst>
+    <dgm:effectClrLst/>
+    <dgm:txLinClrLst/>
+    <dgm:txFillClrLst meth="repeat">
+      <a:schemeClr val="dk1"/>
+    </dgm:txFillClrLst>
+    <dgm:txEffectClrLst/>
+  </dgm:styleLbl>
+  <dgm:styleLbl name="fgAcc4">
+    <dgm:fillClrLst meth="repeat">
+      <a:schemeClr val="lt1">
+        <a:alpha val="90000"/>
+      </a:schemeClr>
+    </dgm:fillClrLst>
+    <dgm:linClrLst meth="repeat">
+      <a:schemeClr val="accent1"/>
+    </dgm:linClrLst>
+    <dgm:effectClrLst/>
+    <dgm:txLinClrLst/>
+    <dgm:txFillClrLst meth="repeat">
+      <a:schemeClr val="dk1"/>
+    </dgm:txFillClrLst>
+    <dgm:txEffectClrLst/>
+  </dgm:styleLbl>
+  <dgm:styleLbl name="bgShp">
+    <dgm:fillClrLst meth="repeat">
+      <a:schemeClr val="accent1">
+        <a:tint val="40000"/>
+      </a:schemeClr>
+    </dgm:fillClrLst>
+    <dgm:linClrLst meth="repeat">
+      <a:schemeClr val="accent1"/>
+    </dgm:linClrLst>
+    <dgm:effectClrLst/>
+    <dgm:txLinClrLst/>
+    <dgm:txFillClrLst meth="repeat">
+      <a:schemeClr val="dk1"/>
+    </dgm:txFillClrLst>
+    <dgm:txEffectClrLst/>
+  </dgm:styleLbl>
+  <dgm:styleLbl name="dkBgShp">
+    <dgm:fillClrLst meth="repeat">
+      <a:schemeClr val="accent1">
+        <a:shade val="80000"/>
+      </a:schemeClr>
+    </dgm:fillClrLst>
+    <dgm:linClrLst meth="repeat">
+      <a:schemeClr val="accent1"/>
+    </dgm:linClrLst>
+    <dgm:effectClrLst/>
+    <dgm:txLinClrLst/>
+    <dgm:txFillClrLst meth="repeat">
+      <a:schemeClr val="lt1"/>
+    </dgm:txFillClrLst>
+    <dgm:txEffectClrLst/>
+  </dgm:styleLbl>
+  <dgm:styleLbl name="trBgShp">
+    <dgm:fillClrLst meth="repeat">
+      <a:schemeClr val="accent1">
+        <a:tint val="50000"/>
+        <a:alpha val="40000"/>
+      </a:schemeClr>
+    </dgm:fillClrLst>
+    <dgm:linClrLst meth="repeat">
+      <a:schemeClr val="accent1"/>
+    </dgm:linClrLst>
+    <dgm:effectClrLst/>
+    <dgm:txLinClrLst/>
+    <dgm:txFillClrLst meth="repeat">
+      <a:schemeClr val="lt1"/>
+    </dgm:txFillClrLst>
+    <dgm:txEffectClrLst/>
+  </dgm:styleLbl>
+  <dgm:styleLbl name="fgShp">
+    <dgm:fillClrLst meth="repeat">
+      <a:schemeClr val="accent1">
+        <a:tint val="60000"/>
+      </a:schemeClr>
+    </dgm:fillClrLst>
+    <dgm:linClrLst meth="repeat">
+      <a:schemeClr val="lt1"/>
+    </dgm:linClrLst>
+    <dgm:effectClrLst/>
+    <dgm:txLinClrLst/>
+    <dgm:txFillClrLst meth="repeat">
+      <a:schemeClr val="dk1"/>
+    </dgm:txFillClrLst>
+    <dgm:txEffectClrLst/>
+  </dgm:styleLbl>
+  <dgm:styleLbl name="revTx">
+    <dgm:fillClrLst meth="repeat">
+      <a:schemeClr val="lt1">
+        <a:alpha val="0"/>
+      </a:schemeClr>
+    </dgm:fillClrLst>
+    <dgm:linClrLst meth="repeat">
+      <a:schemeClr val="dk1">
+        <a:alpha val="0"/>
+      </a:schemeClr>
+    </dgm:linClrLst>
+    <dgm:effectClrLst/>
+    <dgm:txLinClrLst/>
+    <dgm:txFillClrLst meth="repeat">
+      <a:schemeClr val="tx1"/>
+    </dgm:txFillClrLst>
+    <dgm:txEffectClrLst/>
+  </dgm:styleLbl>
+</dgm:colorsDef>
+</file>
+
+<file path=ppt/diagrams/colors6.xml><?xml version="1.0" encoding="utf-8"?>
 <dgm:colorsDef xmlns:dgm="http://schemas.openxmlformats.org/drawingml/2006/diagram" xmlns:a="http://schemas.openxmlformats.org/drawingml/2006/main" uniqueId="urn:microsoft.com/office/officeart/2005/8/colors/accent1_1">
   <dgm:title val=""/>
   <dgm:desc val=""/>
@@ -3245,7 +4741,7 @@
 </dgm:colorsDef>
 </file>
 
-<file path=ppt/diagrams/colors5.xml><?xml version="1.0" encoding="utf-8"?>
+<file path=ppt/diagrams/colors7.xml><?xml version="1.0" encoding="utf-8"?>
 <dgm:colorsDef xmlns:dgm="http://schemas.openxmlformats.org/drawingml/2006/diagram" xmlns:a="http://schemas.openxmlformats.org/drawingml/2006/main" uniqueId="urn:microsoft.com/office/officeart/2005/8/colors/accent1_2">
   <dgm:title val=""/>
   <dgm:desc val=""/>
@@ -3992,7 +5488,7 @@
 </dgm:colorsDef>
 </file>
 
-<file path=ppt/diagrams/colors6.xml><?xml version="1.0" encoding="utf-8"?>
+<file path=ppt/diagrams/colors8.xml><?xml version="1.0" encoding="utf-8"?>
 <dgm:colorsDef xmlns:dgm="http://schemas.openxmlformats.org/drawingml/2006/diagram" xmlns:a="http://schemas.openxmlformats.org/drawingml/2006/main" uniqueId="urn:microsoft.com/office/officeart/2005/8/colors/accent1_2">
   <dgm:title val=""/>
   <dgm:desc val=""/>
@@ -5622,6 +7118,526 @@
 <file path=ppt/diagrams/data4.xml><?xml version="1.0" encoding="utf-8"?>
 <dgm:dataModel xmlns:dgm="http://schemas.openxmlformats.org/drawingml/2006/diagram" xmlns:a="http://schemas.openxmlformats.org/drawingml/2006/main">
   <dgm:ptLst>
+    <dgm:pt modelId="{2F75B1D5-3E59-433E-936B-6B2D0A4818CD}" type="doc">
+      <dgm:prSet loTypeId="urn:microsoft.com/office/officeart/2005/8/layout/pyramid2" loCatId="pyramid" qsTypeId="urn:microsoft.com/office/officeart/2005/8/quickstyle/simple3" qsCatId="simple" csTypeId="urn:microsoft.com/office/officeart/2005/8/colors/accent1_2" csCatId="accent1" phldr="1"/>
+      <dgm:spPr/>
+    </dgm:pt>
+    <dgm:pt modelId="{A91B088F-826E-4EF2-A1D1-366413A0264E}">
+      <dgm:prSet phldrT="[Texto]" custT="1"/>
+      <dgm:spPr/>
+      <dgm:t>
+        <a:bodyPr/>
+        <a:lstStyle/>
+        <a:p>
+          <a:pPr algn="just"/>
+          <a:r>
+            <a:rPr lang="es-US" sz="2000" dirty="0">
+              <a:effectLst/>
+              <a:latin typeface="Arial" panose="020B0604020202020204" pitchFamily="34" charset="0"/>
+              <a:ea typeface="Calibri" panose="020F0502020204030204" pitchFamily="34" charset="0"/>
+              <a:cs typeface="Arial" panose="020B0604020202020204" pitchFamily="34" charset="0"/>
+            </a:rPr>
+            <a:t>El futuro del biogás es prometedor, ya que su papel en las estrategias de energía renovable sigue creciendo a nivel mundial</a:t>
+          </a:r>
+          <a:endParaRPr lang="es-US" sz="2000" dirty="0">
+            <a:latin typeface="Arial" panose="020B0604020202020204" pitchFamily="34" charset="0"/>
+            <a:cs typeface="Arial" panose="020B0604020202020204" pitchFamily="34" charset="0"/>
+          </a:endParaRPr>
+        </a:p>
+      </dgm:t>
+    </dgm:pt>
+    <dgm:pt modelId="{F1D38874-E4B8-45D6-AC7D-2A883BBCDC22}" type="parTrans" cxnId="{A30F0B7A-0446-43AC-B64C-6931113EA1F9}">
+      <dgm:prSet/>
+      <dgm:spPr/>
+      <dgm:t>
+        <a:bodyPr/>
+        <a:lstStyle/>
+        <a:p>
+          <a:endParaRPr lang="es-US"/>
+        </a:p>
+      </dgm:t>
+    </dgm:pt>
+    <dgm:pt modelId="{40E99B8D-565E-4E8A-B914-CFCCAEB33FA2}" type="sibTrans" cxnId="{A30F0B7A-0446-43AC-B64C-6931113EA1F9}">
+      <dgm:prSet/>
+      <dgm:spPr/>
+      <dgm:t>
+        <a:bodyPr/>
+        <a:lstStyle/>
+        <a:p>
+          <a:endParaRPr lang="es-US"/>
+        </a:p>
+      </dgm:t>
+    </dgm:pt>
+    <dgm:pt modelId="{925F0340-438B-45FF-B6D9-24FF472696E2}">
+      <dgm:prSet phldrT="[Texto]" custT="1"/>
+      <dgm:spPr/>
+      <dgm:t>
+        <a:bodyPr/>
+        <a:lstStyle/>
+        <a:p>
+          <a:pPr algn="just"/>
+          <a:r>
+            <a:rPr lang="es-US" sz="2000" dirty="0">
+              <a:effectLst/>
+              <a:latin typeface="Arial" panose="020B0604020202020204" pitchFamily="34" charset="0"/>
+              <a:ea typeface="Calibri" panose="020F0502020204030204" pitchFamily="34" charset="0"/>
+              <a:cs typeface="Arial" panose="020B0604020202020204" pitchFamily="34" charset="0"/>
+            </a:rPr>
+            <a:t>La adopción de economías circulares y sistemas de energía sostenible coloca al biogás como un recurso clave para reducir la dependencia de combustibles fósiles</a:t>
+          </a:r>
+          <a:endParaRPr lang="es-US" sz="2000" dirty="0">
+            <a:latin typeface="Arial" panose="020B0604020202020204" pitchFamily="34" charset="0"/>
+            <a:cs typeface="Arial" panose="020B0604020202020204" pitchFamily="34" charset="0"/>
+          </a:endParaRPr>
+        </a:p>
+      </dgm:t>
+    </dgm:pt>
+    <dgm:pt modelId="{43CE5734-99B9-4F88-971D-93D5E9A7FD2C}" type="parTrans" cxnId="{56BC90C4-DC81-49D5-91ED-595202A48589}">
+      <dgm:prSet/>
+      <dgm:spPr/>
+      <dgm:t>
+        <a:bodyPr/>
+        <a:lstStyle/>
+        <a:p>
+          <a:endParaRPr lang="es-US"/>
+        </a:p>
+      </dgm:t>
+    </dgm:pt>
+    <dgm:pt modelId="{2EEC8ED0-D12A-4821-B9B8-10E75C66B52A}" type="sibTrans" cxnId="{56BC90C4-DC81-49D5-91ED-595202A48589}">
+      <dgm:prSet/>
+      <dgm:spPr/>
+      <dgm:t>
+        <a:bodyPr/>
+        <a:lstStyle/>
+        <a:p>
+          <a:endParaRPr lang="es-US"/>
+        </a:p>
+      </dgm:t>
+    </dgm:pt>
+    <dgm:pt modelId="{ACC9005B-B9C3-408A-B04D-A2CD0A90ACF1}">
+      <dgm:prSet phldrT="[Texto]" custT="1"/>
+      <dgm:spPr/>
+      <dgm:t>
+        <a:bodyPr/>
+        <a:lstStyle/>
+        <a:p>
+          <a:pPr algn="just">
+            <a:buSzPts val="1000"/>
+            <a:buFont typeface="Courier New" panose="02070309020205020404" pitchFamily="49" charset="0"/>
+            <a:buChar char="o"/>
+          </a:pPr>
+          <a:r>
+            <a:rPr lang="es-US" sz="2000" dirty="0">
+              <a:effectLst/>
+              <a:latin typeface="Arial" panose="020B0604020202020204" pitchFamily="34" charset="0"/>
+              <a:ea typeface="Calibri" panose="020F0502020204030204" pitchFamily="34" charset="0"/>
+              <a:cs typeface="Arial" panose="020B0604020202020204" pitchFamily="34" charset="0"/>
+            </a:rPr>
+            <a:t>Las innovaciones en la producción de biogás, como la integración con otras tecnologías renovables, mejorarán su capacidad para contribuir a la transición energética</a:t>
+          </a:r>
+          <a:endParaRPr lang="es-US" sz="2000" dirty="0">
+            <a:latin typeface="Arial" panose="020B0604020202020204" pitchFamily="34" charset="0"/>
+            <a:cs typeface="Arial" panose="020B0604020202020204" pitchFamily="34" charset="0"/>
+          </a:endParaRPr>
+        </a:p>
+      </dgm:t>
+    </dgm:pt>
+    <dgm:pt modelId="{28FBB3B1-D183-4594-A968-7448B1342E84}" type="parTrans" cxnId="{2C8E9031-E78C-4325-9A08-AD24074BEB33}">
+      <dgm:prSet/>
+      <dgm:spPr/>
+      <dgm:t>
+        <a:bodyPr/>
+        <a:lstStyle/>
+        <a:p>
+          <a:endParaRPr lang="es-US"/>
+        </a:p>
+      </dgm:t>
+    </dgm:pt>
+    <dgm:pt modelId="{2C09AB73-6A96-4914-982A-5BD01FA510EF}" type="sibTrans" cxnId="{2C8E9031-E78C-4325-9A08-AD24074BEB33}">
+      <dgm:prSet/>
+      <dgm:spPr/>
+      <dgm:t>
+        <a:bodyPr/>
+        <a:lstStyle/>
+        <a:p>
+          <a:endParaRPr lang="es-US"/>
+        </a:p>
+      </dgm:t>
+    </dgm:pt>
+    <dgm:pt modelId="{1ED13C05-2FB4-49D9-963D-50A7EAADDC16}" type="pres">
+      <dgm:prSet presAssocID="{2F75B1D5-3E59-433E-936B-6B2D0A4818CD}" presName="compositeShape" presStyleCnt="0">
+        <dgm:presLayoutVars>
+          <dgm:dir/>
+          <dgm:resizeHandles/>
+        </dgm:presLayoutVars>
+      </dgm:prSet>
+      <dgm:spPr/>
+    </dgm:pt>
+    <dgm:pt modelId="{C136892C-5A83-4CBB-BA23-76D94C89DFD2}" type="pres">
+      <dgm:prSet presAssocID="{2F75B1D5-3E59-433E-936B-6B2D0A4818CD}" presName="pyramid" presStyleLbl="node1" presStyleIdx="0" presStyleCnt="1"/>
+      <dgm:spPr/>
+    </dgm:pt>
+    <dgm:pt modelId="{E23564DE-7E62-4E7E-A5DB-474861DEDC4F}" type="pres">
+      <dgm:prSet presAssocID="{2F75B1D5-3E59-433E-936B-6B2D0A4818CD}" presName="theList" presStyleCnt="0"/>
+      <dgm:spPr/>
+    </dgm:pt>
+    <dgm:pt modelId="{74E1EF27-197F-427E-AE6C-C3D58586B7D6}" type="pres">
+      <dgm:prSet presAssocID="{A91B088F-826E-4EF2-A1D1-366413A0264E}" presName="aNode" presStyleLbl="fgAcc1" presStyleIdx="0" presStyleCnt="3" custScaleX="272976">
+        <dgm:presLayoutVars>
+          <dgm:bulletEnabled val="1"/>
+        </dgm:presLayoutVars>
+      </dgm:prSet>
+      <dgm:spPr/>
+    </dgm:pt>
+    <dgm:pt modelId="{32AD64D0-0624-4617-8F26-59BDE58BD1F7}" type="pres">
+      <dgm:prSet presAssocID="{A91B088F-826E-4EF2-A1D1-366413A0264E}" presName="aSpace" presStyleCnt="0"/>
+      <dgm:spPr/>
+    </dgm:pt>
+    <dgm:pt modelId="{BF5B6500-FBEF-4C45-9B34-15C228B030A3}" type="pres">
+      <dgm:prSet presAssocID="{925F0340-438B-45FF-B6D9-24FF472696E2}" presName="aNode" presStyleLbl="fgAcc1" presStyleIdx="1" presStyleCnt="3" custScaleX="269636">
+        <dgm:presLayoutVars>
+          <dgm:bulletEnabled val="1"/>
+        </dgm:presLayoutVars>
+      </dgm:prSet>
+      <dgm:spPr/>
+    </dgm:pt>
+    <dgm:pt modelId="{4DC41EA5-C8D0-465C-BDBD-BF491C2BB4EF}" type="pres">
+      <dgm:prSet presAssocID="{925F0340-438B-45FF-B6D9-24FF472696E2}" presName="aSpace" presStyleCnt="0"/>
+      <dgm:spPr/>
+    </dgm:pt>
+    <dgm:pt modelId="{4D926E7D-4931-4721-B3FC-F015F4CBBD18}" type="pres">
+      <dgm:prSet presAssocID="{ACC9005B-B9C3-408A-B04D-A2CD0A90ACF1}" presName="aNode" presStyleLbl="fgAcc1" presStyleIdx="2" presStyleCnt="3" custScaleX="267510">
+        <dgm:presLayoutVars>
+          <dgm:bulletEnabled val="1"/>
+        </dgm:presLayoutVars>
+      </dgm:prSet>
+      <dgm:spPr/>
+    </dgm:pt>
+    <dgm:pt modelId="{C19FE47D-240E-4E8A-BC7F-7B2F62CA4526}" type="pres">
+      <dgm:prSet presAssocID="{ACC9005B-B9C3-408A-B04D-A2CD0A90ACF1}" presName="aSpace" presStyleCnt="0"/>
+      <dgm:spPr/>
+    </dgm:pt>
+  </dgm:ptLst>
+  <dgm:cxnLst>
+    <dgm:cxn modelId="{B83C8722-E13C-46B5-B36A-9A847C0997D9}" type="presOf" srcId="{ACC9005B-B9C3-408A-B04D-A2CD0A90ACF1}" destId="{4D926E7D-4931-4721-B3FC-F015F4CBBD18}" srcOrd="0" destOrd="0" presId="urn:microsoft.com/office/officeart/2005/8/layout/pyramid2"/>
+    <dgm:cxn modelId="{2C8E9031-E78C-4325-9A08-AD24074BEB33}" srcId="{2F75B1D5-3E59-433E-936B-6B2D0A4818CD}" destId="{ACC9005B-B9C3-408A-B04D-A2CD0A90ACF1}" srcOrd="2" destOrd="0" parTransId="{28FBB3B1-D183-4594-A968-7448B1342E84}" sibTransId="{2C09AB73-6A96-4914-982A-5BD01FA510EF}"/>
+    <dgm:cxn modelId="{A30F0B7A-0446-43AC-B64C-6931113EA1F9}" srcId="{2F75B1D5-3E59-433E-936B-6B2D0A4818CD}" destId="{A91B088F-826E-4EF2-A1D1-366413A0264E}" srcOrd="0" destOrd="0" parTransId="{F1D38874-E4B8-45D6-AC7D-2A883BBCDC22}" sibTransId="{40E99B8D-565E-4E8A-B914-CFCCAEB33FA2}"/>
+    <dgm:cxn modelId="{DE25A27C-571F-48D2-BE8C-ACD7905C6470}" type="presOf" srcId="{925F0340-438B-45FF-B6D9-24FF472696E2}" destId="{BF5B6500-FBEF-4C45-9B34-15C228B030A3}" srcOrd="0" destOrd="0" presId="urn:microsoft.com/office/officeart/2005/8/layout/pyramid2"/>
+    <dgm:cxn modelId="{3251DCBD-65E3-4FA5-886A-6A6EBB8E493F}" type="presOf" srcId="{2F75B1D5-3E59-433E-936B-6B2D0A4818CD}" destId="{1ED13C05-2FB4-49D9-963D-50A7EAADDC16}" srcOrd="0" destOrd="0" presId="urn:microsoft.com/office/officeart/2005/8/layout/pyramid2"/>
+    <dgm:cxn modelId="{56BC90C4-DC81-49D5-91ED-595202A48589}" srcId="{2F75B1D5-3E59-433E-936B-6B2D0A4818CD}" destId="{925F0340-438B-45FF-B6D9-24FF472696E2}" srcOrd="1" destOrd="0" parTransId="{43CE5734-99B9-4F88-971D-93D5E9A7FD2C}" sibTransId="{2EEC8ED0-D12A-4821-B9B8-10E75C66B52A}"/>
+    <dgm:cxn modelId="{8E3CABC7-18BA-454B-B0AE-61E1FFC85797}" type="presOf" srcId="{A91B088F-826E-4EF2-A1D1-366413A0264E}" destId="{74E1EF27-197F-427E-AE6C-C3D58586B7D6}" srcOrd="0" destOrd="0" presId="urn:microsoft.com/office/officeart/2005/8/layout/pyramid2"/>
+    <dgm:cxn modelId="{E6B68D06-E915-476A-88EE-D752C6A68251}" type="presParOf" srcId="{1ED13C05-2FB4-49D9-963D-50A7EAADDC16}" destId="{C136892C-5A83-4CBB-BA23-76D94C89DFD2}" srcOrd="0" destOrd="0" presId="urn:microsoft.com/office/officeart/2005/8/layout/pyramid2"/>
+    <dgm:cxn modelId="{4A97E29F-C25C-49B3-9005-3FB175E5E554}" type="presParOf" srcId="{1ED13C05-2FB4-49D9-963D-50A7EAADDC16}" destId="{E23564DE-7E62-4E7E-A5DB-474861DEDC4F}" srcOrd="1" destOrd="0" presId="urn:microsoft.com/office/officeart/2005/8/layout/pyramid2"/>
+    <dgm:cxn modelId="{1A3E6375-7198-40DF-B8DF-79F09FAF465B}" type="presParOf" srcId="{E23564DE-7E62-4E7E-A5DB-474861DEDC4F}" destId="{74E1EF27-197F-427E-AE6C-C3D58586B7D6}" srcOrd="0" destOrd="0" presId="urn:microsoft.com/office/officeart/2005/8/layout/pyramid2"/>
+    <dgm:cxn modelId="{0572EBA2-FC71-4522-8E95-F5FAF5D9667C}" type="presParOf" srcId="{E23564DE-7E62-4E7E-A5DB-474861DEDC4F}" destId="{32AD64D0-0624-4617-8F26-59BDE58BD1F7}" srcOrd="1" destOrd="0" presId="urn:microsoft.com/office/officeart/2005/8/layout/pyramid2"/>
+    <dgm:cxn modelId="{1776E940-B2DD-4194-8E9C-FCE2C45C37CD}" type="presParOf" srcId="{E23564DE-7E62-4E7E-A5DB-474861DEDC4F}" destId="{BF5B6500-FBEF-4C45-9B34-15C228B030A3}" srcOrd="2" destOrd="0" presId="urn:microsoft.com/office/officeart/2005/8/layout/pyramid2"/>
+    <dgm:cxn modelId="{4742A8D0-714B-4D45-AFF8-44631B23927E}" type="presParOf" srcId="{E23564DE-7E62-4E7E-A5DB-474861DEDC4F}" destId="{4DC41EA5-C8D0-465C-BDBD-BF491C2BB4EF}" srcOrd="3" destOrd="0" presId="urn:microsoft.com/office/officeart/2005/8/layout/pyramid2"/>
+    <dgm:cxn modelId="{1BE83907-395F-4705-AFCF-598CC4D5C601}" type="presParOf" srcId="{E23564DE-7E62-4E7E-A5DB-474861DEDC4F}" destId="{4D926E7D-4931-4721-B3FC-F015F4CBBD18}" srcOrd="4" destOrd="0" presId="urn:microsoft.com/office/officeart/2005/8/layout/pyramid2"/>
+    <dgm:cxn modelId="{5BD7011B-8D22-4881-A921-2BCB50D66B31}" type="presParOf" srcId="{E23564DE-7E62-4E7E-A5DB-474861DEDC4F}" destId="{C19FE47D-240E-4E8A-BC7F-7B2F62CA4526}" srcOrd="5" destOrd="0" presId="urn:microsoft.com/office/officeart/2005/8/layout/pyramid2"/>
+  </dgm:cxnLst>
+  <dgm:bg/>
+  <dgm:whole/>
+  <dgm:extLst>
+    <a:ext uri="http://schemas.microsoft.com/office/drawing/2008/diagram">
+      <dsp:dataModelExt xmlns:dsp="http://schemas.microsoft.com/office/drawing/2008/diagram" relId="rId7" minVer="http://schemas.openxmlformats.org/drawingml/2006/diagram"/>
+    </a:ext>
+  </dgm:extLst>
+</dgm:dataModel>
+</file>
+
+<file path=ppt/diagrams/data5.xml><?xml version="1.0" encoding="utf-8"?>
+<dgm:dataModel xmlns:dgm="http://schemas.openxmlformats.org/drawingml/2006/diagram" xmlns:a="http://schemas.openxmlformats.org/drawingml/2006/main">
+  <dgm:ptLst>
+    <dgm:pt modelId="{57BEB37B-F768-4C58-B062-9A5EEBAB92CC}" type="doc">
+      <dgm:prSet loTypeId="urn:microsoft.com/office/officeart/2005/8/layout/hList1" loCatId="list" qsTypeId="urn:microsoft.com/office/officeart/2005/8/quickstyle/simple3" qsCatId="simple" csTypeId="urn:microsoft.com/office/officeart/2005/8/colors/accent1_2" csCatId="accent1" phldr="1"/>
+      <dgm:spPr/>
+      <dgm:t>
+        <a:bodyPr/>
+        <a:lstStyle/>
+        <a:p>
+          <a:endParaRPr lang="es-US"/>
+        </a:p>
+      </dgm:t>
+    </dgm:pt>
+    <dgm:pt modelId="{61E2261C-411A-4D5F-B137-1F7FBD2B5FDB}">
+      <dgm:prSet phldrT="[Texto]" custT="1"/>
+      <dgm:spPr/>
+      <dgm:t>
+        <a:bodyPr/>
+        <a:lstStyle/>
+        <a:p>
+          <a:pPr algn="just"/>
+          <a:r>
+            <a:rPr lang="es-US" sz="2800" dirty="0">
+              <a:effectLst/>
+              <a:latin typeface="Arial" panose="020B0604020202020204" pitchFamily="34" charset="0"/>
+              <a:ea typeface="Calibri" panose="020F0502020204030204" pitchFamily="34" charset="0"/>
+              <a:cs typeface="Arial" panose="020B0604020202020204" pitchFamily="34" charset="0"/>
+            </a:rPr>
+            <a:t>La precisión y fiabilidad de los datos se garantizan mediante la implementación de:</a:t>
+          </a:r>
+          <a:endParaRPr lang="es-US" sz="2800" dirty="0">
+            <a:latin typeface="Arial" panose="020B0604020202020204" pitchFamily="34" charset="0"/>
+            <a:cs typeface="Arial" panose="020B0604020202020204" pitchFamily="34" charset="0"/>
+          </a:endParaRPr>
+        </a:p>
+      </dgm:t>
+    </dgm:pt>
+    <dgm:pt modelId="{D573F60B-8F6B-490A-9BC8-D4D089884F9F}" type="parTrans" cxnId="{5594565F-1BD3-461E-9F82-8D0546D47157}">
+      <dgm:prSet/>
+      <dgm:spPr/>
+      <dgm:t>
+        <a:bodyPr/>
+        <a:lstStyle/>
+        <a:p>
+          <a:endParaRPr lang="es-US"/>
+        </a:p>
+      </dgm:t>
+    </dgm:pt>
+    <dgm:pt modelId="{DDE23713-0945-4835-9C71-DDA1E1AAE590}" type="sibTrans" cxnId="{5594565F-1BD3-461E-9F82-8D0546D47157}">
+      <dgm:prSet/>
+      <dgm:spPr/>
+      <dgm:t>
+        <a:bodyPr/>
+        <a:lstStyle/>
+        <a:p>
+          <a:endParaRPr lang="es-US"/>
+        </a:p>
+      </dgm:t>
+    </dgm:pt>
+    <dgm:pt modelId="{07207FFD-FAC5-44A3-B735-EFB13B059019}">
+      <dgm:prSet phldrT="[Texto]" custT="1"/>
+      <dgm:spPr/>
+      <dgm:t>
+        <a:bodyPr/>
+        <a:lstStyle/>
+        <a:p>
+          <a:r>
+            <a:rPr lang="es-US" sz="2400" b="0" dirty="0">
+              <a:effectLst/>
+              <a:latin typeface="Arial" panose="020B0604020202020204" pitchFamily="34" charset="0"/>
+              <a:ea typeface="Calibri" panose="020F0502020204030204" pitchFamily="34" charset="0"/>
+              <a:cs typeface="Arial" panose="020B0604020202020204" pitchFamily="34" charset="0"/>
+            </a:rPr>
+            <a:t>Mecanismos de validación en tiempo real.</a:t>
+          </a:r>
+          <a:endParaRPr lang="es-US" sz="2400" b="0" dirty="0">
+            <a:latin typeface="Arial" panose="020B0604020202020204" pitchFamily="34" charset="0"/>
+            <a:cs typeface="Arial" panose="020B0604020202020204" pitchFamily="34" charset="0"/>
+          </a:endParaRPr>
+        </a:p>
+      </dgm:t>
+    </dgm:pt>
+    <dgm:pt modelId="{1B65F1EE-5C3F-42F0-8320-F31FDE44D241}" type="parTrans" cxnId="{3AEA79D6-335D-4D61-9E4C-3AF86810C126}">
+      <dgm:prSet/>
+      <dgm:spPr/>
+      <dgm:t>
+        <a:bodyPr/>
+        <a:lstStyle/>
+        <a:p>
+          <a:endParaRPr lang="es-US"/>
+        </a:p>
+      </dgm:t>
+    </dgm:pt>
+    <dgm:pt modelId="{ECB0F593-5869-4110-8E6A-24F4EE297757}" type="sibTrans" cxnId="{3AEA79D6-335D-4D61-9E4C-3AF86810C126}">
+      <dgm:prSet/>
+      <dgm:spPr/>
+      <dgm:t>
+        <a:bodyPr/>
+        <a:lstStyle/>
+        <a:p>
+          <a:endParaRPr lang="es-US"/>
+        </a:p>
+      </dgm:t>
+    </dgm:pt>
+    <dgm:pt modelId="{D5773C5B-0C49-40BA-BD4E-D1785A703E5F}">
+      <dgm:prSet phldrT="[Texto]" custT="1"/>
+      <dgm:spPr/>
+      <dgm:t>
+        <a:bodyPr/>
+        <a:lstStyle/>
+        <a:p>
+          <a:r>
+            <a:rPr lang="es-US" sz="2400" dirty="0">
+              <a:effectLst/>
+              <a:latin typeface="Arial" panose="020B0604020202020204" pitchFamily="34" charset="0"/>
+              <a:ea typeface="Calibri" panose="020F0502020204030204" pitchFamily="34" charset="0"/>
+              <a:cs typeface="Arial" panose="020B0604020202020204" pitchFamily="34" charset="0"/>
+            </a:rPr>
+            <a:t>Copias de seguridad regulares.</a:t>
+          </a:r>
+          <a:endParaRPr lang="es-US" sz="2400" dirty="0">
+            <a:latin typeface="Arial" panose="020B0604020202020204" pitchFamily="34" charset="0"/>
+            <a:cs typeface="Arial" panose="020B0604020202020204" pitchFamily="34" charset="0"/>
+          </a:endParaRPr>
+        </a:p>
+      </dgm:t>
+    </dgm:pt>
+    <dgm:pt modelId="{062A4226-A912-4A3E-AC69-F734FB8C7192}" type="parTrans" cxnId="{5587E234-B8C4-4A77-A738-2BC301BCF523}">
+      <dgm:prSet/>
+      <dgm:spPr/>
+      <dgm:t>
+        <a:bodyPr/>
+        <a:lstStyle/>
+        <a:p>
+          <a:endParaRPr lang="es-US"/>
+        </a:p>
+      </dgm:t>
+    </dgm:pt>
+    <dgm:pt modelId="{3426A451-CB87-4AA3-AA95-D1AA39DD46F5}" type="sibTrans" cxnId="{5587E234-B8C4-4A77-A738-2BC301BCF523}">
+      <dgm:prSet/>
+      <dgm:spPr/>
+      <dgm:t>
+        <a:bodyPr/>
+        <a:lstStyle/>
+        <a:p>
+          <a:endParaRPr lang="es-US"/>
+        </a:p>
+      </dgm:t>
+    </dgm:pt>
+    <dgm:pt modelId="{36436587-E670-4EAF-B0FF-CC3224A7DBE5}">
+      <dgm:prSet phldrT="[Texto]" custT="1"/>
+      <dgm:spPr/>
+      <dgm:t>
+        <a:bodyPr/>
+        <a:lstStyle/>
+        <a:p>
+          <a:endParaRPr lang="es-US" sz="2400" dirty="0">
+            <a:latin typeface="Arial" panose="020B0604020202020204" pitchFamily="34" charset="0"/>
+            <a:cs typeface="Arial" panose="020B0604020202020204" pitchFamily="34" charset="0"/>
+          </a:endParaRPr>
+        </a:p>
+      </dgm:t>
+    </dgm:pt>
+    <dgm:pt modelId="{52271E1E-8DBB-4734-B150-73311404C2F4}" type="parTrans" cxnId="{76058D90-4F12-48E2-A3DB-C611B0E92DB4}">
+      <dgm:prSet/>
+      <dgm:spPr/>
+      <dgm:t>
+        <a:bodyPr/>
+        <a:lstStyle/>
+        <a:p>
+          <a:endParaRPr lang="es-US"/>
+        </a:p>
+      </dgm:t>
+    </dgm:pt>
+    <dgm:pt modelId="{EB805499-0C0E-4386-A952-CF5FA666761C}" type="sibTrans" cxnId="{76058D90-4F12-48E2-A3DB-C611B0E92DB4}">
+      <dgm:prSet/>
+      <dgm:spPr/>
+      <dgm:t>
+        <a:bodyPr/>
+        <a:lstStyle/>
+        <a:p>
+          <a:endParaRPr lang="es-US"/>
+        </a:p>
+      </dgm:t>
+    </dgm:pt>
+    <dgm:pt modelId="{F61F0A7B-C2FE-4FD6-BC38-983C0AB47A16}">
+      <dgm:prSet phldrT="[Texto]" custT="1"/>
+      <dgm:spPr/>
+      <dgm:t>
+        <a:bodyPr/>
+        <a:lstStyle/>
+        <a:p>
+          <a:r>
+            <a:rPr lang="es-US" sz="2400" dirty="0">
+              <a:effectLst/>
+              <a:latin typeface="Arial" panose="020B0604020202020204" pitchFamily="34" charset="0"/>
+              <a:ea typeface="Calibri" panose="020F0502020204030204" pitchFamily="34" charset="0"/>
+              <a:cs typeface="Arial" panose="020B0604020202020204" pitchFamily="34" charset="0"/>
+            </a:rPr>
+            <a:t>Mecanismos de manejo de errores que identifican y corrigen inconsistencias en los datos durante la entrada y procesamiento.</a:t>
+          </a:r>
+          <a:endParaRPr lang="es-US" sz="2400" dirty="0">
+            <a:latin typeface="Arial" panose="020B0604020202020204" pitchFamily="34" charset="0"/>
+            <a:cs typeface="Arial" panose="020B0604020202020204" pitchFamily="34" charset="0"/>
+          </a:endParaRPr>
+        </a:p>
+      </dgm:t>
+    </dgm:pt>
+    <dgm:pt modelId="{53E08235-EC5A-46E6-B145-BC1257F61519}" type="parTrans" cxnId="{9BDDFF28-D8C6-44FD-B19C-CA64F8874D67}">
+      <dgm:prSet/>
+      <dgm:spPr/>
+      <dgm:t>
+        <a:bodyPr/>
+        <a:lstStyle/>
+        <a:p>
+          <a:endParaRPr lang="es-US"/>
+        </a:p>
+      </dgm:t>
+    </dgm:pt>
+    <dgm:pt modelId="{184F087C-AFBD-457F-AA26-BEC85A7C33DC}" type="sibTrans" cxnId="{9BDDFF28-D8C6-44FD-B19C-CA64F8874D67}">
+      <dgm:prSet/>
+      <dgm:spPr/>
+      <dgm:t>
+        <a:bodyPr/>
+        <a:lstStyle/>
+        <a:p>
+          <a:endParaRPr lang="es-US"/>
+        </a:p>
+      </dgm:t>
+    </dgm:pt>
+    <dgm:pt modelId="{C9E29255-0E04-4807-957F-2866B27D17A4}" type="pres">
+      <dgm:prSet presAssocID="{57BEB37B-F768-4C58-B062-9A5EEBAB92CC}" presName="Name0" presStyleCnt="0">
+        <dgm:presLayoutVars>
+          <dgm:dir/>
+          <dgm:animLvl val="lvl"/>
+          <dgm:resizeHandles val="exact"/>
+        </dgm:presLayoutVars>
+      </dgm:prSet>
+      <dgm:spPr/>
+    </dgm:pt>
+    <dgm:pt modelId="{60A2583C-32AA-40E0-A07A-E1ED9A687CA4}" type="pres">
+      <dgm:prSet presAssocID="{61E2261C-411A-4D5F-B137-1F7FBD2B5FDB}" presName="composite" presStyleCnt="0"/>
+      <dgm:spPr/>
+    </dgm:pt>
+    <dgm:pt modelId="{865DEF8F-7F56-4057-B90F-04DF305202C8}" type="pres">
+      <dgm:prSet presAssocID="{61E2261C-411A-4D5F-B137-1F7FBD2B5FDB}" presName="parTx" presStyleLbl="alignNode1" presStyleIdx="0" presStyleCnt="1">
+        <dgm:presLayoutVars>
+          <dgm:chMax val="0"/>
+          <dgm:chPref val="0"/>
+          <dgm:bulletEnabled val="1"/>
+        </dgm:presLayoutVars>
+      </dgm:prSet>
+      <dgm:spPr/>
+    </dgm:pt>
+    <dgm:pt modelId="{280B4585-0127-431D-B44C-B954F1CC10B7}" type="pres">
+      <dgm:prSet presAssocID="{61E2261C-411A-4D5F-B137-1F7FBD2B5FDB}" presName="desTx" presStyleLbl="alignAccFollowNode1" presStyleIdx="0" presStyleCnt="1" custScaleY="100000">
+        <dgm:presLayoutVars>
+          <dgm:bulletEnabled val="1"/>
+        </dgm:presLayoutVars>
+      </dgm:prSet>
+      <dgm:spPr/>
+    </dgm:pt>
+  </dgm:ptLst>
+  <dgm:cxnLst>
+    <dgm:cxn modelId="{3C035900-4E31-48C3-B3F7-BAEC7ADDE36C}" type="presOf" srcId="{F61F0A7B-C2FE-4FD6-BC38-983C0AB47A16}" destId="{280B4585-0127-431D-B44C-B954F1CC10B7}" srcOrd="0" destOrd="2" presId="urn:microsoft.com/office/officeart/2005/8/layout/hList1"/>
+    <dgm:cxn modelId="{EA59C60D-62AB-410B-9C82-06A3D61AF159}" type="presOf" srcId="{D5773C5B-0C49-40BA-BD4E-D1785A703E5F}" destId="{280B4585-0127-431D-B44C-B954F1CC10B7}" srcOrd="0" destOrd="1" presId="urn:microsoft.com/office/officeart/2005/8/layout/hList1"/>
+    <dgm:cxn modelId="{9BDDFF28-D8C6-44FD-B19C-CA64F8874D67}" srcId="{61E2261C-411A-4D5F-B137-1F7FBD2B5FDB}" destId="{F61F0A7B-C2FE-4FD6-BC38-983C0AB47A16}" srcOrd="2" destOrd="0" parTransId="{53E08235-EC5A-46E6-B145-BC1257F61519}" sibTransId="{184F087C-AFBD-457F-AA26-BEC85A7C33DC}"/>
+    <dgm:cxn modelId="{5587E234-B8C4-4A77-A738-2BC301BCF523}" srcId="{61E2261C-411A-4D5F-B137-1F7FBD2B5FDB}" destId="{D5773C5B-0C49-40BA-BD4E-D1785A703E5F}" srcOrd="1" destOrd="0" parTransId="{062A4226-A912-4A3E-AC69-F734FB8C7192}" sibTransId="{3426A451-CB87-4AA3-AA95-D1AA39DD46F5}"/>
+    <dgm:cxn modelId="{5594565F-1BD3-461E-9F82-8D0546D47157}" srcId="{57BEB37B-F768-4C58-B062-9A5EEBAB92CC}" destId="{61E2261C-411A-4D5F-B137-1F7FBD2B5FDB}" srcOrd="0" destOrd="0" parTransId="{D573F60B-8F6B-490A-9BC8-D4D089884F9F}" sibTransId="{DDE23713-0945-4835-9C71-DDA1E1AAE590}"/>
+    <dgm:cxn modelId="{6B916760-9593-413B-A2C0-6F4FFCA0AFCD}" type="presOf" srcId="{07207FFD-FAC5-44A3-B735-EFB13B059019}" destId="{280B4585-0127-431D-B44C-B954F1CC10B7}" srcOrd="0" destOrd="0" presId="urn:microsoft.com/office/officeart/2005/8/layout/hList1"/>
+    <dgm:cxn modelId="{76058D90-4F12-48E2-A3DB-C611B0E92DB4}" srcId="{61E2261C-411A-4D5F-B137-1F7FBD2B5FDB}" destId="{36436587-E670-4EAF-B0FF-CC3224A7DBE5}" srcOrd="3" destOrd="0" parTransId="{52271E1E-8DBB-4734-B150-73311404C2F4}" sibTransId="{EB805499-0C0E-4386-A952-CF5FA666761C}"/>
+    <dgm:cxn modelId="{EE627397-2F63-4A45-AB6F-002876D72F07}" type="presOf" srcId="{57BEB37B-F768-4C58-B062-9A5EEBAB92CC}" destId="{C9E29255-0E04-4807-957F-2866B27D17A4}" srcOrd="0" destOrd="0" presId="urn:microsoft.com/office/officeart/2005/8/layout/hList1"/>
+    <dgm:cxn modelId="{196720A1-61AA-4A0F-B443-9A1044B8DF14}" type="presOf" srcId="{36436587-E670-4EAF-B0FF-CC3224A7DBE5}" destId="{280B4585-0127-431D-B44C-B954F1CC10B7}" srcOrd="0" destOrd="3" presId="urn:microsoft.com/office/officeart/2005/8/layout/hList1"/>
+    <dgm:cxn modelId="{3AEA79D6-335D-4D61-9E4C-3AF86810C126}" srcId="{61E2261C-411A-4D5F-B137-1F7FBD2B5FDB}" destId="{07207FFD-FAC5-44A3-B735-EFB13B059019}" srcOrd="0" destOrd="0" parTransId="{1B65F1EE-5C3F-42F0-8320-F31FDE44D241}" sibTransId="{ECB0F593-5869-4110-8E6A-24F4EE297757}"/>
+    <dgm:cxn modelId="{D22654DC-370C-41B8-B086-BEA729FE67FB}" type="presOf" srcId="{61E2261C-411A-4D5F-B137-1F7FBD2B5FDB}" destId="{865DEF8F-7F56-4057-B90F-04DF305202C8}" srcOrd="0" destOrd="0" presId="urn:microsoft.com/office/officeart/2005/8/layout/hList1"/>
+    <dgm:cxn modelId="{F5AFEF7A-AFDF-49A1-9DE5-E86946E83022}" type="presParOf" srcId="{C9E29255-0E04-4807-957F-2866B27D17A4}" destId="{60A2583C-32AA-40E0-A07A-E1ED9A687CA4}" srcOrd="0" destOrd="0" presId="urn:microsoft.com/office/officeart/2005/8/layout/hList1"/>
+    <dgm:cxn modelId="{093E642F-81A3-4F00-A764-4A0706776B33}" type="presParOf" srcId="{60A2583C-32AA-40E0-A07A-E1ED9A687CA4}" destId="{865DEF8F-7F56-4057-B90F-04DF305202C8}" srcOrd="0" destOrd="0" presId="urn:microsoft.com/office/officeart/2005/8/layout/hList1"/>
+    <dgm:cxn modelId="{51D2F9DD-2129-47DB-88DD-DDEBE29843FE}" type="presParOf" srcId="{60A2583C-32AA-40E0-A07A-E1ED9A687CA4}" destId="{280B4585-0127-431D-B44C-B954F1CC10B7}" srcOrd="1" destOrd="0" presId="urn:microsoft.com/office/officeart/2005/8/layout/hList1"/>
+  </dgm:cxnLst>
+  <dgm:bg/>
+  <dgm:whole/>
+  <dgm:extLst>
+    <a:ext uri="http://schemas.microsoft.com/office/drawing/2008/diagram">
+      <dsp:dataModelExt xmlns:dsp="http://schemas.microsoft.com/office/drawing/2008/diagram" relId="rId7" minVer="http://schemas.openxmlformats.org/drawingml/2006/diagram"/>
+    </a:ext>
+  </dgm:extLst>
+</dgm:dataModel>
+</file>
+
+<file path=ppt/diagrams/data6.xml><?xml version="1.0" encoding="utf-8"?>
+<dgm:dataModel xmlns:dgm="http://schemas.openxmlformats.org/drawingml/2006/diagram" xmlns:a="http://schemas.openxmlformats.org/drawingml/2006/main">
+  <dgm:ptLst>
     <dgm:pt modelId="{742F164E-F968-4DDB-A009-A4FA3A7DB067}" type="doc">
       <dgm:prSet loTypeId="urn:microsoft.com/office/officeart/2005/8/layout/list1" loCatId="list" qsTypeId="urn:microsoft.com/office/officeart/2005/8/quickstyle/simple1" qsCatId="simple" csTypeId="urn:microsoft.com/office/officeart/2005/8/colors/accent1_1" csCatId="accent1" phldr="1"/>
       <dgm:spPr/>
@@ -5916,7 +7932,7 @@
 </dgm:dataModel>
 </file>
 
-<file path=ppt/diagrams/data5.xml><?xml version="1.0" encoding="utf-8"?>
+<file path=ppt/diagrams/data7.xml><?xml version="1.0" encoding="utf-8"?>
 <dgm:dataModel xmlns:dgm="http://schemas.openxmlformats.org/drawingml/2006/diagram" xmlns:a="http://schemas.openxmlformats.org/drawingml/2006/main">
   <dgm:ptLst>
     <dgm:pt modelId="{AA0574A3-8786-4934-BF30-02471DB4D948}" type="doc">
@@ -6179,7 +8195,7 @@
 </dgm:dataModel>
 </file>
 
-<file path=ppt/diagrams/data6.xml><?xml version="1.0" encoding="utf-8"?>
+<file path=ppt/diagrams/data8.xml><?xml version="1.0" encoding="utf-8"?>
 <dgm:dataModel xmlns:dgm="http://schemas.openxmlformats.org/drawingml/2006/diagram" xmlns:a="http://schemas.openxmlformats.org/drawingml/2006/main">
   <dgm:ptLst>
     <dgm:pt modelId="{74F81F7B-0272-4B03-852D-4FF85A312A4B}" type="doc">
@@ -8051,6 +10067,646 @@
       <dsp:cNvGrpSpPr/>
     </dsp:nvGrpSpPr>
     <dsp:grpSpPr/>
+    <dsp:sp modelId="{C136892C-5A83-4CBB-BA23-76D94C89DFD2}">
+      <dsp:nvSpPr>
+        <dsp:cNvPr id="0" name=""/>
+        <dsp:cNvSpPr/>
+      </dsp:nvSpPr>
+      <dsp:spPr>
+        <a:xfrm>
+          <a:off x="445168" y="0"/>
+          <a:ext cx="5418667" cy="5418667"/>
+        </a:xfrm>
+        <a:prstGeom prst="triangle">
+          <a:avLst/>
+        </a:prstGeom>
+        <a:gradFill rotWithShape="0">
+          <a:gsLst>
+            <a:gs pos="0">
+              <a:schemeClr val="accent1">
+                <a:hueOff val="0"/>
+                <a:satOff val="0"/>
+                <a:lumOff val="0"/>
+                <a:alphaOff val="0"/>
+                <a:lumMod val="110000"/>
+                <a:satMod val="105000"/>
+                <a:tint val="67000"/>
+              </a:schemeClr>
+            </a:gs>
+            <a:gs pos="50000">
+              <a:schemeClr val="accent1">
+                <a:hueOff val="0"/>
+                <a:satOff val="0"/>
+                <a:lumOff val="0"/>
+                <a:alphaOff val="0"/>
+                <a:lumMod val="105000"/>
+                <a:satMod val="103000"/>
+                <a:tint val="73000"/>
+              </a:schemeClr>
+            </a:gs>
+            <a:gs pos="100000">
+              <a:schemeClr val="accent1">
+                <a:hueOff val="0"/>
+                <a:satOff val="0"/>
+                <a:lumOff val="0"/>
+                <a:alphaOff val="0"/>
+                <a:lumMod val="105000"/>
+                <a:satMod val="109000"/>
+                <a:tint val="81000"/>
+              </a:schemeClr>
+            </a:gs>
+          </a:gsLst>
+          <a:lin ang="5400000" scaled="0"/>
+        </a:gradFill>
+        <a:ln>
+          <a:noFill/>
+        </a:ln>
+        <a:effectLst/>
+        <a:scene3d>
+          <a:camera prst="orthographicFront"/>
+          <a:lightRig rig="flat" dir="t"/>
+        </a:scene3d>
+        <a:sp3d prstMaterial="dkEdge">
+          <a:bevelT w="8200" h="38100"/>
+        </a:sp3d>
+      </dsp:spPr>
+      <dsp:style>
+        <a:lnRef idx="0">
+          <a:scrgbClr r="0" g="0" b="0"/>
+        </a:lnRef>
+        <a:fillRef idx="2">
+          <a:scrgbClr r="0" g="0" b="0"/>
+        </a:fillRef>
+        <a:effectRef idx="1">
+          <a:scrgbClr r="0" g="0" b="0"/>
+        </a:effectRef>
+        <a:fontRef idx="minor">
+          <a:schemeClr val="dk1"/>
+        </a:fontRef>
+      </dsp:style>
+    </dsp:sp>
+    <dsp:sp modelId="{74E1EF27-197F-427E-AE6C-C3D58586B7D6}">
+      <dsp:nvSpPr>
+        <dsp:cNvPr id="0" name=""/>
+        <dsp:cNvSpPr/>
+      </dsp:nvSpPr>
+      <dsp:spPr>
+        <a:xfrm>
+          <a:off x="108278" y="544777"/>
+          <a:ext cx="9614579" cy="1282700"/>
+        </a:xfrm>
+        <a:prstGeom prst="roundRect">
+          <a:avLst/>
+        </a:prstGeom>
+        <a:solidFill>
+          <a:schemeClr val="lt1">
+            <a:alpha val="90000"/>
+            <a:hueOff val="0"/>
+            <a:satOff val="0"/>
+            <a:lumOff val="0"/>
+            <a:alphaOff val="0"/>
+          </a:schemeClr>
+        </a:solidFill>
+        <a:ln w="6350" cap="flat" cmpd="sng" algn="ctr">
+          <a:solidFill>
+            <a:schemeClr val="accent1">
+              <a:hueOff val="0"/>
+              <a:satOff val="0"/>
+              <a:lumOff val="0"/>
+              <a:alphaOff val="0"/>
+            </a:schemeClr>
+          </a:solidFill>
+          <a:prstDash val="solid"/>
+          <a:miter lim="800000"/>
+        </a:ln>
+        <a:effectLst/>
+      </dsp:spPr>
+      <dsp:style>
+        <a:lnRef idx="1">
+          <a:scrgbClr r="0" g="0" b="0"/>
+        </a:lnRef>
+        <a:fillRef idx="1">
+          <a:scrgbClr r="0" g="0" b="0"/>
+        </a:fillRef>
+        <a:effectRef idx="0">
+          <a:scrgbClr r="0" g="0" b="0"/>
+        </a:effectRef>
+        <a:fontRef idx="minor"/>
+      </dsp:style>
+      <dsp:txBody>
+        <a:bodyPr spcFirstLastPara="0" vert="horz" wrap="square" lIns="76200" tIns="76200" rIns="76200" bIns="76200" numCol="1" spcCol="1270" anchor="ctr" anchorCtr="0">
+          <a:noAutofit/>
+        </a:bodyPr>
+        <a:lstStyle/>
+        <a:p>
+          <a:pPr marL="0" lvl="0" indent="0" algn="just" defTabSz="889000">
+            <a:lnSpc>
+              <a:spcPct val="90000"/>
+            </a:lnSpc>
+            <a:spcBef>
+              <a:spcPct val="0"/>
+            </a:spcBef>
+            <a:spcAft>
+              <a:spcPct val="35000"/>
+            </a:spcAft>
+            <a:buNone/>
+          </a:pPr>
+          <a:r>
+            <a:rPr lang="es-US" sz="2000" kern="1200" dirty="0">
+              <a:effectLst/>
+              <a:latin typeface="Arial" panose="020B0604020202020204" pitchFamily="34" charset="0"/>
+              <a:ea typeface="Calibri" panose="020F0502020204030204" pitchFamily="34" charset="0"/>
+              <a:cs typeface="Arial" panose="020B0604020202020204" pitchFamily="34" charset="0"/>
+            </a:rPr>
+            <a:t>El futuro del biogás es prometedor, ya que su papel en las estrategias de energía renovable sigue creciendo a nivel mundial</a:t>
+          </a:r>
+          <a:endParaRPr lang="es-US" sz="2000" kern="1200" dirty="0">
+            <a:latin typeface="Arial" panose="020B0604020202020204" pitchFamily="34" charset="0"/>
+            <a:cs typeface="Arial" panose="020B0604020202020204" pitchFamily="34" charset="0"/>
+          </a:endParaRPr>
+        </a:p>
+      </dsp:txBody>
+      <dsp:txXfrm>
+        <a:off x="170894" y="607393"/>
+        <a:ext cx="9489347" cy="1157468"/>
+      </dsp:txXfrm>
+    </dsp:sp>
+    <dsp:sp modelId="{BF5B6500-FBEF-4C45-9B34-15C228B030A3}">
+      <dsp:nvSpPr>
+        <dsp:cNvPr id="0" name=""/>
+        <dsp:cNvSpPr/>
+      </dsp:nvSpPr>
+      <dsp:spPr>
+        <a:xfrm>
+          <a:off x="167098" y="1987814"/>
+          <a:ext cx="9496940" cy="1282700"/>
+        </a:xfrm>
+        <a:prstGeom prst="roundRect">
+          <a:avLst/>
+        </a:prstGeom>
+        <a:solidFill>
+          <a:schemeClr val="lt1">
+            <a:alpha val="90000"/>
+            <a:hueOff val="0"/>
+            <a:satOff val="0"/>
+            <a:lumOff val="0"/>
+            <a:alphaOff val="0"/>
+          </a:schemeClr>
+        </a:solidFill>
+        <a:ln w="6350" cap="flat" cmpd="sng" algn="ctr">
+          <a:solidFill>
+            <a:schemeClr val="accent1">
+              <a:hueOff val="0"/>
+              <a:satOff val="0"/>
+              <a:lumOff val="0"/>
+              <a:alphaOff val="0"/>
+            </a:schemeClr>
+          </a:solidFill>
+          <a:prstDash val="solid"/>
+          <a:miter lim="800000"/>
+        </a:ln>
+        <a:effectLst/>
+      </dsp:spPr>
+      <dsp:style>
+        <a:lnRef idx="1">
+          <a:scrgbClr r="0" g="0" b="0"/>
+        </a:lnRef>
+        <a:fillRef idx="1">
+          <a:scrgbClr r="0" g="0" b="0"/>
+        </a:fillRef>
+        <a:effectRef idx="0">
+          <a:scrgbClr r="0" g="0" b="0"/>
+        </a:effectRef>
+        <a:fontRef idx="minor"/>
+      </dsp:style>
+      <dsp:txBody>
+        <a:bodyPr spcFirstLastPara="0" vert="horz" wrap="square" lIns="76200" tIns="76200" rIns="76200" bIns="76200" numCol="1" spcCol="1270" anchor="ctr" anchorCtr="0">
+          <a:noAutofit/>
+        </a:bodyPr>
+        <a:lstStyle/>
+        <a:p>
+          <a:pPr marL="0" lvl="0" indent="0" algn="just" defTabSz="889000">
+            <a:lnSpc>
+              <a:spcPct val="90000"/>
+            </a:lnSpc>
+            <a:spcBef>
+              <a:spcPct val="0"/>
+            </a:spcBef>
+            <a:spcAft>
+              <a:spcPct val="35000"/>
+            </a:spcAft>
+            <a:buNone/>
+          </a:pPr>
+          <a:r>
+            <a:rPr lang="es-US" sz="2000" kern="1200" dirty="0">
+              <a:effectLst/>
+              <a:latin typeface="Arial" panose="020B0604020202020204" pitchFamily="34" charset="0"/>
+              <a:ea typeface="Calibri" panose="020F0502020204030204" pitchFamily="34" charset="0"/>
+              <a:cs typeface="Arial" panose="020B0604020202020204" pitchFamily="34" charset="0"/>
+            </a:rPr>
+            <a:t>La adopción de economías circulares y sistemas de energía sostenible coloca al biogás como un recurso clave para reducir la dependencia de combustibles fósiles</a:t>
+          </a:r>
+          <a:endParaRPr lang="es-US" sz="2000" kern="1200" dirty="0">
+            <a:latin typeface="Arial" panose="020B0604020202020204" pitchFamily="34" charset="0"/>
+            <a:cs typeface="Arial" panose="020B0604020202020204" pitchFamily="34" charset="0"/>
+          </a:endParaRPr>
+        </a:p>
+      </dsp:txBody>
+      <dsp:txXfrm>
+        <a:off x="229714" y="2050430"/>
+        <a:ext cx="9371708" cy="1157468"/>
+      </dsp:txXfrm>
+    </dsp:sp>
+    <dsp:sp modelId="{4D926E7D-4931-4721-B3FC-F015F4CBBD18}">
+      <dsp:nvSpPr>
+        <dsp:cNvPr id="0" name=""/>
+        <dsp:cNvSpPr/>
+      </dsp:nvSpPr>
+      <dsp:spPr>
+        <a:xfrm>
+          <a:off x="204538" y="3430852"/>
+          <a:ext cx="9422059" cy="1282700"/>
+        </a:xfrm>
+        <a:prstGeom prst="roundRect">
+          <a:avLst/>
+        </a:prstGeom>
+        <a:solidFill>
+          <a:schemeClr val="lt1">
+            <a:alpha val="90000"/>
+            <a:hueOff val="0"/>
+            <a:satOff val="0"/>
+            <a:lumOff val="0"/>
+            <a:alphaOff val="0"/>
+          </a:schemeClr>
+        </a:solidFill>
+        <a:ln w="6350" cap="flat" cmpd="sng" algn="ctr">
+          <a:solidFill>
+            <a:schemeClr val="accent1">
+              <a:hueOff val="0"/>
+              <a:satOff val="0"/>
+              <a:lumOff val="0"/>
+              <a:alphaOff val="0"/>
+            </a:schemeClr>
+          </a:solidFill>
+          <a:prstDash val="solid"/>
+          <a:miter lim="800000"/>
+        </a:ln>
+        <a:effectLst/>
+      </dsp:spPr>
+      <dsp:style>
+        <a:lnRef idx="1">
+          <a:scrgbClr r="0" g="0" b="0"/>
+        </a:lnRef>
+        <a:fillRef idx="1">
+          <a:scrgbClr r="0" g="0" b="0"/>
+        </a:fillRef>
+        <a:effectRef idx="0">
+          <a:scrgbClr r="0" g="0" b="0"/>
+        </a:effectRef>
+        <a:fontRef idx="minor"/>
+      </dsp:style>
+      <dsp:txBody>
+        <a:bodyPr spcFirstLastPara="0" vert="horz" wrap="square" lIns="76200" tIns="76200" rIns="76200" bIns="76200" numCol="1" spcCol="1270" anchor="ctr" anchorCtr="0">
+          <a:noAutofit/>
+        </a:bodyPr>
+        <a:lstStyle/>
+        <a:p>
+          <a:pPr marL="0" lvl="0" indent="0" algn="just" defTabSz="889000">
+            <a:lnSpc>
+              <a:spcPct val="90000"/>
+            </a:lnSpc>
+            <a:spcBef>
+              <a:spcPct val="0"/>
+            </a:spcBef>
+            <a:spcAft>
+              <a:spcPct val="35000"/>
+            </a:spcAft>
+            <a:buSzPts val="1000"/>
+            <a:buFont typeface="Courier New" panose="02070309020205020404" pitchFamily="49" charset="0"/>
+            <a:buNone/>
+          </a:pPr>
+          <a:r>
+            <a:rPr lang="es-US" sz="2000" kern="1200" dirty="0">
+              <a:effectLst/>
+              <a:latin typeface="Arial" panose="020B0604020202020204" pitchFamily="34" charset="0"/>
+              <a:ea typeface="Calibri" panose="020F0502020204030204" pitchFamily="34" charset="0"/>
+              <a:cs typeface="Arial" panose="020B0604020202020204" pitchFamily="34" charset="0"/>
+            </a:rPr>
+            <a:t>Las innovaciones en la producción de biogás, como la integración con otras tecnologías renovables, mejorarán su capacidad para contribuir a la transición energética</a:t>
+          </a:r>
+          <a:endParaRPr lang="es-US" sz="2000" kern="1200" dirty="0">
+            <a:latin typeface="Arial" panose="020B0604020202020204" pitchFamily="34" charset="0"/>
+            <a:cs typeface="Arial" panose="020B0604020202020204" pitchFamily="34" charset="0"/>
+          </a:endParaRPr>
+        </a:p>
+      </dsp:txBody>
+      <dsp:txXfrm>
+        <a:off x="267154" y="3493468"/>
+        <a:ext cx="9296827" cy="1157468"/>
+      </dsp:txXfrm>
+    </dsp:sp>
+  </dsp:spTree>
+</dsp:drawing>
+</file>
+
+<file path=ppt/diagrams/drawing5.xml><?xml version="1.0" encoding="utf-8"?>
+<dsp:drawing xmlns:dgm="http://schemas.openxmlformats.org/drawingml/2006/diagram" xmlns:dsp="http://schemas.microsoft.com/office/drawing/2008/diagram" xmlns:a="http://schemas.openxmlformats.org/drawingml/2006/main">
+  <dsp:spTree>
+    <dsp:nvGrpSpPr>
+      <dsp:cNvPr id="0" name=""/>
+      <dsp:cNvGrpSpPr/>
+    </dsp:nvGrpSpPr>
+    <dsp:grpSpPr/>
+    <dsp:sp modelId="{865DEF8F-7F56-4057-B90F-04DF305202C8}">
+      <dsp:nvSpPr>
+        <dsp:cNvPr id="0" name=""/>
+        <dsp:cNvSpPr/>
+      </dsp:nvSpPr>
+      <dsp:spPr>
+        <a:xfrm>
+          <a:off x="0" y="361752"/>
+          <a:ext cx="10912642" cy="1872000"/>
+        </a:xfrm>
+        <a:prstGeom prst="rect">
+          <a:avLst/>
+        </a:prstGeom>
+        <a:gradFill rotWithShape="0">
+          <a:gsLst>
+            <a:gs pos="0">
+              <a:schemeClr val="accent1">
+                <a:hueOff val="0"/>
+                <a:satOff val="0"/>
+                <a:lumOff val="0"/>
+                <a:alphaOff val="0"/>
+                <a:lumMod val="110000"/>
+                <a:satMod val="105000"/>
+                <a:tint val="67000"/>
+              </a:schemeClr>
+            </a:gs>
+            <a:gs pos="50000">
+              <a:schemeClr val="accent1">
+                <a:hueOff val="0"/>
+                <a:satOff val="0"/>
+                <a:lumOff val="0"/>
+                <a:alphaOff val="0"/>
+                <a:lumMod val="105000"/>
+                <a:satMod val="103000"/>
+                <a:tint val="73000"/>
+              </a:schemeClr>
+            </a:gs>
+            <a:gs pos="100000">
+              <a:schemeClr val="accent1">
+                <a:hueOff val="0"/>
+                <a:satOff val="0"/>
+                <a:lumOff val="0"/>
+                <a:alphaOff val="0"/>
+                <a:lumMod val="105000"/>
+                <a:satMod val="109000"/>
+                <a:tint val="81000"/>
+              </a:schemeClr>
+            </a:gs>
+          </a:gsLst>
+          <a:lin ang="5400000" scaled="0"/>
+        </a:gradFill>
+        <a:ln w="6350" cap="flat" cmpd="sng" algn="ctr">
+          <a:solidFill>
+            <a:schemeClr val="accent1">
+              <a:hueOff val="0"/>
+              <a:satOff val="0"/>
+              <a:lumOff val="0"/>
+              <a:alphaOff val="0"/>
+            </a:schemeClr>
+          </a:solidFill>
+          <a:prstDash val="solid"/>
+          <a:miter lim="800000"/>
+        </a:ln>
+        <a:effectLst/>
+      </dsp:spPr>
+      <dsp:style>
+        <a:lnRef idx="1">
+          <a:scrgbClr r="0" g="0" b="0"/>
+        </a:lnRef>
+        <a:fillRef idx="2">
+          <a:scrgbClr r="0" g="0" b="0"/>
+        </a:fillRef>
+        <a:effectRef idx="1">
+          <a:scrgbClr r="0" g="0" b="0"/>
+        </a:effectRef>
+        <a:fontRef idx="minor">
+          <a:schemeClr val="dk1"/>
+        </a:fontRef>
+      </dsp:style>
+      <dsp:txBody>
+        <a:bodyPr spcFirstLastPara="0" vert="horz" wrap="square" lIns="199136" tIns="113792" rIns="199136" bIns="113792" numCol="1" spcCol="1270" anchor="ctr" anchorCtr="0">
+          <a:noAutofit/>
+        </a:bodyPr>
+        <a:lstStyle/>
+        <a:p>
+          <a:pPr marL="0" lvl="0" indent="0" algn="just" defTabSz="1244600">
+            <a:lnSpc>
+              <a:spcPct val="90000"/>
+            </a:lnSpc>
+            <a:spcBef>
+              <a:spcPct val="0"/>
+            </a:spcBef>
+            <a:spcAft>
+              <a:spcPct val="35000"/>
+            </a:spcAft>
+            <a:buNone/>
+          </a:pPr>
+          <a:r>
+            <a:rPr lang="es-US" sz="2800" kern="1200" dirty="0">
+              <a:effectLst/>
+              <a:latin typeface="Arial" panose="020B0604020202020204" pitchFamily="34" charset="0"/>
+              <a:ea typeface="Calibri" panose="020F0502020204030204" pitchFamily="34" charset="0"/>
+              <a:cs typeface="Arial" panose="020B0604020202020204" pitchFamily="34" charset="0"/>
+            </a:rPr>
+            <a:t>La precisión y fiabilidad de los datos se garantizan mediante la implementación de:</a:t>
+          </a:r>
+          <a:endParaRPr lang="es-US" sz="2800" kern="1200" dirty="0">
+            <a:latin typeface="Arial" panose="020B0604020202020204" pitchFamily="34" charset="0"/>
+            <a:cs typeface="Arial" panose="020B0604020202020204" pitchFamily="34" charset="0"/>
+          </a:endParaRPr>
+        </a:p>
+      </dsp:txBody>
+      <dsp:txXfrm>
+        <a:off x="0" y="361752"/>
+        <a:ext cx="10912642" cy="1872000"/>
+      </dsp:txXfrm>
+    </dsp:sp>
+    <dsp:sp modelId="{280B4585-0127-431D-B44C-B954F1CC10B7}">
+      <dsp:nvSpPr>
+        <dsp:cNvPr id="0" name=""/>
+        <dsp:cNvSpPr/>
+      </dsp:nvSpPr>
+      <dsp:spPr>
+        <a:xfrm>
+          <a:off x="0" y="2233752"/>
+          <a:ext cx="10912642" cy="2854800"/>
+        </a:xfrm>
+        <a:prstGeom prst="rect">
+          <a:avLst/>
+        </a:prstGeom>
+        <a:solidFill>
+          <a:schemeClr val="accent1">
+            <a:alpha val="90000"/>
+            <a:tint val="40000"/>
+            <a:hueOff val="0"/>
+            <a:satOff val="0"/>
+            <a:lumOff val="0"/>
+            <a:alphaOff val="0"/>
+          </a:schemeClr>
+        </a:solidFill>
+        <a:ln w="6350" cap="flat" cmpd="sng" algn="ctr">
+          <a:solidFill>
+            <a:schemeClr val="accent1">
+              <a:alpha val="90000"/>
+              <a:tint val="40000"/>
+              <a:hueOff val="0"/>
+              <a:satOff val="0"/>
+              <a:lumOff val="0"/>
+              <a:alphaOff val="0"/>
+            </a:schemeClr>
+          </a:solidFill>
+          <a:prstDash val="solid"/>
+          <a:miter lim="800000"/>
+        </a:ln>
+        <a:effectLst/>
+      </dsp:spPr>
+      <dsp:style>
+        <a:lnRef idx="1">
+          <a:scrgbClr r="0" g="0" b="0"/>
+        </a:lnRef>
+        <a:fillRef idx="1">
+          <a:scrgbClr r="0" g="0" b="0"/>
+        </a:fillRef>
+        <a:effectRef idx="0">
+          <a:scrgbClr r="0" g="0" b="0"/>
+        </a:effectRef>
+        <a:fontRef idx="minor"/>
+      </dsp:style>
+      <dsp:txBody>
+        <a:bodyPr spcFirstLastPara="0" vert="horz" wrap="square" lIns="128016" tIns="128016" rIns="170688" bIns="192024" numCol="1" spcCol="1270" anchor="t" anchorCtr="0">
+          <a:noAutofit/>
+        </a:bodyPr>
+        <a:lstStyle/>
+        <a:p>
+          <a:pPr marL="228600" lvl="1" indent="-228600" algn="l" defTabSz="1066800">
+            <a:lnSpc>
+              <a:spcPct val="90000"/>
+            </a:lnSpc>
+            <a:spcBef>
+              <a:spcPct val="0"/>
+            </a:spcBef>
+            <a:spcAft>
+              <a:spcPct val="15000"/>
+            </a:spcAft>
+            <a:buChar char="•"/>
+          </a:pPr>
+          <a:r>
+            <a:rPr lang="es-US" sz="2400" b="0" kern="1200" dirty="0">
+              <a:effectLst/>
+              <a:latin typeface="Arial" panose="020B0604020202020204" pitchFamily="34" charset="0"/>
+              <a:ea typeface="Calibri" panose="020F0502020204030204" pitchFamily="34" charset="0"/>
+              <a:cs typeface="Arial" panose="020B0604020202020204" pitchFamily="34" charset="0"/>
+            </a:rPr>
+            <a:t>Mecanismos de validación en tiempo real.</a:t>
+          </a:r>
+          <a:endParaRPr lang="es-US" sz="2400" b="0" kern="1200" dirty="0">
+            <a:latin typeface="Arial" panose="020B0604020202020204" pitchFamily="34" charset="0"/>
+            <a:cs typeface="Arial" panose="020B0604020202020204" pitchFamily="34" charset="0"/>
+          </a:endParaRPr>
+        </a:p>
+        <a:p>
+          <a:pPr marL="228600" lvl="1" indent="-228600" algn="l" defTabSz="1066800">
+            <a:lnSpc>
+              <a:spcPct val="90000"/>
+            </a:lnSpc>
+            <a:spcBef>
+              <a:spcPct val="0"/>
+            </a:spcBef>
+            <a:spcAft>
+              <a:spcPct val="15000"/>
+            </a:spcAft>
+            <a:buChar char="•"/>
+          </a:pPr>
+          <a:r>
+            <a:rPr lang="es-US" sz="2400" kern="1200" dirty="0">
+              <a:effectLst/>
+              <a:latin typeface="Arial" panose="020B0604020202020204" pitchFamily="34" charset="0"/>
+              <a:ea typeface="Calibri" panose="020F0502020204030204" pitchFamily="34" charset="0"/>
+              <a:cs typeface="Arial" panose="020B0604020202020204" pitchFamily="34" charset="0"/>
+            </a:rPr>
+            <a:t>Copias de seguridad regulares.</a:t>
+          </a:r>
+          <a:endParaRPr lang="es-US" sz="2400" kern="1200" dirty="0">
+            <a:latin typeface="Arial" panose="020B0604020202020204" pitchFamily="34" charset="0"/>
+            <a:cs typeface="Arial" panose="020B0604020202020204" pitchFamily="34" charset="0"/>
+          </a:endParaRPr>
+        </a:p>
+        <a:p>
+          <a:pPr marL="228600" lvl="1" indent="-228600" algn="l" defTabSz="1066800">
+            <a:lnSpc>
+              <a:spcPct val="90000"/>
+            </a:lnSpc>
+            <a:spcBef>
+              <a:spcPct val="0"/>
+            </a:spcBef>
+            <a:spcAft>
+              <a:spcPct val="15000"/>
+            </a:spcAft>
+            <a:buChar char="•"/>
+          </a:pPr>
+          <a:r>
+            <a:rPr lang="es-US" sz="2400" kern="1200" dirty="0">
+              <a:effectLst/>
+              <a:latin typeface="Arial" panose="020B0604020202020204" pitchFamily="34" charset="0"/>
+              <a:ea typeface="Calibri" panose="020F0502020204030204" pitchFamily="34" charset="0"/>
+              <a:cs typeface="Arial" panose="020B0604020202020204" pitchFamily="34" charset="0"/>
+            </a:rPr>
+            <a:t>Mecanismos de manejo de errores que identifican y corrigen inconsistencias en los datos durante la entrada y procesamiento.</a:t>
+          </a:r>
+          <a:endParaRPr lang="es-US" sz="2400" kern="1200" dirty="0">
+            <a:latin typeface="Arial" panose="020B0604020202020204" pitchFamily="34" charset="0"/>
+            <a:cs typeface="Arial" panose="020B0604020202020204" pitchFamily="34" charset="0"/>
+          </a:endParaRPr>
+        </a:p>
+        <a:p>
+          <a:pPr marL="228600" lvl="1" indent="-228600" algn="l" defTabSz="1066800">
+            <a:lnSpc>
+              <a:spcPct val="90000"/>
+            </a:lnSpc>
+            <a:spcBef>
+              <a:spcPct val="0"/>
+            </a:spcBef>
+            <a:spcAft>
+              <a:spcPct val="15000"/>
+            </a:spcAft>
+            <a:buChar char="•"/>
+          </a:pPr>
+          <a:endParaRPr lang="es-US" sz="2400" kern="1200" dirty="0">
+            <a:latin typeface="Arial" panose="020B0604020202020204" pitchFamily="34" charset="0"/>
+            <a:cs typeface="Arial" panose="020B0604020202020204" pitchFamily="34" charset="0"/>
+          </a:endParaRPr>
+        </a:p>
+      </dsp:txBody>
+      <dsp:txXfrm>
+        <a:off x="0" y="2233752"/>
+        <a:ext cx="10912642" cy="2854800"/>
+      </dsp:txXfrm>
+    </dsp:sp>
+  </dsp:spTree>
+</dsp:drawing>
+</file>
+
+<file path=ppt/diagrams/drawing6.xml><?xml version="1.0" encoding="utf-8"?>
+<dsp:drawing xmlns:dgm="http://schemas.openxmlformats.org/drawingml/2006/diagram" xmlns:dsp="http://schemas.microsoft.com/office/drawing/2008/diagram" xmlns:a="http://schemas.openxmlformats.org/drawingml/2006/main">
+  <dsp:spTree>
+    <dsp:nvGrpSpPr>
+      <dsp:cNvPr id="0" name=""/>
+      <dsp:cNvGrpSpPr/>
+    </dsp:nvGrpSpPr>
+    <dsp:grpSpPr/>
     <dsp:sp modelId="{A8F721FD-38EF-432D-92F8-509B8519525E}">
       <dsp:nvSpPr>
         <dsp:cNvPr id="0" name=""/>
@@ -8469,7 +11125,7 @@
 </dsp:drawing>
 </file>
 
-<file path=ppt/diagrams/drawing5.xml><?xml version="1.0" encoding="utf-8"?>
+<file path=ppt/diagrams/drawing7.xml><?xml version="1.0" encoding="utf-8"?>
 <dsp:drawing xmlns:dgm="http://schemas.openxmlformats.org/drawingml/2006/diagram" xmlns:dsp="http://schemas.microsoft.com/office/drawing/2008/diagram" xmlns:a="http://schemas.openxmlformats.org/drawingml/2006/main">
   <dsp:spTree>
     <dsp:nvGrpSpPr>
@@ -9099,7 +11755,7 @@
 </dsp:drawing>
 </file>
 
-<file path=ppt/diagrams/drawing6.xml><?xml version="1.0" encoding="utf-8"?>
+<file path=ppt/diagrams/drawing8.xml><?xml version="1.0" encoding="utf-8"?>
 <dsp:drawing xmlns:dgm="http://schemas.openxmlformats.org/drawingml/2006/diagram" xmlns:dsp="http://schemas.microsoft.com/office/drawing/2008/diagram" xmlns:a="http://schemas.openxmlformats.org/drawingml/2006/main">
   <dsp:spTree>
     <dsp:nvGrpSpPr>
@@ -10474,6 +13130,352 @@
 </file>
 
 <file path=ppt/diagrams/layout4.xml><?xml version="1.0" encoding="utf-8"?>
+<dgm:layoutDef xmlns:dgm="http://schemas.openxmlformats.org/drawingml/2006/diagram" xmlns:a="http://schemas.openxmlformats.org/drawingml/2006/main" uniqueId="urn:microsoft.com/office/officeart/2005/8/layout/pyramid2">
+  <dgm:title val=""/>
+  <dgm:desc val=""/>
+  <dgm:catLst>
+    <dgm:cat type="pyramid" pri="3000"/>
+    <dgm:cat type="list" pri="21000"/>
+    <dgm:cat type="convert" pri="17000"/>
+  </dgm:catLst>
+  <dgm:sampData useDef="1">
+    <dgm:dataModel>
+      <dgm:ptLst/>
+      <dgm:bg/>
+      <dgm:whole/>
+    </dgm:dataModel>
+  </dgm:sampData>
+  <dgm:styleData useDef="1">
+    <dgm:dataModel>
+      <dgm:ptLst/>
+      <dgm:bg/>
+      <dgm:whole/>
+    </dgm:dataModel>
+  </dgm:styleData>
+  <dgm:clrData useDef="1">
+    <dgm:dataModel>
+      <dgm:ptLst/>
+      <dgm:bg/>
+      <dgm:whole/>
+    </dgm:dataModel>
+  </dgm:clrData>
+  <dgm:layoutNode name="compositeShape">
+    <dgm:alg type="composite"/>
+    <dgm:shape xmlns:r="http://schemas.openxmlformats.org/officeDocument/2006/relationships" r:blip="">
+      <dgm:adjLst/>
+    </dgm:shape>
+    <dgm:presOf/>
+    <dgm:varLst>
+      <dgm:dir/>
+      <dgm:resizeHandles/>
+    </dgm:varLst>
+    <dgm:choose name="Name0">
+      <dgm:if name="Name1" func="var" arg="dir" op="equ" val="norm">
+        <dgm:constrLst>
+          <dgm:constr type="w" for="ch" forName="pyramid" refType="h"/>
+          <dgm:constr type="h" for="ch" forName="pyramid" refType="h"/>
+          <dgm:constr type="h" for="ch" forName="theList" refType="h" fact="0.8"/>
+          <dgm:constr type="w" for="ch" forName="theList" refType="h" fact="0.65"/>
+          <dgm:constr type="ctrY" for="ch" forName="theList" refType="h" refFor="ch" refForName="pyramid" fact="0.5"/>
+          <dgm:constr type="l" for="ch" forName="theList" refType="w" refFor="ch" refForName="pyramid" fact="0.5"/>
+          <dgm:constr type="h" for="des" forName="aSpace" refType="h" fact="0.1"/>
+        </dgm:constrLst>
+      </dgm:if>
+      <dgm:else name="Name2">
+        <dgm:constrLst>
+          <dgm:constr type="w" for="ch" forName="pyramid" refType="h"/>
+          <dgm:constr type="h" for="ch" forName="pyramid" refType="h"/>
+          <dgm:constr type="h" for="ch" forName="theList" refType="h" fact="0.8"/>
+          <dgm:constr type="w" for="ch" forName="theList" refType="h" fact="0.65"/>
+          <dgm:constr type="ctrY" for="ch" forName="theList" refType="h" refFor="ch" refForName="pyramid" fact="0.5"/>
+          <dgm:constr type="r" for="ch" forName="theList" refType="w" refFor="ch" refForName="pyramid" fact="0.5"/>
+          <dgm:constr type="h" for="des" forName="aSpace" refType="h" fact="0.1"/>
+        </dgm:constrLst>
+      </dgm:else>
+    </dgm:choose>
+    <dgm:ruleLst/>
+    <dgm:choose name="Name3">
+      <dgm:if name="Name4" axis="ch" ptType="node" func="cnt" op="gte" val="1">
+        <dgm:layoutNode name="pyramid" styleLbl="node1">
+          <dgm:alg type="sp"/>
+          <dgm:shape xmlns:r="http://schemas.openxmlformats.org/officeDocument/2006/relationships" type="triangle" r:blip="">
+            <dgm:adjLst/>
+          </dgm:shape>
+          <dgm:presOf/>
+          <dgm:constrLst/>
+          <dgm:ruleLst/>
+        </dgm:layoutNode>
+        <dgm:layoutNode name="theList">
+          <dgm:alg type="lin">
+            <dgm:param type="linDir" val="fromT"/>
+          </dgm:alg>
+          <dgm:shape xmlns:r="http://schemas.openxmlformats.org/officeDocument/2006/relationships" r:blip="">
+            <dgm:adjLst/>
+          </dgm:shape>
+          <dgm:presOf/>
+          <dgm:constrLst>
+            <dgm:constr type="w" for="ch" forName="aNode" refType="w"/>
+            <dgm:constr type="h" for="ch" forName="aNode" refType="h"/>
+            <dgm:constr type="primFontSz" for="ch" ptType="node" op="equ"/>
+          </dgm:constrLst>
+          <dgm:ruleLst/>
+          <dgm:forEach name="aNodeForEach" axis="ch" ptType="node">
+            <dgm:layoutNode name="aNode" styleLbl="fgAcc1">
+              <dgm:varLst>
+                <dgm:bulletEnabled val="1"/>
+              </dgm:varLst>
+              <dgm:alg type="tx"/>
+              <dgm:shape xmlns:r="http://schemas.openxmlformats.org/officeDocument/2006/relationships" type="roundRect" r:blip="">
+                <dgm:adjLst/>
+              </dgm:shape>
+              <dgm:presOf axis="desOrSelf" ptType="node"/>
+              <dgm:constrLst>
+                <dgm:constr type="primFontSz" val="65"/>
+                <dgm:constr type="tMarg" refType="primFontSz" fact="0.3"/>
+                <dgm:constr type="bMarg" refType="primFontSz" fact="0.3"/>
+                <dgm:constr type="lMarg" refType="primFontSz" fact="0.3"/>
+                <dgm:constr type="rMarg" refType="primFontSz" fact="0.3"/>
+              </dgm:constrLst>
+              <dgm:ruleLst>
+                <dgm:rule type="primFontSz" val="5" fact="NaN" max="NaN"/>
+              </dgm:ruleLst>
+            </dgm:layoutNode>
+            <dgm:layoutNode name="aSpace">
+              <dgm:alg type="sp"/>
+              <dgm:shape xmlns:r="http://schemas.openxmlformats.org/officeDocument/2006/relationships" r:blip="">
+                <dgm:adjLst/>
+              </dgm:shape>
+              <dgm:presOf/>
+              <dgm:constrLst/>
+              <dgm:ruleLst/>
+            </dgm:layoutNode>
+          </dgm:forEach>
+        </dgm:layoutNode>
+      </dgm:if>
+      <dgm:else name="Name5"/>
+    </dgm:choose>
+  </dgm:layoutNode>
+</dgm:layoutDef>
+</file>
+
+<file path=ppt/diagrams/layout5.xml><?xml version="1.0" encoding="utf-8"?>
+<dgm:layoutDef xmlns:dgm="http://schemas.openxmlformats.org/drawingml/2006/diagram" xmlns:a="http://schemas.openxmlformats.org/drawingml/2006/main" uniqueId="urn:microsoft.com/office/officeart/2005/8/layout/hList1">
+  <dgm:title val=""/>
+  <dgm:desc val=""/>
+  <dgm:catLst>
+    <dgm:cat type="list" pri="5000"/>
+    <dgm:cat type="convert" pri="5000"/>
+  </dgm:catLst>
+  <dgm:sampData>
+    <dgm:dataModel>
+      <dgm:ptLst>
+        <dgm:pt modelId="0" type="doc"/>
+        <dgm:pt modelId="1">
+          <dgm:prSet phldr="1"/>
+        </dgm:pt>
+        <dgm:pt modelId="11">
+          <dgm:prSet phldr="1"/>
+        </dgm:pt>
+        <dgm:pt modelId="12">
+          <dgm:prSet phldr="1"/>
+        </dgm:pt>
+        <dgm:pt modelId="2">
+          <dgm:prSet phldr="1"/>
+        </dgm:pt>
+        <dgm:pt modelId="21">
+          <dgm:prSet phldr="1"/>
+        </dgm:pt>
+        <dgm:pt modelId="22">
+          <dgm:prSet phldr="1"/>
+        </dgm:pt>
+        <dgm:pt modelId="3">
+          <dgm:prSet phldr="1"/>
+        </dgm:pt>
+        <dgm:pt modelId="31">
+          <dgm:prSet phldr="1"/>
+        </dgm:pt>
+        <dgm:pt modelId="32">
+          <dgm:prSet phldr="1"/>
+        </dgm:pt>
+      </dgm:ptLst>
+      <dgm:cxnLst>
+        <dgm:cxn modelId="4" srcId="0" destId="1" srcOrd="0" destOrd="0"/>
+        <dgm:cxn modelId="5" srcId="0" destId="2" srcOrd="1" destOrd="0"/>
+        <dgm:cxn modelId="6" srcId="0" destId="3" srcOrd="2" destOrd="0"/>
+        <dgm:cxn modelId="13" srcId="1" destId="11" srcOrd="0" destOrd="0"/>
+        <dgm:cxn modelId="14" srcId="1" destId="12" srcOrd="1" destOrd="0"/>
+        <dgm:cxn modelId="23" srcId="2" destId="21" srcOrd="0" destOrd="0"/>
+        <dgm:cxn modelId="24" srcId="2" destId="22" srcOrd="1" destOrd="0"/>
+        <dgm:cxn modelId="33" srcId="3" destId="31" srcOrd="0" destOrd="0"/>
+        <dgm:cxn modelId="34" srcId="3" destId="32" srcOrd="1" destOrd="0"/>
+      </dgm:cxnLst>
+      <dgm:bg/>
+      <dgm:whole/>
+    </dgm:dataModel>
+  </dgm:sampData>
+  <dgm:styleData>
+    <dgm:dataModel>
+      <dgm:ptLst>
+        <dgm:pt modelId="0" type="doc"/>
+        <dgm:pt modelId="1">
+          <dgm:prSet phldr="1"/>
+        </dgm:pt>
+        <dgm:pt modelId="2">
+          <dgm:prSet phldr="1"/>
+        </dgm:pt>
+      </dgm:ptLst>
+      <dgm:cxnLst>
+        <dgm:cxn modelId="3" srcId="0" destId="1" srcOrd="0" destOrd="0"/>
+        <dgm:cxn modelId="4" srcId="0" destId="2" srcOrd="1" destOrd="0"/>
+      </dgm:cxnLst>
+      <dgm:bg/>
+      <dgm:whole/>
+    </dgm:dataModel>
+  </dgm:styleData>
+  <dgm:clrData>
+    <dgm:dataModel>
+      <dgm:ptLst>
+        <dgm:pt modelId="0" type="doc"/>
+        <dgm:pt modelId="1">
+          <dgm:prSet phldr="1"/>
+        </dgm:pt>
+        <dgm:pt modelId="2">
+          <dgm:prSet phldr="1"/>
+        </dgm:pt>
+        <dgm:pt modelId="3">
+          <dgm:prSet phldr="1"/>
+        </dgm:pt>
+        <dgm:pt modelId="4">
+          <dgm:prSet phldr="1"/>
+        </dgm:pt>
+      </dgm:ptLst>
+      <dgm:cxnLst>
+        <dgm:cxn modelId="5" srcId="0" destId="1" srcOrd="0" destOrd="0"/>
+        <dgm:cxn modelId="6" srcId="0" destId="2" srcOrd="1" destOrd="0"/>
+        <dgm:cxn modelId="7" srcId="0" destId="3" srcOrd="2" destOrd="0"/>
+        <dgm:cxn modelId="8" srcId="0" destId="4" srcOrd="3" destOrd="0"/>
+      </dgm:cxnLst>
+      <dgm:bg/>
+      <dgm:whole/>
+    </dgm:dataModel>
+  </dgm:clrData>
+  <dgm:layoutNode name="Name0">
+    <dgm:varLst>
+      <dgm:dir/>
+      <dgm:animLvl val="lvl"/>
+      <dgm:resizeHandles val="exact"/>
+    </dgm:varLst>
+    <dgm:choose name="Name1">
+      <dgm:if name="Name2" func="var" arg="dir" op="equ" val="norm">
+        <dgm:alg type="lin"/>
+      </dgm:if>
+      <dgm:else name="Name3">
+        <dgm:alg type="lin">
+          <dgm:param type="linDir" val="fromR"/>
+        </dgm:alg>
+      </dgm:else>
+    </dgm:choose>
+    <dgm:shape xmlns:r="http://schemas.openxmlformats.org/officeDocument/2006/relationships" r:blip="">
+      <dgm:adjLst/>
+    </dgm:shape>
+    <dgm:presOf/>
+    <dgm:constrLst>
+      <dgm:constr type="h" for="ch" forName="composite" refType="h"/>
+      <dgm:constr type="w" for="ch" forName="composite" refType="w"/>
+      <dgm:constr type="w" for="des" forName="parTx"/>
+      <dgm:constr type="h" for="des" forName="parTx" op="equ"/>
+      <dgm:constr type="w" for="des" forName="desTx"/>
+      <dgm:constr type="h" for="des" forName="desTx" op="equ"/>
+      <dgm:constr type="primFontSz" for="des" forName="parTx" val="65"/>
+      <dgm:constr type="secFontSz" for="des" forName="desTx" refType="primFontSz" refFor="des" refForName="parTx" op="equ"/>
+      <dgm:constr type="h" for="des" forName="parTx" refType="primFontSz" refFor="des" refForName="parTx" fact="0.8"/>
+      <dgm:constr type="h" for="des" forName="desTx" refType="primFontSz" refFor="des" refForName="parTx" fact="1.22"/>
+      <dgm:constr type="w" for="ch" forName="space" refType="w" refFor="ch" refForName="composite" op="equ" fact="0.14"/>
+    </dgm:constrLst>
+    <dgm:ruleLst>
+      <dgm:rule type="w" for="ch" forName="composite" val="0" fact="NaN" max="NaN"/>
+      <dgm:rule type="primFontSz" for="des" forName="parTx" val="5" fact="NaN" max="NaN"/>
+    </dgm:ruleLst>
+    <dgm:forEach name="Name4" axis="ch" ptType="node">
+      <dgm:layoutNode name="composite">
+        <dgm:alg type="composite"/>
+        <dgm:shape xmlns:r="http://schemas.openxmlformats.org/officeDocument/2006/relationships" r:blip="">
+          <dgm:adjLst/>
+        </dgm:shape>
+        <dgm:presOf/>
+        <dgm:constrLst>
+          <dgm:constr type="l" for="ch" forName="parTx"/>
+          <dgm:constr type="w" for="ch" forName="parTx" refType="w"/>
+          <dgm:constr type="t" for="ch" forName="parTx"/>
+          <dgm:constr type="l" for="ch" forName="desTx"/>
+          <dgm:constr type="w" for="ch" forName="desTx" refType="w" refFor="ch" refForName="parTx"/>
+          <dgm:constr type="t" for="ch" forName="desTx" refType="h" refFor="ch" refForName="parTx"/>
+        </dgm:constrLst>
+        <dgm:ruleLst>
+          <dgm:rule type="h" val="INF" fact="NaN" max="NaN"/>
+        </dgm:ruleLst>
+        <dgm:layoutNode name="parTx" styleLbl="alignNode1">
+          <dgm:varLst>
+            <dgm:chMax val="0"/>
+            <dgm:chPref val="0"/>
+            <dgm:bulletEnabled val="1"/>
+          </dgm:varLst>
+          <dgm:alg type="tx"/>
+          <dgm:shape xmlns:r="http://schemas.openxmlformats.org/officeDocument/2006/relationships" type="rect" r:blip="">
+            <dgm:adjLst/>
+          </dgm:shape>
+          <dgm:presOf axis="self" ptType="node"/>
+          <dgm:constrLst>
+            <dgm:constr type="h" refType="w" op="lte" fact="0.4"/>
+            <dgm:constr type="h"/>
+            <dgm:constr type="tMarg" refType="primFontSz" fact="0.32"/>
+            <dgm:constr type="bMarg" refType="primFontSz" fact="0.32"/>
+          </dgm:constrLst>
+          <dgm:ruleLst>
+            <dgm:rule type="h" val="INF" fact="NaN" max="NaN"/>
+          </dgm:ruleLst>
+        </dgm:layoutNode>
+        <dgm:layoutNode name="desTx" styleLbl="alignAccFollowNode1">
+          <dgm:varLst>
+            <dgm:bulletEnabled val="1"/>
+          </dgm:varLst>
+          <dgm:alg type="tx">
+            <dgm:param type="stBulletLvl" val="1"/>
+          </dgm:alg>
+          <dgm:shape xmlns:r="http://schemas.openxmlformats.org/officeDocument/2006/relationships" type="rect" r:blip="">
+            <dgm:adjLst/>
+          </dgm:shape>
+          <dgm:presOf axis="des" ptType="node"/>
+          <dgm:constrLst>
+            <dgm:constr type="secFontSz" val="65"/>
+            <dgm:constr type="primFontSz" refType="secFontSz"/>
+            <dgm:constr type="h"/>
+            <dgm:constr type="lMarg" refType="primFontSz" fact="0.42"/>
+            <dgm:constr type="tMarg" refType="primFontSz" fact="0.42"/>
+            <dgm:constr type="bMarg" refType="primFontSz" fact="0.63"/>
+          </dgm:constrLst>
+          <dgm:ruleLst>
+            <dgm:rule type="h" val="INF" fact="NaN" max="NaN"/>
+          </dgm:ruleLst>
+        </dgm:layoutNode>
+      </dgm:layoutNode>
+      <dgm:forEach name="Name5" axis="followSib" ptType="sibTrans" cnt="1">
+        <dgm:layoutNode name="space">
+          <dgm:alg type="sp"/>
+          <dgm:shape xmlns:r="http://schemas.openxmlformats.org/officeDocument/2006/relationships" r:blip="">
+            <dgm:adjLst/>
+          </dgm:shape>
+          <dgm:presOf/>
+          <dgm:constrLst/>
+          <dgm:ruleLst/>
+        </dgm:layoutNode>
+      </dgm:forEach>
+    </dgm:forEach>
+  </dgm:layoutNode>
+</dgm:layoutDef>
+</file>
+
+<file path=ppt/diagrams/layout6.xml><?xml version="1.0" encoding="utf-8"?>
 <dgm:layoutDef xmlns:dgm="http://schemas.openxmlformats.org/drawingml/2006/diagram" xmlns:a="http://schemas.openxmlformats.org/drawingml/2006/main" uniqueId="urn:microsoft.com/office/officeart/2005/8/layout/list1">
   <dgm:title val=""/>
   <dgm:desc val=""/>
@@ -10698,7 +13700,7 @@
 </dgm:layoutDef>
 </file>
 
-<file path=ppt/diagrams/layout5.xml><?xml version="1.0" encoding="utf-8"?>
+<file path=ppt/diagrams/layout7.xml><?xml version="1.0" encoding="utf-8"?>
 <dgm:layoutDef xmlns:dgm="http://schemas.openxmlformats.org/drawingml/2006/diagram" xmlns:a="http://schemas.openxmlformats.org/drawingml/2006/main" uniqueId="urn:microsoft.com/office/officeart/2008/layout/VerticalCurvedList">
   <dgm:title val=""/>
   <dgm:desc val=""/>
@@ -11976,7 +14978,7 @@
 </dgm:layoutDef>
 </file>
 
-<file path=ppt/diagrams/layout6.xml><?xml version="1.0" encoding="utf-8"?>
+<file path=ppt/diagrams/layout8.xml><?xml version="1.0" encoding="utf-8"?>
 <dgm:layoutDef xmlns:dgm="http://schemas.openxmlformats.org/drawingml/2006/diagram" xmlns:a="http://schemas.openxmlformats.org/drawingml/2006/main" uniqueId="urn:microsoft.com/office/officeart/2005/8/layout/hierarchy3">
   <dgm:title val=""/>
   <dgm:desc val=""/>
@@ -15651,11 +18653,11 @@
 </file>
 
 <file path=ppt/diagrams/quickStyle4.xml><?xml version="1.0" encoding="utf-8"?>
-<dgm:styleDef xmlns:dgm="http://schemas.openxmlformats.org/drawingml/2006/diagram" xmlns:a="http://schemas.openxmlformats.org/drawingml/2006/main" uniqueId="urn:microsoft.com/office/officeart/2005/8/quickstyle/simple1">
+<dgm:styleDef xmlns:dgm="http://schemas.openxmlformats.org/drawingml/2006/diagram" xmlns:a="http://schemas.openxmlformats.org/drawingml/2006/main" uniqueId="urn:microsoft.com/office/officeart/2005/8/quickstyle/simple3">
   <dgm:title val=""/>
   <dgm:desc val=""/>
   <dgm:catLst>
-    <dgm:cat type="simple" pri="10100"/>
+    <dgm:cat type="simple" pri="10300"/>
   </dgm:catLst>
   <dgm:scene3d>
     <a:camera prst="orthographicFront"/>
@@ -15664,59 +18666,65 @@
   <dgm:styleLbl name="node0">
     <dgm:scene3d>
       <a:camera prst="orthographicFront"/>
-      <a:lightRig rig="threePt" dir="t"/>
+      <a:lightRig rig="flat" dir="t"/>
     </dgm:scene3d>
-    <dgm:sp3d/>
+    <dgm:sp3d prstMaterial="dkEdge">
+      <a:bevelT w="8200" h="38100"/>
+    </dgm:sp3d>
     <dgm:txPr/>
     <dgm:style>
-      <a:lnRef idx="2">
+      <a:lnRef idx="0">
         <a:scrgbClr r="0" g="0" b="0"/>
       </a:lnRef>
-      <a:fillRef idx="1">
+      <a:fillRef idx="2">
         <a:scrgbClr r="0" g="0" b="0"/>
       </a:fillRef>
-      <a:effectRef idx="0">
+      <a:effectRef idx="1">
         <a:scrgbClr r="0" g="0" b="0"/>
       </a:effectRef>
       <a:fontRef idx="minor">
-        <a:schemeClr val="lt1"/>
+        <a:schemeClr val="dk1"/>
       </a:fontRef>
     </dgm:style>
   </dgm:styleLbl>
   <dgm:styleLbl name="lnNode1">
     <dgm:scene3d>
       <a:camera prst="orthographicFront"/>
-      <a:lightRig rig="threePt" dir="t"/>
+      <a:lightRig rig="flat" dir="t"/>
     </dgm:scene3d>
-    <dgm:sp3d/>
+    <dgm:sp3d prstMaterial="dkEdge">
+      <a:bevelT w="8200" h="38100"/>
+    </dgm:sp3d>
     <dgm:txPr/>
     <dgm:style>
-      <a:lnRef idx="2">
+      <a:lnRef idx="1">
         <a:scrgbClr r="0" g="0" b="0"/>
       </a:lnRef>
-      <a:fillRef idx="1">
+      <a:fillRef idx="2">
         <a:scrgbClr r="0" g="0" b="0"/>
       </a:fillRef>
       <a:effectRef idx="0">
         <a:scrgbClr r="0" g="0" b="0"/>
       </a:effectRef>
       <a:fontRef idx="minor">
-        <a:schemeClr val="lt1"/>
+        <a:schemeClr val="dk1"/>
       </a:fontRef>
     </dgm:style>
   </dgm:styleLbl>
   <dgm:styleLbl name="vennNode1">
     <dgm:scene3d>
       <a:camera prst="orthographicFront"/>
-      <a:lightRig rig="threePt" dir="t"/>
+      <a:lightRig rig="flat" dir="t"/>
     </dgm:scene3d>
-    <dgm:sp3d/>
+    <dgm:sp3d prstMaterial="dkEdge">
+      <a:bevelT w="8200" h="38100"/>
+    </dgm:sp3d>
     <dgm:txPr/>
     <dgm:style>
-      <a:lnRef idx="2">
+      <a:lnRef idx="0">
         <a:scrgbClr r="0" g="0" b="0"/>
       </a:lnRef>
-      <a:fillRef idx="1">
+      <a:fillRef idx="2">
         <a:scrgbClr r="0" g="0" b="0"/>
       </a:fillRef>
       <a:effectRef idx="0">
@@ -15735,105 +18743,113 @@
     <dgm:sp3d/>
     <dgm:txPr/>
     <dgm:style>
-      <a:lnRef idx="2">
+      <a:lnRef idx="1">
         <a:scrgbClr r="0" g="0" b="0"/>
       </a:lnRef>
-      <a:fillRef idx="1">
+      <a:fillRef idx="2">
         <a:scrgbClr r="0" g="0" b="0"/>
       </a:fillRef>
-      <a:effectRef idx="0">
+      <a:effectRef idx="1">
         <a:scrgbClr r="0" g="0" b="0"/>
       </a:effectRef>
       <a:fontRef idx="minor">
-        <a:schemeClr val="lt1"/>
+        <a:schemeClr val="dk1"/>
       </a:fontRef>
     </dgm:style>
   </dgm:styleLbl>
   <dgm:styleLbl name="node1">
     <dgm:scene3d>
       <a:camera prst="orthographicFront"/>
-      <a:lightRig rig="threePt" dir="t"/>
+      <a:lightRig rig="flat" dir="t"/>
     </dgm:scene3d>
-    <dgm:sp3d/>
+    <dgm:sp3d prstMaterial="dkEdge">
+      <a:bevelT w="8200" h="38100"/>
+    </dgm:sp3d>
     <dgm:txPr/>
     <dgm:style>
-      <a:lnRef idx="2">
+      <a:lnRef idx="0">
         <a:scrgbClr r="0" g="0" b="0"/>
       </a:lnRef>
-      <a:fillRef idx="1">
+      <a:fillRef idx="2">
         <a:scrgbClr r="0" g="0" b="0"/>
       </a:fillRef>
-      <a:effectRef idx="0">
+      <a:effectRef idx="1">
         <a:scrgbClr r="0" g="0" b="0"/>
       </a:effectRef>
       <a:fontRef idx="minor">
-        <a:schemeClr val="lt1"/>
+        <a:schemeClr val="dk1"/>
       </a:fontRef>
     </dgm:style>
   </dgm:styleLbl>
   <dgm:styleLbl name="node2">
     <dgm:scene3d>
       <a:camera prst="orthographicFront"/>
-      <a:lightRig rig="threePt" dir="t"/>
+      <a:lightRig rig="flat" dir="t"/>
     </dgm:scene3d>
-    <dgm:sp3d/>
+    <dgm:sp3d prstMaterial="dkEdge">
+      <a:bevelT w="8200" h="38100"/>
+    </dgm:sp3d>
     <dgm:txPr/>
     <dgm:style>
-      <a:lnRef idx="2">
+      <a:lnRef idx="0">
         <a:scrgbClr r="0" g="0" b="0"/>
       </a:lnRef>
-      <a:fillRef idx="1">
+      <a:fillRef idx="2">
         <a:scrgbClr r="0" g="0" b="0"/>
       </a:fillRef>
-      <a:effectRef idx="0">
+      <a:effectRef idx="1">
         <a:scrgbClr r="0" g="0" b="0"/>
       </a:effectRef>
       <a:fontRef idx="minor">
-        <a:schemeClr val="lt1"/>
+        <a:schemeClr val="dk1"/>
       </a:fontRef>
     </dgm:style>
   </dgm:styleLbl>
   <dgm:styleLbl name="node3">
     <dgm:scene3d>
       <a:camera prst="orthographicFront"/>
-      <a:lightRig rig="threePt" dir="t"/>
+      <a:lightRig rig="flat" dir="t"/>
     </dgm:scene3d>
-    <dgm:sp3d/>
+    <dgm:sp3d prstMaterial="dkEdge">
+      <a:bevelT w="8200" h="38100"/>
+    </dgm:sp3d>
     <dgm:txPr/>
     <dgm:style>
-      <a:lnRef idx="2">
+      <a:lnRef idx="0">
         <a:scrgbClr r="0" g="0" b="0"/>
       </a:lnRef>
-      <a:fillRef idx="1">
+      <a:fillRef idx="2">
         <a:scrgbClr r="0" g="0" b="0"/>
       </a:fillRef>
-      <a:effectRef idx="0">
+      <a:effectRef idx="1">
         <a:scrgbClr r="0" g="0" b="0"/>
       </a:effectRef>
       <a:fontRef idx="minor">
-        <a:schemeClr val="lt1"/>
+        <a:schemeClr val="dk1"/>
       </a:fontRef>
     </dgm:style>
   </dgm:styleLbl>
   <dgm:styleLbl name="node4">
     <dgm:scene3d>
       <a:camera prst="orthographicFront"/>
-      <a:lightRig rig="threePt" dir="t"/>
+      <a:lightRig rig="flat" dir="t"/>
     </dgm:scene3d>
-    <dgm:sp3d/>
+    <dgm:sp3d prstMaterial="dkEdge">
+      <a:bevelT w="8200" h="38100"/>
+    </dgm:sp3d>
     <dgm:txPr/>
     <dgm:style>
-      <a:lnRef idx="2">
+      <a:lnRef idx="0">
         <a:scrgbClr r="0" g="0" b="0"/>
       </a:lnRef>
-      <a:fillRef idx="1">
+      <a:fillRef idx="2">
         <a:scrgbClr r="0" g="0" b="0"/>
       </a:fillRef>
-      <a:effectRef idx="0">
+      <a:effectRef idx="1">
         <a:scrgbClr r="0" g="0" b="0"/>
       </a:effectRef>
       <a:fontRef idx="minor">
-        <a:schemeClr val="lt1"/>
+        <a:schemeClr val="dk1"/>
       </a:fontRef>
     </dgm:style>
   </dgm:styleLbl>
@@ -15845,13 +18861,13 @@
     <dgm:sp3d/>
     <dgm:txPr/>
     <dgm:style>
-      <a:lnRef idx="2">
+      <a:lnRef idx="1">
         <a:scrgbClr r="0" g="0" b="0"/>
       </a:lnRef>
       <a:fillRef idx="1">
         <a:scrgbClr r="0" g="0" b="0"/>
       </a:fillRef>
-      <a:effectRef idx="0">
+      <a:effectRef idx="1">
         <a:scrgbClr r="0" g="0" b="0"/>
       </a:effectRef>
       <a:fontRef idx="minor"/>
@@ -15865,13 +18881,13 @@
     <dgm:sp3d/>
     <dgm:txPr/>
     <dgm:style>
-      <a:lnRef idx="2">
+      <a:lnRef idx="1">
         <a:scrgbClr r="0" g="0" b="0"/>
       </a:lnRef>
       <a:fillRef idx="1">
         <a:scrgbClr r="0" g="0" b="0"/>
       </a:fillRef>
-      <a:effectRef idx="0">
+      <a:effectRef idx="1">
         <a:scrgbClr r="0" g="0" b="0"/>
       </a:effectRef>
       <a:fontRef idx="minor"/>
@@ -15885,13 +18901,13 @@
     <dgm:sp3d/>
     <dgm:txPr/>
     <dgm:style>
-      <a:lnRef idx="2">
+      <a:lnRef idx="1">
         <a:scrgbClr r="0" g="0" b="0"/>
       </a:lnRef>
       <a:fillRef idx="1">
         <a:scrgbClr r="0" g="0" b="0"/>
       </a:fillRef>
-      <a:effectRef idx="0">
+      <a:effectRef idx="1">
         <a:scrgbClr r="0" g="0" b="0"/>
       </a:effectRef>
       <a:fontRef idx="minor"/>
@@ -15908,14 +18924,14 @@
       <a:lnRef idx="0">
         <a:scrgbClr r="0" g="0" b="0"/>
       </a:lnRef>
-      <a:fillRef idx="1">
+      <a:fillRef idx="2">
         <a:scrgbClr r="0" g="0" b="0"/>
       </a:fillRef>
-      <a:effectRef idx="0">
+      <a:effectRef idx="1">
         <a:scrgbClr r="0" g="0" b="0"/>
       </a:effectRef>
       <a:fontRef idx="minor">
-        <a:schemeClr val="lt1"/>
+        <a:schemeClr val="dk1"/>
       </a:fontRef>
     </dgm:style>
   </dgm:styleLbl>
@@ -15930,14 +18946,14 @@
       <a:lnRef idx="0">
         <a:scrgbClr r="0" g="0" b="0"/>
       </a:lnRef>
-      <a:fillRef idx="1">
+      <a:fillRef idx="2">
         <a:scrgbClr r="0" g="0" b="0"/>
       </a:fillRef>
-      <a:effectRef idx="0">
+      <a:effectRef idx="1">
         <a:scrgbClr r="0" g="0" b="0"/>
       </a:effectRef>
       <a:fontRef idx="minor">
-        <a:schemeClr val="lt1"/>
+        <a:schemeClr val="dk1"/>
       </a:fontRef>
     </dgm:style>
   </dgm:styleLbl>
@@ -15952,14 +18968,14 @@
       <a:lnRef idx="0">
         <a:scrgbClr r="0" g="0" b="0"/>
       </a:lnRef>
-      <a:fillRef idx="1">
+      <a:fillRef idx="2">
         <a:scrgbClr r="0" g="0" b="0"/>
       </a:fillRef>
-      <a:effectRef idx="0">
+      <a:effectRef idx="1">
         <a:scrgbClr r="0" g="0" b="0"/>
       </a:effectRef>
       <a:fontRef idx="minor">
-        <a:schemeClr val="lt1"/>
+        <a:schemeClr val="dk1"/>
       </a:fontRef>
     </dgm:style>
   </dgm:styleLbl>
@@ -15991,13 +19007,13 @@
     <dgm:sp3d/>
     <dgm:txPr/>
     <dgm:style>
-      <a:lnRef idx="2">
+      <a:lnRef idx="1">
         <a:scrgbClr r="0" g="0" b="0"/>
       </a:lnRef>
-      <a:fillRef idx="1">
+      <a:fillRef idx="2">
         <a:scrgbClr r="0" g="0" b="0"/>
       </a:fillRef>
-      <a:effectRef idx="0">
+      <a:effectRef idx="1">
         <a:scrgbClr r="0" g="0" b="0"/>
       </a:effectRef>
       <a:fontRef idx="minor"/>
@@ -16006,110 +19022,120 @@
   <dgm:styleLbl name="asst0">
     <dgm:scene3d>
       <a:camera prst="orthographicFront"/>
-      <a:lightRig rig="threePt" dir="t"/>
+      <a:lightRig rig="flat" dir="t"/>
     </dgm:scene3d>
-    <dgm:sp3d/>
+    <dgm:sp3d prstMaterial="dkEdge">
+      <a:bevelT w="8200" h="38100"/>
+    </dgm:sp3d>
     <dgm:txPr/>
     <dgm:style>
-      <a:lnRef idx="2">
+      <a:lnRef idx="0">
         <a:scrgbClr r="0" g="0" b="0"/>
       </a:lnRef>
-      <a:fillRef idx="1">
+      <a:fillRef idx="2">
         <a:scrgbClr r="0" g="0" b="0"/>
       </a:fillRef>
-      <a:effectRef idx="0">
+      <a:effectRef idx="1">
         <a:scrgbClr r="0" g="0" b="0"/>
       </a:effectRef>
       <a:fontRef idx="minor">
-        <a:schemeClr val="lt1"/>
+        <a:schemeClr val="dk1"/>
       </a:fontRef>
     </dgm:style>
   </dgm:styleLbl>
   <dgm:styleLbl name="asst1">
     <dgm:scene3d>
       <a:camera prst="orthographicFront"/>
-      <a:lightRig rig="threePt" dir="t"/>
+      <a:lightRig rig="flat" dir="t"/>
     </dgm:scene3d>
-    <dgm:sp3d/>
+    <dgm:sp3d prstMaterial="dkEdge">
+      <a:bevelT w="8200" h="38100"/>
+    </dgm:sp3d>
     <dgm:txPr/>
     <dgm:style>
-      <a:lnRef idx="2">
+      <a:lnRef idx="0">
         <a:scrgbClr r="0" g="0" b="0"/>
       </a:lnRef>
-      <a:fillRef idx="1">
+      <a:fillRef idx="2">
         <a:scrgbClr r="0" g="0" b="0"/>
       </a:fillRef>
-      <a:effectRef idx="0">
+      <a:effectRef idx="1">
         <a:scrgbClr r="0" g="0" b="0"/>
       </a:effectRef>
       <a:fontRef idx="minor">
-        <a:schemeClr val="lt1"/>
+        <a:schemeClr val="dk1"/>
       </a:fontRef>
     </dgm:style>
   </dgm:styleLbl>
   <dgm:styleLbl name="asst2">
     <dgm:scene3d>
       <a:camera prst="orthographicFront"/>
-      <a:lightRig rig="threePt" dir="t"/>
+      <a:lightRig rig="flat" dir="t"/>
     </dgm:scene3d>
-    <dgm:sp3d/>
+    <dgm:sp3d prstMaterial="dkEdge">
+      <a:bevelT w="8200" h="38100"/>
+    </dgm:sp3d>
     <dgm:txPr/>
     <dgm:style>
-      <a:lnRef idx="2">
+      <a:lnRef idx="0">
         <a:scrgbClr r="0" g="0" b="0"/>
       </a:lnRef>
-      <a:fillRef idx="1">
+      <a:fillRef idx="2">
         <a:scrgbClr r="0" g="0" b="0"/>
       </a:fillRef>
-      <a:effectRef idx="0">
+      <a:effectRef idx="1">
         <a:scrgbClr r="0" g="0" b="0"/>
       </a:effectRef>
       <a:fontRef idx="minor">
-        <a:schemeClr val="lt1"/>
+        <a:schemeClr val="dk1"/>
       </a:fontRef>
     </dgm:style>
   </dgm:styleLbl>
   <dgm:styleLbl name="asst3">
     <dgm:scene3d>
       <a:camera prst="orthographicFront"/>
-      <a:lightRig rig="threePt" dir="t"/>
+      <a:lightRig rig="flat" dir="t"/>
     </dgm:scene3d>
-    <dgm:sp3d/>
+    <dgm:sp3d prstMaterial="dkEdge">
+      <a:bevelT w="8200" h="38100"/>
+    </dgm:sp3d>
     <dgm:txPr/>
     <dgm:style>
-      <a:lnRef idx="2">
+      <a:lnRef idx="0">
         <a:scrgbClr r="0" g="0" b="0"/>
       </a:lnRef>
-      <a:fillRef idx="1">
+      <a:fillRef idx="2">
         <a:scrgbClr r="0" g="0" b="0"/>
       </a:fillRef>
-      <a:effectRef idx="0">
+      <a:effectRef idx="1">
         <a:scrgbClr r="0" g="0" b="0"/>
       </a:effectRef>
       <a:fontRef idx="minor">
-        <a:schemeClr val="lt1"/>
+        <a:schemeClr val="dk1"/>
       </a:fontRef>
     </dgm:style>
   </dgm:styleLbl>
   <dgm:styleLbl name="asst4">
     <dgm:scene3d>
       <a:camera prst="orthographicFront"/>
-      <a:lightRig rig="threePt" dir="t"/>
+      <a:lightRig rig="flat" dir="t"/>
     </dgm:scene3d>
-    <dgm:sp3d/>
+    <dgm:sp3d prstMaterial="dkEdge">
+      <a:bevelT w="8200" h="38100"/>
+    </dgm:sp3d>
     <dgm:txPr/>
     <dgm:style>
-      <a:lnRef idx="2">
+      <a:lnRef idx="0">
         <a:scrgbClr r="0" g="0" b="0"/>
       </a:lnRef>
-      <a:fillRef idx="1">
+      <a:fillRef idx="2">
         <a:scrgbClr r="0" g="0" b="0"/>
       </a:fillRef>
-      <a:effectRef idx="0">
+      <a:effectRef idx="1">
         <a:scrgbClr r="0" g="0" b="0"/>
       </a:effectRef>
       <a:fontRef idx="minor">
-        <a:schemeClr val="lt1"/>
+        <a:schemeClr val="dk1"/>
       </a:fontRef>
     </dgm:style>
   </dgm:styleLbl>
@@ -16121,17 +19147,17 @@
     <dgm:sp3d/>
     <dgm:txPr/>
     <dgm:style>
-      <a:lnRef idx="2">
+      <a:lnRef idx="1">
         <a:scrgbClr r="0" g="0" b="0"/>
       </a:lnRef>
-      <a:fillRef idx="1">
+      <a:fillRef idx="2">
         <a:scrgbClr r="0" g="0" b="0"/>
       </a:fillRef>
-      <a:effectRef idx="0">
+      <a:effectRef idx="1">
         <a:scrgbClr r="0" g="0" b="0"/>
       </a:effectRef>
       <a:fontRef idx="minor">
-        <a:schemeClr val="lt1"/>
+        <a:schemeClr val="dk1"/>
       </a:fontRef>
     </dgm:style>
   </dgm:styleLbl>
@@ -16143,17 +19169,17 @@
     <dgm:sp3d/>
     <dgm:txPr/>
     <dgm:style>
-      <a:lnRef idx="2">
+      <a:lnRef idx="1">
         <a:scrgbClr r="0" g="0" b="0"/>
       </a:lnRef>
-      <a:fillRef idx="1">
+      <a:fillRef idx="2">
         <a:scrgbClr r="0" g="0" b="0"/>
       </a:fillRef>
-      <a:effectRef idx="0">
+      <a:effectRef idx="1">
         <a:scrgbClr r="0" g="0" b="0"/>
       </a:effectRef>
       <a:fontRef idx="minor">
-        <a:schemeClr val="lt1"/>
+        <a:schemeClr val="dk1"/>
       </a:fontRef>
     </dgm:style>
   </dgm:styleLbl>
@@ -16165,17 +19191,17 @@
     <dgm:sp3d/>
     <dgm:txPr/>
     <dgm:style>
-      <a:lnRef idx="2">
+      <a:lnRef idx="1">
         <a:scrgbClr r="0" g="0" b="0"/>
       </a:lnRef>
-      <a:fillRef idx="1">
+      <a:fillRef idx="2">
         <a:scrgbClr r="0" g="0" b="0"/>
       </a:fillRef>
-      <a:effectRef idx="0">
+      <a:effectRef idx="1">
         <a:scrgbClr r="0" g="0" b="0"/>
       </a:effectRef>
       <a:fontRef idx="minor">
-        <a:schemeClr val="lt1"/>
+        <a:schemeClr val="dk1"/>
       </a:fontRef>
     </dgm:style>
   </dgm:styleLbl>
@@ -16187,17 +19213,17 @@
     <dgm:sp3d/>
     <dgm:txPr/>
     <dgm:style>
-      <a:lnRef idx="2">
+      <a:lnRef idx="1">
         <a:scrgbClr r="0" g="0" b="0"/>
       </a:lnRef>
-      <a:fillRef idx="1">
+      <a:fillRef idx="2">
         <a:scrgbClr r="0" g="0" b="0"/>
       </a:fillRef>
-      <a:effectRef idx="0">
+      <a:effectRef idx="1">
         <a:scrgbClr r="0" g="0" b="0"/>
       </a:effectRef>
       <a:fontRef idx="minor">
-        <a:schemeClr val="lt1"/>
+        <a:schemeClr val="dk1"/>
       </a:fontRef>
     </dgm:style>
   </dgm:styleLbl>
@@ -16289,7 +19315,7 @@
     <dgm:sp3d/>
     <dgm:txPr/>
     <dgm:style>
-      <a:lnRef idx="2">
+      <a:lnRef idx="1">
         <a:scrgbClr r="0" g="0" b="0"/>
       </a:lnRef>
       <a:fillRef idx="1">
@@ -16309,7 +19335,7 @@
     <dgm:sp3d/>
     <dgm:txPr/>
     <dgm:style>
-      <a:lnRef idx="2">
+      <a:lnRef idx="1">
         <a:scrgbClr r="0" g="0" b="0"/>
       </a:lnRef>
       <a:fillRef idx="1">
@@ -16329,7 +19355,7 @@
     <dgm:sp3d/>
     <dgm:txPr/>
     <dgm:style>
-      <a:lnRef idx="2">
+      <a:lnRef idx="1">
         <a:scrgbClr r="0" g="0" b="0"/>
       </a:lnRef>
       <a:fillRef idx="1">
@@ -16369,7 +19395,7 @@
     <dgm:sp3d/>
     <dgm:txPr/>
     <dgm:style>
-      <a:lnRef idx="2">
+      <a:lnRef idx="1">
         <a:scrgbClr r="0" g="0" b="0"/>
       </a:lnRef>
       <a:fillRef idx="1">
@@ -16389,10 +19415,10 @@
     <dgm:sp3d/>
     <dgm:txPr/>
     <dgm:style>
-      <a:lnRef idx="2">
+      <a:lnRef idx="1">
         <a:scrgbClr r="0" g="0" b="0"/>
       </a:lnRef>
-      <a:fillRef idx="1">
+      <a:fillRef idx="2">
         <a:scrgbClr r="0" g="0" b="0"/>
       </a:fillRef>
       <a:effectRef idx="0">
@@ -16409,7 +19435,7 @@
     <dgm:sp3d/>
     <dgm:txPr/>
     <dgm:style>
-      <a:lnRef idx="2">
+      <a:lnRef idx="1">
         <a:scrgbClr r="0" g="0" b="0"/>
       </a:lnRef>
       <a:fillRef idx="1">
@@ -16429,7 +19455,7 @@
     <dgm:sp3d/>
     <dgm:txPr/>
     <dgm:style>
-      <a:lnRef idx="2">
+      <a:lnRef idx="1">
         <a:scrgbClr r="0" g="0" b="0"/>
       </a:lnRef>
       <a:fillRef idx="1">
@@ -16449,7 +19475,7 @@
     <dgm:sp3d/>
     <dgm:txPr/>
     <dgm:style>
-      <a:lnRef idx="2">
+      <a:lnRef idx="1">
         <a:scrgbClr r="0" g="0" b="0"/>
       </a:lnRef>
       <a:fillRef idx="1">
@@ -16469,7 +19495,7 @@
     <dgm:sp3d/>
     <dgm:txPr/>
     <dgm:style>
-      <a:lnRef idx="2">
+      <a:lnRef idx="1">
         <a:scrgbClr r="0" g="0" b="0"/>
       </a:lnRef>
       <a:fillRef idx="1">
@@ -16489,7 +19515,7 @@
     <dgm:sp3d/>
     <dgm:txPr/>
     <dgm:style>
-      <a:lnRef idx="2">
+      <a:lnRef idx="1">
         <a:scrgbClr r="0" g="0" b="0"/>
       </a:lnRef>
       <a:fillRef idx="1">
@@ -16509,7 +19535,7 @@
     <dgm:sp3d/>
     <dgm:txPr/>
     <dgm:style>
-      <a:lnRef idx="2">
+      <a:lnRef idx="1">
         <a:scrgbClr r="0" g="0" b="0"/>
       </a:lnRef>
       <a:fillRef idx="1">
@@ -16529,7 +19555,7 @@
     <dgm:sp3d/>
     <dgm:txPr/>
     <dgm:style>
-      <a:lnRef idx="2">
+      <a:lnRef idx="1">
         <a:scrgbClr r="0" g="0" b="0"/>
       </a:lnRef>
       <a:fillRef idx="1">
@@ -16549,7 +19575,7 @@
     <dgm:sp3d/>
     <dgm:txPr/>
     <dgm:style>
-      <a:lnRef idx="2">
+      <a:lnRef idx="1">
         <a:scrgbClr r="0" g="0" b="0"/>
       </a:lnRef>
       <a:fillRef idx="1">
@@ -16569,7 +19595,7 @@
     <dgm:sp3d/>
     <dgm:txPr/>
     <dgm:style>
-      <a:lnRef idx="2">
+      <a:lnRef idx="1">
         <a:scrgbClr r="0" g="0" b="0"/>
       </a:lnRef>
       <a:fillRef idx="1">
@@ -16595,7 +19621,7 @@
       <a:fillRef idx="1">
         <a:scrgbClr r="0" g="0" b="0"/>
       </a:fillRef>
-      <a:effectRef idx="0">
+      <a:effectRef idx="1">
         <a:scrgbClr r="0" g="0" b="0"/>
       </a:effectRef>
       <a:fontRef idx="minor"/>
@@ -16615,7 +19641,7 @@
       <a:fillRef idx="1">
         <a:scrgbClr r="0" g="0" b="0"/>
       </a:fillRef>
-      <a:effectRef idx="0">
+      <a:effectRef idx="1">
         <a:scrgbClr r="0" g="0" b="0"/>
       </a:effectRef>
       <a:fontRef idx="minor"/>
@@ -16644,18 +19670,20 @@
   <dgm:styleLbl name="fgShp">
     <dgm:scene3d>
       <a:camera prst="orthographicFront"/>
-      <a:lightRig rig="threePt" dir="t"/>
+      <a:lightRig rig="flat" dir="t"/>
     </dgm:scene3d>
-    <dgm:sp3d/>
+    <dgm:sp3d prstMaterial="dkEdge">
+      <a:bevelT w="8200" h="38100"/>
+    </dgm:sp3d>
     <dgm:txPr/>
     <dgm:style>
-      <a:lnRef idx="2">
+      <a:lnRef idx="1">
         <a:scrgbClr r="0" g="0" b="0"/>
       </a:lnRef>
-      <a:fillRef idx="1">
+      <a:fillRef idx="2">
         <a:scrgbClr r="0" g="0" b="0"/>
       </a:fillRef>
-      <a:effectRef idx="0">
+      <a:effectRef idx="1">
         <a:scrgbClr r="0" g="0" b="0"/>
       </a:effectRef>
       <a:fontRef idx="minor"/>
@@ -17745,6 +20773,2100 @@
 </file>
 
 <file path=ppt/diagrams/quickStyle6.xml><?xml version="1.0" encoding="utf-8"?>
+<dgm:styleDef xmlns:dgm="http://schemas.openxmlformats.org/drawingml/2006/diagram" xmlns:a="http://schemas.openxmlformats.org/drawingml/2006/main" uniqueId="urn:microsoft.com/office/officeart/2005/8/quickstyle/simple1">
+  <dgm:title val=""/>
+  <dgm:desc val=""/>
+  <dgm:catLst>
+    <dgm:cat type="simple" pri="10100"/>
+  </dgm:catLst>
+  <dgm:scene3d>
+    <a:camera prst="orthographicFront"/>
+    <a:lightRig rig="threePt" dir="t"/>
+  </dgm:scene3d>
+  <dgm:styleLbl name="node0">
+    <dgm:scene3d>
+      <a:camera prst="orthographicFront"/>
+      <a:lightRig rig="threePt" dir="t"/>
+    </dgm:scene3d>
+    <dgm:sp3d/>
+    <dgm:txPr/>
+    <dgm:style>
+      <a:lnRef idx="2">
+        <a:scrgbClr r="0" g="0" b="0"/>
+      </a:lnRef>
+      <a:fillRef idx="1">
+        <a:scrgbClr r="0" g="0" b="0"/>
+      </a:fillRef>
+      <a:effectRef idx="0">
+        <a:scrgbClr r="0" g="0" b="0"/>
+      </a:effectRef>
+      <a:fontRef idx="minor">
+        <a:schemeClr val="lt1"/>
+      </a:fontRef>
+    </dgm:style>
+  </dgm:styleLbl>
+  <dgm:styleLbl name="lnNode1">
+    <dgm:scene3d>
+      <a:camera prst="orthographicFront"/>
+      <a:lightRig rig="threePt" dir="t"/>
+    </dgm:scene3d>
+    <dgm:sp3d/>
+    <dgm:txPr/>
+    <dgm:style>
+      <a:lnRef idx="2">
+        <a:scrgbClr r="0" g="0" b="0"/>
+      </a:lnRef>
+      <a:fillRef idx="1">
+        <a:scrgbClr r="0" g="0" b="0"/>
+      </a:fillRef>
+      <a:effectRef idx="0">
+        <a:scrgbClr r="0" g="0" b="0"/>
+      </a:effectRef>
+      <a:fontRef idx="minor">
+        <a:schemeClr val="lt1"/>
+      </a:fontRef>
+    </dgm:style>
+  </dgm:styleLbl>
+  <dgm:styleLbl name="vennNode1">
+    <dgm:scene3d>
+      <a:camera prst="orthographicFront"/>
+      <a:lightRig rig="threePt" dir="t"/>
+    </dgm:scene3d>
+    <dgm:sp3d/>
+    <dgm:txPr/>
+    <dgm:style>
+      <a:lnRef idx="2">
+        <a:scrgbClr r="0" g="0" b="0"/>
+      </a:lnRef>
+      <a:fillRef idx="1">
+        <a:scrgbClr r="0" g="0" b="0"/>
+      </a:fillRef>
+      <a:effectRef idx="0">
+        <a:scrgbClr r="0" g="0" b="0"/>
+      </a:effectRef>
+      <a:fontRef idx="minor">
+        <a:schemeClr val="tx1"/>
+      </a:fontRef>
+    </dgm:style>
+  </dgm:styleLbl>
+  <dgm:styleLbl name="alignNode1">
+    <dgm:scene3d>
+      <a:camera prst="orthographicFront"/>
+      <a:lightRig rig="threePt" dir="t"/>
+    </dgm:scene3d>
+    <dgm:sp3d/>
+    <dgm:txPr/>
+    <dgm:style>
+      <a:lnRef idx="2">
+        <a:scrgbClr r="0" g="0" b="0"/>
+      </a:lnRef>
+      <a:fillRef idx="1">
+        <a:scrgbClr r="0" g="0" b="0"/>
+      </a:fillRef>
+      <a:effectRef idx="0">
+        <a:scrgbClr r="0" g="0" b="0"/>
+      </a:effectRef>
+      <a:fontRef idx="minor">
+        <a:schemeClr val="lt1"/>
+      </a:fontRef>
+    </dgm:style>
+  </dgm:styleLbl>
+  <dgm:styleLbl name="node1">
+    <dgm:scene3d>
+      <a:camera prst="orthographicFront"/>
+      <a:lightRig rig="threePt" dir="t"/>
+    </dgm:scene3d>
+    <dgm:sp3d/>
+    <dgm:txPr/>
+    <dgm:style>
+      <a:lnRef idx="2">
+        <a:scrgbClr r="0" g="0" b="0"/>
+      </a:lnRef>
+      <a:fillRef idx="1">
+        <a:scrgbClr r="0" g="0" b="0"/>
+      </a:fillRef>
+      <a:effectRef idx="0">
+        <a:scrgbClr r="0" g="0" b="0"/>
+      </a:effectRef>
+      <a:fontRef idx="minor">
+        <a:schemeClr val="lt1"/>
+      </a:fontRef>
+    </dgm:style>
+  </dgm:styleLbl>
+  <dgm:styleLbl name="node2">
+    <dgm:scene3d>
+      <a:camera prst="orthographicFront"/>
+      <a:lightRig rig="threePt" dir="t"/>
+    </dgm:scene3d>
+    <dgm:sp3d/>
+    <dgm:txPr/>
+    <dgm:style>
+      <a:lnRef idx="2">
+        <a:scrgbClr r="0" g="0" b="0"/>
+      </a:lnRef>
+      <a:fillRef idx="1">
+        <a:scrgbClr r="0" g="0" b="0"/>
+      </a:fillRef>
+      <a:effectRef idx="0">
+        <a:scrgbClr r="0" g="0" b="0"/>
+      </a:effectRef>
+      <a:fontRef idx="minor">
+        <a:schemeClr val="lt1"/>
+      </a:fontRef>
+    </dgm:style>
+  </dgm:styleLbl>
+  <dgm:styleLbl name="node3">
+    <dgm:scene3d>
+      <a:camera prst="orthographicFront"/>
+      <a:lightRig rig="threePt" dir="t"/>
+    </dgm:scene3d>
+    <dgm:sp3d/>
+    <dgm:txPr/>
+    <dgm:style>
+      <a:lnRef idx="2">
+        <a:scrgbClr r="0" g="0" b="0"/>
+      </a:lnRef>
+      <a:fillRef idx="1">
+        <a:scrgbClr r="0" g="0" b="0"/>
+      </a:fillRef>
+      <a:effectRef idx="0">
+        <a:scrgbClr r="0" g="0" b="0"/>
+      </a:effectRef>
+      <a:fontRef idx="minor">
+        <a:schemeClr val="lt1"/>
+      </a:fontRef>
+    </dgm:style>
+  </dgm:styleLbl>
+  <dgm:styleLbl name="node4">
+    <dgm:scene3d>
+      <a:camera prst="orthographicFront"/>
+      <a:lightRig rig="threePt" dir="t"/>
+    </dgm:scene3d>
+    <dgm:sp3d/>
+    <dgm:txPr/>
+    <dgm:style>
+      <a:lnRef idx="2">
+        <a:scrgbClr r="0" g="0" b="0"/>
+      </a:lnRef>
+      <a:fillRef idx="1">
+        <a:scrgbClr r="0" g="0" b="0"/>
+      </a:fillRef>
+      <a:effectRef idx="0">
+        <a:scrgbClr r="0" g="0" b="0"/>
+      </a:effectRef>
+      <a:fontRef idx="minor">
+        <a:schemeClr val="lt1"/>
+      </a:fontRef>
+    </dgm:style>
+  </dgm:styleLbl>
+  <dgm:styleLbl name="fgImgPlace1">
+    <dgm:scene3d>
+      <a:camera prst="orthographicFront"/>
+      <a:lightRig rig="threePt" dir="t"/>
+    </dgm:scene3d>
+    <dgm:sp3d/>
+    <dgm:txPr/>
+    <dgm:style>
+      <a:lnRef idx="2">
+        <a:scrgbClr r="0" g="0" b="0"/>
+      </a:lnRef>
+      <a:fillRef idx="1">
+        <a:scrgbClr r="0" g="0" b="0"/>
+      </a:fillRef>
+      <a:effectRef idx="0">
+        <a:scrgbClr r="0" g="0" b="0"/>
+      </a:effectRef>
+      <a:fontRef idx="minor"/>
+    </dgm:style>
+  </dgm:styleLbl>
+  <dgm:styleLbl name="alignImgPlace1">
+    <dgm:scene3d>
+      <a:camera prst="orthographicFront"/>
+      <a:lightRig rig="threePt" dir="t"/>
+    </dgm:scene3d>
+    <dgm:sp3d/>
+    <dgm:txPr/>
+    <dgm:style>
+      <a:lnRef idx="2">
+        <a:scrgbClr r="0" g="0" b="0"/>
+      </a:lnRef>
+      <a:fillRef idx="1">
+        <a:scrgbClr r="0" g="0" b="0"/>
+      </a:fillRef>
+      <a:effectRef idx="0">
+        <a:scrgbClr r="0" g="0" b="0"/>
+      </a:effectRef>
+      <a:fontRef idx="minor"/>
+    </dgm:style>
+  </dgm:styleLbl>
+  <dgm:styleLbl name="bgImgPlace1">
+    <dgm:scene3d>
+      <a:camera prst="orthographicFront"/>
+      <a:lightRig rig="threePt" dir="t"/>
+    </dgm:scene3d>
+    <dgm:sp3d/>
+    <dgm:txPr/>
+    <dgm:style>
+      <a:lnRef idx="2">
+        <a:scrgbClr r="0" g="0" b="0"/>
+      </a:lnRef>
+      <a:fillRef idx="1">
+        <a:scrgbClr r="0" g="0" b="0"/>
+      </a:fillRef>
+      <a:effectRef idx="0">
+        <a:scrgbClr r="0" g="0" b="0"/>
+      </a:effectRef>
+      <a:fontRef idx="minor"/>
+    </dgm:style>
+  </dgm:styleLbl>
+  <dgm:styleLbl name="sibTrans2D1">
+    <dgm:scene3d>
+      <a:camera prst="orthographicFront"/>
+      <a:lightRig rig="threePt" dir="t"/>
+    </dgm:scene3d>
+    <dgm:sp3d/>
+    <dgm:txPr/>
+    <dgm:style>
+      <a:lnRef idx="0">
+        <a:scrgbClr r="0" g="0" b="0"/>
+      </a:lnRef>
+      <a:fillRef idx="1">
+        <a:scrgbClr r="0" g="0" b="0"/>
+      </a:fillRef>
+      <a:effectRef idx="0">
+        <a:scrgbClr r="0" g="0" b="0"/>
+      </a:effectRef>
+      <a:fontRef idx="minor">
+        <a:schemeClr val="lt1"/>
+      </a:fontRef>
+    </dgm:style>
+  </dgm:styleLbl>
+  <dgm:styleLbl name="fgSibTrans2D1">
+    <dgm:scene3d>
+      <a:camera prst="orthographicFront"/>
+      <a:lightRig rig="threePt" dir="t"/>
+    </dgm:scene3d>
+    <dgm:sp3d/>
+    <dgm:txPr/>
+    <dgm:style>
+      <a:lnRef idx="0">
+        <a:scrgbClr r="0" g="0" b="0"/>
+      </a:lnRef>
+      <a:fillRef idx="1">
+        <a:scrgbClr r="0" g="0" b="0"/>
+      </a:fillRef>
+      <a:effectRef idx="0">
+        <a:scrgbClr r="0" g="0" b="0"/>
+      </a:effectRef>
+      <a:fontRef idx="minor">
+        <a:schemeClr val="lt1"/>
+      </a:fontRef>
+    </dgm:style>
+  </dgm:styleLbl>
+  <dgm:styleLbl name="bgSibTrans2D1">
+    <dgm:scene3d>
+      <a:camera prst="orthographicFront"/>
+      <a:lightRig rig="threePt" dir="t"/>
+    </dgm:scene3d>
+    <dgm:sp3d/>
+    <dgm:txPr/>
+    <dgm:style>
+      <a:lnRef idx="0">
+        <a:scrgbClr r="0" g="0" b="0"/>
+      </a:lnRef>
+      <a:fillRef idx="1">
+        <a:scrgbClr r="0" g="0" b="0"/>
+      </a:fillRef>
+      <a:effectRef idx="0">
+        <a:scrgbClr r="0" g="0" b="0"/>
+      </a:effectRef>
+      <a:fontRef idx="minor">
+        <a:schemeClr val="lt1"/>
+      </a:fontRef>
+    </dgm:style>
+  </dgm:styleLbl>
+  <dgm:styleLbl name="sibTrans1D1">
+    <dgm:scene3d>
+      <a:camera prst="orthographicFront"/>
+      <a:lightRig rig="threePt" dir="t"/>
+    </dgm:scene3d>
+    <dgm:sp3d/>
+    <dgm:txPr/>
+    <dgm:style>
+      <a:lnRef idx="1">
+        <a:scrgbClr r="0" g="0" b="0"/>
+      </a:lnRef>
+      <a:fillRef idx="0">
+        <a:scrgbClr r="0" g="0" b="0"/>
+      </a:fillRef>
+      <a:effectRef idx="0">
+        <a:scrgbClr r="0" g="0" b="0"/>
+      </a:effectRef>
+      <a:fontRef idx="minor"/>
+    </dgm:style>
+  </dgm:styleLbl>
+  <dgm:styleLbl name="callout">
+    <dgm:scene3d>
+      <a:camera prst="orthographicFront"/>
+      <a:lightRig rig="threePt" dir="t"/>
+    </dgm:scene3d>
+    <dgm:sp3d/>
+    <dgm:txPr/>
+    <dgm:style>
+      <a:lnRef idx="2">
+        <a:scrgbClr r="0" g="0" b="0"/>
+      </a:lnRef>
+      <a:fillRef idx="1">
+        <a:scrgbClr r="0" g="0" b="0"/>
+      </a:fillRef>
+      <a:effectRef idx="0">
+        <a:scrgbClr r="0" g="0" b="0"/>
+      </a:effectRef>
+      <a:fontRef idx="minor"/>
+    </dgm:style>
+  </dgm:styleLbl>
+  <dgm:styleLbl name="asst0">
+    <dgm:scene3d>
+      <a:camera prst="orthographicFront"/>
+      <a:lightRig rig="threePt" dir="t"/>
+    </dgm:scene3d>
+    <dgm:sp3d/>
+    <dgm:txPr/>
+    <dgm:style>
+      <a:lnRef idx="2">
+        <a:scrgbClr r="0" g="0" b="0"/>
+      </a:lnRef>
+      <a:fillRef idx="1">
+        <a:scrgbClr r="0" g="0" b="0"/>
+      </a:fillRef>
+      <a:effectRef idx="0">
+        <a:scrgbClr r="0" g="0" b="0"/>
+      </a:effectRef>
+      <a:fontRef idx="minor">
+        <a:schemeClr val="lt1"/>
+      </a:fontRef>
+    </dgm:style>
+  </dgm:styleLbl>
+  <dgm:styleLbl name="asst1">
+    <dgm:scene3d>
+      <a:camera prst="orthographicFront"/>
+      <a:lightRig rig="threePt" dir="t"/>
+    </dgm:scene3d>
+    <dgm:sp3d/>
+    <dgm:txPr/>
+    <dgm:style>
+      <a:lnRef idx="2">
+        <a:scrgbClr r="0" g="0" b="0"/>
+      </a:lnRef>
+      <a:fillRef idx="1">
+        <a:scrgbClr r="0" g="0" b="0"/>
+      </a:fillRef>
+      <a:effectRef idx="0">
+        <a:scrgbClr r="0" g="0" b="0"/>
+      </a:effectRef>
+      <a:fontRef idx="minor">
+        <a:schemeClr val="lt1"/>
+      </a:fontRef>
+    </dgm:style>
+  </dgm:styleLbl>
+  <dgm:styleLbl name="asst2">
+    <dgm:scene3d>
+      <a:camera prst="orthographicFront"/>
+      <a:lightRig rig="threePt" dir="t"/>
+    </dgm:scene3d>
+    <dgm:sp3d/>
+    <dgm:txPr/>
+    <dgm:style>
+      <a:lnRef idx="2">
+        <a:scrgbClr r="0" g="0" b="0"/>
+      </a:lnRef>
+      <a:fillRef idx="1">
+        <a:scrgbClr r="0" g="0" b="0"/>
+      </a:fillRef>
+      <a:effectRef idx="0">
+        <a:scrgbClr r="0" g="0" b="0"/>
+      </a:effectRef>
+      <a:fontRef idx="minor">
+        <a:schemeClr val="lt1"/>
+      </a:fontRef>
+    </dgm:style>
+  </dgm:styleLbl>
+  <dgm:styleLbl name="asst3">
+    <dgm:scene3d>
+      <a:camera prst="orthographicFront"/>
+      <a:lightRig rig="threePt" dir="t"/>
+    </dgm:scene3d>
+    <dgm:sp3d/>
+    <dgm:txPr/>
+    <dgm:style>
+      <a:lnRef idx="2">
+        <a:scrgbClr r="0" g="0" b="0"/>
+      </a:lnRef>
+      <a:fillRef idx="1">
+        <a:scrgbClr r="0" g="0" b="0"/>
+      </a:fillRef>
+      <a:effectRef idx="0">
+        <a:scrgbClr r="0" g="0" b="0"/>
+      </a:effectRef>
+      <a:fontRef idx="minor">
+        <a:schemeClr val="lt1"/>
+      </a:fontRef>
+    </dgm:style>
+  </dgm:styleLbl>
+  <dgm:styleLbl name="asst4">
+    <dgm:scene3d>
+      <a:camera prst="orthographicFront"/>
+      <a:lightRig rig="threePt" dir="t"/>
+    </dgm:scene3d>
+    <dgm:sp3d/>
+    <dgm:txPr/>
+    <dgm:style>
+      <a:lnRef idx="2">
+        <a:scrgbClr r="0" g="0" b="0"/>
+      </a:lnRef>
+      <a:fillRef idx="1">
+        <a:scrgbClr r="0" g="0" b="0"/>
+      </a:fillRef>
+      <a:effectRef idx="0">
+        <a:scrgbClr r="0" g="0" b="0"/>
+      </a:effectRef>
+      <a:fontRef idx="minor">
+        <a:schemeClr val="lt1"/>
+      </a:fontRef>
+    </dgm:style>
+  </dgm:styleLbl>
+  <dgm:styleLbl name="parChTrans2D1">
+    <dgm:scene3d>
+      <a:camera prst="orthographicFront"/>
+      <a:lightRig rig="threePt" dir="t"/>
+    </dgm:scene3d>
+    <dgm:sp3d/>
+    <dgm:txPr/>
+    <dgm:style>
+      <a:lnRef idx="2">
+        <a:scrgbClr r="0" g="0" b="0"/>
+      </a:lnRef>
+      <a:fillRef idx="1">
+        <a:scrgbClr r="0" g="0" b="0"/>
+      </a:fillRef>
+      <a:effectRef idx="0">
+        <a:scrgbClr r="0" g="0" b="0"/>
+      </a:effectRef>
+      <a:fontRef idx="minor">
+        <a:schemeClr val="lt1"/>
+      </a:fontRef>
+    </dgm:style>
+  </dgm:styleLbl>
+  <dgm:styleLbl name="parChTrans2D2">
+    <dgm:scene3d>
+      <a:camera prst="orthographicFront"/>
+      <a:lightRig rig="threePt" dir="t"/>
+    </dgm:scene3d>
+    <dgm:sp3d/>
+    <dgm:txPr/>
+    <dgm:style>
+      <a:lnRef idx="2">
+        <a:scrgbClr r="0" g="0" b="0"/>
+      </a:lnRef>
+      <a:fillRef idx="1">
+        <a:scrgbClr r="0" g="0" b="0"/>
+      </a:fillRef>
+      <a:effectRef idx="0">
+        <a:scrgbClr r="0" g="0" b="0"/>
+      </a:effectRef>
+      <a:fontRef idx="minor">
+        <a:schemeClr val="lt1"/>
+      </a:fontRef>
+    </dgm:style>
+  </dgm:styleLbl>
+  <dgm:styleLbl name="parChTrans2D3">
+    <dgm:scene3d>
+      <a:camera prst="orthographicFront"/>
+      <a:lightRig rig="threePt" dir="t"/>
+    </dgm:scene3d>
+    <dgm:sp3d/>
+    <dgm:txPr/>
+    <dgm:style>
+      <a:lnRef idx="2">
+        <a:scrgbClr r="0" g="0" b="0"/>
+      </a:lnRef>
+      <a:fillRef idx="1">
+        <a:scrgbClr r="0" g="0" b="0"/>
+      </a:fillRef>
+      <a:effectRef idx="0">
+        <a:scrgbClr r="0" g="0" b="0"/>
+      </a:effectRef>
+      <a:fontRef idx="minor">
+        <a:schemeClr val="lt1"/>
+      </a:fontRef>
+    </dgm:style>
+  </dgm:styleLbl>
+  <dgm:styleLbl name="parChTrans2D4">
+    <dgm:scene3d>
+      <a:camera prst="orthographicFront"/>
+      <a:lightRig rig="threePt" dir="t"/>
+    </dgm:scene3d>
+    <dgm:sp3d/>
+    <dgm:txPr/>
+    <dgm:style>
+      <a:lnRef idx="2">
+        <a:scrgbClr r="0" g="0" b="0"/>
+      </a:lnRef>
+      <a:fillRef idx="1">
+        <a:scrgbClr r="0" g="0" b="0"/>
+      </a:fillRef>
+      <a:effectRef idx="0">
+        <a:scrgbClr r="0" g="0" b="0"/>
+      </a:effectRef>
+      <a:fontRef idx="minor">
+        <a:schemeClr val="lt1"/>
+      </a:fontRef>
+    </dgm:style>
+  </dgm:styleLbl>
+  <dgm:styleLbl name="parChTrans1D1">
+    <dgm:scene3d>
+      <a:camera prst="orthographicFront"/>
+      <a:lightRig rig="threePt" dir="t"/>
+    </dgm:scene3d>
+    <dgm:sp3d/>
+    <dgm:txPr/>
+    <dgm:style>
+      <a:lnRef idx="2">
+        <a:scrgbClr r="0" g="0" b="0"/>
+      </a:lnRef>
+      <a:fillRef idx="0">
+        <a:scrgbClr r="0" g="0" b="0"/>
+      </a:fillRef>
+      <a:effectRef idx="0">
+        <a:scrgbClr r="0" g="0" b="0"/>
+      </a:effectRef>
+      <a:fontRef idx="minor"/>
+    </dgm:style>
+  </dgm:styleLbl>
+  <dgm:styleLbl name="parChTrans1D2">
+    <dgm:scene3d>
+      <a:camera prst="orthographicFront"/>
+      <a:lightRig rig="threePt" dir="t"/>
+    </dgm:scene3d>
+    <dgm:sp3d/>
+    <dgm:txPr/>
+    <dgm:style>
+      <a:lnRef idx="2">
+        <a:scrgbClr r="0" g="0" b="0"/>
+      </a:lnRef>
+      <a:fillRef idx="0">
+        <a:scrgbClr r="0" g="0" b="0"/>
+      </a:fillRef>
+      <a:effectRef idx="0">
+        <a:scrgbClr r="0" g="0" b="0"/>
+      </a:effectRef>
+      <a:fontRef idx="minor"/>
+    </dgm:style>
+  </dgm:styleLbl>
+  <dgm:styleLbl name="parChTrans1D3">
+    <dgm:scene3d>
+      <a:camera prst="orthographicFront"/>
+      <a:lightRig rig="threePt" dir="t"/>
+    </dgm:scene3d>
+    <dgm:sp3d/>
+    <dgm:txPr/>
+    <dgm:style>
+      <a:lnRef idx="2">
+        <a:scrgbClr r="0" g="0" b="0"/>
+      </a:lnRef>
+      <a:fillRef idx="0">
+        <a:scrgbClr r="0" g="0" b="0"/>
+      </a:fillRef>
+      <a:effectRef idx="0">
+        <a:scrgbClr r="0" g="0" b="0"/>
+      </a:effectRef>
+      <a:fontRef idx="minor"/>
+    </dgm:style>
+  </dgm:styleLbl>
+  <dgm:styleLbl name="parChTrans1D4">
+    <dgm:scene3d>
+      <a:camera prst="orthographicFront"/>
+      <a:lightRig rig="threePt" dir="t"/>
+    </dgm:scene3d>
+    <dgm:sp3d/>
+    <dgm:txPr/>
+    <dgm:style>
+      <a:lnRef idx="2">
+        <a:scrgbClr r="0" g="0" b="0"/>
+      </a:lnRef>
+      <a:fillRef idx="0">
+        <a:scrgbClr r="0" g="0" b="0"/>
+      </a:fillRef>
+      <a:effectRef idx="0">
+        <a:scrgbClr r="0" g="0" b="0"/>
+      </a:effectRef>
+      <a:fontRef idx="minor"/>
+    </dgm:style>
+  </dgm:styleLbl>
+  <dgm:styleLbl name="fgAcc1">
+    <dgm:scene3d>
+      <a:camera prst="orthographicFront"/>
+      <a:lightRig rig="threePt" dir="t"/>
+    </dgm:scene3d>
+    <dgm:sp3d/>
+    <dgm:txPr/>
+    <dgm:style>
+      <a:lnRef idx="2">
+        <a:scrgbClr r="0" g="0" b="0"/>
+      </a:lnRef>
+      <a:fillRef idx="1">
+        <a:scrgbClr r="0" g="0" b="0"/>
+      </a:fillRef>
+      <a:effectRef idx="0">
+        <a:scrgbClr r="0" g="0" b="0"/>
+      </a:effectRef>
+      <a:fontRef idx="minor"/>
+    </dgm:style>
+  </dgm:styleLbl>
+  <dgm:styleLbl name="conFgAcc1">
+    <dgm:scene3d>
+      <a:camera prst="orthographicFront"/>
+      <a:lightRig rig="threePt" dir="t"/>
+    </dgm:scene3d>
+    <dgm:sp3d/>
+    <dgm:txPr/>
+    <dgm:style>
+      <a:lnRef idx="2">
+        <a:scrgbClr r="0" g="0" b="0"/>
+      </a:lnRef>
+      <a:fillRef idx="1">
+        <a:scrgbClr r="0" g="0" b="0"/>
+      </a:fillRef>
+      <a:effectRef idx="0">
+        <a:scrgbClr r="0" g="0" b="0"/>
+      </a:effectRef>
+      <a:fontRef idx="minor"/>
+    </dgm:style>
+  </dgm:styleLbl>
+  <dgm:styleLbl name="alignAcc1">
+    <dgm:scene3d>
+      <a:camera prst="orthographicFront"/>
+      <a:lightRig rig="threePt" dir="t"/>
+    </dgm:scene3d>
+    <dgm:sp3d/>
+    <dgm:txPr/>
+    <dgm:style>
+      <a:lnRef idx="2">
+        <a:scrgbClr r="0" g="0" b="0"/>
+      </a:lnRef>
+      <a:fillRef idx="1">
+        <a:scrgbClr r="0" g="0" b="0"/>
+      </a:fillRef>
+      <a:effectRef idx="0">
+        <a:scrgbClr r="0" g="0" b="0"/>
+      </a:effectRef>
+      <a:fontRef idx="minor"/>
+    </dgm:style>
+  </dgm:styleLbl>
+  <dgm:styleLbl name="trAlignAcc1">
+    <dgm:scene3d>
+      <a:camera prst="orthographicFront"/>
+      <a:lightRig rig="threePt" dir="t"/>
+    </dgm:scene3d>
+    <dgm:sp3d/>
+    <dgm:txPr/>
+    <dgm:style>
+      <a:lnRef idx="1">
+        <a:scrgbClr r="0" g="0" b="0"/>
+      </a:lnRef>
+      <a:fillRef idx="1">
+        <a:scrgbClr r="0" g="0" b="0"/>
+      </a:fillRef>
+      <a:effectRef idx="0">
+        <a:scrgbClr r="0" g="0" b="0"/>
+      </a:effectRef>
+      <a:fontRef idx="minor"/>
+    </dgm:style>
+  </dgm:styleLbl>
+  <dgm:styleLbl name="bgAcc1">
+    <dgm:scene3d>
+      <a:camera prst="orthographicFront"/>
+      <a:lightRig rig="threePt" dir="t"/>
+    </dgm:scene3d>
+    <dgm:sp3d/>
+    <dgm:txPr/>
+    <dgm:style>
+      <a:lnRef idx="2">
+        <a:scrgbClr r="0" g="0" b="0"/>
+      </a:lnRef>
+      <a:fillRef idx="1">
+        <a:scrgbClr r="0" g="0" b="0"/>
+      </a:fillRef>
+      <a:effectRef idx="0">
+        <a:scrgbClr r="0" g="0" b="0"/>
+      </a:effectRef>
+      <a:fontRef idx="minor"/>
+    </dgm:style>
+  </dgm:styleLbl>
+  <dgm:styleLbl name="solidFgAcc1">
+    <dgm:scene3d>
+      <a:camera prst="orthographicFront"/>
+      <a:lightRig rig="threePt" dir="t"/>
+    </dgm:scene3d>
+    <dgm:sp3d/>
+    <dgm:txPr/>
+    <dgm:style>
+      <a:lnRef idx="2">
+        <a:scrgbClr r="0" g="0" b="0"/>
+      </a:lnRef>
+      <a:fillRef idx="1">
+        <a:scrgbClr r="0" g="0" b="0"/>
+      </a:fillRef>
+      <a:effectRef idx="0">
+        <a:scrgbClr r="0" g="0" b="0"/>
+      </a:effectRef>
+      <a:fontRef idx="minor"/>
+    </dgm:style>
+  </dgm:styleLbl>
+  <dgm:styleLbl name="solidAlignAcc1">
+    <dgm:scene3d>
+      <a:camera prst="orthographicFront"/>
+      <a:lightRig rig="threePt" dir="t"/>
+    </dgm:scene3d>
+    <dgm:sp3d/>
+    <dgm:txPr/>
+    <dgm:style>
+      <a:lnRef idx="2">
+        <a:scrgbClr r="0" g="0" b="0"/>
+      </a:lnRef>
+      <a:fillRef idx="1">
+        <a:scrgbClr r="0" g="0" b="0"/>
+      </a:fillRef>
+      <a:effectRef idx="0">
+        <a:scrgbClr r="0" g="0" b="0"/>
+      </a:effectRef>
+      <a:fontRef idx="minor"/>
+    </dgm:style>
+  </dgm:styleLbl>
+  <dgm:styleLbl name="solidBgAcc1">
+    <dgm:scene3d>
+      <a:camera prst="orthographicFront"/>
+      <a:lightRig rig="threePt" dir="t"/>
+    </dgm:scene3d>
+    <dgm:sp3d/>
+    <dgm:txPr/>
+    <dgm:style>
+      <a:lnRef idx="2">
+        <a:scrgbClr r="0" g="0" b="0"/>
+      </a:lnRef>
+      <a:fillRef idx="1">
+        <a:scrgbClr r="0" g="0" b="0"/>
+      </a:fillRef>
+      <a:effectRef idx="0">
+        <a:scrgbClr r="0" g="0" b="0"/>
+      </a:effectRef>
+      <a:fontRef idx="minor"/>
+    </dgm:style>
+  </dgm:styleLbl>
+  <dgm:styleLbl name="fgAccFollowNode1">
+    <dgm:scene3d>
+      <a:camera prst="orthographicFront"/>
+      <a:lightRig rig="threePt" dir="t"/>
+    </dgm:scene3d>
+    <dgm:sp3d/>
+    <dgm:txPr/>
+    <dgm:style>
+      <a:lnRef idx="2">
+        <a:scrgbClr r="0" g="0" b="0"/>
+      </a:lnRef>
+      <a:fillRef idx="1">
+        <a:scrgbClr r="0" g="0" b="0"/>
+      </a:fillRef>
+      <a:effectRef idx="0">
+        <a:scrgbClr r="0" g="0" b="0"/>
+      </a:effectRef>
+      <a:fontRef idx="minor"/>
+    </dgm:style>
+  </dgm:styleLbl>
+  <dgm:styleLbl name="alignAccFollowNode1">
+    <dgm:scene3d>
+      <a:camera prst="orthographicFront"/>
+      <a:lightRig rig="threePt" dir="t"/>
+    </dgm:scene3d>
+    <dgm:sp3d/>
+    <dgm:txPr/>
+    <dgm:style>
+      <a:lnRef idx="2">
+        <a:scrgbClr r="0" g="0" b="0"/>
+      </a:lnRef>
+      <a:fillRef idx="1">
+        <a:scrgbClr r="0" g="0" b="0"/>
+      </a:fillRef>
+      <a:effectRef idx="0">
+        <a:scrgbClr r="0" g="0" b="0"/>
+      </a:effectRef>
+      <a:fontRef idx="minor"/>
+    </dgm:style>
+  </dgm:styleLbl>
+  <dgm:styleLbl name="bgAccFollowNode1">
+    <dgm:scene3d>
+      <a:camera prst="orthographicFront"/>
+      <a:lightRig rig="threePt" dir="t"/>
+    </dgm:scene3d>
+    <dgm:sp3d/>
+    <dgm:txPr/>
+    <dgm:style>
+      <a:lnRef idx="2">
+        <a:scrgbClr r="0" g="0" b="0"/>
+      </a:lnRef>
+      <a:fillRef idx="1">
+        <a:scrgbClr r="0" g="0" b="0"/>
+      </a:fillRef>
+      <a:effectRef idx="0">
+        <a:scrgbClr r="0" g="0" b="0"/>
+      </a:effectRef>
+      <a:fontRef idx="minor"/>
+    </dgm:style>
+  </dgm:styleLbl>
+  <dgm:styleLbl name="fgAcc0">
+    <dgm:scene3d>
+      <a:camera prst="orthographicFront"/>
+      <a:lightRig rig="threePt" dir="t"/>
+    </dgm:scene3d>
+    <dgm:sp3d/>
+    <dgm:txPr/>
+    <dgm:style>
+      <a:lnRef idx="2">
+        <a:scrgbClr r="0" g="0" b="0"/>
+      </a:lnRef>
+      <a:fillRef idx="1">
+        <a:scrgbClr r="0" g="0" b="0"/>
+      </a:fillRef>
+      <a:effectRef idx="0">
+        <a:scrgbClr r="0" g="0" b="0"/>
+      </a:effectRef>
+      <a:fontRef idx="minor"/>
+    </dgm:style>
+  </dgm:styleLbl>
+  <dgm:styleLbl name="fgAcc2">
+    <dgm:scene3d>
+      <a:camera prst="orthographicFront"/>
+      <a:lightRig rig="threePt" dir="t"/>
+    </dgm:scene3d>
+    <dgm:sp3d/>
+    <dgm:txPr/>
+    <dgm:style>
+      <a:lnRef idx="2">
+        <a:scrgbClr r="0" g="0" b="0"/>
+      </a:lnRef>
+      <a:fillRef idx="1">
+        <a:scrgbClr r="0" g="0" b="0"/>
+      </a:fillRef>
+      <a:effectRef idx="0">
+        <a:scrgbClr r="0" g="0" b="0"/>
+      </a:effectRef>
+      <a:fontRef idx="minor"/>
+    </dgm:style>
+  </dgm:styleLbl>
+  <dgm:styleLbl name="fgAcc3">
+    <dgm:scene3d>
+      <a:camera prst="orthographicFront"/>
+      <a:lightRig rig="threePt" dir="t"/>
+    </dgm:scene3d>
+    <dgm:sp3d/>
+    <dgm:txPr/>
+    <dgm:style>
+      <a:lnRef idx="2">
+        <a:scrgbClr r="0" g="0" b="0"/>
+      </a:lnRef>
+      <a:fillRef idx="1">
+        <a:scrgbClr r="0" g="0" b="0"/>
+      </a:fillRef>
+      <a:effectRef idx="0">
+        <a:scrgbClr r="0" g="0" b="0"/>
+      </a:effectRef>
+      <a:fontRef idx="minor"/>
+    </dgm:style>
+  </dgm:styleLbl>
+  <dgm:styleLbl name="fgAcc4">
+    <dgm:scene3d>
+      <a:camera prst="orthographicFront"/>
+      <a:lightRig rig="threePt" dir="t"/>
+    </dgm:scene3d>
+    <dgm:sp3d/>
+    <dgm:txPr/>
+    <dgm:style>
+      <a:lnRef idx="2">
+        <a:scrgbClr r="0" g="0" b="0"/>
+      </a:lnRef>
+      <a:fillRef idx="1">
+        <a:scrgbClr r="0" g="0" b="0"/>
+      </a:fillRef>
+      <a:effectRef idx="0">
+        <a:scrgbClr r="0" g="0" b="0"/>
+      </a:effectRef>
+      <a:fontRef idx="minor"/>
+    </dgm:style>
+  </dgm:styleLbl>
+  <dgm:styleLbl name="bgShp">
+    <dgm:scene3d>
+      <a:camera prst="orthographicFront"/>
+      <a:lightRig rig="threePt" dir="t"/>
+    </dgm:scene3d>
+    <dgm:sp3d/>
+    <dgm:txPr/>
+    <dgm:style>
+      <a:lnRef idx="0">
+        <a:scrgbClr r="0" g="0" b="0"/>
+      </a:lnRef>
+      <a:fillRef idx="1">
+        <a:scrgbClr r="0" g="0" b="0"/>
+      </a:fillRef>
+      <a:effectRef idx="0">
+        <a:scrgbClr r="0" g="0" b="0"/>
+      </a:effectRef>
+      <a:fontRef idx="minor"/>
+    </dgm:style>
+  </dgm:styleLbl>
+  <dgm:styleLbl name="dkBgShp">
+    <dgm:scene3d>
+      <a:camera prst="orthographicFront"/>
+      <a:lightRig rig="threePt" dir="t"/>
+    </dgm:scene3d>
+    <dgm:sp3d/>
+    <dgm:txPr/>
+    <dgm:style>
+      <a:lnRef idx="0">
+        <a:scrgbClr r="0" g="0" b="0"/>
+      </a:lnRef>
+      <a:fillRef idx="1">
+        <a:scrgbClr r="0" g="0" b="0"/>
+      </a:fillRef>
+      <a:effectRef idx="0">
+        <a:scrgbClr r="0" g="0" b="0"/>
+      </a:effectRef>
+      <a:fontRef idx="minor"/>
+    </dgm:style>
+  </dgm:styleLbl>
+  <dgm:styleLbl name="trBgShp">
+    <dgm:scene3d>
+      <a:camera prst="orthographicFront"/>
+      <a:lightRig rig="threePt" dir="t"/>
+    </dgm:scene3d>
+    <dgm:sp3d/>
+    <dgm:txPr/>
+    <dgm:style>
+      <a:lnRef idx="0">
+        <a:scrgbClr r="0" g="0" b="0"/>
+      </a:lnRef>
+      <a:fillRef idx="1">
+        <a:scrgbClr r="0" g="0" b="0"/>
+      </a:fillRef>
+      <a:effectRef idx="0">
+        <a:scrgbClr r="0" g="0" b="0"/>
+      </a:effectRef>
+      <a:fontRef idx="minor"/>
+    </dgm:style>
+  </dgm:styleLbl>
+  <dgm:styleLbl name="fgShp">
+    <dgm:scene3d>
+      <a:camera prst="orthographicFront"/>
+      <a:lightRig rig="threePt" dir="t"/>
+    </dgm:scene3d>
+    <dgm:sp3d/>
+    <dgm:txPr/>
+    <dgm:style>
+      <a:lnRef idx="2">
+        <a:scrgbClr r="0" g="0" b="0"/>
+      </a:lnRef>
+      <a:fillRef idx="1">
+        <a:scrgbClr r="0" g="0" b="0"/>
+      </a:fillRef>
+      <a:effectRef idx="0">
+        <a:scrgbClr r="0" g="0" b="0"/>
+      </a:effectRef>
+      <a:fontRef idx="minor"/>
+    </dgm:style>
+  </dgm:styleLbl>
+  <dgm:styleLbl name="revTx">
+    <dgm:scene3d>
+      <a:camera prst="orthographicFront"/>
+      <a:lightRig rig="threePt" dir="t"/>
+    </dgm:scene3d>
+    <dgm:sp3d/>
+    <dgm:txPr/>
+    <dgm:style>
+      <a:lnRef idx="0">
+        <a:scrgbClr r="0" g="0" b="0"/>
+      </a:lnRef>
+      <a:fillRef idx="0">
+        <a:scrgbClr r="0" g="0" b="0"/>
+      </a:fillRef>
+      <a:effectRef idx="0">
+        <a:scrgbClr r="0" g="0" b="0"/>
+      </a:effectRef>
+      <a:fontRef idx="minor"/>
+    </dgm:style>
+  </dgm:styleLbl>
+</dgm:styleDef>
+</file>
+
+<file path=ppt/diagrams/quickStyle7.xml><?xml version="1.0" encoding="utf-8"?>
+<dgm:styleDef xmlns:dgm="http://schemas.openxmlformats.org/drawingml/2006/diagram" xmlns:a="http://schemas.openxmlformats.org/drawingml/2006/main" uniqueId="urn:microsoft.com/office/officeart/2005/8/quickstyle/simple3">
+  <dgm:title val=""/>
+  <dgm:desc val=""/>
+  <dgm:catLst>
+    <dgm:cat type="simple" pri="10300"/>
+  </dgm:catLst>
+  <dgm:scene3d>
+    <a:camera prst="orthographicFront"/>
+    <a:lightRig rig="threePt" dir="t"/>
+  </dgm:scene3d>
+  <dgm:styleLbl name="node0">
+    <dgm:scene3d>
+      <a:camera prst="orthographicFront"/>
+      <a:lightRig rig="flat" dir="t"/>
+    </dgm:scene3d>
+    <dgm:sp3d prstMaterial="dkEdge">
+      <a:bevelT w="8200" h="38100"/>
+    </dgm:sp3d>
+    <dgm:txPr/>
+    <dgm:style>
+      <a:lnRef idx="0">
+        <a:scrgbClr r="0" g="0" b="0"/>
+      </a:lnRef>
+      <a:fillRef idx="2">
+        <a:scrgbClr r="0" g="0" b="0"/>
+      </a:fillRef>
+      <a:effectRef idx="1">
+        <a:scrgbClr r="0" g="0" b="0"/>
+      </a:effectRef>
+      <a:fontRef idx="minor">
+        <a:schemeClr val="dk1"/>
+      </a:fontRef>
+    </dgm:style>
+  </dgm:styleLbl>
+  <dgm:styleLbl name="lnNode1">
+    <dgm:scene3d>
+      <a:camera prst="orthographicFront"/>
+      <a:lightRig rig="flat" dir="t"/>
+    </dgm:scene3d>
+    <dgm:sp3d prstMaterial="dkEdge">
+      <a:bevelT w="8200" h="38100"/>
+    </dgm:sp3d>
+    <dgm:txPr/>
+    <dgm:style>
+      <a:lnRef idx="1">
+        <a:scrgbClr r="0" g="0" b="0"/>
+      </a:lnRef>
+      <a:fillRef idx="2">
+        <a:scrgbClr r="0" g="0" b="0"/>
+      </a:fillRef>
+      <a:effectRef idx="0">
+        <a:scrgbClr r="0" g="0" b="0"/>
+      </a:effectRef>
+      <a:fontRef idx="minor">
+        <a:schemeClr val="dk1"/>
+      </a:fontRef>
+    </dgm:style>
+  </dgm:styleLbl>
+  <dgm:styleLbl name="vennNode1">
+    <dgm:scene3d>
+      <a:camera prst="orthographicFront"/>
+      <a:lightRig rig="flat" dir="t"/>
+    </dgm:scene3d>
+    <dgm:sp3d prstMaterial="dkEdge">
+      <a:bevelT w="8200" h="38100"/>
+    </dgm:sp3d>
+    <dgm:txPr/>
+    <dgm:style>
+      <a:lnRef idx="0">
+        <a:scrgbClr r="0" g="0" b="0"/>
+      </a:lnRef>
+      <a:fillRef idx="2">
+        <a:scrgbClr r="0" g="0" b="0"/>
+      </a:fillRef>
+      <a:effectRef idx="0">
+        <a:scrgbClr r="0" g="0" b="0"/>
+      </a:effectRef>
+      <a:fontRef idx="minor">
+        <a:schemeClr val="tx1"/>
+      </a:fontRef>
+    </dgm:style>
+  </dgm:styleLbl>
+  <dgm:styleLbl name="alignNode1">
+    <dgm:scene3d>
+      <a:camera prst="orthographicFront"/>
+      <a:lightRig rig="threePt" dir="t"/>
+    </dgm:scene3d>
+    <dgm:sp3d/>
+    <dgm:txPr/>
+    <dgm:style>
+      <a:lnRef idx="1">
+        <a:scrgbClr r="0" g="0" b="0"/>
+      </a:lnRef>
+      <a:fillRef idx="2">
+        <a:scrgbClr r="0" g="0" b="0"/>
+      </a:fillRef>
+      <a:effectRef idx="1">
+        <a:scrgbClr r="0" g="0" b="0"/>
+      </a:effectRef>
+      <a:fontRef idx="minor">
+        <a:schemeClr val="dk1"/>
+      </a:fontRef>
+    </dgm:style>
+  </dgm:styleLbl>
+  <dgm:styleLbl name="node1">
+    <dgm:scene3d>
+      <a:camera prst="orthographicFront"/>
+      <a:lightRig rig="flat" dir="t"/>
+    </dgm:scene3d>
+    <dgm:sp3d prstMaterial="dkEdge">
+      <a:bevelT w="8200" h="38100"/>
+    </dgm:sp3d>
+    <dgm:txPr/>
+    <dgm:style>
+      <a:lnRef idx="0">
+        <a:scrgbClr r="0" g="0" b="0"/>
+      </a:lnRef>
+      <a:fillRef idx="2">
+        <a:scrgbClr r="0" g="0" b="0"/>
+      </a:fillRef>
+      <a:effectRef idx="1">
+        <a:scrgbClr r="0" g="0" b="0"/>
+      </a:effectRef>
+      <a:fontRef idx="minor">
+        <a:schemeClr val="dk1"/>
+      </a:fontRef>
+    </dgm:style>
+  </dgm:styleLbl>
+  <dgm:styleLbl name="node2">
+    <dgm:scene3d>
+      <a:camera prst="orthographicFront"/>
+      <a:lightRig rig="flat" dir="t"/>
+    </dgm:scene3d>
+    <dgm:sp3d prstMaterial="dkEdge">
+      <a:bevelT w="8200" h="38100"/>
+    </dgm:sp3d>
+    <dgm:txPr/>
+    <dgm:style>
+      <a:lnRef idx="0">
+        <a:scrgbClr r="0" g="0" b="0"/>
+      </a:lnRef>
+      <a:fillRef idx="2">
+        <a:scrgbClr r="0" g="0" b="0"/>
+      </a:fillRef>
+      <a:effectRef idx="1">
+        <a:scrgbClr r="0" g="0" b="0"/>
+      </a:effectRef>
+      <a:fontRef idx="minor">
+        <a:schemeClr val="dk1"/>
+      </a:fontRef>
+    </dgm:style>
+  </dgm:styleLbl>
+  <dgm:styleLbl name="node3">
+    <dgm:scene3d>
+      <a:camera prst="orthographicFront"/>
+      <a:lightRig rig="flat" dir="t"/>
+    </dgm:scene3d>
+    <dgm:sp3d prstMaterial="dkEdge">
+      <a:bevelT w="8200" h="38100"/>
+    </dgm:sp3d>
+    <dgm:txPr/>
+    <dgm:style>
+      <a:lnRef idx="0">
+        <a:scrgbClr r="0" g="0" b="0"/>
+      </a:lnRef>
+      <a:fillRef idx="2">
+        <a:scrgbClr r="0" g="0" b="0"/>
+      </a:fillRef>
+      <a:effectRef idx="1">
+        <a:scrgbClr r="0" g="0" b="0"/>
+      </a:effectRef>
+      <a:fontRef idx="minor">
+        <a:schemeClr val="dk1"/>
+      </a:fontRef>
+    </dgm:style>
+  </dgm:styleLbl>
+  <dgm:styleLbl name="node4">
+    <dgm:scene3d>
+      <a:camera prst="orthographicFront"/>
+      <a:lightRig rig="flat" dir="t"/>
+    </dgm:scene3d>
+    <dgm:sp3d prstMaterial="dkEdge">
+      <a:bevelT w="8200" h="38100"/>
+    </dgm:sp3d>
+    <dgm:txPr/>
+    <dgm:style>
+      <a:lnRef idx="0">
+        <a:scrgbClr r="0" g="0" b="0"/>
+      </a:lnRef>
+      <a:fillRef idx="2">
+        <a:scrgbClr r="0" g="0" b="0"/>
+      </a:fillRef>
+      <a:effectRef idx="1">
+        <a:scrgbClr r="0" g="0" b="0"/>
+      </a:effectRef>
+      <a:fontRef idx="minor">
+        <a:schemeClr val="dk1"/>
+      </a:fontRef>
+    </dgm:style>
+  </dgm:styleLbl>
+  <dgm:styleLbl name="fgImgPlace1">
+    <dgm:scene3d>
+      <a:camera prst="orthographicFront"/>
+      <a:lightRig rig="threePt" dir="t"/>
+    </dgm:scene3d>
+    <dgm:sp3d/>
+    <dgm:txPr/>
+    <dgm:style>
+      <a:lnRef idx="1">
+        <a:scrgbClr r="0" g="0" b="0"/>
+      </a:lnRef>
+      <a:fillRef idx="1">
+        <a:scrgbClr r="0" g="0" b="0"/>
+      </a:fillRef>
+      <a:effectRef idx="1">
+        <a:scrgbClr r="0" g="0" b="0"/>
+      </a:effectRef>
+      <a:fontRef idx="minor"/>
+    </dgm:style>
+  </dgm:styleLbl>
+  <dgm:styleLbl name="alignImgPlace1">
+    <dgm:scene3d>
+      <a:camera prst="orthographicFront"/>
+      <a:lightRig rig="threePt" dir="t"/>
+    </dgm:scene3d>
+    <dgm:sp3d/>
+    <dgm:txPr/>
+    <dgm:style>
+      <a:lnRef idx="1">
+        <a:scrgbClr r="0" g="0" b="0"/>
+      </a:lnRef>
+      <a:fillRef idx="1">
+        <a:scrgbClr r="0" g="0" b="0"/>
+      </a:fillRef>
+      <a:effectRef idx="1">
+        <a:scrgbClr r="0" g="0" b="0"/>
+      </a:effectRef>
+      <a:fontRef idx="minor"/>
+    </dgm:style>
+  </dgm:styleLbl>
+  <dgm:styleLbl name="bgImgPlace1">
+    <dgm:scene3d>
+      <a:camera prst="orthographicFront"/>
+      <a:lightRig rig="threePt" dir="t"/>
+    </dgm:scene3d>
+    <dgm:sp3d/>
+    <dgm:txPr/>
+    <dgm:style>
+      <a:lnRef idx="1">
+        <a:scrgbClr r="0" g="0" b="0"/>
+      </a:lnRef>
+      <a:fillRef idx="1">
+        <a:scrgbClr r="0" g="0" b="0"/>
+      </a:fillRef>
+      <a:effectRef idx="1">
+        <a:scrgbClr r="0" g="0" b="0"/>
+      </a:effectRef>
+      <a:fontRef idx="minor"/>
+    </dgm:style>
+  </dgm:styleLbl>
+  <dgm:styleLbl name="sibTrans2D1">
+    <dgm:scene3d>
+      <a:camera prst="orthographicFront"/>
+      <a:lightRig rig="threePt" dir="t"/>
+    </dgm:scene3d>
+    <dgm:sp3d/>
+    <dgm:txPr/>
+    <dgm:style>
+      <a:lnRef idx="0">
+        <a:scrgbClr r="0" g="0" b="0"/>
+      </a:lnRef>
+      <a:fillRef idx="2">
+        <a:scrgbClr r="0" g="0" b="0"/>
+      </a:fillRef>
+      <a:effectRef idx="1">
+        <a:scrgbClr r="0" g="0" b="0"/>
+      </a:effectRef>
+      <a:fontRef idx="minor">
+        <a:schemeClr val="dk1"/>
+      </a:fontRef>
+    </dgm:style>
+  </dgm:styleLbl>
+  <dgm:styleLbl name="fgSibTrans2D1">
+    <dgm:scene3d>
+      <a:camera prst="orthographicFront"/>
+      <a:lightRig rig="threePt" dir="t"/>
+    </dgm:scene3d>
+    <dgm:sp3d/>
+    <dgm:txPr/>
+    <dgm:style>
+      <a:lnRef idx="0">
+        <a:scrgbClr r="0" g="0" b="0"/>
+      </a:lnRef>
+      <a:fillRef idx="2">
+        <a:scrgbClr r="0" g="0" b="0"/>
+      </a:fillRef>
+      <a:effectRef idx="1">
+        <a:scrgbClr r="0" g="0" b="0"/>
+      </a:effectRef>
+      <a:fontRef idx="minor">
+        <a:schemeClr val="dk1"/>
+      </a:fontRef>
+    </dgm:style>
+  </dgm:styleLbl>
+  <dgm:styleLbl name="bgSibTrans2D1">
+    <dgm:scene3d>
+      <a:camera prst="orthographicFront"/>
+      <a:lightRig rig="threePt" dir="t"/>
+    </dgm:scene3d>
+    <dgm:sp3d/>
+    <dgm:txPr/>
+    <dgm:style>
+      <a:lnRef idx="0">
+        <a:scrgbClr r="0" g="0" b="0"/>
+      </a:lnRef>
+      <a:fillRef idx="2">
+        <a:scrgbClr r="0" g="0" b="0"/>
+      </a:fillRef>
+      <a:effectRef idx="1">
+        <a:scrgbClr r="0" g="0" b="0"/>
+      </a:effectRef>
+      <a:fontRef idx="minor">
+        <a:schemeClr val="dk1"/>
+      </a:fontRef>
+    </dgm:style>
+  </dgm:styleLbl>
+  <dgm:styleLbl name="sibTrans1D1">
+    <dgm:scene3d>
+      <a:camera prst="orthographicFront"/>
+      <a:lightRig rig="threePt" dir="t"/>
+    </dgm:scene3d>
+    <dgm:sp3d/>
+    <dgm:txPr/>
+    <dgm:style>
+      <a:lnRef idx="1">
+        <a:scrgbClr r="0" g="0" b="0"/>
+      </a:lnRef>
+      <a:fillRef idx="0">
+        <a:scrgbClr r="0" g="0" b="0"/>
+      </a:fillRef>
+      <a:effectRef idx="0">
+        <a:scrgbClr r="0" g="0" b="0"/>
+      </a:effectRef>
+      <a:fontRef idx="minor"/>
+    </dgm:style>
+  </dgm:styleLbl>
+  <dgm:styleLbl name="callout">
+    <dgm:scene3d>
+      <a:camera prst="orthographicFront"/>
+      <a:lightRig rig="threePt" dir="t"/>
+    </dgm:scene3d>
+    <dgm:sp3d/>
+    <dgm:txPr/>
+    <dgm:style>
+      <a:lnRef idx="1">
+        <a:scrgbClr r="0" g="0" b="0"/>
+      </a:lnRef>
+      <a:fillRef idx="2">
+        <a:scrgbClr r="0" g="0" b="0"/>
+      </a:fillRef>
+      <a:effectRef idx="1">
+        <a:scrgbClr r="0" g="0" b="0"/>
+      </a:effectRef>
+      <a:fontRef idx="minor"/>
+    </dgm:style>
+  </dgm:styleLbl>
+  <dgm:styleLbl name="asst0">
+    <dgm:scene3d>
+      <a:camera prst="orthographicFront"/>
+      <a:lightRig rig="flat" dir="t"/>
+    </dgm:scene3d>
+    <dgm:sp3d prstMaterial="dkEdge">
+      <a:bevelT w="8200" h="38100"/>
+    </dgm:sp3d>
+    <dgm:txPr/>
+    <dgm:style>
+      <a:lnRef idx="0">
+        <a:scrgbClr r="0" g="0" b="0"/>
+      </a:lnRef>
+      <a:fillRef idx="2">
+        <a:scrgbClr r="0" g="0" b="0"/>
+      </a:fillRef>
+      <a:effectRef idx="1">
+        <a:scrgbClr r="0" g="0" b="0"/>
+      </a:effectRef>
+      <a:fontRef idx="minor">
+        <a:schemeClr val="dk1"/>
+      </a:fontRef>
+    </dgm:style>
+  </dgm:styleLbl>
+  <dgm:styleLbl name="asst1">
+    <dgm:scene3d>
+      <a:camera prst="orthographicFront"/>
+      <a:lightRig rig="flat" dir="t"/>
+    </dgm:scene3d>
+    <dgm:sp3d prstMaterial="dkEdge">
+      <a:bevelT w="8200" h="38100"/>
+    </dgm:sp3d>
+    <dgm:txPr/>
+    <dgm:style>
+      <a:lnRef idx="0">
+        <a:scrgbClr r="0" g="0" b="0"/>
+      </a:lnRef>
+      <a:fillRef idx="2">
+        <a:scrgbClr r="0" g="0" b="0"/>
+      </a:fillRef>
+      <a:effectRef idx="1">
+        <a:scrgbClr r="0" g="0" b="0"/>
+      </a:effectRef>
+      <a:fontRef idx="minor">
+        <a:schemeClr val="dk1"/>
+      </a:fontRef>
+    </dgm:style>
+  </dgm:styleLbl>
+  <dgm:styleLbl name="asst2">
+    <dgm:scene3d>
+      <a:camera prst="orthographicFront"/>
+      <a:lightRig rig="flat" dir="t"/>
+    </dgm:scene3d>
+    <dgm:sp3d prstMaterial="dkEdge">
+      <a:bevelT w="8200" h="38100"/>
+    </dgm:sp3d>
+    <dgm:txPr/>
+    <dgm:style>
+      <a:lnRef idx="0">
+        <a:scrgbClr r="0" g="0" b="0"/>
+      </a:lnRef>
+      <a:fillRef idx="2">
+        <a:scrgbClr r="0" g="0" b="0"/>
+      </a:fillRef>
+      <a:effectRef idx="1">
+        <a:scrgbClr r="0" g="0" b="0"/>
+      </a:effectRef>
+      <a:fontRef idx="minor">
+        <a:schemeClr val="dk1"/>
+      </a:fontRef>
+    </dgm:style>
+  </dgm:styleLbl>
+  <dgm:styleLbl name="asst3">
+    <dgm:scene3d>
+      <a:camera prst="orthographicFront"/>
+      <a:lightRig rig="flat" dir="t"/>
+    </dgm:scene3d>
+    <dgm:sp3d prstMaterial="dkEdge">
+      <a:bevelT w="8200" h="38100"/>
+    </dgm:sp3d>
+    <dgm:txPr/>
+    <dgm:style>
+      <a:lnRef idx="0">
+        <a:scrgbClr r="0" g="0" b="0"/>
+      </a:lnRef>
+      <a:fillRef idx="2">
+        <a:scrgbClr r="0" g="0" b="0"/>
+      </a:fillRef>
+      <a:effectRef idx="1">
+        <a:scrgbClr r="0" g="0" b="0"/>
+      </a:effectRef>
+      <a:fontRef idx="minor">
+        <a:schemeClr val="dk1"/>
+      </a:fontRef>
+    </dgm:style>
+  </dgm:styleLbl>
+  <dgm:styleLbl name="asst4">
+    <dgm:scene3d>
+      <a:camera prst="orthographicFront"/>
+      <a:lightRig rig="flat" dir="t"/>
+    </dgm:scene3d>
+    <dgm:sp3d prstMaterial="dkEdge">
+      <a:bevelT w="8200" h="38100"/>
+    </dgm:sp3d>
+    <dgm:txPr/>
+    <dgm:style>
+      <a:lnRef idx="0">
+        <a:scrgbClr r="0" g="0" b="0"/>
+      </a:lnRef>
+      <a:fillRef idx="2">
+        <a:scrgbClr r="0" g="0" b="0"/>
+      </a:fillRef>
+      <a:effectRef idx="1">
+        <a:scrgbClr r="0" g="0" b="0"/>
+      </a:effectRef>
+      <a:fontRef idx="minor">
+        <a:schemeClr val="dk1"/>
+      </a:fontRef>
+    </dgm:style>
+  </dgm:styleLbl>
+  <dgm:styleLbl name="parChTrans2D1">
+    <dgm:scene3d>
+      <a:camera prst="orthographicFront"/>
+      <a:lightRig rig="threePt" dir="t"/>
+    </dgm:scene3d>
+    <dgm:sp3d/>
+    <dgm:txPr/>
+    <dgm:style>
+      <a:lnRef idx="1">
+        <a:scrgbClr r="0" g="0" b="0"/>
+      </a:lnRef>
+      <a:fillRef idx="2">
+        <a:scrgbClr r="0" g="0" b="0"/>
+      </a:fillRef>
+      <a:effectRef idx="1">
+        <a:scrgbClr r="0" g="0" b="0"/>
+      </a:effectRef>
+      <a:fontRef idx="minor">
+        <a:schemeClr val="dk1"/>
+      </a:fontRef>
+    </dgm:style>
+  </dgm:styleLbl>
+  <dgm:styleLbl name="parChTrans2D2">
+    <dgm:scene3d>
+      <a:camera prst="orthographicFront"/>
+      <a:lightRig rig="threePt" dir="t"/>
+    </dgm:scene3d>
+    <dgm:sp3d/>
+    <dgm:txPr/>
+    <dgm:style>
+      <a:lnRef idx="1">
+        <a:scrgbClr r="0" g="0" b="0"/>
+      </a:lnRef>
+      <a:fillRef idx="2">
+        <a:scrgbClr r="0" g="0" b="0"/>
+      </a:fillRef>
+      <a:effectRef idx="1">
+        <a:scrgbClr r="0" g="0" b="0"/>
+      </a:effectRef>
+      <a:fontRef idx="minor">
+        <a:schemeClr val="dk1"/>
+      </a:fontRef>
+    </dgm:style>
+  </dgm:styleLbl>
+  <dgm:styleLbl name="parChTrans2D3">
+    <dgm:scene3d>
+      <a:camera prst="orthographicFront"/>
+      <a:lightRig rig="threePt" dir="t"/>
+    </dgm:scene3d>
+    <dgm:sp3d/>
+    <dgm:txPr/>
+    <dgm:style>
+      <a:lnRef idx="1">
+        <a:scrgbClr r="0" g="0" b="0"/>
+      </a:lnRef>
+      <a:fillRef idx="2">
+        <a:scrgbClr r="0" g="0" b="0"/>
+      </a:fillRef>
+      <a:effectRef idx="1">
+        <a:scrgbClr r="0" g="0" b="0"/>
+      </a:effectRef>
+      <a:fontRef idx="minor">
+        <a:schemeClr val="dk1"/>
+      </a:fontRef>
+    </dgm:style>
+  </dgm:styleLbl>
+  <dgm:styleLbl name="parChTrans2D4">
+    <dgm:scene3d>
+      <a:camera prst="orthographicFront"/>
+      <a:lightRig rig="threePt" dir="t"/>
+    </dgm:scene3d>
+    <dgm:sp3d/>
+    <dgm:txPr/>
+    <dgm:style>
+      <a:lnRef idx="1">
+        <a:scrgbClr r="0" g="0" b="0"/>
+      </a:lnRef>
+      <a:fillRef idx="2">
+        <a:scrgbClr r="0" g="0" b="0"/>
+      </a:fillRef>
+      <a:effectRef idx="1">
+        <a:scrgbClr r="0" g="0" b="0"/>
+      </a:effectRef>
+      <a:fontRef idx="minor">
+        <a:schemeClr val="dk1"/>
+      </a:fontRef>
+    </dgm:style>
+  </dgm:styleLbl>
+  <dgm:styleLbl name="parChTrans1D1">
+    <dgm:scene3d>
+      <a:camera prst="orthographicFront"/>
+      <a:lightRig rig="threePt" dir="t"/>
+    </dgm:scene3d>
+    <dgm:sp3d/>
+    <dgm:txPr/>
+    <dgm:style>
+      <a:lnRef idx="2">
+        <a:scrgbClr r="0" g="0" b="0"/>
+      </a:lnRef>
+      <a:fillRef idx="0">
+        <a:scrgbClr r="0" g="0" b="0"/>
+      </a:fillRef>
+      <a:effectRef idx="0">
+        <a:scrgbClr r="0" g="0" b="0"/>
+      </a:effectRef>
+      <a:fontRef idx="minor"/>
+    </dgm:style>
+  </dgm:styleLbl>
+  <dgm:styleLbl name="parChTrans1D2">
+    <dgm:scene3d>
+      <a:camera prst="orthographicFront"/>
+      <a:lightRig rig="threePt" dir="t"/>
+    </dgm:scene3d>
+    <dgm:sp3d/>
+    <dgm:txPr/>
+    <dgm:style>
+      <a:lnRef idx="2">
+        <a:scrgbClr r="0" g="0" b="0"/>
+      </a:lnRef>
+      <a:fillRef idx="0">
+        <a:scrgbClr r="0" g="0" b="0"/>
+      </a:fillRef>
+      <a:effectRef idx="0">
+        <a:scrgbClr r="0" g="0" b="0"/>
+      </a:effectRef>
+      <a:fontRef idx="minor"/>
+    </dgm:style>
+  </dgm:styleLbl>
+  <dgm:styleLbl name="parChTrans1D3">
+    <dgm:scene3d>
+      <a:camera prst="orthographicFront"/>
+      <a:lightRig rig="threePt" dir="t"/>
+    </dgm:scene3d>
+    <dgm:sp3d/>
+    <dgm:txPr/>
+    <dgm:style>
+      <a:lnRef idx="2">
+        <a:scrgbClr r="0" g="0" b="0"/>
+      </a:lnRef>
+      <a:fillRef idx="0">
+        <a:scrgbClr r="0" g="0" b="0"/>
+      </a:fillRef>
+      <a:effectRef idx="0">
+        <a:scrgbClr r="0" g="0" b="0"/>
+      </a:effectRef>
+      <a:fontRef idx="minor"/>
+    </dgm:style>
+  </dgm:styleLbl>
+  <dgm:styleLbl name="parChTrans1D4">
+    <dgm:scene3d>
+      <a:camera prst="orthographicFront"/>
+      <a:lightRig rig="threePt" dir="t"/>
+    </dgm:scene3d>
+    <dgm:sp3d/>
+    <dgm:txPr/>
+    <dgm:style>
+      <a:lnRef idx="2">
+        <a:scrgbClr r="0" g="0" b="0"/>
+      </a:lnRef>
+      <a:fillRef idx="0">
+        <a:scrgbClr r="0" g="0" b="0"/>
+      </a:fillRef>
+      <a:effectRef idx="0">
+        <a:scrgbClr r="0" g="0" b="0"/>
+      </a:effectRef>
+      <a:fontRef idx="minor"/>
+    </dgm:style>
+  </dgm:styleLbl>
+  <dgm:styleLbl name="fgAcc1">
+    <dgm:scene3d>
+      <a:camera prst="orthographicFront"/>
+      <a:lightRig rig="threePt" dir="t"/>
+    </dgm:scene3d>
+    <dgm:sp3d/>
+    <dgm:txPr/>
+    <dgm:style>
+      <a:lnRef idx="1">
+        <a:scrgbClr r="0" g="0" b="0"/>
+      </a:lnRef>
+      <a:fillRef idx="1">
+        <a:scrgbClr r="0" g="0" b="0"/>
+      </a:fillRef>
+      <a:effectRef idx="0">
+        <a:scrgbClr r="0" g="0" b="0"/>
+      </a:effectRef>
+      <a:fontRef idx="minor"/>
+    </dgm:style>
+  </dgm:styleLbl>
+  <dgm:styleLbl name="conFgAcc1">
+    <dgm:scene3d>
+      <a:camera prst="orthographicFront"/>
+      <a:lightRig rig="threePt" dir="t"/>
+    </dgm:scene3d>
+    <dgm:sp3d/>
+    <dgm:txPr/>
+    <dgm:style>
+      <a:lnRef idx="1">
+        <a:scrgbClr r="0" g="0" b="0"/>
+      </a:lnRef>
+      <a:fillRef idx="1">
+        <a:scrgbClr r="0" g="0" b="0"/>
+      </a:fillRef>
+      <a:effectRef idx="0">
+        <a:scrgbClr r="0" g="0" b="0"/>
+      </a:effectRef>
+      <a:fontRef idx="minor"/>
+    </dgm:style>
+  </dgm:styleLbl>
+  <dgm:styleLbl name="alignAcc1">
+    <dgm:scene3d>
+      <a:camera prst="orthographicFront"/>
+      <a:lightRig rig="threePt" dir="t"/>
+    </dgm:scene3d>
+    <dgm:sp3d/>
+    <dgm:txPr/>
+    <dgm:style>
+      <a:lnRef idx="1">
+        <a:scrgbClr r="0" g="0" b="0"/>
+      </a:lnRef>
+      <a:fillRef idx="1">
+        <a:scrgbClr r="0" g="0" b="0"/>
+      </a:fillRef>
+      <a:effectRef idx="0">
+        <a:scrgbClr r="0" g="0" b="0"/>
+      </a:effectRef>
+      <a:fontRef idx="minor"/>
+    </dgm:style>
+  </dgm:styleLbl>
+  <dgm:styleLbl name="trAlignAcc1">
+    <dgm:scene3d>
+      <a:camera prst="orthographicFront"/>
+      <a:lightRig rig="threePt" dir="t"/>
+    </dgm:scene3d>
+    <dgm:sp3d/>
+    <dgm:txPr/>
+    <dgm:style>
+      <a:lnRef idx="1">
+        <a:scrgbClr r="0" g="0" b="0"/>
+      </a:lnRef>
+      <a:fillRef idx="1">
+        <a:scrgbClr r="0" g="0" b="0"/>
+      </a:fillRef>
+      <a:effectRef idx="0">
+        <a:scrgbClr r="0" g="0" b="0"/>
+      </a:effectRef>
+      <a:fontRef idx="minor"/>
+    </dgm:style>
+  </dgm:styleLbl>
+  <dgm:styleLbl name="bgAcc1">
+    <dgm:scene3d>
+      <a:camera prst="orthographicFront"/>
+      <a:lightRig rig="threePt" dir="t"/>
+    </dgm:scene3d>
+    <dgm:sp3d/>
+    <dgm:txPr/>
+    <dgm:style>
+      <a:lnRef idx="1">
+        <a:scrgbClr r="0" g="0" b="0"/>
+      </a:lnRef>
+      <a:fillRef idx="1">
+        <a:scrgbClr r="0" g="0" b="0"/>
+      </a:fillRef>
+      <a:effectRef idx="0">
+        <a:scrgbClr r="0" g="0" b="0"/>
+      </a:effectRef>
+      <a:fontRef idx="minor"/>
+    </dgm:style>
+  </dgm:styleLbl>
+  <dgm:styleLbl name="solidFgAcc1">
+    <dgm:scene3d>
+      <a:camera prst="orthographicFront"/>
+      <a:lightRig rig="threePt" dir="t"/>
+    </dgm:scene3d>
+    <dgm:sp3d/>
+    <dgm:txPr/>
+    <dgm:style>
+      <a:lnRef idx="1">
+        <a:scrgbClr r="0" g="0" b="0"/>
+      </a:lnRef>
+      <a:fillRef idx="2">
+        <a:scrgbClr r="0" g="0" b="0"/>
+      </a:fillRef>
+      <a:effectRef idx="0">
+        <a:scrgbClr r="0" g="0" b="0"/>
+      </a:effectRef>
+      <a:fontRef idx="minor"/>
+    </dgm:style>
+  </dgm:styleLbl>
+  <dgm:styleLbl name="solidAlignAcc1">
+    <dgm:scene3d>
+      <a:camera prst="orthographicFront"/>
+      <a:lightRig rig="threePt" dir="t"/>
+    </dgm:scene3d>
+    <dgm:sp3d/>
+    <dgm:txPr/>
+    <dgm:style>
+      <a:lnRef idx="1">
+        <a:scrgbClr r="0" g="0" b="0"/>
+      </a:lnRef>
+      <a:fillRef idx="1">
+        <a:scrgbClr r="0" g="0" b="0"/>
+      </a:fillRef>
+      <a:effectRef idx="0">
+        <a:scrgbClr r="0" g="0" b="0"/>
+      </a:effectRef>
+      <a:fontRef idx="minor"/>
+    </dgm:style>
+  </dgm:styleLbl>
+  <dgm:styleLbl name="solidBgAcc1">
+    <dgm:scene3d>
+      <a:camera prst="orthographicFront"/>
+      <a:lightRig rig="threePt" dir="t"/>
+    </dgm:scene3d>
+    <dgm:sp3d/>
+    <dgm:txPr/>
+    <dgm:style>
+      <a:lnRef idx="1">
+        <a:scrgbClr r="0" g="0" b="0"/>
+      </a:lnRef>
+      <a:fillRef idx="1">
+        <a:scrgbClr r="0" g="0" b="0"/>
+      </a:fillRef>
+      <a:effectRef idx="0">
+        <a:scrgbClr r="0" g="0" b="0"/>
+      </a:effectRef>
+      <a:fontRef idx="minor"/>
+    </dgm:style>
+  </dgm:styleLbl>
+  <dgm:styleLbl name="fgAccFollowNode1">
+    <dgm:scene3d>
+      <a:camera prst="orthographicFront"/>
+      <a:lightRig rig="threePt" dir="t"/>
+    </dgm:scene3d>
+    <dgm:sp3d/>
+    <dgm:txPr/>
+    <dgm:style>
+      <a:lnRef idx="1">
+        <a:scrgbClr r="0" g="0" b="0"/>
+      </a:lnRef>
+      <a:fillRef idx="1">
+        <a:scrgbClr r="0" g="0" b="0"/>
+      </a:fillRef>
+      <a:effectRef idx="0">
+        <a:scrgbClr r="0" g="0" b="0"/>
+      </a:effectRef>
+      <a:fontRef idx="minor"/>
+    </dgm:style>
+  </dgm:styleLbl>
+  <dgm:styleLbl name="alignAccFollowNode1">
+    <dgm:scene3d>
+      <a:camera prst="orthographicFront"/>
+      <a:lightRig rig="threePt" dir="t"/>
+    </dgm:scene3d>
+    <dgm:sp3d/>
+    <dgm:txPr/>
+    <dgm:style>
+      <a:lnRef idx="1">
+        <a:scrgbClr r="0" g="0" b="0"/>
+      </a:lnRef>
+      <a:fillRef idx="1">
+        <a:scrgbClr r="0" g="0" b="0"/>
+      </a:fillRef>
+      <a:effectRef idx="0">
+        <a:scrgbClr r="0" g="0" b="0"/>
+      </a:effectRef>
+      <a:fontRef idx="minor"/>
+    </dgm:style>
+  </dgm:styleLbl>
+  <dgm:styleLbl name="bgAccFollowNode1">
+    <dgm:scene3d>
+      <a:camera prst="orthographicFront"/>
+      <a:lightRig rig="threePt" dir="t"/>
+    </dgm:scene3d>
+    <dgm:sp3d/>
+    <dgm:txPr/>
+    <dgm:style>
+      <a:lnRef idx="1">
+        <a:scrgbClr r="0" g="0" b="0"/>
+      </a:lnRef>
+      <a:fillRef idx="1">
+        <a:scrgbClr r="0" g="0" b="0"/>
+      </a:fillRef>
+      <a:effectRef idx="0">
+        <a:scrgbClr r="0" g="0" b="0"/>
+      </a:effectRef>
+      <a:fontRef idx="minor"/>
+    </dgm:style>
+  </dgm:styleLbl>
+  <dgm:styleLbl name="fgAcc0">
+    <dgm:scene3d>
+      <a:camera prst="orthographicFront"/>
+      <a:lightRig rig="threePt" dir="t"/>
+    </dgm:scene3d>
+    <dgm:sp3d/>
+    <dgm:txPr/>
+    <dgm:style>
+      <a:lnRef idx="1">
+        <a:scrgbClr r="0" g="0" b="0"/>
+      </a:lnRef>
+      <a:fillRef idx="1">
+        <a:scrgbClr r="0" g="0" b="0"/>
+      </a:fillRef>
+      <a:effectRef idx="0">
+        <a:scrgbClr r="0" g="0" b="0"/>
+      </a:effectRef>
+      <a:fontRef idx="minor"/>
+    </dgm:style>
+  </dgm:styleLbl>
+  <dgm:styleLbl name="fgAcc2">
+    <dgm:scene3d>
+      <a:camera prst="orthographicFront"/>
+      <a:lightRig rig="threePt" dir="t"/>
+    </dgm:scene3d>
+    <dgm:sp3d/>
+    <dgm:txPr/>
+    <dgm:style>
+      <a:lnRef idx="1">
+        <a:scrgbClr r="0" g="0" b="0"/>
+      </a:lnRef>
+      <a:fillRef idx="1">
+        <a:scrgbClr r="0" g="0" b="0"/>
+      </a:fillRef>
+      <a:effectRef idx="0">
+        <a:scrgbClr r="0" g="0" b="0"/>
+      </a:effectRef>
+      <a:fontRef idx="minor"/>
+    </dgm:style>
+  </dgm:styleLbl>
+  <dgm:styleLbl name="fgAcc3">
+    <dgm:scene3d>
+      <a:camera prst="orthographicFront"/>
+      <a:lightRig rig="threePt" dir="t"/>
+    </dgm:scene3d>
+    <dgm:sp3d/>
+    <dgm:txPr/>
+    <dgm:style>
+      <a:lnRef idx="1">
+        <a:scrgbClr r="0" g="0" b="0"/>
+      </a:lnRef>
+      <a:fillRef idx="1">
+        <a:scrgbClr r="0" g="0" b="0"/>
+      </a:fillRef>
+      <a:effectRef idx="0">
+        <a:scrgbClr r="0" g="0" b="0"/>
+      </a:effectRef>
+      <a:fontRef idx="minor"/>
+    </dgm:style>
+  </dgm:styleLbl>
+  <dgm:styleLbl name="fgAcc4">
+    <dgm:scene3d>
+      <a:camera prst="orthographicFront"/>
+      <a:lightRig rig="threePt" dir="t"/>
+    </dgm:scene3d>
+    <dgm:sp3d/>
+    <dgm:txPr/>
+    <dgm:style>
+      <a:lnRef idx="1">
+        <a:scrgbClr r="0" g="0" b="0"/>
+      </a:lnRef>
+      <a:fillRef idx="1">
+        <a:scrgbClr r="0" g="0" b="0"/>
+      </a:fillRef>
+      <a:effectRef idx="0">
+        <a:scrgbClr r="0" g="0" b="0"/>
+      </a:effectRef>
+      <a:fontRef idx="minor"/>
+    </dgm:style>
+  </dgm:styleLbl>
+  <dgm:styleLbl name="bgShp">
+    <dgm:scene3d>
+      <a:camera prst="orthographicFront"/>
+      <a:lightRig rig="threePt" dir="t"/>
+    </dgm:scene3d>
+    <dgm:sp3d/>
+    <dgm:txPr/>
+    <dgm:style>
+      <a:lnRef idx="0">
+        <a:scrgbClr r="0" g="0" b="0"/>
+      </a:lnRef>
+      <a:fillRef idx="1">
+        <a:scrgbClr r="0" g="0" b="0"/>
+      </a:fillRef>
+      <a:effectRef idx="1">
+        <a:scrgbClr r="0" g="0" b="0"/>
+      </a:effectRef>
+      <a:fontRef idx="minor"/>
+    </dgm:style>
+  </dgm:styleLbl>
+  <dgm:styleLbl name="dkBgShp">
+    <dgm:scene3d>
+      <a:camera prst="orthographicFront"/>
+      <a:lightRig rig="threePt" dir="t"/>
+    </dgm:scene3d>
+    <dgm:sp3d/>
+    <dgm:txPr/>
+    <dgm:style>
+      <a:lnRef idx="0">
+        <a:scrgbClr r="0" g="0" b="0"/>
+      </a:lnRef>
+      <a:fillRef idx="1">
+        <a:scrgbClr r="0" g="0" b="0"/>
+      </a:fillRef>
+      <a:effectRef idx="1">
+        <a:scrgbClr r="0" g="0" b="0"/>
+      </a:effectRef>
+      <a:fontRef idx="minor"/>
+    </dgm:style>
+  </dgm:styleLbl>
+  <dgm:styleLbl name="trBgShp">
+    <dgm:scene3d>
+      <a:camera prst="orthographicFront"/>
+      <a:lightRig rig="threePt" dir="t"/>
+    </dgm:scene3d>
+    <dgm:sp3d/>
+    <dgm:txPr/>
+    <dgm:style>
+      <a:lnRef idx="0">
+        <a:scrgbClr r="0" g="0" b="0"/>
+      </a:lnRef>
+      <a:fillRef idx="1">
+        <a:scrgbClr r="0" g="0" b="0"/>
+      </a:fillRef>
+      <a:effectRef idx="0">
+        <a:scrgbClr r="0" g="0" b="0"/>
+      </a:effectRef>
+      <a:fontRef idx="minor"/>
+    </dgm:style>
+  </dgm:styleLbl>
+  <dgm:styleLbl name="fgShp">
+    <dgm:scene3d>
+      <a:camera prst="orthographicFront"/>
+      <a:lightRig rig="flat" dir="t"/>
+    </dgm:scene3d>
+    <dgm:sp3d prstMaterial="dkEdge">
+      <a:bevelT w="8200" h="38100"/>
+    </dgm:sp3d>
+    <dgm:txPr/>
+    <dgm:style>
+      <a:lnRef idx="1">
+        <a:scrgbClr r="0" g="0" b="0"/>
+      </a:lnRef>
+      <a:fillRef idx="2">
+        <a:scrgbClr r="0" g="0" b="0"/>
+      </a:fillRef>
+      <a:effectRef idx="1">
+        <a:scrgbClr r="0" g="0" b="0"/>
+      </a:effectRef>
+      <a:fontRef idx="minor"/>
+    </dgm:style>
+  </dgm:styleLbl>
+  <dgm:styleLbl name="revTx">
+    <dgm:scene3d>
+      <a:camera prst="orthographicFront"/>
+      <a:lightRig rig="threePt" dir="t"/>
+    </dgm:scene3d>
+    <dgm:sp3d/>
+    <dgm:txPr/>
+    <dgm:style>
+      <a:lnRef idx="0">
+        <a:scrgbClr r="0" g="0" b="0"/>
+      </a:lnRef>
+      <a:fillRef idx="0">
+        <a:scrgbClr r="0" g="0" b="0"/>
+      </a:fillRef>
+      <a:effectRef idx="0">
+        <a:scrgbClr r="0" g="0" b="0"/>
+      </a:effectRef>
+      <a:fontRef idx="minor"/>
+    </dgm:style>
+  </dgm:styleLbl>
+</dgm:styleDef>
+</file>
+
+<file path=ppt/diagrams/quickStyle8.xml><?xml version="1.0" encoding="utf-8"?>
 <dgm:styleDef xmlns:dgm="http://schemas.openxmlformats.org/drawingml/2006/diagram" xmlns:a="http://schemas.openxmlformats.org/drawingml/2006/main" uniqueId="urn:microsoft.com/office/officeart/2005/8/quickstyle/simple3">
   <dgm:title val=""/>
   <dgm:desc val=""/>
@@ -18900,7 +24022,7 @@
             <a:pPr rtl="0"/>
             <a:fld id="{F6F5BC08-78CA-498D-9F1D-99DBC5E7279A}" type="datetime1">
               <a:rPr lang="es-ES" smtClean="0"/>
-              <a:t>14/10/2024</a:t>
+              <a:t>15/10/2024</a:t>
             </a:fld>
             <a:endParaRPr lang="es-ES"/>
           </a:p>
@@ -19082,7 +24204,7 @@
             <a:pPr rtl="0"/>
             <a:fld id="{197AB024-BC3A-499C-969B-6DE1CE8485FA}" type="datetime1">
               <a:rPr lang="es-ES" noProof="0" smtClean="0"/>
-              <a:t>14/10/2024</a:t>
+              <a:t>15/10/2024</a:t>
             </a:fld>
             <a:endParaRPr lang="es-ES" noProof="0"/>
           </a:p>
@@ -21387,7 +26509,7 @@
           <a:p>
             <a:r>
               <a:rPr lang="es-419" dirty="0"/>
-              <a:t>A continuación se muestra el modelo físico de la base de datos que es el que muestra las tablas que </a:t>
+              <a:t>A continuación se muestra el modelo físico de la base de datos que es el que muestra las tablas que va a tener </a:t>
             </a:r>
           </a:p>
         </p:txBody>
@@ -28720,6 +33842,528 @@
           <a:p>
             <a:pPr rtl="0"/>
             <a:r>
+              <a:rPr lang="es-419" b="1" dirty="0"/>
+              <a:t>Desafíos Técnicos:</a:t>
+            </a:r>
+            <a:endParaRPr lang="es-419" dirty="0"/>
+          </a:p>
+          <a:p>
+            <a:pPr rtl="0"/>
+            <a:r>
+              <a:rPr lang="es-419" dirty="0"/>
+              <a:t>La integración de sensores en tiempo real requiere mejoras en la infraestructura actual para soportar la transmisión continua de datos. Conlleva adaptaciones a los reactores actuales, ya que estos no poseen la tecnología necesaria para realizar los experimentos. Por lo tanto, es necesario adaptarse a los nuevos sensores que se necesitan instalar, y se debe modificar el funcionamiento de los reactores para incorporarlos sin interrumpir su operación normal.</a:t>
+            </a:r>
+          </a:p>
+          <a:p>
+            <a:pPr rtl="0"/>
+            <a:endParaRPr lang="es-419" dirty="0"/>
+          </a:p>
+          <a:p>
+            <a:pPr rtl="0"/>
+            <a:r>
+              <a:rPr lang="es-419" dirty="0"/>
+              <a:t>Además, es fundamental garantizar la conectividad y encontrar sensores que puedan medir los parámetros requeridos, ya que no existen sensores que puedan medir todo lo deseado. El desafío técnico radica en encontrar esos sensores y lograr incorporarlos en los reactores que ya están en funcionamiento.</a:t>
+            </a:r>
+          </a:p>
+          <a:p>
+            <a:pPr rtl="0"/>
+            <a:endParaRPr lang="es-419" dirty="0"/>
+          </a:p>
+          <a:p>
+            <a:pPr rtl="0"/>
+            <a:r>
+              <a:rPr lang="es-419" dirty="0"/>
+              <a:t>Otro desafío es integrar las mediciones de esos sensores con el sistema actual. El sistema cuenta con una API que puede funcionar perfectamente y que se puede preparar para recibir los datos medidos por los sensores. Sin embargo, para ello es necesario un paso intermedio: una plataforma de Internet de las Cosas (</a:t>
+            </a:r>
+            <a:r>
+              <a:rPr lang="es-419" dirty="0" err="1"/>
+              <a:t>IoT</a:t>
+            </a:r>
+            <a:r>
+              <a:rPr lang="es-419" dirty="0"/>
+              <a:t>) que permita recolectar las mediciones de los sensores y transmitirlas a esa plataforma. Posteriormente, dicha plataforma se comunicaría con la API para procesar los datos correctamente.</a:t>
+            </a:r>
+          </a:p>
+          <a:p>
+            <a:pPr marL="0" marR="0" lvl="0" indent="0" algn="l" defTabSz="914400" rtl="0" eaLnBrk="1" fontAlgn="auto" latinLnBrk="0" hangingPunct="1">
+              <a:lnSpc>
+                <a:spcPct val="100000"/>
+              </a:lnSpc>
+              <a:spcBef>
+                <a:spcPts val="0"/>
+              </a:spcBef>
+              <a:spcAft>
+                <a:spcPts val="0"/>
+              </a:spcAft>
+              <a:buClrTx/>
+              <a:buSzTx/>
+              <a:buFontTx/>
+              <a:buNone/>
+              <a:tabLst/>
+              <a:defRPr/>
+            </a:pPr>
+            <a:r>
+              <a:rPr lang="es-US" sz="1200" b="1" kern="100" dirty="0">
+                <a:effectLst/>
+                <a:latin typeface="Calibri" panose="020F0502020204030204" pitchFamily="34" charset="0"/>
+                <a:ea typeface="Calibri" panose="020F0502020204030204" pitchFamily="34" charset="0"/>
+                <a:cs typeface="Times New Roman" panose="02020603050405020304" pitchFamily="18" charset="0"/>
+              </a:rPr>
+              <a:t>Desafíos Logísticos</a:t>
+            </a:r>
+            <a:r>
+              <a:rPr lang="es-US" sz="1200" kern="100" dirty="0">
+                <a:effectLst/>
+                <a:latin typeface="Calibri" panose="020F0502020204030204" pitchFamily="34" charset="0"/>
+                <a:ea typeface="Calibri" panose="020F0502020204030204" pitchFamily="34" charset="0"/>
+                <a:cs typeface="Times New Roman" panose="02020603050405020304" pitchFamily="18" charset="0"/>
+              </a:rPr>
+              <a:t>: El mantenimiento de sensores en tiempo real requiere monitoreo constante, calibración y reemplazos ocasionales, lo cual incrementa los costos operativos. También puede ser necesario un mayor almacenamiento y ancho de banda para manejar los volúmenes de datos.</a:t>
+            </a:r>
+          </a:p>
+          <a:p>
+            <a:pPr rtl="0"/>
+            <a:endParaRPr lang="es-419" dirty="0"/>
+          </a:p>
+          <a:p>
+            <a:pPr rtl="0"/>
+            <a:r>
+              <a:rPr lang="es-419" b="1" dirty="0"/>
+              <a:t>Superación de Desafíos:</a:t>
+            </a:r>
+          </a:p>
+          <a:p>
+            <a:pPr rtl="0"/>
+            <a:r>
+              <a:rPr lang="es-419" dirty="0"/>
+              <a:t>La implementación de marcos robustos para la integración de datos, el uso de almacenamiento en la nube y la utilización de técnicas de compresión de datos pueden ser clave para superar los desafíos técnicos. Además, un programa de mantenimiento regular garantizaría la confiabilidad y precisión del sistema.</a:t>
+            </a:r>
+          </a:p>
+          <a:p>
+            <a:pPr rtl="0"/>
+            <a:endParaRPr lang="es-419" dirty="0"/>
+          </a:p>
+          <a:p>
+            <a:pPr rtl="0"/>
+            <a:r>
+              <a:rPr lang="es-419" dirty="0"/>
+              <a:t>Es fundamental asegurar el uso de una plataforma de Internet de las Cosas (</a:t>
+            </a:r>
+            <a:r>
+              <a:rPr lang="es-419" dirty="0" err="1"/>
+              <a:t>IoT</a:t>
+            </a:r>
+            <a:r>
+              <a:rPr lang="es-419" dirty="0"/>
+              <a:t>) robusta que permita la recolección eficiente de los datos y garantice una buena integración con el sistema existente. Esto proporcionará una comunicación fluida entre los sensores y la API, facilitando el procesamiento y análisis de los datos.</a:t>
+            </a:r>
+            <a:endParaRPr lang="es-ES" dirty="0"/>
+          </a:p>
+        </p:txBody>
+      </p:sp>
+      <p:sp>
+        <p:nvSpPr>
+          <p:cNvPr id="4" name="Marcador de número de diapositiva 3"/>
+          <p:cNvSpPr>
+            <a:spLocks noGrp="1"/>
+          </p:cNvSpPr>
+          <p:nvPr>
+            <p:ph type="sldNum" sz="quarter" idx="5"/>
+          </p:nvPr>
+        </p:nvSpPr>
+        <p:spPr/>
+        <p:txBody>
+          <a:bodyPr rtlCol="0"/>
+          <a:lstStyle/>
+          <a:p>
+            <a:pPr marL="0" marR="0" lvl="0" indent="0" algn="r" defTabSz="914400" rtl="0" eaLnBrk="1" fontAlgn="auto" latinLnBrk="0" hangingPunct="1">
+              <a:lnSpc>
+                <a:spcPct val="100000"/>
+              </a:lnSpc>
+              <a:spcBef>
+                <a:spcPts val="0"/>
+              </a:spcBef>
+              <a:spcAft>
+                <a:spcPts val="0"/>
+              </a:spcAft>
+              <a:buClrTx/>
+              <a:buSzTx/>
+              <a:buFontTx/>
+              <a:buNone/>
+              <a:tabLst/>
+              <a:defRPr/>
+            </a:pPr>
+            <a:fld id="{C853816F-A1CF-4485-B308-1B9F14B36EAD}" type="slidenum">
+              <a:rPr kumimoji="0" lang="es-ES" sz="1200" b="0" i="0" u="none" strike="noStrike" kern="1200" cap="none" spc="0" normalizeH="0" baseline="0" noProof="0" smtClean="0">
+                <a:ln>
+                  <a:noFill/>
+                </a:ln>
+                <a:solidFill>
+                  <a:prstClr val="black"/>
+                </a:solidFill>
+                <a:effectLst/>
+                <a:uLnTx/>
+                <a:uFillTx/>
+                <a:latin typeface="Calibri" panose="020F0502020204030204"/>
+                <a:ea typeface="+mn-ea"/>
+                <a:cs typeface="+mn-cs"/>
+              </a:rPr>
+              <a:pPr marL="0" marR="0" lvl="0" indent="0" algn="r" defTabSz="914400" rtl="0" eaLnBrk="1" fontAlgn="auto" latinLnBrk="0" hangingPunct="1">
+                <a:lnSpc>
+                  <a:spcPct val="100000"/>
+                </a:lnSpc>
+                <a:spcBef>
+                  <a:spcPts val="0"/>
+                </a:spcBef>
+                <a:spcAft>
+                  <a:spcPts val="0"/>
+                </a:spcAft>
+                <a:buClrTx/>
+                <a:buSzTx/>
+                <a:buFontTx/>
+                <a:buNone/>
+                <a:tabLst/>
+                <a:defRPr/>
+              </a:pPr>
+              <a:t>64</a:t>
+            </a:fld>
+            <a:endParaRPr kumimoji="0" lang="es-ES" sz="1200" b="0" i="0" u="none" strike="noStrike" kern="1200" cap="none" spc="0" normalizeH="0" baseline="0" noProof="0">
+              <a:ln>
+                <a:noFill/>
+              </a:ln>
+              <a:solidFill>
+                <a:prstClr val="black"/>
+              </a:solidFill>
+              <a:effectLst/>
+              <a:uLnTx/>
+              <a:uFillTx/>
+              <a:latin typeface="Calibri" panose="020F0502020204030204"/>
+              <a:ea typeface="+mn-ea"/>
+              <a:cs typeface="+mn-cs"/>
+            </a:endParaRPr>
+          </a:p>
+        </p:txBody>
+      </p:sp>
+    </p:spTree>
+    <p:extLst>
+      <p:ext uri="{BB962C8B-B14F-4D97-AF65-F5344CB8AC3E}">
+        <p14:creationId xmlns:p14="http://schemas.microsoft.com/office/powerpoint/2010/main" val="2234319632"/>
+      </p:ext>
+    </p:extLst>
+  </p:cSld>
+  <p:clrMapOvr>
+    <a:masterClrMapping/>
+  </p:clrMapOvr>
+</p:notes>
+</file>
+
+<file path=ppt/notesSlides/notesSlide62.xml><?xml version="1.0" encoding="utf-8"?>
+<p:notes xmlns:a="http://schemas.openxmlformats.org/drawingml/2006/main" xmlns:r="http://schemas.openxmlformats.org/officeDocument/2006/relationships" xmlns:p="http://schemas.openxmlformats.org/presentationml/2006/main">
+  <p:cSld>
+    <p:spTree>
+      <p:nvGrpSpPr>
+        <p:cNvPr id="1" name=""/>
+        <p:cNvGrpSpPr/>
+        <p:nvPr/>
+      </p:nvGrpSpPr>
+      <p:grpSpPr>
+        <a:xfrm>
+          <a:off x="0" y="0"/>
+          <a:ext cx="0" cy="0"/>
+          <a:chOff x="0" y="0"/>
+          <a:chExt cx="0" cy="0"/>
+        </a:xfrm>
+      </p:grpSpPr>
+      <p:sp>
+        <p:nvSpPr>
+          <p:cNvPr id="2" name="Marcador de imagen de diapositiva 1"/>
+          <p:cNvSpPr>
+            <a:spLocks noGrp="1" noRot="1" noChangeAspect="1"/>
+          </p:cNvSpPr>
+          <p:nvPr>
+            <p:ph type="sldImg"/>
+          </p:nvPr>
+        </p:nvSpPr>
+        <p:spPr/>
+      </p:sp>
+      <p:sp>
+        <p:nvSpPr>
+          <p:cNvPr id="3" name="Marcador de notas 2"/>
+          <p:cNvSpPr>
+            <a:spLocks noGrp="1"/>
+          </p:cNvSpPr>
+          <p:nvPr>
+            <p:ph type="body" idx="1"/>
+          </p:nvPr>
+        </p:nvSpPr>
+        <p:spPr/>
+        <p:txBody>
+          <a:bodyPr rtlCol="0"/>
+          <a:lstStyle/>
+          <a:p>
+            <a:pPr rtl="0"/>
+            <a:r>
+              <a:rPr lang="es-419" b="1" dirty="0"/>
+              <a:t>Desafíos Técnicos:</a:t>
+            </a:r>
+            <a:endParaRPr lang="es-419" dirty="0"/>
+          </a:p>
+          <a:p>
+            <a:pPr rtl="0"/>
+            <a:r>
+              <a:rPr lang="es-419" dirty="0"/>
+              <a:t>La integración de sensores en tiempo real requiere mejoras en la infraestructura actual para soportar la transmisión continua de datos. Conlleva adaptaciones a los reactores actuales, ya que estos no poseen la tecnología necesaria para realizar los experimentos. Por lo tanto, es necesario adaptarse a los nuevos sensores que se necesitan instalar, y se debe modificar el funcionamiento de los reactores para incorporarlos sin interrumpir su operación normal.</a:t>
+            </a:r>
+          </a:p>
+          <a:p>
+            <a:pPr rtl="0"/>
+            <a:endParaRPr lang="es-419" dirty="0"/>
+          </a:p>
+          <a:p>
+            <a:pPr rtl="0"/>
+            <a:r>
+              <a:rPr lang="es-419" dirty="0"/>
+              <a:t>Además, es fundamental garantizar la conectividad y encontrar sensores que puedan medir los parámetros requeridos, ya que no existen sensores que puedan medir todo lo deseado. El desafío técnico radica en encontrar esos sensores y lograr incorporarlos en los reactores que ya están en funcionamiento.</a:t>
+            </a:r>
+          </a:p>
+          <a:p>
+            <a:pPr rtl="0"/>
+            <a:endParaRPr lang="es-419" dirty="0"/>
+          </a:p>
+          <a:p>
+            <a:pPr rtl="0"/>
+            <a:r>
+              <a:rPr lang="es-419" dirty="0"/>
+              <a:t>Otro desafío es integrar las mediciones de esos sensores con el sistema actual. El sistema cuenta con una API que puede funcionar perfectamente y que se puede preparar para recibir los datos medidos por los sensores. Sin embargo, para ello es necesario un paso intermedio: una plataforma de Internet de las Cosas (</a:t>
+            </a:r>
+            <a:r>
+              <a:rPr lang="es-419" dirty="0" err="1"/>
+              <a:t>IoT</a:t>
+            </a:r>
+            <a:r>
+              <a:rPr lang="es-419" dirty="0"/>
+              <a:t>) que permita recolectar las mediciones de los sensores y transmitirlas a esa plataforma. Posteriormente, dicha plataforma se comunicaría con la API para procesar los datos correctamente.</a:t>
+            </a:r>
+          </a:p>
+          <a:p>
+            <a:pPr marL="0" marR="0" lvl="0" indent="0" algn="l" defTabSz="914400" rtl="0" eaLnBrk="1" fontAlgn="auto" latinLnBrk="0" hangingPunct="1">
+              <a:lnSpc>
+                <a:spcPct val="100000"/>
+              </a:lnSpc>
+              <a:spcBef>
+                <a:spcPts val="0"/>
+              </a:spcBef>
+              <a:spcAft>
+                <a:spcPts val="0"/>
+              </a:spcAft>
+              <a:buClrTx/>
+              <a:buSzTx/>
+              <a:buFontTx/>
+              <a:buNone/>
+              <a:tabLst/>
+              <a:defRPr/>
+            </a:pPr>
+            <a:r>
+              <a:rPr lang="es-US" sz="1200" b="1" kern="100" dirty="0">
+                <a:effectLst/>
+                <a:latin typeface="Calibri" panose="020F0502020204030204" pitchFamily="34" charset="0"/>
+                <a:ea typeface="Calibri" panose="020F0502020204030204" pitchFamily="34" charset="0"/>
+                <a:cs typeface="Times New Roman" panose="02020603050405020304" pitchFamily="18" charset="0"/>
+              </a:rPr>
+              <a:t>Desafíos Logísticos</a:t>
+            </a:r>
+            <a:r>
+              <a:rPr lang="es-US" sz="1200" kern="100" dirty="0">
+                <a:effectLst/>
+                <a:latin typeface="Calibri" panose="020F0502020204030204" pitchFamily="34" charset="0"/>
+                <a:ea typeface="Calibri" panose="020F0502020204030204" pitchFamily="34" charset="0"/>
+                <a:cs typeface="Times New Roman" panose="02020603050405020304" pitchFamily="18" charset="0"/>
+              </a:rPr>
+              <a:t>: El mantenimiento de sensores en tiempo real requiere monitoreo constante, calibración y reemplazos ocasionales, lo cual incrementa los costos operativos. También puede ser necesario un mayor almacenamiento y ancho de banda para manejar los volúmenes de datos.</a:t>
+            </a:r>
+          </a:p>
+          <a:p>
+            <a:pPr rtl="0"/>
+            <a:endParaRPr lang="es-419" dirty="0"/>
+          </a:p>
+          <a:p>
+            <a:pPr rtl="0"/>
+            <a:r>
+              <a:rPr lang="es-419" b="1" dirty="0"/>
+              <a:t>Superación de Desafíos:</a:t>
+            </a:r>
+          </a:p>
+          <a:p>
+            <a:pPr rtl="0"/>
+            <a:r>
+              <a:rPr lang="es-419" dirty="0"/>
+              <a:t>La implementación de marcos robustos para la integración de datos, el uso de almacenamiento en la nube y la utilización de técnicas de compresión de datos pueden ser clave para superar los desafíos técnicos. Además, un programa de mantenimiento regular garantizaría la confiabilidad y precisión del sistema.</a:t>
+            </a:r>
+          </a:p>
+          <a:p>
+            <a:pPr rtl="0"/>
+            <a:endParaRPr lang="es-419" dirty="0"/>
+          </a:p>
+          <a:p>
+            <a:pPr rtl="0"/>
+            <a:r>
+              <a:rPr lang="es-419" dirty="0"/>
+              <a:t>Es fundamental asegurar el uso de una plataforma de Internet de las Cosas (</a:t>
+            </a:r>
+            <a:r>
+              <a:rPr lang="es-419" dirty="0" err="1"/>
+              <a:t>IoT</a:t>
+            </a:r>
+            <a:r>
+              <a:rPr lang="es-419" dirty="0"/>
+              <a:t>) robusta que permita la recolección eficiente de los datos y garantice una buena integración con el sistema existente. Esto proporcionará una comunicación fluida entre los sensores y la API, facilitando el procesamiento y análisis de los datos.</a:t>
+            </a:r>
+            <a:endParaRPr lang="es-ES" dirty="0"/>
+          </a:p>
+        </p:txBody>
+      </p:sp>
+      <p:sp>
+        <p:nvSpPr>
+          <p:cNvPr id="4" name="Marcador de número de diapositiva 3"/>
+          <p:cNvSpPr>
+            <a:spLocks noGrp="1"/>
+          </p:cNvSpPr>
+          <p:nvPr>
+            <p:ph type="sldNum" sz="quarter" idx="5"/>
+          </p:nvPr>
+        </p:nvSpPr>
+        <p:spPr/>
+        <p:txBody>
+          <a:bodyPr rtlCol="0"/>
+          <a:lstStyle/>
+          <a:p>
+            <a:pPr marL="0" marR="0" lvl="0" indent="0" algn="r" defTabSz="914400" rtl="0" eaLnBrk="1" fontAlgn="auto" latinLnBrk="0" hangingPunct="1">
+              <a:lnSpc>
+                <a:spcPct val="100000"/>
+              </a:lnSpc>
+              <a:spcBef>
+                <a:spcPts val="0"/>
+              </a:spcBef>
+              <a:spcAft>
+                <a:spcPts val="0"/>
+              </a:spcAft>
+              <a:buClrTx/>
+              <a:buSzTx/>
+              <a:buFontTx/>
+              <a:buNone/>
+              <a:tabLst/>
+              <a:defRPr/>
+            </a:pPr>
+            <a:fld id="{C853816F-A1CF-4485-B308-1B9F14B36EAD}" type="slidenum">
+              <a:rPr kumimoji="0" lang="es-ES" sz="1200" b="0" i="0" u="none" strike="noStrike" kern="1200" cap="none" spc="0" normalizeH="0" baseline="0" noProof="0" smtClean="0">
+                <a:ln>
+                  <a:noFill/>
+                </a:ln>
+                <a:solidFill>
+                  <a:prstClr val="black"/>
+                </a:solidFill>
+                <a:effectLst/>
+                <a:uLnTx/>
+                <a:uFillTx/>
+                <a:latin typeface="Calibri" panose="020F0502020204030204"/>
+                <a:ea typeface="+mn-ea"/>
+                <a:cs typeface="+mn-cs"/>
+              </a:rPr>
+              <a:pPr marL="0" marR="0" lvl="0" indent="0" algn="r" defTabSz="914400" rtl="0" eaLnBrk="1" fontAlgn="auto" latinLnBrk="0" hangingPunct="1">
+                <a:lnSpc>
+                  <a:spcPct val="100000"/>
+                </a:lnSpc>
+                <a:spcBef>
+                  <a:spcPts val="0"/>
+                </a:spcBef>
+                <a:spcAft>
+                  <a:spcPts val="0"/>
+                </a:spcAft>
+                <a:buClrTx/>
+                <a:buSzTx/>
+                <a:buFontTx/>
+                <a:buNone/>
+                <a:tabLst/>
+                <a:defRPr/>
+              </a:pPr>
+              <a:t>65</a:t>
+            </a:fld>
+            <a:endParaRPr kumimoji="0" lang="es-ES" sz="1200" b="0" i="0" u="none" strike="noStrike" kern="1200" cap="none" spc="0" normalizeH="0" baseline="0" noProof="0">
+              <a:ln>
+                <a:noFill/>
+              </a:ln>
+              <a:solidFill>
+                <a:prstClr val="black"/>
+              </a:solidFill>
+              <a:effectLst/>
+              <a:uLnTx/>
+              <a:uFillTx/>
+              <a:latin typeface="Calibri" panose="020F0502020204030204"/>
+              <a:ea typeface="+mn-ea"/>
+              <a:cs typeface="+mn-cs"/>
+            </a:endParaRPr>
+          </a:p>
+        </p:txBody>
+      </p:sp>
+    </p:spTree>
+    <p:extLst>
+      <p:ext uri="{BB962C8B-B14F-4D97-AF65-F5344CB8AC3E}">
+        <p14:creationId xmlns:p14="http://schemas.microsoft.com/office/powerpoint/2010/main" val="3026492892"/>
+      </p:ext>
+    </p:extLst>
+  </p:cSld>
+  <p:clrMapOvr>
+    <a:masterClrMapping/>
+  </p:clrMapOvr>
+</p:notes>
+</file>
+
+<file path=ppt/notesSlides/notesSlide63.xml><?xml version="1.0" encoding="utf-8"?>
+<p:notes xmlns:a="http://schemas.openxmlformats.org/drawingml/2006/main" xmlns:r="http://schemas.openxmlformats.org/officeDocument/2006/relationships" xmlns:p="http://schemas.openxmlformats.org/presentationml/2006/main">
+  <p:cSld>
+    <p:spTree>
+      <p:nvGrpSpPr>
+        <p:cNvPr id="1" name=""/>
+        <p:cNvGrpSpPr/>
+        <p:nvPr/>
+      </p:nvGrpSpPr>
+      <p:grpSpPr>
+        <a:xfrm>
+          <a:off x="0" y="0"/>
+          <a:ext cx="0" cy="0"/>
+          <a:chOff x="0" y="0"/>
+          <a:chExt cx="0" cy="0"/>
+        </a:xfrm>
+      </p:grpSpPr>
+      <p:sp>
+        <p:nvSpPr>
+          <p:cNvPr id="2" name="Marcador de imagen de diapositiva 1"/>
+          <p:cNvSpPr>
+            <a:spLocks noGrp="1" noRot="1" noChangeAspect="1"/>
+          </p:cNvSpPr>
+          <p:nvPr>
+            <p:ph type="sldImg"/>
+          </p:nvPr>
+        </p:nvSpPr>
+        <p:spPr/>
+      </p:sp>
+      <p:sp>
+        <p:nvSpPr>
+          <p:cNvPr id="3" name="Marcador de notas 2"/>
+          <p:cNvSpPr>
+            <a:spLocks noGrp="1"/>
+          </p:cNvSpPr>
+          <p:nvPr>
+            <p:ph type="body" idx="1"/>
+          </p:nvPr>
+        </p:nvSpPr>
+        <p:spPr/>
+        <p:txBody>
+          <a:bodyPr rtlCol="0"/>
+          <a:lstStyle/>
+          <a:p>
+            <a:pPr rtl="0"/>
+            <a:r>
               <a:rPr lang="es-ES" dirty="0"/>
               <a:t>El sistema no va a estar en un ámbito productivo sino que el sistema esta pensado para centro de investigación como el </a:t>
             </a:r>
@@ -28838,7 +34482,7 @@
                 <a:tabLst/>
                 <a:defRPr/>
               </a:pPr>
-              <a:t>64</a:t>
+              <a:t>66</a:t>
             </a:fld>
             <a:endParaRPr kumimoji="0" lang="es-ES" sz="1200" b="0" i="0" u="none" strike="noStrike" kern="1200" cap="none" spc="0" normalizeH="0" baseline="0" noProof="0">
               <a:ln>
@@ -28870,7 +34514,7 @@
 </p:notes>
 </file>
 
-<file path=ppt/notesSlides/notesSlide62.xml><?xml version="1.0" encoding="utf-8"?>
+<file path=ppt/notesSlides/notesSlide64.xml><?xml version="1.0" encoding="utf-8"?>
 <p:notes xmlns:a="http://schemas.openxmlformats.org/drawingml/2006/main" xmlns:r="http://schemas.openxmlformats.org/officeDocument/2006/relationships" xmlns:p="http://schemas.openxmlformats.org/presentationml/2006/main">
   <p:cSld>
     <p:spTree>
@@ -28928,21 +34572,61 @@
             <a:pPr rtl="0"/>
             <a:r>
               <a:rPr lang="es-419" dirty="0"/>
-              <a:t>- **Ahorro de tiempo en análisis:** Los investigadores reducirán significativamente el tiempo dedicado a realizar análisis manuales.</a:t>
+              <a:t>- </a:t>
+            </a:r>
+            <a:r>
+              <a:rPr lang="es-419" b="1" dirty="0"/>
+              <a:t>Ahorro de tiempo en </a:t>
+            </a:r>
+            <a:r>
+              <a:rPr lang="es-419" b="1" dirty="0" err="1"/>
+              <a:t>análisis:</a:t>
+            </a:r>
+            <a:r>
+              <a:rPr lang="es-419" dirty="0" err="1"/>
+              <a:t>Los</a:t>
+            </a:r>
+            <a:r>
+              <a:rPr lang="es-419" dirty="0"/>
+              <a:t> investigadores reducirán significativamente el tiempo dedicado a realizar análisis manuales.</a:t>
             </a:r>
           </a:p>
           <a:p>
             <a:pPr rtl="0"/>
             <a:r>
               <a:rPr lang="es-419" dirty="0"/>
-              <a:t>- **Reducción de traslados:** Al implementar monitoreo remoto, los investigadores no necesitarán desplazarse frecuentemente al centro, lo que implica un ahorro de combustible y tiempo, especialmente para aquellos que viven en municipios alejados de Sancti Spíritus.</a:t>
+              <a:t>- </a:t>
+            </a:r>
+            <a:r>
+              <a:rPr lang="es-419" b="1" dirty="0"/>
+              <a:t>Reducción de </a:t>
+            </a:r>
+            <a:r>
+              <a:rPr lang="es-419" b="1" dirty="0" err="1"/>
+              <a:t>traslados:</a:t>
+            </a:r>
+            <a:r>
+              <a:rPr lang="es-419" dirty="0" err="1"/>
+              <a:t>Al</a:t>
+            </a:r>
+            <a:r>
+              <a:rPr lang="es-419" dirty="0"/>
+              <a:t> implementar monitoreo remoto, los investigadores no necesitarán desplazarse frecuentemente al centro, lo que implica un ahorro de combustible y tiempo, especialmente para aquellos que viven en municipios alejados de Sancti Spíritus.</a:t>
             </a:r>
           </a:p>
           <a:p>
             <a:pPr rtl="0"/>
             <a:r>
               <a:rPr lang="es-419" dirty="0"/>
-              <a:t>- **Ahorro en reactivos químicos:** Al utilizar sensores que realicen ciertas mediciones de manera automática, se evitará el uso de reactivos, que son necesarios en los experimentos químicos tradicionales. Este ahorro de recursos contribuye a un impacto económico favorable, ya que los sensores pueden realizar mediciones continuas sin necesidad de insumos adicionales.</a:t>
+              <a:t>- </a:t>
+            </a:r>
+            <a:r>
+              <a:rPr lang="es-419" b="1" dirty="0"/>
+              <a:t>Ahorro en reactivos químicos: </a:t>
+            </a:r>
+            <a:r>
+              <a:rPr lang="es-419" dirty="0"/>
+              <a:t>Al utilizar sensores que realicen ciertas mediciones de manera automática, se evitará el uso de reactivos, que son necesarios en los experimentos químicos tradicionales. Este ahorro de recursos contribuye a un impacto económico favorable, ya que los sensores pueden realizar mediciones continuas sin necesidad de insumos adicionales.</a:t>
             </a:r>
           </a:p>
           <a:p>
@@ -29026,7 +34710,7 @@
                 <a:tabLst/>
                 <a:defRPr/>
               </a:pPr>
-              <a:t>65</a:t>
+              <a:t>67</a:t>
             </a:fld>
             <a:endParaRPr kumimoji="0" lang="es-ES" sz="1200" b="0" i="0" u="none" strike="noStrike" kern="1200" cap="none" spc="0" normalizeH="0" baseline="0" noProof="0">
               <a:ln>
@@ -29058,7 +34742,7 @@
 </p:notes>
 </file>
 
-<file path=ppt/notesSlides/notesSlide63.xml><?xml version="1.0" encoding="utf-8"?>
+<file path=ppt/notesSlides/notesSlide65.xml><?xml version="1.0" encoding="utf-8"?>
 <p:notes xmlns:a="http://schemas.openxmlformats.org/drawingml/2006/main" xmlns:r="http://schemas.openxmlformats.org/officeDocument/2006/relationships" xmlns:p="http://schemas.openxmlformats.org/presentationml/2006/main">
   <p:cSld>
     <p:spTree>
@@ -29171,7 +34855,7 @@
                 <a:tabLst/>
                 <a:defRPr/>
               </a:pPr>
-              <a:t>66</a:t>
+              <a:t>68</a:t>
             </a:fld>
             <a:endParaRPr kumimoji="0" lang="es-ES" sz="1200" b="0" i="0" u="none" strike="noStrike" kern="1200" cap="none" spc="0" normalizeH="0" baseline="0" noProof="0">
               <a:ln>
@@ -29203,7 +34887,7 @@
 </p:notes>
 </file>
 
-<file path=ppt/notesSlides/notesSlide64.xml><?xml version="1.0" encoding="utf-8"?>
+<file path=ppt/notesSlides/notesSlide66.xml><?xml version="1.0" encoding="utf-8"?>
 <p:notes xmlns:a="http://schemas.openxmlformats.org/drawingml/2006/main" xmlns:r="http://schemas.openxmlformats.org/officeDocument/2006/relationships" xmlns:p="http://schemas.openxmlformats.org/presentationml/2006/main">
   <p:cSld>
     <p:spTree>
@@ -29316,7 +35000,7 @@
                 <a:tabLst/>
                 <a:defRPr/>
               </a:pPr>
-              <a:t>67</a:t>
+              <a:t>69</a:t>
             </a:fld>
             <a:endParaRPr kumimoji="0" lang="es-ES" sz="1200" b="0" i="0" u="none" strike="noStrike" kern="1200" cap="none" spc="0" normalizeH="0" baseline="0" noProof="0">
               <a:ln>
@@ -29348,7 +35032,7 @@
 </p:notes>
 </file>
 
-<file path=ppt/notesSlides/notesSlide65.xml><?xml version="1.0" encoding="utf-8"?>
+<file path=ppt/notesSlides/notesSlide67.xml><?xml version="1.0" encoding="utf-8"?>
 <p:notes xmlns:a="http://schemas.openxmlformats.org/drawingml/2006/main" xmlns:r="http://schemas.openxmlformats.org/officeDocument/2006/relationships" xmlns:p="http://schemas.openxmlformats.org/presentationml/2006/main">
   <p:cSld>
     <p:spTree>
@@ -29523,7 +35207,7 @@
                 <a:tabLst/>
                 <a:defRPr/>
               </a:pPr>
-              <a:t>68</a:t>
+              <a:t>70</a:t>
             </a:fld>
             <a:endParaRPr kumimoji="0" lang="es-ES" sz="1200" b="0" i="0" u="none" strike="noStrike" kern="1200" cap="none" spc="0" normalizeH="0" baseline="0" noProof="0">
               <a:ln>
@@ -29555,7 +35239,7 @@
 </p:notes>
 </file>
 
-<file path=ppt/notesSlides/notesSlide66.xml><?xml version="1.0" encoding="utf-8"?>
+<file path=ppt/notesSlides/notesSlide68.xml><?xml version="1.0" encoding="utf-8"?>
 <p:notes xmlns:a="http://schemas.openxmlformats.org/drawingml/2006/main" xmlns:r="http://schemas.openxmlformats.org/officeDocument/2006/relationships" xmlns:p="http://schemas.openxmlformats.org/presentationml/2006/main">
   <p:cSld>
     <p:spTree>
@@ -29684,7 +35368,7 @@
                 <a:tabLst/>
                 <a:defRPr/>
               </a:pPr>
-              <a:t>69</a:t>
+              <a:t>71</a:t>
             </a:fld>
             <a:endParaRPr kumimoji="0" lang="es-ES" sz="1200" b="0" i="0" u="none" strike="noStrike" kern="1200" cap="none" spc="0" normalizeH="0" baseline="0" noProof="0">
               <a:ln>
@@ -29716,7 +35400,7 @@
 </p:notes>
 </file>
 
-<file path=ppt/notesSlides/notesSlide67.xml><?xml version="1.0" encoding="utf-8"?>
+<file path=ppt/notesSlides/notesSlide69.xml><?xml version="1.0" encoding="utf-8"?>
 <p:notes xmlns:a="http://schemas.openxmlformats.org/drawingml/2006/main" xmlns:r="http://schemas.openxmlformats.org/officeDocument/2006/relationships" xmlns:p="http://schemas.openxmlformats.org/presentationml/2006/main">
   <p:cSld>
     <p:spTree>
@@ -30002,7 +35686,7 @@
                 <a:tabLst/>
                 <a:defRPr/>
               </a:pPr>
-              <a:t>70</a:t>
+              <a:t>72</a:t>
             </a:fld>
             <a:endParaRPr kumimoji="0" lang="es-ES" sz="1200" b="0" i="0" u="none" strike="noStrike" kern="1200" cap="none" spc="0" normalizeH="0" baseline="0" noProof="0">
               <a:ln>
@@ -30034,7 +35718,201 @@
 </p:notes>
 </file>
 
-<file path=ppt/notesSlides/notesSlide68.xml><?xml version="1.0" encoding="utf-8"?>
+<file path=ppt/notesSlides/notesSlide7.xml><?xml version="1.0" encoding="utf-8"?>
+<p:notes xmlns:a="http://schemas.openxmlformats.org/drawingml/2006/main" xmlns:r="http://schemas.openxmlformats.org/officeDocument/2006/relationships" xmlns:p="http://schemas.openxmlformats.org/presentationml/2006/main">
+  <p:cSld>
+    <p:spTree>
+      <p:nvGrpSpPr>
+        <p:cNvPr id="1" name=""/>
+        <p:cNvGrpSpPr/>
+        <p:nvPr/>
+      </p:nvGrpSpPr>
+      <p:grpSpPr>
+        <a:xfrm>
+          <a:off x="0" y="0"/>
+          <a:ext cx="0" cy="0"/>
+          <a:chOff x="0" y="0"/>
+          <a:chExt cx="0" cy="0"/>
+        </a:xfrm>
+      </p:grpSpPr>
+      <p:sp>
+        <p:nvSpPr>
+          <p:cNvPr id="2" name="Marcador de imagen de diapositiva 1"/>
+          <p:cNvSpPr>
+            <a:spLocks noGrp="1" noRot="1" noChangeAspect="1"/>
+          </p:cNvSpPr>
+          <p:nvPr>
+            <p:ph type="sldImg"/>
+          </p:nvPr>
+        </p:nvSpPr>
+        <p:spPr/>
+      </p:sp>
+      <p:sp>
+        <p:nvSpPr>
+          <p:cNvPr id="3" name="Marcador de notas 2"/>
+          <p:cNvSpPr>
+            <a:spLocks noGrp="1"/>
+          </p:cNvSpPr>
+          <p:nvPr>
+            <p:ph type="body" idx="1"/>
+          </p:nvPr>
+        </p:nvSpPr>
+        <p:spPr/>
+        <p:txBody>
+          <a:bodyPr rtlCol="0"/>
+          <a:lstStyle/>
+          <a:p>
+            <a:pPr marL="0" marR="0" lvl="0" indent="0" algn="l" defTabSz="914400" rtl="0" eaLnBrk="1" fontAlgn="auto" latinLnBrk="0" hangingPunct="1">
+              <a:lnSpc>
+                <a:spcPct val="100000"/>
+              </a:lnSpc>
+              <a:spcBef>
+                <a:spcPts val="0"/>
+              </a:spcBef>
+              <a:spcAft>
+                <a:spcPts val="0"/>
+              </a:spcAft>
+              <a:buClrTx/>
+              <a:buSzTx/>
+              <a:buFontTx/>
+              <a:buNone/>
+              <a:tabLst/>
+              <a:defRPr/>
+            </a:pPr>
+            <a:r>
+              <a:rPr lang="es-419" dirty="0">
+                <a:effectLst/>
+              </a:rPr>
+              <a:t>Las </a:t>
+            </a:r>
+            <a:r>
+              <a:rPr lang="es-419" b="1" dirty="0">
+                <a:effectLst/>
+              </a:rPr>
+              <a:t>preguntas de investigación</a:t>
+            </a:r>
+            <a:r>
+              <a:rPr lang="es-419" dirty="0">
+                <a:effectLst/>
+              </a:rPr>
+              <a:t> que </a:t>
+            </a:r>
+            <a:r>
+              <a:rPr lang="es-419" dirty="0" err="1">
+                <a:effectLst/>
+              </a:rPr>
+              <a:t>guian</a:t>
+            </a:r>
+            <a:r>
+              <a:rPr lang="es-419" dirty="0">
+                <a:effectLst/>
+              </a:rPr>
+              <a:t> el estudio de acuerdo a las necesidades planteadas son</a:t>
+            </a:r>
+          </a:p>
+          <a:p>
+            <a:pPr rtl="0"/>
+            <a:endParaRPr lang="es-ES" u="sng" dirty="0"/>
+          </a:p>
+        </p:txBody>
+      </p:sp>
+      <p:sp>
+        <p:nvSpPr>
+          <p:cNvPr id="4" name="Marcador de número de diapositiva 3"/>
+          <p:cNvSpPr>
+            <a:spLocks noGrp="1"/>
+          </p:cNvSpPr>
+          <p:nvPr>
+            <p:ph type="sldNum" sz="quarter" idx="5"/>
+          </p:nvPr>
+        </p:nvSpPr>
+        <p:spPr/>
+        <p:txBody>
+          <a:bodyPr rtlCol="0"/>
+          <a:lstStyle/>
+          <a:p>
+            <a:pPr marL="0" marR="0" lvl="0" indent="0" algn="r" defTabSz="914400" rtl="0" eaLnBrk="1" fontAlgn="auto" latinLnBrk="0" hangingPunct="1">
+              <a:lnSpc>
+                <a:spcPct val="100000"/>
+              </a:lnSpc>
+              <a:spcBef>
+                <a:spcPts val="0"/>
+              </a:spcBef>
+              <a:spcAft>
+                <a:spcPts val="0"/>
+              </a:spcAft>
+              <a:buClrTx/>
+              <a:buSzTx/>
+              <a:buFontTx/>
+              <a:buNone/>
+              <a:tabLst/>
+              <a:defRPr/>
+            </a:pPr>
+            <a:fld id="{C853816F-A1CF-4485-B308-1B9F14B36EAD}" type="slidenum">
+              <a:rPr kumimoji="0" lang="es-ES" sz="1200" b="0" i="0" u="none" strike="noStrike" kern="1200" cap="none" spc="0" normalizeH="0" baseline="0" noProof="0" smtClean="0">
+                <a:ln>
+                  <a:noFill/>
+                </a:ln>
+                <a:solidFill>
+                  <a:prstClr val="black"/>
+                </a:solidFill>
+                <a:effectLst/>
+                <a:uLnTx/>
+                <a:uFillTx/>
+                <a:latin typeface="Calibri" panose="020F0502020204030204"/>
+                <a:ea typeface="+mn-ea"/>
+                <a:cs typeface="+mn-cs"/>
+              </a:rPr>
+              <a:pPr marL="0" marR="0" lvl="0" indent="0" algn="r" defTabSz="914400" rtl="0" eaLnBrk="1" fontAlgn="auto" latinLnBrk="0" hangingPunct="1">
+                <a:lnSpc>
+                  <a:spcPct val="100000"/>
+                </a:lnSpc>
+                <a:spcBef>
+                  <a:spcPts val="0"/>
+                </a:spcBef>
+                <a:spcAft>
+                  <a:spcPts val="0"/>
+                </a:spcAft>
+                <a:buClrTx/>
+                <a:buSzTx/>
+                <a:buFontTx/>
+                <a:buNone/>
+                <a:tabLst/>
+                <a:defRPr/>
+              </a:pPr>
+              <a:t>7</a:t>
+            </a:fld>
+            <a:endParaRPr kumimoji="0" lang="es-ES" sz="1200" b="0" i="0" u="none" strike="noStrike" kern="1200" cap="none" spc="0" normalizeH="0" baseline="0" noProof="0">
+              <a:ln>
+                <a:noFill/>
+              </a:ln>
+              <a:solidFill>
+                <a:prstClr val="black"/>
+              </a:solidFill>
+              <a:effectLst/>
+              <a:uLnTx/>
+              <a:uFillTx/>
+              <a:latin typeface="Calibri" panose="020F0502020204030204"/>
+              <a:ea typeface="+mn-ea"/>
+              <a:cs typeface="+mn-cs"/>
+            </a:endParaRPr>
+          </a:p>
+        </p:txBody>
+      </p:sp>
+    </p:spTree>
+    <p:extLst>
+      <p:ext uri="{BB962C8B-B14F-4D97-AF65-F5344CB8AC3E}">
+        <p14:creationId xmlns:p14="http://schemas.microsoft.com/office/powerpoint/2010/main" val="2470487541"/>
+      </p:ext>
+    </p:extLst>
+  </p:cSld>
+  <p:clrMapOvr>
+    <a:masterClrMapping/>
+  </p:clrMapOvr>
+</p:notes>
+</file>
+
+<file path=ppt/notesSlides/notesSlide70.xml><?xml version="1.0" encoding="utf-8"?>
 <p:notes xmlns:a="http://schemas.openxmlformats.org/drawingml/2006/main" xmlns:r="http://schemas.openxmlformats.org/officeDocument/2006/relationships" xmlns:p="http://schemas.openxmlformats.org/presentationml/2006/main">
   <p:cSld>
     <p:spTree>
@@ -30242,7 +36120,7 @@
                 <a:tabLst/>
                 <a:defRPr/>
               </a:pPr>
-              <a:t>71</a:t>
+              <a:t>73</a:t>
             </a:fld>
             <a:endParaRPr kumimoji="0" lang="es-ES" sz="1200" b="0" i="0" u="none" strike="noStrike" kern="1200" cap="none" spc="0" normalizeH="0" baseline="0" noProof="0">
               <a:ln>
@@ -30265,200 +36143,6 @@
     <p:extLst>
       <p:ext uri="{BB962C8B-B14F-4D97-AF65-F5344CB8AC3E}">
         <p14:creationId xmlns:p14="http://schemas.microsoft.com/office/powerpoint/2010/main" val="250122455"/>
-      </p:ext>
-    </p:extLst>
-  </p:cSld>
-  <p:clrMapOvr>
-    <a:masterClrMapping/>
-  </p:clrMapOvr>
-</p:notes>
-</file>
-
-<file path=ppt/notesSlides/notesSlide7.xml><?xml version="1.0" encoding="utf-8"?>
-<p:notes xmlns:a="http://schemas.openxmlformats.org/drawingml/2006/main" xmlns:r="http://schemas.openxmlformats.org/officeDocument/2006/relationships" xmlns:p="http://schemas.openxmlformats.org/presentationml/2006/main">
-  <p:cSld>
-    <p:spTree>
-      <p:nvGrpSpPr>
-        <p:cNvPr id="1" name=""/>
-        <p:cNvGrpSpPr/>
-        <p:nvPr/>
-      </p:nvGrpSpPr>
-      <p:grpSpPr>
-        <a:xfrm>
-          <a:off x="0" y="0"/>
-          <a:ext cx="0" cy="0"/>
-          <a:chOff x="0" y="0"/>
-          <a:chExt cx="0" cy="0"/>
-        </a:xfrm>
-      </p:grpSpPr>
-      <p:sp>
-        <p:nvSpPr>
-          <p:cNvPr id="2" name="Marcador de imagen de diapositiva 1"/>
-          <p:cNvSpPr>
-            <a:spLocks noGrp="1" noRot="1" noChangeAspect="1"/>
-          </p:cNvSpPr>
-          <p:nvPr>
-            <p:ph type="sldImg"/>
-          </p:nvPr>
-        </p:nvSpPr>
-        <p:spPr/>
-      </p:sp>
-      <p:sp>
-        <p:nvSpPr>
-          <p:cNvPr id="3" name="Marcador de notas 2"/>
-          <p:cNvSpPr>
-            <a:spLocks noGrp="1"/>
-          </p:cNvSpPr>
-          <p:nvPr>
-            <p:ph type="body" idx="1"/>
-          </p:nvPr>
-        </p:nvSpPr>
-        <p:spPr/>
-        <p:txBody>
-          <a:bodyPr rtlCol="0"/>
-          <a:lstStyle/>
-          <a:p>
-            <a:pPr marL="0" marR="0" lvl="0" indent="0" algn="l" defTabSz="914400" rtl="0" eaLnBrk="1" fontAlgn="auto" latinLnBrk="0" hangingPunct="1">
-              <a:lnSpc>
-                <a:spcPct val="100000"/>
-              </a:lnSpc>
-              <a:spcBef>
-                <a:spcPts val="0"/>
-              </a:spcBef>
-              <a:spcAft>
-                <a:spcPts val="0"/>
-              </a:spcAft>
-              <a:buClrTx/>
-              <a:buSzTx/>
-              <a:buFontTx/>
-              <a:buNone/>
-              <a:tabLst/>
-              <a:defRPr/>
-            </a:pPr>
-            <a:r>
-              <a:rPr lang="es-419" dirty="0">
-                <a:effectLst/>
-              </a:rPr>
-              <a:t>Las </a:t>
-            </a:r>
-            <a:r>
-              <a:rPr lang="es-419" b="1" dirty="0">
-                <a:effectLst/>
-              </a:rPr>
-              <a:t>preguntas de investigación</a:t>
-            </a:r>
-            <a:r>
-              <a:rPr lang="es-419" dirty="0">
-                <a:effectLst/>
-              </a:rPr>
-              <a:t> que </a:t>
-            </a:r>
-            <a:r>
-              <a:rPr lang="es-419" dirty="0" err="1">
-                <a:effectLst/>
-              </a:rPr>
-              <a:t>guian</a:t>
-            </a:r>
-            <a:r>
-              <a:rPr lang="es-419" dirty="0">
-                <a:effectLst/>
-              </a:rPr>
-              <a:t> el estudio de acuerdo a las necesidades planteadas son</a:t>
-            </a:r>
-          </a:p>
-          <a:p>
-            <a:pPr rtl="0"/>
-            <a:endParaRPr lang="es-ES" u="sng" dirty="0"/>
-          </a:p>
-        </p:txBody>
-      </p:sp>
-      <p:sp>
-        <p:nvSpPr>
-          <p:cNvPr id="4" name="Marcador de número de diapositiva 3"/>
-          <p:cNvSpPr>
-            <a:spLocks noGrp="1"/>
-          </p:cNvSpPr>
-          <p:nvPr>
-            <p:ph type="sldNum" sz="quarter" idx="5"/>
-          </p:nvPr>
-        </p:nvSpPr>
-        <p:spPr/>
-        <p:txBody>
-          <a:bodyPr rtlCol="0"/>
-          <a:lstStyle/>
-          <a:p>
-            <a:pPr marL="0" marR="0" lvl="0" indent="0" algn="r" defTabSz="914400" rtl="0" eaLnBrk="1" fontAlgn="auto" latinLnBrk="0" hangingPunct="1">
-              <a:lnSpc>
-                <a:spcPct val="100000"/>
-              </a:lnSpc>
-              <a:spcBef>
-                <a:spcPts val="0"/>
-              </a:spcBef>
-              <a:spcAft>
-                <a:spcPts val="0"/>
-              </a:spcAft>
-              <a:buClrTx/>
-              <a:buSzTx/>
-              <a:buFontTx/>
-              <a:buNone/>
-              <a:tabLst/>
-              <a:defRPr/>
-            </a:pPr>
-            <a:fld id="{C853816F-A1CF-4485-B308-1B9F14B36EAD}" type="slidenum">
-              <a:rPr kumimoji="0" lang="es-ES" sz="1200" b="0" i="0" u="none" strike="noStrike" kern="1200" cap="none" spc="0" normalizeH="0" baseline="0" noProof="0" smtClean="0">
-                <a:ln>
-                  <a:noFill/>
-                </a:ln>
-                <a:solidFill>
-                  <a:prstClr val="black"/>
-                </a:solidFill>
-                <a:effectLst/>
-                <a:uLnTx/>
-                <a:uFillTx/>
-                <a:latin typeface="Calibri" panose="020F0502020204030204"/>
-                <a:ea typeface="+mn-ea"/>
-                <a:cs typeface="+mn-cs"/>
-              </a:rPr>
-              <a:pPr marL="0" marR="0" lvl="0" indent="0" algn="r" defTabSz="914400" rtl="0" eaLnBrk="1" fontAlgn="auto" latinLnBrk="0" hangingPunct="1">
-                <a:lnSpc>
-                  <a:spcPct val="100000"/>
-                </a:lnSpc>
-                <a:spcBef>
-                  <a:spcPts val="0"/>
-                </a:spcBef>
-                <a:spcAft>
-                  <a:spcPts val="0"/>
-                </a:spcAft>
-                <a:buClrTx/>
-                <a:buSzTx/>
-                <a:buFontTx/>
-                <a:buNone/>
-                <a:tabLst/>
-                <a:defRPr/>
-              </a:pPr>
-              <a:t>7</a:t>
-            </a:fld>
-            <a:endParaRPr kumimoji="0" lang="es-ES" sz="1200" b="0" i="0" u="none" strike="noStrike" kern="1200" cap="none" spc="0" normalizeH="0" baseline="0" noProof="0">
-              <a:ln>
-                <a:noFill/>
-              </a:ln>
-              <a:solidFill>
-                <a:prstClr val="black"/>
-              </a:solidFill>
-              <a:effectLst/>
-              <a:uLnTx/>
-              <a:uFillTx/>
-              <a:latin typeface="Calibri" panose="020F0502020204030204"/>
-              <a:ea typeface="+mn-ea"/>
-              <a:cs typeface="+mn-cs"/>
-            </a:endParaRPr>
-          </a:p>
-        </p:txBody>
-      </p:sp>
-    </p:spTree>
-    <p:extLst>
-      <p:ext uri="{BB962C8B-B14F-4D97-AF65-F5344CB8AC3E}">
-        <p14:creationId xmlns:p14="http://schemas.microsoft.com/office/powerpoint/2010/main" val="2470487541"/>
       </p:ext>
     </p:extLst>
   </p:cSld>
@@ -31150,7 +36834,7 @@
             <a:pPr rtl="0"/>
             <a:fld id="{5D55F8E0-15EE-4F5D-9B89-1204F0ACC521}" type="datetime1">
               <a:rPr lang="es-ES" noProof="0" smtClean="0"/>
-              <a:t>14/10/2024</a:t>
+              <a:t>15/10/2024</a:t>
             </a:fld>
             <a:endParaRPr lang="es-ES" noProof="0"/>
           </a:p>
@@ -31352,7 +37036,7 @@
             <a:pPr rtl="0"/>
             <a:fld id="{ADC1DAC4-6DB0-4047-AD64-D936B5B7EC85}" type="datetime1">
               <a:rPr lang="es-ES" noProof="0" smtClean="0"/>
-              <a:t>14/10/2024</a:t>
+              <a:t>15/10/2024</a:t>
             </a:fld>
             <a:endParaRPr lang="es-ES" noProof="0"/>
           </a:p>
@@ -31631,7 +37315,7 @@
             <a:pPr rtl="0"/>
             <a:fld id="{D318F348-85C5-41D5-934E-0A075066DE5B}" type="datetime1">
               <a:rPr lang="es-ES" noProof="0" smtClean="0"/>
-              <a:t>14/10/2024</a:t>
+              <a:t>15/10/2024</a:t>
             </a:fld>
             <a:endParaRPr lang="es-ES" noProof="0"/>
           </a:p>
@@ -31900,7 +37584,7 @@
             <a:pPr rtl="0"/>
             <a:fld id="{892EE1A9-D10A-4053-A6F4-3ACC0F92D709}" type="datetime1">
               <a:rPr lang="es-ES" noProof="0" smtClean="0"/>
-              <a:t>14/10/2024</a:t>
+              <a:t>15/10/2024</a:t>
             </a:fld>
             <a:endParaRPr lang="es-ES" noProof="0"/>
           </a:p>
@@ -32316,7 +38000,7 @@
             <a:pPr rtl="0"/>
             <a:fld id="{334B8034-4C7C-409B-9B30-A6875114DCE3}" type="datetime1">
               <a:rPr lang="es-ES" noProof="0" smtClean="0"/>
-              <a:t>14/10/2024</a:t>
+              <a:t>15/10/2024</a:t>
             </a:fld>
             <a:endParaRPr lang="es-ES" noProof="0"/>
           </a:p>
@@ -32461,7 +38145,7 @@
             <a:pPr rtl="0"/>
             <a:fld id="{064B1BBF-FF81-4427-BE2C-77E6F2EEB7CA}" type="datetime1">
               <a:rPr lang="es-ES" noProof="0" smtClean="0"/>
-              <a:t>14/10/2024</a:t>
+              <a:t>15/10/2024</a:t>
             </a:fld>
             <a:endParaRPr lang="es-ES" noProof="0"/>
           </a:p>
@@ -32577,7 +38261,7 @@
             <a:pPr rtl="0"/>
             <a:fld id="{5573EE7A-CF46-4097-BEB8-1D85537352EF}" type="datetime1">
               <a:rPr lang="es-ES" noProof="0" smtClean="0"/>
-              <a:t>14/10/2024</a:t>
+              <a:t>15/10/2024</a:t>
             </a:fld>
             <a:endParaRPr lang="es-ES" noProof="0"/>
           </a:p>
@@ -32892,7 +38576,7 @@
             <a:pPr rtl="0"/>
             <a:fld id="{9CB778B0-176B-4A13-AC17-74E4CFCDC958}" type="datetime1">
               <a:rPr lang="es-ES" noProof="0" smtClean="0"/>
-              <a:t>14/10/2024</a:t>
+              <a:t>15/10/2024</a:t>
             </a:fld>
             <a:endParaRPr lang="es-ES" noProof="0"/>
           </a:p>
@@ -33188,7 +38872,7 @@
             <a:pPr rtl="0"/>
             <a:fld id="{81950155-364E-4450-A2CE-9737BC8ACD1E}" type="datetime1">
               <a:rPr lang="es-ES" noProof="0" smtClean="0"/>
-              <a:t>14/10/2024</a:t>
+              <a:t>15/10/2024</a:t>
             </a:fld>
             <a:endParaRPr lang="es-ES" noProof="0"/>
           </a:p>
@@ -33433,7 +39117,7 @@
             <a:pPr rtl="0"/>
             <a:fld id="{57E25641-FCAC-4BCF-A80D-8CA0AC705B42}" type="datetime1">
               <a:rPr lang="es-ES" noProof="0" smtClean="0"/>
-              <a:t>14/10/2024</a:t>
+              <a:t>15/10/2024</a:t>
             </a:fld>
             <a:endParaRPr lang="es-ES" noProof="0"/>
           </a:p>
@@ -39357,10 +45041,10 @@
       </p:grpSpPr>
       <p:pic>
         <p:nvPicPr>
-          <p:cNvPr id="3" name="Imagen 2">
+          <p:cNvPr id="4" name="Imagen 3">
             <a:extLst>
               <a:ext uri="{FF2B5EF4-FFF2-40B4-BE49-F238E27FC236}">
-                <a16:creationId xmlns:a16="http://schemas.microsoft.com/office/drawing/2014/main" id="{0E18289C-F67D-0075-AC43-14E58D99743F}"/>
+                <a16:creationId xmlns:a16="http://schemas.microsoft.com/office/drawing/2014/main" id="{44F7E558-0504-E8F5-AE83-6E874CBFADCD}"/>
               </a:ext>
             </a:extLst>
           </p:cNvPr>
@@ -44584,7 +50268,7 @@
               <a:rPr lang="es-419" sz="2800" dirty="0">
                 <a:effectLst/>
               </a:rPr>
-              <a:t> o inteligencia artificial, para identificar patrones, mejorar la predicción de resultados y optimizar los procesos experimentales</a:t>
+              <a:t> o inteligencia artificial, para identificar patrones, mejorar la predicción de resultados y optimizar los procesos experimentales.</a:t>
             </a:r>
           </a:p>
           <a:p>
@@ -46650,7 +52334,7 @@
                 <a:ea typeface="+mn-ea"/>
                 <a:cs typeface="Arial" panose="020B0604020202020204" pitchFamily="34" charset="0"/>
               </a:rPr>
-              <a:t>Respuestas a oponente </a:t>
+              <a:t>Respuestas al oponente </a:t>
             </a:r>
             <a:endParaRPr kumimoji="0" lang="es-US" sz="3200" b="0" i="0" u="none" strike="noStrike" kern="1200" cap="none" spc="0" normalizeH="0" baseline="0" noProof="0" dirty="0">
               <a:ln>
@@ -47456,6 +53140,34 @@
           <a:chExt cx="0" cy="0"/>
         </a:xfrm>
       </p:grpSpPr>
+      <p:graphicFrame>
+        <p:nvGraphicFramePr>
+          <p:cNvPr id="4" name="Diagrama 3">
+            <a:extLst>
+              <a:ext uri="{FF2B5EF4-FFF2-40B4-BE49-F238E27FC236}">
+                <a16:creationId xmlns:a16="http://schemas.microsoft.com/office/drawing/2014/main" id="{F543B4B6-DC1B-2BC4-EB85-8550959D88B0}"/>
+              </a:ext>
+            </a:extLst>
+          </p:cNvPr>
+          <p:cNvGraphicFramePr/>
+          <p:nvPr>
+            <p:extLst>
+              <p:ext uri="{D42A27DB-BD31-4B8C-83A1-F6EECF244321}">
+                <p14:modId xmlns:p14="http://schemas.microsoft.com/office/powerpoint/2010/main" val="1777897500"/>
+              </p:ext>
+            </p:extLst>
+          </p:nvPr>
+        </p:nvGraphicFramePr>
+        <p:xfrm>
+          <a:off x="973220" y="839982"/>
+          <a:ext cx="9831137" cy="5418667"/>
+        </p:xfrm>
+        <a:graphic>
+          <a:graphicData uri="http://schemas.openxmlformats.org/drawingml/2006/diagram">
+            <dgm:relIds xmlns:dgm="http://schemas.openxmlformats.org/drawingml/2006/diagram" xmlns:r="http://schemas.openxmlformats.org/officeDocument/2006/relationships" r:dm="rId3" r:lo="rId4" r:qs="rId5" r:cs="rId6"/>
+          </a:graphicData>
+        </a:graphic>
+      </p:graphicFrame>
     </p:spTree>
     <p:extLst>
       <p:ext uri="{BB962C8B-B14F-4D97-AF65-F5344CB8AC3E}">
@@ -47680,6 +53392,72 @@
           <a:chExt cx="0" cy="0"/>
         </a:xfrm>
       </p:grpSpPr>
+      <p:sp>
+        <p:nvSpPr>
+          <p:cNvPr id="2" name="CuadroTexto 1">
+            <a:extLst>
+              <a:ext uri="{FF2B5EF4-FFF2-40B4-BE49-F238E27FC236}">
+                <a16:creationId xmlns:a16="http://schemas.microsoft.com/office/drawing/2014/main" id="{9E41B175-CF34-EBF0-FED7-9DF03B20EF4F}"/>
+              </a:ext>
+            </a:extLst>
+          </p:cNvPr>
+          <p:cNvSpPr txBox="1"/>
+          <p:nvPr/>
+        </p:nvSpPr>
+        <p:spPr>
+          <a:xfrm>
+            <a:off x="591552" y="1551563"/>
+            <a:ext cx="11008895" cy="3754874"/>
+          </a:xfrm>
+          <a:prstGeom prst="rect">
+            <a:avLst/>
+          </a:prstGeom>
+          <a:noFill/>
+        </p:spPr>
+        <p:txBody>
+          <a:bodyPr wrap="square" rtlCol="0">
+            <a:spAutoFit/>
+          </a:bodyPr>
+          <a:lstStyle/>
+          <a:p>
+            <a:pPr algn="just"/>
+            <a:r>
+              <a:rPr lang="es-419" sz="2000" dirty="0">
+                <a:latin typeface="Arial" panose="020B0604020202020204" pitchFamily="34" charset="0"/>
+                <a:cs typeface="Arial" panose="020B0604020202020204" pitchFamily="34" charset="0"/>
+              </a:rPr>
+              <a:t>Este software no está diseñado para ser utilizado en instalaciones productoras de biogás. Está orientado a centros de investigación que realizan estudios sobre digestión anaerobia, donde se llevan a cabo experimentos enfocados en entender y mejorar el proceso de producción de biogás.</a:t>
+            </a:r>
+          </a:p>
+          <a:p>
+            <a:pPr algn="just"/>
+            <a:endParaRPr lang="es-419" sz="2000" dirty="0">
+              <a:latin typeface="Arial" panose="020B0604020202020204" pitchFamily="34" charset="0"/>
+              <a:cs typeface="Arial" panose="020B0604020202020204" pitchFamily="34" charset="0"/>
+            </a:endParaRPr>
+          </a:p>
+          <a:p>
+            <a:pPr algn="just"/>
+            <a:endParaRPr lang="es-419" sz="2000" dirty="0">
+              <a:latin typeface="Arial" panose="020B0604020202020204" pitchFamily="34" charset="0"/>
+              <a:cs typeface="Arial" panose="020B0604020202020204" pitchFamily="34" charset="0"/>
+            </a:endParaRPr>
+          </a:p>
+          <a:p>
+            <a:pPr algn="just"/>
+            <a:r>
+              <a:rPr lang="es-419" sz="2000" dirty="0">
+                <a:latin typeface="Arial" panose="020B0604020202020204" pitchFamily="34" charset="0"/>
+                <a:cs typeface="Arial" panose="020B0604020202020204" pitchFamily="34" charset="0"/>
+              </a:rPr>
+              <a:t>Para el UDI-CEEPI, este sistema será altamente beneficioso, no tanto en términos económicos, pero sí en cuanto a la optimización del tiempo y la eficiencia en la gestión de la información asociada a estos experimentos. Además, permitirá que las investigaciones sean más confiables, ya que facilitará el manejo de los datos y garantizará una mayor precisión en los resultados obtenidos</a:t>
+            </a:r>
+          </a:p>
+          <a:p>
+            <a:endParaRPr lang="es-US" dirty="0"/>
+          </a:p>
+        </p:txBody>
+      </p:sp>
     </p:spTree>
     <p:extLst>
       <p:ext uri="{BB962C8B-B14F-4D97-AF65-F5344CB8AC3E}">
@@ -48627,6 +54405,34 @@
           <a:chExt cx="0" cy="0"/>
         </a:xfrm>
       </p:grpSpPr>
+      <p:graphicFrame>
+        <p:nvGraphicFramePr>
+          <p:cNvPr id="8" name="Diagrama 7">
+            <a:extLst>
+              <a:ext uri="{FF2B5EF4-FFF2-40B4-BE49-F238E27FC236}">
+                <a16:creationId xmlns:a16="http://schemas.microsoft.com/office/drawing/2014/main" id="{9E3D76B3-10DF-62BB-ACF4-F68F2EE6602C}"/>
+              </a:ext>
+            </a:extLst>
+          </p:cNvPr>
+          <p:cNvGraphicFramePr/>
+          <p:nvPr>
+            <p:extLst>
+              <p:ext uri="{D42A27DB-BD31-4B8C-83A1-F6EECF244321}">
+                <p14:modId xmlns:p14="http://schemas.microsoft.com/office/powerpoint/2010/main" val="1025403394"/>
+              </p:ext>
+            </p:extLst>
+          </p:nvPr>
+        </p:nvGraphicFramePr>
+        <p:xfrm>
+          <a:off x="553453" y="493294"/>
+          <a:ext cx="10912642" cy="5450305"/>
+        </p:xfrm>
+        <a:graphic>
+          <a:graphicData uri="http://schemas.openxmlformats.org/drawingml/2006/diagram">
+            <dgm:relIds xmlns:dgm="http://schemas.openxmlformats.org/drawingml/2006/diagram" xmlns:r="http://schemas.openxmlformats.org/officeDocument/2006/relationships" r:dm="rId3" r:lo="rId4" r:qs="rId5" r:cs="rId6"/>
+          </a:graphicData>
+        </a:graphic>
+      </p:graphicFrame>
     </p:spTree>
     <p:extLst>
       <p:ext uri="{BB962C8B-B14F-4D97-AF65-F5344CB8AC3E}">
@@ -49045,6 +54851,125 @@
           <a:chExt cx="0" cy="0"/>
         </a:xfrm>
       </p:grpSpPr>
+      <p:sp>
+        <p:nvSpPr>
+          <p:cNvPr id="2" name="CuadroTexto 1">
+            <a:extLst>
+              <a:ext uri="{FF2B5EF4-FFF2-40B4-BE49-F238E27FC236}">
+                <a16:creationId xmlns:a16="http://schemas.microsoft.com/office/drawing/2014/main" id="{4FDCA01F-F2FA-61B1-B39D-9CC913ABA54D}"/>
+              </a:ext>
+            </a:extLst>
+          </p:cNvPr>
+          <p:cNvSpPr txBox="1"/>
+          <p:nvPr/>
+        </p:nvSpPr>
+        <p:spPr>
+          <a:xfrm>
+            <a:off x="1696453" y="1720515"/>
+            <a:ext cx="7760369" cy="489647"/>
+          </a:xfrm>
+          <a:prstGeom prst="rect">
+            <a:avLst/>
+          </a:prstGeom>
+          <a:noFill/>
+        </p:spPr>
+        <p:txBody>
+          <a:bodyPr wrap="square" rtlCol="0">
+            <a:spAutoFit/>
+          </a:bodyPr>
+          <a:lstStyle/>
+          <a:p>
+            <a:endParaRPr lang="es-US" dirty="0"/>
+          </a:p>
+        </p:txBody>
+      </p:sp>
+      <p:sp>
+        <p:nvSpPr>
+          <p:cNvPr id="3" name="CuadroTexto 2">
+            <a:extLst>
+              <a:ext uri="{FF2B5EF4-FFF2-40B4-BE49-F238E27FC236}">
+                <a16:creationId xmlns:a16="http://schemas.microsoft.com/office/drawing/2014/main" id="{CA609EC1-ACCB-6B5A-8823-A00CF3F77E4B}"/>
+              </a:ext>
+            </a:extLst>
+          </p:cNvPr>
+          <p:cNvSpPr txBox="1"/>
+          <p:nvPr/>
+        </p:nvSpPr>
+        <p:spPr>
+          <a:xfrm>
+            <a:off x="495300" y="1243786"/>
+            <a:ext cx="11201400" cy="4370427"/>
+          </a:xfrm>
+          <a:prstGeom prst="rect">
+            <a:avLst/>
+          </a:prstGeom>
+          <a:noFill/>
+        </p:spPr>
+        <p:txBody>
+          <a:bodyPr wrap="square" rtlCol="0">
+            <a:spAutoFit/>
+          </a:bodyPr>
+          <a:lstStyle/>
+          <a:p>
+            <a:pPr algn="just" rtl="0"/>
+            <a:r>
+              <a:rPr lang="es-419" sz="2000" b="1" dirty="0">
+                <a:latin typeface="Arial" panose="020B0604020202020204" pitchFamily="34" charset="0"/>
+                <a:cs typeface="Arial" panose="020B0604020202020204" pitchFamily="34" charset="0"/>
+              </a:rPr>
+              <a:t>Desafíos Técnicos:</a:t>
+            </a:r>
+            <a:endParaRPr lang="es-419" sz="2000" dirty="0">
+              <a:latin typeface="Arial" panose="020B0604020202020204" pitchFamily="34" charset="0"/>
+              <a:cs typeface="Arial" panose="020B0604020202020204" pitchFamily="34" charset="0"/>
+            </a:endParaRPr>
+          </a:p>
+          <a:p>
+            <a:pPr algn="just" rtl="0"/>
+            <a:r>
+              <a:rPr lang="es-419" sz="2000" dirty="0">
+                <a:latin typeface="Arial" panose="020B0604020202020204" pitchFamily="34" charset="0"/>
+                <a:cs typeface="Arial" panose="020B0604020202020204" pitchFamily="34" charset="0"/>
+              </a:rPr>
+              <a:t>La integración de sensores en tiempo real requiere mejoras en la infraestructura actual para soportar la transmisión continua de datos. Conlleva adaptaciones a los reactores actuales, ya que estos no poseen la tecnología necesaria para realizar los experimentos. Por lo tanto, es necesario adaptarse a los nuevos sensores que se necesitan instalar, y se debe modificar el funcionamiento de los reactores para incorporarlos sin interrumpir su operación normal.</a:t>
+            </a:r>
+          </a:p>
+          <a:p>
+            <a:pPr algn="just" rtl="0"/>
+            <a:endParaRPr lang="es-419" sz="2000" dirty="0">
+              <a:latin typeface="Arial" panose="020B0604020202020204" pitchFamily="34" charset="0"/>
+              <a:cs typeface="Arial" panose="020B0604020202020204" pitchFamily="34" charset="0"/>
+            </a:endParaRPr>
+          </a:p>
+          <a:p>
+            <a:pPr algn="just" rtl="0"/>
+            <a:r>
+              <a:rPr lang="es-419" sz="2000" dirty="0">
+                <a:latin typeface="Arial" panose="020B0604020202020204" pitchFamily="34" charset="0"/>
+                <a:cs typeface="Arial" panose="020B0604020202020204" pitchFamily="34" charset="0"/>
+              </a:rPr>
+              <a:t>Además, es fundamental garantizar la conectividad y encontrar sensores que puedan medir los parámetros requeridos, ya que no existen sensores que puedan medir todo lo deseado. El desafío técnico radica en encontrar esos sensores y lograr incorporarlos en los reactores que ya están en funcionamiento.</a:t>
+            </a:r>
+          </a:p>
+          <a:p>
+            <a:pPr rtl="0"/>
+            <a:endParaRPr lang="es-419" sz="2000" dirty="0">
+              <a:latin typeface="Arial" panose="020B0604020202020204" pitchFamily="34" charset="0"/>
+              <a:cs typeface="Arial" panose="020B0604020202020204" pitchFamily="34" charset="0"/>
+            </a:endParaRPr>
+          </a:p>
+          <a:p>
+            <a:pPr rtl="0"/>
+            <a:endParaRPr lang="es-419" sz="2000" dirty="0">
+              <a:latin typeface="Arial" panose="020B0604020202020204" pitchFamily="34" charset="0"/>
+              <a:cs typeface="Arial" panose="020B0604020202020204" pitchFamily="34" charset="0"/>
+            </a:endParaRPr>
+          </a:p>
+          <a:p>
+            <a:endParaRPr lang="es-US" dirty="0"/>
+          </a:p>
+        </p:txBody>
+      </p:sp>
     </p:spTree>
     <p:extLst>
       <p:ext uri="{BB962C8B-B14F-4D97-AF65-F5344CB8AC3E}">
@@ -49059,6 +54984,247 @@
 </file>
 
 <file path=ppt/slides/slide64.xml><?xml version="1.0" encoding="utf-8"?>
+<p:sld xmlns:a="http://schemas.openxmlformats.org/drawingml/2006/main" xmlns:r="http://schemas.openxmlformats.org/officeDocument/2006/relationships" xmlns:p="http://schemas.openxmlformats.org/presentationml/2006/main">
+  <p:cSld>
+    <p:bg>
+      <p:bgPr>
+        <a:solidFill>
+          <a:schemeClr val="accent5">
+            <a:lumMod val="20000"/>
+            <a:lumOff val="80000"/>
+          </a:schemeClr>
+        </a:solidFill>
+        <a:effectLst/>
+      </p:bgPr>
+    </p:bg>
+    <p:spTree>
+      <p:nvGrpSpPr>
+        <p:cNvPr id="1" name=""/>
+        <p:cNvGrpSpPr/>
+        <p:nvPr/>
+      </p:nvGrpSpPr>
+      <p:grpSpPr>
+        <a:xfrm>
+          <a:off x="0" y="0"/>
+          <a:ext cx="0" cy="0"/>
+          <a:chOff x="0" y="0"/>
+          <a:chExt cx="0" cy="0"/>
+        </a:xfrm>
+      </p:grpSpPr>
+      <p:sp>
+        <p:nvSpPr>
+          <p:cNvPr id="2" name="CuadroTexto 1">
+            <a:extLst>
+              <a:ext uri="{FF2B5EF4-FFF2-40B4-BE49-F238E27FC236}">
+                <a16:creationId xmlns:a16="http://schemas.microsoft.com/office/drawing/2014/main" id="{BD280A8B-469F-1E8A-97D1-9ACB7EAB7358}"/>
+              </a:ext>
+            </a:extLst>
+          </p:cNvPr>
+          <p:cNvSpPr txBox="1"/>
+          <p:nvPr/>
+        </p:nvSpPr>
+        <p:spPr>
+          <a:xfrm>
+            <a:off x="320842" y="1705451"/>
+            <a:ext cx="11550315" cy="3447098"/>
+          </a:xfrm>
+          <a:prstGeom prst="rect">
+            <a:avLst/>
+          </a:prstGeom>
+          <a:noFill/>
+        </p:spPr>
+        <p:txBody>
+          <a:bodyPr wrap="square" rtlCol="0">
+            <a:spAutoFit/>
+          </a:bodyPr>
+          <a:lstStyle/>
+          <a:p>
+            <a:pPr algn="just" rtl="0"/>
+            <a:r>
+              <a:rPr lang="es-419" sz="2000" dirty="0">
+                <a:latin typeface="Arial" panose="020B0604020202020204" pitchFamily="34" charset="0"/>
+                <a:cs typeface="Arial" panose="020B0604020202020204" pitchFamily="34" charset="0"/>
+              </a:rPr>
+              <a:t>Otro desafío es integrar las mediciones de esos sensores con el sistema actual. El sistema cuenta con una API que puede funcionar perfectamente y que se puede preparar para recibir los datos medidos por los sensores. Sin embargo, para ello es necesario un paso intermedio: una plataforma de Internet de las Cosas que permita recolectar las mediciones de los sensores y transmitirlas a esa plataforma. Posteriormente, dicha plataforma se comunicaría con la API para procesar los datos correctamente.</a:t>
+            </a:r>
+          </a:p>
+          <a:p>
+            <a:pPr algn="just" rtl="0"/>
+            <a:endParaRPr lang="es-419" sz="2000" dirty="0">
+              <a:latin typeface="Arial" panose="020B0604020202020204" pitchFamily="34" charset="0"/>
+              <a:cs typeface="Arial" panose="020B0604020202020204" pitchFamily="34" charset="0"/>
+            </a:endParaRPr>
+          </a:p>
+          <a:p>
+            <a:pPr marL="0" marR="0" lvl="0" indent="0" algn="just" defTabSz="914400" rtl="0" eaLnBrk="1" fontAlgn="auto" latinLnBrk="0" hangingPunct="1">
+              <a:lnSpc>
+                <a:spcPct val="100000"/>
+              </a:lnSpc>
+              <a:spcBef>
+                <a:spcPts val="0"/>
+              </a:spcBef>
+              <a:spcAft>
+                <a:spcPts val="0"/>
+              </a:spcAft>
+              <a:buClrTx/>
+              <a:buSzTx/>
+              <a:buFontTx/>
+              <a:buNone/>
+              <a:tabLst/>
+              <a:defRPr/>
+            </a:pPr>
+            <a:r>
+              <a:rPr lang="es-US" sz="2000" b="1" kern="100" dirty="0">
+                <a:effectLst/>
+                <a:latin typeface="Arial" panose="020B0604020202020204" pitchFamily="34" charset="0"/>
+                <a:ea typeface="Calibri" panose="020F0502020204030204" pitchFamily="34" charset="0"/>
+                <a:cs typeface="Arial" panose="020B0604020202020204" pitchFamily="34" charset="0"/>
+              </a:rPr>
+              <a:t>Desafíos Logísticos</a:t>
+            </a:r>
+            <a:r>
+              <a:rPr lang="es-US" sz="2000" kern="100" dirty="0">
+                <a:effectLst/>
+                <a:latin typeface="Arial" panose="020B0604020202020204" pitchFamily="34" charset="0"/>
+                <a:ea typeface="Calibri" panose="020F0502020204030204" pitchFamily="34" charset="0"/>
+                <a:cs typeface="Arial" panose="020B0604020202020204" pitchFamily="34" charset="0"/>
+              </a:rPr>
+              <a:t>: El mantenimiento de sensores en tiempo real requiere monitoreo constante, calibración y reemplazos ocasionales, lo cual incrementa los costos operativos. También puede ser necesario un mayor almacenamiento y ancho de banda para manejar los volúmenes de datos.</a:t>
+            </a:r>
+          </a:p>
+          <a:p>
+            <a:endParaRPr lang="es-US" dirty="0"/>
+          </a:p>
+        </p:txBody>
+      </p:sp>
+    </p:spTree>
+    <p:extLst>
+      <p:ext uri="{BB962C8B-B14F-4D97-AF65-F5344CB8AC3E}">
+        <p14:creationId xmlns:p14="http://schemas.microsoft.com/office/powerpoint/2010/main" val="4250278382"/>
+      </p:ext>
+    </p:extLst>
+  </p:cSld>
+  <p:clrMapOvr>
+    <a:masterClrMapping/>
+  </p:clrMapOvr>
+</p:sld>
+</file>
+
+<file path=ppt/slides/slide65.xml><?xml version="1.0" encoding="utf-8"?>
+<p:sld xmlns:a="http://schemas.openxmlformats.org/drawingml/2006/main" xmlns:r="http://schemas.openxmlformats.org/officeDocument/2006/relationships" xmlns:p="http://schemas.openxmlformats.org/presentationml/2006/main">
+  <p:cSld>
+    <p:bg>
+      <p:bgPr>
+        <a:solidFill>
+          <a:schemeClr val="accent5">
+            <a:lumMod val="20000"/>
+            <a:lumOff val="80000"/>
+          </a:schemeClr>
+        </a:solidFill>
+        <a:effectLst/>
+      </p:bgPr>
+    </p:bg>
+    <p:spTree>
+      <p:nvGrpSpPr>
+        <p:cNvPr id="1" name=""/>
+        <p:cNvGrpSpPr/>
+        <p:nvPr/>
+      </p:nvGrpSpPr>
+      <p:grpSpPr>
+        <a:xfrm>
+          <a:off x="0" y="0"/>
+          <a:ext cx="0" cy="0"/>
+          <a:chOff x="0" y="0"/>
+          <a:chExt cx="0" cy="0"/>
+        </a:xfrm>
+      </p:grpSpPr>
+      <p:sp>
+        <p:nvSpPr>
+          <p:cNvPr id="2" name="CuadroTexto 1">
+            <a:extLst>
+              <a:ext uri="{FF2B5EF4-FFF2-40B4-BE49-F238E27FC236}">
+                <a16:creationId xmlns:a16="http://schemas.microsoft.com/office/drawing/2014/main" id="{BD280A8B-469F-1E8A-97D1-9ACB7EAB7358}"/>
+              </a:ext>
+            </a:extLst>
+          </p:cNvPr>
+          <p:cNvSpPr txBox="1"/>
+          <p:nvPr/>
+        </p:nvSpPr>
+        <p:spPr>
+          <a:xfrm>
+            <a:off x="320842" y="1705451"/>
+            <a:ext cx="11550315" cy="3447098"/>
+          </a:xfrm>
+          <a:prstGeom prst="rect">
+            <a:avLst/>
+          </a:prstGeom>
+          <a:noFill/>
+        </p:spPr>
+        <p:txBody>
+          <a:bodyPr wrap="square" rtlCol="0">
+            <a:spAutoFit/>
+          </a:bodyPr>
+          <a:lstStyle/>
+          <a:p>
+            <a:pPr algn="just" rtl="0"/>
+            <a:r>
+              <a:rPr lang="es-419" sz="2000" b="1" dirty="0">
+                <a:latin typeface="Arial" panose="020B0604020202020204" pitchFamily="34" charset="0"/>
+                <a:cs typeface="Arial" panose="020B0604020202020204" pitchFamily="34" charset="0"/>
+              </a:rPr>
+              <a:t>Superación de Desafíos:</a:t>
+            </a:r>
+          </a:p>
+          <a:p>
+            <a:pPr algn="just" rtl="0"/>
+            <a:r>
+              <a:rPr lang="es-419" sz="2000" dirty="0">
+                <a:latin typeface="Arial" panose="020B0604020202020204" pitchFamily="34" charset="0"/>
+                <a:cs typeface="Arial" panose="020B0604020202020204" pitchFamily="34" charset="0"/>
+              </a:rPr>
+              <a:t>La implementación de marcos robustos para la integración de datos, el uso de almacenamiento en la nube y la utilización de técnicas de compresión de datos pueden ser clave para superar los desafíos técnicos. Además, un programa de mantenimiento regular garantizaría la confiabilidad y precisión del sistema.</a:t>
+            </a:r>
+          </a:p>
+          <a:p>
+            <a:pPr algn="just" rtl="0"/>
+            <a:endParaRPr lang="es-419" sz="2000" dirty="0">
+              <a:latin typeface="Arial" panose="020B0604020202020204" pitchFamily="34" charset="0"/>
+              <a:cs typeface="Arial" panose="020B0604020202020204" pitchFamily="34" charset="0"/>
+            </a:endParaRPr>
+          </a:p>
+          <a:p>
+            <a:pPr algn="just" rtl="0"/>
+            <a:r>
+              <a:rPr lang="es-419" sz="2000" dirty="0">
+                <a:latin typeface="Arial" panose="020B0604020202020204" pitchFamily="34" charset="0"/>
+                <a:cs typeface="Arial" panose="020B0604020202020204" pitchFamily="34" charset="0"/>
+              </a:rPr>
+              <a:t>Es fundamental asegurar el uso de una plataforma de Internet de las Cosas robusta que permita la recolección eficiente de los datos y garantice una buena integración con el sistema existente. Esto proporcionará una comunicación fluida entre los sensores y la API, facilitando el procesamiento y análisis de los datos.</a:t>
+            </a:r>
+            <a:endParaRPr lang="es-ES" sz="2000" dirty="0">
+              <a:latin typeface="Arial" panose="020B0604020202020204" pitchFamily="34" charset="0"/>
+              <a:cs typeface="Arial" panose="020B0604020202020204" pitchFamily="34" charset="0"/>
+            </a:endParaRPr>
+          </a:p>
+          <a:p>
+            <a:endParaRPr lang="es-US" dirty="0"/>
+          </a:p>
+        </p:txBody>
+      </p:sp>
+    </p:spTree>
+    <p:extLst>
+      <p:ext uri="{BB962C8B-B14F-4D97-AF65-F5344CB8AC3E}">
+        <p14:creationId xmlns:p14="http://schemas.microsoft.com/office/powerpoint/2010/main" val="3540136536"/>
+      </p:ext>
+    </p:extLst>
+  </p:cSld>
+  <p:clrMapOvr>
+    <a:masterClrMapping/>
+  </p:clrMapOvr>
+</p:sld>
+</file>
+
+<file path=ppt/slides/slide66.xml><?xml version="1.0" encoding="utf-8"?>
 <p:sld xmlns:a="http://schemas.openxmlformats.org/drawingml/2006/main" xmlns:r="http://schemas.openxmlformats.org/officeDocument/2006/relationships" xmlns:p="http://schemas.openxmlformats.org/presentationml/2006/main">
   <p:cSld>
     <p:bg>
@@ -49241,7 +55407,7 @@
 </p:sld>
 </file>
 
-<file path=ppt/slides/slide65.xml><?xml version="1.0" encoding="utf-8"?>
+<file path=ppt/slides/slide67.xml><?xml version="1.0" encoding="utf-8"?>
 <p:sld xmlns:a="http://schemas.openxmlformats.org/drawingml/2006/main" xmlns:r="http://schemas.openxmlformats.org/officeDocument/2006/relationships" xmlns:p="http://schemas.openxmlformats.org/presentationml/2006/main">
   <p:cSld>
     <p:bg>
@@ -49269,6 +55435,107 @@
           <a:chExt cx="0" cy="0"/>
         </a:xfrm>
       </p:grpSpPr>
+      <p:sp>
+        <p:nvSpPr>
+          <p:cNvPr id="7" name="CuadroTexto 6">
+            <a:extLst>
+              <a:ext uri="{FF2B5EF4-FFF2-40B4-BE49-F238E27FC236}">
+                <a16:creationId xmlns:a16="http://schemas.microsoft.com/office/drawing/2014/main" id="{305773F1-9D40-A58F-138E-39A2B268B55F}"/>
+              </a:ext>
+            </a:extLst>
+          </p:cNvPr>
+          <p:cNvSpPr txBox="1"/>
+          <p:nvPr/>
+        </p:nvSpPr>
+        <p:spPr>
+          <a:xfrm>
+            <a:off x="351923" y="1569306"/>
+            <a:ext cx="11488153" cy="4062651"/>
+          </a:xfrm>
+          <a:prstGeom prst="rect">
+            <a:avLst/>
+          </a:prstGeom>
+          <a:noFill/>
+        </p:spPr>
+        <p:txBody>
+          <a:bodyPr wrap="square" rtlCol="0">
+            <a:spAutoFit/>
+          </a:bodyPr>
+          <a:lstStyle/>
+          <a:p>
+            <a:pPr algn="just"/>
+            <a:r>
+              <a:rPr lang="es-419" sz="2400" dirty="0">
+                <a:latin typeface="Arial" panose="020B0604020202020204" pitchFamily="34" charset="0"/>
+                <a:cs typeface="Arial" panose="020B0604020202020204" pitchFamily="34" charset="0"/>
+              </a:rPr>
+              <a:t>El sistema no está diseñado para un entorno productivo, sino que está pensado para centros de investigación como el UDI-CEEPI. El impacto económico y social principal se verá reflejado en el ahorro de tiempo si se implementa el monitoreo en tiempo real. Este ahorro se refleja en varios aspectos:</a:t>
+            </a:r>
+          </a:p>
+          <a:p>
+            <a:pPr marL="285750" indent="-285750" algn="just">
+              <a:buFont typeface="Arial" panose="020B0604020202020204" pitchFamily="34" charset="0"/>
+              <a:buChar char="•"/>
+            </a:pPr>
+            <a:r>
+              <a:rPr lang="es-419" sz="2400" dirty="0">
+                <a:latin typeface="Arial" panose="020B0604020202020204" pitchFamily="34" charset="0"/>
+                <a:cs typeface="Arial" panose="020B0604020202020204" pitchFamily="34" charset="0"/>
+              </a:rPr>
+              <a:t>Ahorro de tiempo en análisis</a:t>
+            </a:r>
+          </a:p>
+          <a:p>
+            <a:pPr marL="285750" indent="-285750" algn="just">
+              <a:buFont typeface="Arial" panose="020B0604020202020204" pitchFamily="34" charset="0"/>
+              <a:buChar char="•"/>
+            </a:pPr>
+            <a:r>
+              <a:rPr lang="es-419" sz="2400" dirty="0">
+                <a:latin typeface="Arial" panose="020B0604020202020204" pitchFamily="34" charset="0"/>
+                <a:cs typeface="Arial" panose="020B0604020202020204" pitchFamily="34" charset="0"/>
+              </a:rPr>
+              <a:t>Reducción de traslados</a:t>
+            </a:r>
+          </a:p>
+          <a:p>
+            <a:pPr marL="285750" indent="-285750" algn="just">
+              <a:buFont typeface="Arial" panose="020B0604020202020204" pitchFamily="34" charset="0"/>
+              <a:buChar char="•"/>
+            </a:pPr>
+            <a:r>
+              <a:rPr lang="es-419" sz="2400" dirty="0">
+                <a:latin typeface="Arial" panose="020B0604020202020204" pitchFamily="34" charset="0"/>
+                <a:cs typeface="Arial" panose="020B0604020202020204" pitchFamily="34" charset="0"/>
+              </a:rPr>
+              <a:t>Ahorro en reactivos químicos</a:t>
+            </a:r>
+          </a:p>
+          <a:p>
+            <a:endParaRPr lang="es-419" b="1" dirty="0"/>
+          </a:p>
+          <a:p>
+            <a:endParaRPr lang="es-419" b="1" dirty="0"/>
+          </a:p>
+          <a:p>
+            <a:pPr marL="285750" indent="-285750">
+              <a:buFont typeface="Arial" panose="020B0604020202020204" pitchFamily="34" charset="0"/>
+              <a:buChar char="•"/>
+            </a:pPr>
+            <a:endParaRPr lang="es-419" dirty="0"/>
+          </a:p>
+          <a:p>
+            <a:pPr marL="285750" indent="-285750">
+              <a:buFont typeface="Arial" panose="020B0604020202020204" pitchFamily="34" charset="0"/>
+              <a:buChar char="•"/>
+            </a:pPr>
+            <a:endParaRPr lang="es-419" dirty="0"/>
+          </a:p>
+          <a:p>
+            <a:endParaRPr lang="es-US" dirty="0"/>
+          </a:p>
+        </p:txBody>
+      </p:sp>
     </p:spTree>
     <p:extLst>
       <p:ext uri="{BB962C8B-B14F-4D97-AF65-F5344CB8AC3E}">
@@ -49282,7 +55549,7 @@
 </p:sld>
 </file>
 
-<file path=ppt/slides/slide66.xml><?xml version="1.0" encoding="utf-8"?>
+<file path=ppt/slides/slide68.xml><?xml version="1.0" encoding="utf-8"?>
 <p:sld xmlns:a="http://schemas.openxmlformats.org/drawingml/2006/main" xmlns:r="http://schemas.openxmlformats.org/officeDocument/2006/relationships" xmlns:p="http://schemas.openxmlformats.org/presentationml/2006/main">
   <p:cSld>
     <p:bg>
@@ -49509,7 +55776,7 @@
 </p:sld>
 </file>
 
-<file path=ppt/slides/slide67.xml><?xml version="1.0" encoding="utf-8"?>
+<file path=ppt/slides/slide69.xml><?xml version="1.0" encoding="utf-8"?>
 <p:sld xmlns:a="http://schemas.openxmlformats.org/drawingml/2006/main" xmlns:r="http://schemas.openxmlformats.org/officeDocument/2006/relationships" xmlns:p="http://schemas.openxmlformats.org/presentationml/2006/main">
   <p:cSld>
     <p:bg>
@@ -49652,270 +55919,6 @@
     <p:extLst>
       <p:ext uri="{BB962C8B-B14F-4D97-AF65-F5344CB8AC3E}">
         <p14:creationId xmlns:p14="http://schemas.microsoft.com/office/powerpoint/2010/main" val="993609788"/>
-      </p:ext>
-    </p:extLst>
-  </p:cSld>
-  <p:clrMapOvr>
-    <a:masterClrMapping/>
-  </p:clrMapOvr>
-</p:sld>
-</file>
-
-<file path=ppt/slides/slide68.xml><?xml version="1.0" encoding="utf-8"?>
-<p:sld xmlns:a="http://schemas.openxmlformats.org/drawingml/2006/main" xmlns:r="http://schemas.openxmlformats.org/officeDocument/2006/relationships" xmlns:p="http://schemas.openxmlformats.org/presentationml/2006/main">
-  <p:cSld>
-    <p:bg>
-      <p:bgPr>
-        <a:solidFill>
-          <a:schemeClr val="accent5">
-            <a:lumMod val="20000"/>
-            <a:lumOff val="80000"/>
-          </a:schemeClr>
-        </a:solidFill>
-        <a:effectLst/>
-      </p:bgPr>
-    </p:bg>
-    <p:spTree>
-      <p:nvGrpSpPr>
-        <p:cNvPr id="1" name=""/>
-        <p:cNvGrpSpPr/>
-        <p:nvPr/>
-      </p:nvGrpSpPr>
-      <p:grpSpPr>
-        <a:xfrm>
-          <a:off x="0" y="0"/>
-          <a:ext cx="0" cy="0"/>
-          <a:chOff x="0" y="0"/>
-          <a:chExt cx="0" cy="0"/>
-        </a:xfrm>
-      </p:grpSpPr>
-      <p:graphicFrame>
-        <p:nvGraphicFramePr>
-          <p:cNvPr id="3" name="Diagrama 2">
-            <a:extLst>
-              <a:ext uri="{FF2B5EF4-FFF2-40B4-BE49-F238E27FC236}">
-                <a16:creationId xmlns:a16="http://schemas.microsoft.com/office/drawing/2014/main" id="{913A70E9-254D-84AB-0127-76A66A754391}"/>
-              </a:ext>
-            </a:extLst>
-          </p:cNvPr>
-          <p:cNvGraphicFramePr/>
-          <p:nvPr>
-            <p:extLst>
-              <p:ext uri="{D42A27DB-BD31-4B8C-83A1-F6EECF244321}">
-                <p14:modId xmlns:p14="http://schemas.microsoft.com/office/powerpoint/2010/main" val="1996784261"/>
-              </p:ext>
-            </p:extLst>
-          </p:nvPr>
-        </p:nvGraphicFramePr>
-        <p:xfrm>
-          <a:off x="1287379" y="719666"/>
-          <a:ext cx="9853863" cy="5418667"/>
-        </p:xfrm>
-        <a:graphic>
-          <a:graphicData uri="http://schemas.openxmlformats.org/drawingml/2006/diagram">
-            <dgm:relIds xmlns:dgm="http://schemas.openxmlformats.org/drawingml/2006/diagram" xmlns:r="http://schemas.openxmlformats.org/officeDocument/2006/relationships" r:dm="rId3" r:lo="rId4" r:qs="rId5" r:cs="rId6"/>
-          </a:graphicData>
-        </a:graphic>
-      </p:graphicFrame>
-    </p:spTree>
-    <p:extLst>
-      <p:ext uri="{BB962C8B-B14F-4D97-AF65-F5344CB8AC3E}">
-        <p14:creationId xmlns:p14="http://schemas.microsoft.com/office/powerpoint/2010/main" val="3874887363"/>
-      </p:ext>
-    </p:extLst>
-  </p:cSld>
-  <p:clrMapOvr>
-    <a:masterClrMapping/>
-  </p:clrMapOvr>
-</p:sld>
-</file>
-
-<file path=ppt/slides/slide69.xml><?xml version="1.0" encoding="utf-8"?>
-<p:sld xmlns:a="http://schemas.openxmlformats.org/drawingml/2006/main" xmlns:r="http://schemas.openxmlformats.org/officeDocument/2006/relationships" xmlns:p="http://schemas.openxmlformats.org/presentationml/2006/main">
-  <p:cSld>
-    <p:bg>
-      <p:bgPr>
-        <a:solidFill>
-          <a:schemeClr val="accent5">
-            <a:lumMod val="20000"/>
-            <a:lumOff val="80000"/>
-          </a:schemeClr>
-        </a:solidFill>
-        <a:effectLst/>
-      </p:bgPr>
-    </p:bg>
-    <p:spTree>
-      <p:nvGrpSpPr>
-        <p:cNvPr id="1" name=""/>
-        <p:cNvGrpSpPr/>
-        <p:nvPr/>
-      </p:nvGrpSpPr>
-      <p:grpSpPr>
-        <a:xfrm>
-          <a:off x="0" y="0"/>
-          <a:ext cx="0" cy="0"/>
-          <a:chOff x="0" y="0"/>
-          <a:chExt cx="0" cy="0"/>
-        </a:xfrm>
-      </p:grpSpPr>
-      <p:sp>
-        <p:nvSpPr>
-          <p:cNvPr id="4" name="CuadroTexto 3">
-            <a:extLst>
-              <a:ext uri="{FF2B5EF4-FFF2-40B4-BE49-F238E27FC236}">
-                <a16:creationId xmlns:a16="http://schemas.microsoft.com/office/drawing/2014/main" id="{CBB7AFBA-CD8C-AD2F-8088-4B18F9BC9446}"/>
-              </a:ext>
-            </a:extLst>
-          </p:cNvPr>
-          <p:cNvSpPr txBox="1"/>
-          <p:nvPr/>
-        </p:nvSpPr>
-        <p:spPr>
-          <a:xfrm>
-            <a:off x="1036721" y="2490281"/>
-            <a:ext cx="10118557" cy="1877437"/>
-          </a:xfrm>
-          <a:prstGeom prst="rect">
-            <a:avLst/>
-          </a:prstGeom>
-          <a:noFill/>
-        </p:spPr>
-        <p:txBody>
-          <a:bodyPr wrap="square" rtlCol="0">
-            <a:spAutoFit/>
-          </a:bodyPr>
-          <a:lstStyle/>
-          <a:p>
-            <a:pPr marR="0" lvl="0" algn="just" defTabSz="914400" rtl="0" eaLnBrk="1" fontAlgn="auto" latinLnBrk="0" hangingPunct="1">
-              <a:lnSpc>
-                <a:spcPct val="100000"/>
-              </a:lnSpc>
-              <a:spcBef>
-                <a:spcPts val="0"/>
-              </a:spcBef>
-              <a:spcAft>
-                <a:spcPts val="0"/>
-              </a:spcAft>
-              <a:buClrTx/>
-              <a:buSzTx/>
-              <a:tabLst/>
-              <a:defRPr/>
-            </a:pPr>
-            <a:r>
-              <a:rPr kumimoji="0" lang="es-419" sz="2800" b="0" i="0" u="none" strike="noStrike" kern="1200" cap="none" spc="0" normalizeH="0" baseline="0" noProof="0" dirty="0">
-                <a:ln>
-                  <a:noFill/>
-                </a:ln>
-                <a:solidFill>
-                  <a:prstClr val="black"/>
-                </a:solidFill>
-                <a:effectLst/>
-                <a:uLnTx/>
-                <a:uFillTx/>
-                <a:latin typeface="Arial" panose="020B0604020202020204" pitchFamily="34" charset="0"/>
-                <a:ea typeface="+mn-ea"/>
-                <a:cs typeface="Arial" panose="020B0604020202020204" pitchFamily="34" charset="0"/>
-              </a:rPr>
-              <a:t>b)¿Cómo se puede evaluar la calidad del modelo resultante en términos de claridad, completitud y corrección, y qué métricas podrían utilizarse para tal evaluación?</a:t>
-            </a:r>
-          </a:p>
-          <a:p>
-            <a:pPr marR="0" lvl="0" algn="l" defTabSz="914400" rtl="0" eaLnBrk="1" fontAlgn="auto" latinLnBrk="0" hangingPunct="1">
-              <a:lnSpc>
-                <a:spcPct val="100000"/>
-              </a:lnSpc>
-              <a:spcBef>
-                <a:spcPts val="0"/>
-              </a:spcBef>
-              <a:spcAft>
-                <a:spcPts val="0"/>
-              </a:spcAft>
-              <a:buClrTx/>
-              <a:buSzTx/>
-              <a:tabLst/>
-              <a:defRPr/>
-            </a:pPr>
-            <a:endParaRPr kumimoji="0" lang="es-US" sz="3200" b="0" i="0" u="none" strike="noStrike" kern="1200" cap="none" spc="0" normalizeH="0" baseline="0" noProof="0" dirty="0">
-              <a:ln>
-                <a:noFill/>
-              </a:ln>
-              <a:solidFill>
-                <a:prstClr val="black"/>
-              </a:solidFill>
-              <a:effectLst/>
-              <a:uLnTx/>
-              <a:uFillTx/>
-              <a:latin typeface="Arial" panose="020B0604020202020204" pitchFamily="34" charset="0"/>
-              <a:ea typeface="+mn-ea"/>
-              <a:cs typeface="Arial" panose="020B0604020202020204" pitchFamily="34" charset="0"/>
-            </a:endParaRPr>
-          </a:p>
-        </p:txBody>
-      </p:sp>
-      <p:pic>
-        <p:nvPicPr>
-          <p:cNvPr id="6" name="Imagen 5">
-            <a:extLst>
-              <a:ext uri="{FF2B5EF4-FFF2-40B4-BE49-F238E27FC236}">
-                <a16:creationId xmlns:a16="http://schemas.microsoft.com/office/drawing/2014/main" id="{3125A663-751E-96B9-3616-BA8AD048C51E}"/>
-              </a:ext>
-            </a:extLst>
-          </p:cNvPr>
-          <p:cNvPicPr>
-            <a:picLocks noChangeAspect="1"/>
-          </p:cNvPicPr>
-          <p:nvPr/>
-        </p:nvPicPr>
-        <p:blipFill>
-          <a:blip r:embed="rId3"/>
-          <a:stretch>
-            <a:fillRect/>
-          </a:stretch>
-        </p:blipFill>
-        <p:spPr>
-          <a:xfrm>
-            <a:off x="9389341" y="468685"/>
-            <a:ext cx="1737511" cy="1737511"/>
-          </a:xfrm>
-          <a:prstGeom prst="rect">
-            <a:avLst/>
-          </a:prstGeom>
-        </p:spPr>
-      </p:pic>
-      <p:pic>
-        <p:nvPicPr>
-          <p:cNvPr id="7" name="Imagen 6">
-            <a:extLst>
-              <a:ext uri="{FF2B5EF4-FFF2-40B4-BE49-F238E27FC236}">
-                <a16:creationId xmlns:a16="http://schemas.microsoft.com/office/drawing/2014/main" id="{4B3C8370-4371-4919-522D-4C35786DF1E6}"/>
-              </a:ext>
-            </a:extLst>
-          </p:cNvPr>
-          <p:cNvPicPr>
-            <a:picLocks noChangeAspect="1"/>
-          </p:cNvPicPr>
-          <p:nvPr/>
-        </p:nvPicPr>
-        <p:blipFill>
-          <a:blip r:embed="rId4"/>
-          <a:stretch>
-            <a:fillRect/>
-          </a:stretch>
-        </p:blipFill>
-        <p:spPr>
-          <a:xfrm>
-            <a:off x="0" y="4169983"/>
-            <a:ext cx="2322777" cy="2322777"/>
-          </a:xfrm>
-          <a:prstGeom prst="rect">
-            <a:avLst/>
-          </a:prstGeom>
-        </p:spPr>
-      </p:pic>
-    </p:spTree>
-    <p:extLst>
-      <p:ext uri="{BB962C8B-B14F-4D97-AF65-F5344CB8AC3E}">
-        <p14:creationId xmlns:p14="http://schemas.microsoft.com/office/powerpoint/2010/main" val="2367028184"/>
       </p:ext>
     </p:extLst>
   </p:cSld>
@@ -50850,6 +56853,270 @@
           <p:cNvPr id="3" name="Diagrama 2">
             <a:extLst>
               <a:ext uri="{FF2B5EF4-FFF2-40B4-BE49-F238E27FC236}">
+                <a16:creationId xmlns:a16="http://schemas.microsoft.com/office/drawing/2014/main" id="{913A70E9-254D-84AB-0127-76A66A754391}"/>
+              </a:ext>
+            </a:extLst>
+          </p:cNvPr>
+          <p:cNvGraphicFramePr/>
+          <p:nvPr>
+            <p:extLst>
+              <p:ext uri="{D42A27DB-BD31-4B8C-83A1-F6EECF244321}">
+                <p14:modId xmlns:p14="http://schemas.microsoft.com/office/powerpoint/2010/main" val="1996784261"/>
+              </p:ext>
+            </p:extLst>
+          </p:nvPr>
+        </p:nvGraphicFramePr>
+        <p:xfrm>
+          <a:off x="1287379" y="719666"/>
+          <a:ext cx="9853863" cy="5418667"/>
+        </p:xfrm>
+        <a:graphic>
+          <a:graphicData uri="http://schemas.openxmlformats.org/drawingml/2006/diagram">
+            <dgm:relIds xmlns:dgm="http://schemas.openxmlformats.org/drawingml/2006/diagram" xmlns:r="http://schemas.openxmlformats.org/officeDocument/2006/relationships" r:dm="rId3" r:lo="rId4" r:qs="rId5" r:cs="rId6"/>
+          </a:graphicData>
+        </a:graphic>
+      </p:graphicFrame>
+    </p:spTree>
+    <p:extLst>
+      <p:ext uri="{BB962C8B-B14F-4D97-AF65-F5344CB8AC3E}">
+        <p14:creationId xmlns:p14="http://schemas.microsoft.com/office/powerpoint/2010/main" val="3874887363"/>
+      </p:ext>
+    </p:extLst>
+  </p:cSld>
+  <p:clrMapOvr>
+    <a:masterClrMapping/>
+  </p:clrMapOvr>
+</p:sld>
+</file>
+
+<file path=ppt/slides/slide71.xml><?xml version="1.0" encoding="utf-8"?>
+<p:sld xmlns:a="http://schemas.openxmlformats.org/drawingml/2006/main" xmlns:r="http://schemas.openxmlformats.org/officeDocument/2006/relationships" xmlns:p="http://schemas.openxmlformats.org/presentationml/2006/main">
+  <p:cSld>
+    <p:bg>
+      <p:bgPr>
+        <a:solidFill>
+          <a:schemeClr val="accent5">
+            <a:lumMod val="20000"/>
+            <a:lumOff val="80000"/>
+          </a:schemeClr>
+        </a:solidFill>
+        <a:effectLst/>
+      </p:bgPr>
+    </p:bg>
+    <p:spTree>
+      <p:nvGrpSpPr>
+        <p:cNvPr id="1" name=""/>
+        <p:cNvGrpSpPr/>
+        <p:nvPr/>
+      </p:nvGrpSpPr>
+      <p:grpSpPr>
+        <a:xfrm>
+          <a:off x="0" y="0"/>
+          <a:ext cx="0" cy="0"/>
+          <a:chOff x="0" y="0"/>
+          <a:chExt cx="0" cy="0"/>
+        </a:xfrm>
+      </p:grpSpPr>
+      <p:sp>
+        <p:nvSpPr>
+          <p:cNvPr id="4" name="CuadroTexto 3">
+            <a:extLst>
+              <a:ext uri="{FF2B5EF4-FFF2-40B4-BE49-F238E27FC236}">
+                <a16:creationId xmlns:a16="http://schemas.microsoft.com/office/drawing/2014/main" id="{CBB7AFBA-CD8C-AD2F-8088-4B18F9BC9446}"/>
+              </a:ext>
+            </a:extLst>
+          </p:cNvPr>
+          <p:cNvSpPr txBox="1"/>
+          <p:nvPr/>
+        </p:nvSpPr>
+        <p:spPr>
+          <a:xfrm>
+            <a:off x="1036721" y="2490281"/>
+            <a:ext cx="10118557" cy="1877437"/>
+          </a:xfrm>
+          <a:prstGeom prst="rect">
+            <a:avLst/>
+          </a:prstGeom>
+          <a:noFill/>
+        </p:spPr>
+        <p:txBody>
+          <a:bodyPr wrap="square" rtlCol="0">
+            <a:spAutoFit/>
+          </a:bodyPr>
+          <a:lstStyle/>
+          <a:p>
+            <a:pPr marR="0" lvl="0" algn="just" defTabSz="914400" rtl="0" eaLnBrk="1" fontAlgn="auto" latinLnBrk="0" hangingPunct="1">
+              <a:lnSpc>
+                <a:spcPct val="100000"/>
+              </a:lnSpc>
+              <a:spcBef>
+                <a:spcPts val="0"/>
+              </a:spcBef>
+              <a:spcAft>
+                <a:spcPts val="0"/>
+              </a:spcAft>
+              <a:buClrTx/>
+              <a:buSzTx/>
+              <a:tabLst/>
+              <a:defRPr/>
+            </a:pPr>
+            <a:r>
+              <a:rPr kumimoji="0" lang="es-419" sz="2800" b="0" i="0" u="none" strike="noStrike" kern="1200" cap="none" spc="0" normalizeH="0" baseline="0" noProof="0" dirty="0">
+                <a:ln>
+                  <a:noFill/>
+                </a:ln>
+                <a:solidFill>
+                  <a:prstClr val="black"/>
+                </a:solidFill>
+                <a:effectLst/>
+                <a:uLnTx/>
+                <a:uFillTx/>
+                <a:latin typeface="Arial" panose="020B0604020202020204" pitchFamily="34" charset="0"/>
+                <a:ea typeface="+mn-ea"/>
+                <a:cs typeface="Arial" panose="020B0604020202020204" pitchFamily="34" charset="0"/>
+              </a:rPr>
+              <a:t>b)¿Cómo se puede evaluar la calidad del modelo resultante en términos de claridad, completitud y corrección, y qué métricas podrían utilizarse para tal evaluación?</a:t>
+            </a:r>
+          </a:p>
+          <a:p>
+            <a:pPr marR="0" lvl="0" algn="l" defTabSz="914400" rtl="0" eaLnBrk="1" fontAlgn="auto" latinLnBrk="0" hangingPunct="1">
+              <a:lnSpc>
+                <a:spcPct val="100000"/>
+              </a:lnSpc>
+              <a:spcBef>
+                <a:spcPts val="0"/>
+              </a:spcBef>
+              <a:spcAft>
+                <a:spcPts val="0"/>
+              </a:spcAft>
+              <a:buClrTx/>
+              <a:buSzTx/>
+              <a:tabLst/>
+              <a:defRPr/>
+            </a:pPr>
+            <a:endParaRPr kumimoji="0" lang="es-US" sz="3200" b="0" i="0" u="none" strike="noStrike" kern="1200" cap="none" spc="0" normalizeH="0" baseline="0" noProof="0" dirty="0">
+              <a:ln>
+                <a:noFill/>
+              </a:ln>
+              <a:solidFill>
+                <a:prstClr val="black"/>
+              </a:solidFill>
+              <a:effectLst/>
+              <a:uLnTx/>
+              <a:uFillTx/>
+              <a:latin typeface="Arial" panose="020B0604020202020204" pitchFamily="34" charset="0"/>
+              <a:ea typeface="+mn-ea"/>
+              <a:cs typeface="Arial" panose="020B0604020202020204" pitchFamily="34" charset="0"/>
+            </a:endParaRPr>
+          </a:p>
+        </p:txBody>
+      </p:sp>
+      <p:pic>
+        <p:nvPicPr>
+          <p:cNvPr id="6" name="Imagen 5">
+            <a:extLst>
+              <a:ext uri="{FF2B5EF4-FFF2-40B4-BE49-F238E27FC236}">
+                <a16:creationId xmlns:a16="http://schemas.microsoft.com/office/drawing/2014/main" id="{3125A663-751E-96B9-3616-BA8AD048C51E}"/>
+              </a:ext>
+            </a:extLst>
+          </p:cNvPr>
+          <p:cNvPicPr>
+            <a:picLocks noChangeAspect="1"/>
+          </p:cNvPicPr>
+          <p:nvPr/>
+        </p:nvPicPr>
+        <p:blipFill>
+          <a:blip r:embed="rId3"/>
+          <a:stretch>
+            <a:fillRect/>
+          </a:stretch>
+        </p:blipFill>
+        <p:spPr>
+          <a:xfrm>
+            <a:off x="9389341" y="468685"/>
+            <a:ext cx="1737511" cy="1737511"/>
+          </a:xfrm>
+          <a:prstGeom prst="rect">
+            <a:avLst/>
+          </a:prstGeom>
+        </p:spPr>
+      </p:pic>
+      <p:pic>
+        <p:nvPicPr>
+          <p:cNvPr id="7" name="Imagen 6">
+            <a:extLst>
+              <a:ext uri="{FF2B5EF4-FFF2-40B4-BE49-F238E27FC236}">
+                <a16:creationId xmlns:a16="http://schemas.microsoft.com/office/drawing/2014/main" id="{4B3C8370-4371-4919-522D-4C35786DF1E6}"/>
+              </a:ext>
+            </a:extLst>
+          </p:cNvPr>
+          <p:cNvPicPr>
+            <a:picLocks noChangeAspect="1"/>
+          </p:cNvPicPr>
+          <p:nvPr/>
+        </p:nvPicPr>
+        <p:blipFill>
+          <a:blip r:embed="rId4"/>
+          <a:stretch>
+            <a:fillRect/>
+          </a:stretch>
+        </p:blipFill>
+        <p:spPr>
+          <a:xfrm>
+            <a:off x="0" y="4169983"/>
+            <a:ext cx="2322777" cy="2322777"/>
+          </a:xfrm>
+          <a:prstGeom prst="rect">
+            <a:avLst/>
+          </a:prstGeom>
+        </p:spPr>
+      </p:pic>
+    </p:spTree>
+    <p:extLst>
+      <p:ext uri="{BB962C8B-B14F-4D97-AF65-F5344CB8AC3E}">
+        <p14:creationId xmlns:p14="http://schemas.microsoft.com/office/powerpoint/2010/main" val="2367028184"/>
+      </p:ext>
+    </p:extLst>
+  </p:cSld>
+  <p:clrMapOvr>
+    <a:masterClrMapping/>
+  </p:clrMapOvr>
+</p:sld>
+</file>
+
+<file path=ppt/slides/slide72.xml><?xml version="1.0" encoding="utf-8"?>
+<p:sld xmlns:a="http://schemas.openxmlformats.org/drawingml/2006/main" xmlns:r="http://schemas.openxmlformats.org/officeDocument/2006/relationships" xmlns:p="http://schemas.openxmlformats.org/presentationml/2006/main">
+  <p:cSld>
+    <p:bg>
+      <p:bgPr>
+        <a:solidFill>
+          <a:schemeClr val="accent5">
+            <a:lumMod val="20000"/>
+            <a:lumOff val="80000"/>
+          </a:schemeClr>
+        </a:solidFill>
+        <a:effectLst/>
+      </p:bgPr>
+    </p:bg>
+    <p:spTree>
+      <p:nvGrpSpPr>
+        <p:cNvPr id="1" name=""/>
+        <p:cNvGrpSpPr/>
+        <p:nvPr/>
+      </p:nvGrpSpPr>
+      <p:grpSpPr>
+        <a:xfrm>
+          <a:off x="0" y="0"/>
+          <a:ext cx="0" cy="0"/>
+          <a:chOff x="0" y="0"/>
+          <a:chExt cx="0" cy="0"/>
+        </a:xfrm>
+      </p:grpSpPr>
+      <p:graphicFrame>
+        <p:nvGraphicFramePr>
+          <p:cNvPr id="3" name="Diagrama 2">
+            <a:extLst>
+              <a:ext uri="{FF2B5EF4-FFF2-40B4-BE49-F238E27FC236}">
                 <a16:creationId xmlns:a16="http://schemas.microsoft.com/office/drawing/2014/main" id="{C8118D7C-A1F6-4CD6-325D-9D9CFEBE59A5}"/>
               </a:ext>
             </a:extLst>
@@ -51012,7 +57279,7 @@
 </p:sld>
 </file>
 
-<file path=ppt/slides/slide71.xml><?xml version="1.0" encoding="utf-8"?>
+<file path=ppt/slides/slide73.xml><?xml version="1.0" encoding="utf-8"?>
 <p:sld xmlns:a="http://schemas.openxmlformats.org/drawingml/2006/main" xmlns:r="http://schemas.openxmlformats.org/officeDocument/2006/relationships" xmlns:p="http://schemas.openxmlformats.org/presentationml/2006/main">
   <p:cSld>
     <p:bg>
@@ -52323,7 +58590,7 @@
                 <a:latin typeface="Arial"/>
                 <a:sym typeface="Quicksand"/>
               </a:rPr>
-              <a:t>Tecnologías y herramientas a utilizar </a:t>
+              <a:t>Tecnologías y herramientas </a:t>
             </a:r>
             <a:endParaRPr kumimoji="0" lang="es-419" sz="3600" b="1" i="0" u="none" strike="noStrike" kern="0" cap="none" spc="0" normalizeH="0" baseline="0" noProof="0" dirty="0">
               <a:ln>
